--- a/docker-tutorial.pptx
+++ b/docker-tutorial.pptx
@@ -55,6 +55,8 @@
     <p:sldId id="300" r:id="rId52"/>
     <p:sldId id="301" r:id="rId53"/>
     <p:sldId id="302" r:id="rId54"/>
+    <p:sldId id="303" r:id="rId55"/>
+    <p:sldId id="304" r:id="rId56"/>
   </p:sldIdLst>
   <p:sldSz cx="24384000" cy="13716000"/>
   <p:notesSz cx="6858000" cy="9144000"/>
@@ -3085,7 +3087,7 @@
       </p:grpSpPr>
       <p:sp>
         <p:nvSpPr>
-          <p:cNvPr id="158" name="Docker Command"/>
+          <p:cNvPr id="158" name="Hands-on"/>
           <p:cNvSpPr txBox="1"/>
           <p:nvPr>
             <p:ph type="title"/>
@@ -3102,14 +3104,14 @@
           <a:p>
             <a:pPr/>
             <a:r>
-              <a:t>Docker Command</a:t>
+              <a:t>Hands-on</a:t>
             </a:r>
           </a:p>
         </p:txBody>
       </p:sp>
       <p:sp>
         <p:nvSpPr>
-          <p:cNvPr id="159" name="docker run [image name]:[tag name]…"/>
+          <p:cNvPr id="159" name="Github Repo docker-tutorial…"/>
           <p:cNvSpPr txBox="1"/>
           <p:nvPr>
             <p:ph type="body" idx="1"/>
@@ -3126,61 +3128,22 @@
           <a:p>
             <a:pPr/>
             <a:r>
-              <a:t>docker run [image name]:[tag name]</a:t>
+              <a:t>Github Repo </a:t>
+            </a:r>
+            <a:r>
+              <a:rPr u="sng">
+                <a:solidFill>
+                  <a:schemeClr val="accent1"/>
+                </a:solidFill>
+                <a:hlinkClick r:id="rId2" invalidUrl="" action="" tgtFrame="" tooltip="" history="1" highlightClick="0" endSnd="0"/>
+              </a:rPr>
+              <a:t>docker-tutorial</a:t>
             </a:r>
           </a:p>
           <a:p>
             <a:pPr lvl="1"/>
             <a:r>
-              <a:t>指定一個 Image 啟動 Container，不指定 tag 時自動使用 latest tag</a:t>
-            </a:r>
-          </a:p>
-          <a:p>
-            <a:pPr/>
-            <a:r>
-              <a:t>docker images</a:t>
-            </a:r>
-          </a:p>
-          <a:p>
-            <a:pPr lvl="1"/>
-            <a:r>
-              <a:t>列出本機已下載的 Image</a:t>
-            </a:r>
-          </a:p>
-          <a:p>
-            <a:pPr lvl="1"/>
-            <a:r>
-              <a:t>欄位說明</a:t>
-            </a:r>
-          </a:p>
-          <a:p>
-            <a:pPr lvl="2"/>
-            <a:r>
-              <a:t>REPOSITORY - Image 名稱</a:t>
-            </a:r>
-          </a:p>
-          <a:p>
-            <a:pPr lvl="2"/>
-            <a:r>
-              <a:t>TAG - Image 的版本，同個名稱可以有多個 tag</a:t>
-            </a:r>
-          </a:p>
-          <a:p>
-            <a:pPr lvl="2"/>
-            <a:r>
-              <a:t>IMAGE ID - Image 的 Unique ID，值為 Image 的 JSON config SHA256 Hash</a:t>
-            </a:r>
-          </a:p>
-          <a:p>
-            <a:pPr lvl="2"/>
-            <a:r>
-              <a:t>CREATED - Image 打包的時間</a:t>
-            </a:r>
-          </a:p>
-          <a:p>
-            <a:pPr lvl="2"/>
-            <a:r>
-              <a:t>SIZE - Image 的大小</a:t>
+              <a:t>docker-101/0-run-container</a:t>
             </a:r>
           </a:p>
         </p:txBody>
@@ -3237,7 +3200,7 @@
       </p:sp>
       <p:sp>
         <p:nvSpPr>
-          <p:cNvPr id="162" name="docker ps -a…"/>
+          <p:cNvPr id="162" name="docker run [image name]:[tag name]…"/>
           <p:cNvSpPr txBox="1"/>
           <p:nvPr>
             <p:ph type="body" idx="1"/>
@@ -3252,146 +3215,63 @@
           <a:bodyPr/>
           <a:lstStyle/>
           <a:p>
-            <a:pPr marL="565150" indent="-565150" defTabSz="734694">
-              <a:spcBef>
-                <a:spcPts val="1200"/>
-              </a:spcBef>
-              <a:defRPr sz="4272"/>
-            </a:pPr>
-            <a:r>
-              <a:t>docker ps -a</a:t>
-            </a:r>
-          </a:p>
-          <a:p>
-            <a:pPr lvl="1" marL="1130300" indent="-565150" defTabSz="734694">
-              <a:spcBef>
-                <a:spcPts val="1200"/>
-              </a:spcBef>
-              <a:defRPr sz="3738"/>
-            </a:pPr>
-            <a:r>
-              <a:t>列出本機所有的 Container，沒有 -a 時只會列出狀態為 running 的 Container</a:t>
-            </a:r>
-          </a:p>
-          <a:p>
-            <a:pPr lvl="1" marL="1130300" indent="-565150" defTabSz="734694">
-              <a:spcBef>
-                <a:spcPts val="1200"/>
-              </a:spcBef>
-              <a:defRPr sz="3738"/>
-            </a:pPr>
+            <a:pPr/>
+            <a:r>
+              <a:t>docker run [image name]:[tag name]</a:t>
+            </a:r>
+          </a:p>
+          <a:p>
+            <a:pPr lvl="1"/>
+            <a:r>
+              <a:t>指定一個 Image 啟動 Container，不指定 tag 時自動使用 latest tag</a:t>
+            </a:r>
+          </a:p>
+          <a:p>
+            <a:pPr/>
+            <a:r>
+              <a:t>docker images</a:t>
+            </a:r>
+          </a:p>
+          <a:p>
+            <a:pPr lvl="1"/>
+            <a:r>
+              <a:t>列出本機已下載的 Image</a:t>
+            </a:r>
+          </a:p>
+          <a:p>
+            <a:pPr lvl="1"/>
             <a:r>
               <a:t>欄位說明</a:t>
             </a:r>
           </a:p>
           <a:p>
-            <a:pPr lvl="2" marL="1695450" indent="-565150" defTabSz="734694">
-              <a:spcBef>
-                <a:spcPts val="1200"/>
-              </a:spcBef>
-              <a:defRPr sz="3204"/>
-            </a:pPr>
-            <a:r>
-              <a:t>CONTAINER ID - Container 的 Unique ID</a:t>
-            </a:r>
-          </a:p>
-          <a:p>
-            <a:pPr lvl="2" marL="1695450" indent="-565150" defTabSz="734694">
-              <a:spcBef>
-                <a:spcPts val="1200"/>
-              </a:spcBef>
-              <a:defRPr sz="3204"/>
-            </a:pPr>
-            <a:r>
-              <a:t>IMAGE - Container 使用的 Image</a:t>
-            </a:r>
-          </a:p>
-          <a:p>
-            <a:pPr lvl="2" marL="1695450" indent="-565150" defTabSz="734694">
-              <a:spcBef>
-                <a:spcPts val="1200"/>
-              </a:spcBef>
-              <a:defRPr sz="3204"/>
-            </a:pPr>
-            <a:r>
-              <a:t>COMMAND - Container 啟動時執行的 Command</a:t>
-            </a:r>
-          </a:p>
-          <a:p>
-            <a:pPr lvl="2" marL="1695450" indent="-565150" defTabSz="734694">
-              <a:spcBef>
-                <a:spcPts val="1200"/>
-              </a:spcBef>
-              <a:defRPr sz="3204"/>
-            </a:pPr>
-            <a:r>
-              <a:t>CREATED - Container 已運行時間</a:t>
-            </a:r>
-          </a:p>
-          <a:p>
-            <a:pPr lvl="2" marL="1695450" indent="-565150" defTabSz="734694">
-              <a:spcBef>
-                <a:spcPts val="1200"/>
-              </a:spcBef>
-              <a:defRPr sz="3204"/>
-            </a:pPr>
-            <a:r>
-              <a:t>STATUS - Container 狀態，常見有下面三個</a:t>
-            </a:r>
-          </a:p>
-          <a:p>
-            <a:pPr lvl="3" marL="2260600" indent="-565150" defTabSz="734694">
-              <a:spcBef>
-                <a:spcPts val="1200"/>
-              </a:spcBef>
-              <a:defRPr sz="2670"/>
-            </a:pPr>
-            <a:r>
-              <a:t>restarting - Restarting (times) xxx minutes ago</a:t>
-            </a:r>
-          </a:p>
-          <a:p>
-            <a:pPr lvl="3" marL="2260600" indent="-565150" defTabSz="734694">
-              <a:spcBef>
-                <a:spcPts val="1200"/>
-              </a:spcBef>
-              <a:defRPr sz="2670"/>
-            </a:pPr>
-            <a:r>
-              <a:t>running - Up xxx minutes</a:t>
-            </a:r>
-          </a:p>
-          <a:p>
-            <a:pPr lvl="3" marL="2260600" indent="-565150" defTabSz="734694">
-              <a:spcBef>
-                <a:spcPts val="1200"/>
-              </a:spcBef>
-              <a:defRPr sz="2670"/>
-            </a:pPr>
-            <a:r>
-              <a:t>exited - Exited (exit code) xxx minutes ago</a:t>
-            </a:r>
-          </a:p>
-          <a:p>
-            <a:pPr lvl="2" marL="1695450" indent="-565150" defTabSz="734694">
-              <a:spcBef>
-                <a:spcPts val="1200"/>
-              </a:spcBef>
-              <a:defRPr sz="3204"/>
-            </a:pPr>
-            <a:r>
-              <a:t>PORTS - Container 與 Host 的 port proxy</a:t>
-            </a:r>
-          </a:p>
-          <a:p>
-            <a:pPr lvl="2" marL="1695450" indent="-565150" defTabSz="734694">
-              <a:spcBef>
-                <a:spcPts val="1200"/>
-              </a:spcBef>
-              <a:defRPr sz="3204"/>
-            </a:pPr>
-            <a:r>
-              <a:t>NAMES - 建立 Container 未指定名稱時，預設為兩個隨機單字以底線組合作為名稱</a:t>
+            <a:pPr lvl="2"/>
+            <a:r>
+              <a:t>REPOSITORY - Image 名稱</a:t>
+            </a:r>
+          </a:p>
+          <a:p>
+            <a:pPr lvl="2"/>
+            <a:r>
+              <a:t>TAG - Image 的版本，同個名稱可以有多個 tag</a:t>
+            </a:r>
+          </a:p>
+          <a:p>
+            <a:pPr lvl="2"/>
+            <a:r>
+              <a:t>IMAGE ID - Image 的 Unique ID，值為 Image 的 JSON config SHA256 Hash</a:t>
+            </a:r>
+          </a:p>
+          <a:p>
+            <a:pPr lvl="2"/>
+            <a:r>
+              <a:t>CREATED - Image 打包的時間</a:t>
+            </a:r>
+          </a:p>
+          <a:p>
+            <a:pPr lvl="2"/>
+            <a:r>
+              <a:t>SIZE - Image 的大小</a:t>
             </a:r>
           </a:p>
         </p:txBody>
@@ -3424,7 +3304,7 @@
       </p:grpSpPr>
       <p:sp>
         <p:nvSpPr>
-          <p:cNvPr id="164" name="Container Registry / Repository"/>
+          <p:cNvPr id="164" name="Docker Command"/>
           <p:cNvSpPr txBox="1"/>
           <p:nvPr>
             <p:ph type="title"/>
@@ -3441,14 +3321,14 @@
           <a:p>
             <a:pPr/>
             <a:r>
-              <a:t>Container Registry / Repository</a:t>
+              <a:t>Docker Command</a:t>
             </a:r>
           </a:p>
         </p:txBody>
       </p:sp>
       <p:sp>
         <p:nvSpPr>
-          <p:cNvPr id="165" name="Container Registry (Repository) 可以上傳與下載 Container Image…"/>
+          <p:cNvPr id="165" name="docker ps -a…"/>
           <p:cNvSpPr txBox="1"/>
           <p:nvPr>
             <p:ph type="body" idx="1"/>
@@ -3463,243 +3343,150 @@
           <a:bodyPr/>
           <a:lstStyle/>
           <a:p>
-            <a:pPr marL="577850" indent="-577850" defTabSz="751205">
+            <a:pPr marL="565150" indent="-565150" defTabSz="734694">
               <a:spcBef>
                 <a:spcPts val="1200"/>
               </a:spcBef>
-              <a:defRPr sz="4368"/>
+              <a:defRPr sz="4272"/>
             </a:pPr>
             <a:r>
-              <a:t>Container Registry (Repository) 可以上傳與下載 Container Image</a:t>
-            </a:r>
-          </a:p>
-          <a:p>
-            <a:pPr marL="577850" indent="-577850" defTabSz="751205">
+              <a:t>docker ps -a</a:t>
+            </a:r>
+          </a:p>
+          <a:p>
+            <a:pPr lvl="1" marL="1130300" indent="-565150" defTabSz="734694">
               <a:spcBef>
                 <a:spcPts val="1200"/>
               </a:spcBef>
-              <a:defRPr sz="4368"/>
+              <a:defRPr sz="3738"/>
             </a:pPr>
             <a:r>
-              <a:t>SaaS</a:t>
-            </a:r>
-          </a:p>
-          <a:p>
-            <a:pPr lvl="1" marL="1155700" indent="-577850" defTabSz="751205">
+              <a:t>列出本機所有的 Container，沒有 -a 時只會列出狀態為 running 的 Container</a:t>
+            </a:r>
+          </a:p>
+          <a:p>
+            <a:pPr lvl="1" marL="1130300" indent="-565150" defTabSz="734694">
               <a:spcBef>
                 <a:spcPts val="1200"/>
               </a:spcBef>
-              <a:defRPr sz="3822"/>
+              <a:defRPr sz="3738"/>
             </a:pPr>
             <a:r>
-              <a:rPr u="sng">
-                <a:hlinkClick r:id="rId2" invalidUrl="" action="" tgtFrame="" tooltip="" history="1" highlightClick="0" endSnd="0"/>
-              </a:rPr>
-              <a:t>Docker Hub</a:t>
-            </a:r>
-          </a:p>
-          <a:p>
-            <a:pPr lvl="2" marL="1733550" indent="-577850" defTabSz="751205">
+              <a:t>欄位說明</a:t>
+            </a:r>
+          </a:p>
+          <a:p>
+            <a:pPr lvl="2" marL="1695450" indent="-565150" defTabSz="734694">
               <a:spcBef>
                 <a:spcPts val="1200"/>
               </a:spcBef>
-              <a:defRPr sz="3276"/>
+              <a:defRPr sz="3204"/>
             </a:pPr>
             <a:r>
-              <a:t>Docker 預設的 Container Registry，由 Docker, Inc 維運</a:t>
-            </a:r>
-          </a:p>
-          <a:p>
-            <a:pPr lvl="2" marL="1733550" indent="-577850" defTabSz="751205">
+              <a:t>CONTAINER ID - Container 的 Unique ID</a:t>
+            </a:r>
+          </a:p>
+          <a:p>
+            <a:pPr lvl="2" marL="1695450" indent="-565150" defTabSz="734694">
               <a:spcBef>
                 <a:spcPts val="1200"/>
               </a:spcBef>
-              <a:defRPr sz="3276"/>
+              <a:defRPr sz="3204"/>
             </a:pPr>
             <a:r>
-              <a:t>Docker Community、開源組織、軟體公司也會發布各種的 Image 供大家下載，如 </a:t>
-            </a:r>
-            <a:r>
-              <a:rPr u="sng">
-                <a:hlinkClick r:id="rId3" invalidUrl="" action="" tgtFrame="" tooltip="" history="1" highlightClick="0" endSnd="0"/>
-              </a:rPr>
-              <a:t>Python</a:t>
-            </a:r>
-            <a:r>
-              <a:t>、</a:t>
-            </a:r>
-            <a:r>
-              <a:rPr u="sng">
-                <a:hlinkClick r:id="rId4" invalidUrl="" action="" tgtFrame="" tooltip="" history="1" highlightClick="0" endSnd="0"/>
-              </a:rPr>
-              <a:t>PostgreSQL</a:t>
-            </a:r>
-            <a:r>
-              <a:t>、</a:t>
-            </a:r>
-            <a:r>
-              <a:rPr u="sng">
-                <a:hlinkClick r:id="rId5" invalidUrl="" action="" tgtFrame="" tooltip="" history="1" highlightClick="0" endSnd="0"/>
-              </a:rPr>
-              <a:t>SonarQube</a:t>
-            </a:r>
-          </a:p>
-          <a:p>
-            <a:pPr lvl="1" marL="1155700" indent="-577850" defTabSz="751205">
+              <a:t>IMAGE - Container 使用的 Image</a:t>
+            </a:r>
+          </a:p>
+          <a:p>
+            <a:pPr lvl="2" marL="1695450" indent="-565150" defTabSz="734694">
               <a:spcBef>
                 <a:spcPts val="1200"/>
               </a:spcBef>
-              <a:defRPr sz="3822"/>
+              <a:defRPr sz="3204"/>
             </a:pPr>
             <a:r>
-              <a:t>GitLab Registry - 建立一個 Repository 後可以上傳</a:t>
-            </a:r>
-          </a:p>
-          <a:p>
-            <a:pPr lvl="1" marL="1155700" indent="-577850" defTabSz="751205">
+              <a:t>COMMAND - Container 啟動時執行的 Command</a:t>
+            </a:r>
+          </a:p>
+          <a:p>
+            <a:pPr lvl="2" marL="1695450" indent="-565150" defTabSz="734694">
               <a:spcBef>
                 <a:spcPts val="1200"/>
               </a:spcBef>
-              <a:defRPr sz="3822"/>
+              <a:defRPr sz="3204"/>
             </a:pPr>
             <a:r>
-              <a:t>Github Packages - 建立一個 Repository 後可以上傳</a:t>
-            </a:r>
-          </a:p>
-          <a:p>
-            <a:pPr marL="577850" indent="-577850" defTabSz="751205">
+              <a:t>CREATED - Container 已運行時間</a:t>
+            </a:r>
+          </a:p>
+          <a:p>
+            <a:pPr lvl="2" marL="1695450" indent="-565150" defTabSz="734694">
               <a:spcBef>
                 <a:spcPts val="1200"/>
               </a:spcBef>
-              <a:defRPr sz="4368"/>
+              <a:defRPr sz="3204"/>
             </a:pPr>
             <a:r>
-              <a:t>Self-hosted Container Registry </a:t>
-            </a:r>
-          </a:p>
-          <a:p>
-            <a:pPr lvl="1" marL="1155700" indent="-577850" defTabSz="751205">
+              <a:t>STATUS - Container 狀態，常見有下面三個</a:t>
+            </a:r>
+          </a:p>
+          <a:p>
+            <a:pPr lvl="3" marL="2260600" indent="-565150" defTabSz="734694">
               <a:spcBef>
                 <a:spcPts val="1200"/>
               </a:spcBef>
-              <a:defRPr sz="3822"/>
+              <a:defRPr sz="2670"/>
             </a:pPr>
             <a:r>
-              <a:rPr u="sng">
-                <a:hlinkClick r:id="rId6" invalidUrl="" action="" tgtFrame="" tooltip="" history="1" highlightClick="0" endSnd="0"/>
-              </a:rPr>
-              <a:t>Nexus</a:t>
-            </a:r>
-            <a:r>
-              <a:t> - 除 Container Registry 外，也可管理 Maven, Pypi, npm 等多種 Package Repository</a:t>
-            </a:r>
-          </a:p>
-          <a:p>
-            <a:pPr lvl="1" marL="1155700" indent="-577850" defTabSz="751205">
+              <a:t>restarting - Restarting (times) xxx minutes ago</a:t>
+            </a:r>
+          </a:p>
+          <a:p>
+            <a:pPr lvl="3" marL="2260600" indent="-565150" defTabSz="734694">
               <a:spcBef>
                 <a:spcPts val="1200"/>
               </a:spcBef>
-              <a:defRPr sz="3822"/>
+              <a:defRPr sz="2670"/>
             </a:pPr>
             <a:r>
-              <a:rPr u="sng">
-                <a:hlinkClick r:id="rId7" invalidUrl="" action="" tgtFrame="" tooltip="" history="1" highlightClick="0" endSnd="0"/>
-              </a:rPr>
-              <a:t>Harbor</a:t>
-            </a:r>
-            <a:r>
-              <a:t> - 專業的 Container Registry，支援更多 Image 權限控管</a:t>
+              <a:t>running - Up xxx minutes</a:t>
+            </a:r>
+          </a:p>
+          <a:p>
+            <a:pPr lvl="3" marL="2260600" indent="-565150" defTabSz="734694">
+              <a:spcBef>
+                <a:spcPts val="1200"/>
+              </a:spcBef>
+              <a:defRPr sz="2670"/>
+            </a:pPr>
+            <a:r>
+              <a:t>exited - Exited (exit code) xxx minutes ago</a:t>
+            </a:r>
+          </a:p>
+          <a:p>
+            <a:pPr lvl="2" marL="1695450" indent="-565150" defTabSz="734694">
+              <a:spcBef>
+                <a:spcPts val="1200"/>
+              </a:spcBef>
+              <a:defRPr sz="3204"/>
+            </a:pPr>
+            <a:r>
+              <a:t>PORTS - Container 與 Host 的 port proxy</a:t>
+            </a:r>
+          </a:p>
+          <a:p>
+            <a:pPr lvl="2" marL="1695450" indent="-565150" defTabSz="734694">
+              <a:spcBef>
+                <a:spcPts val="1200"/>
+              </a:spcBef>
+              <a:defRPr sz="3204"/>
+            </a:pPr>
+            <a:r>
+              <a:t>NAMES - 建立 Container 未指定名稱時，預設為兩個隨機單字以底線組合作為名稱</a:t>
             </a:r>
           </a:p>
         </p:txBody>
       </p:sp>
-      <p:pic>
-        <p:nvPicPr>
-          <p:cNvPr id="166" name="Image" descr="Image"/>
-          <p:cNvPicPr>
-            <a:picLocks noChangeAspect="1"/>
-          </p:cNvPicPr>
-          <p:nvPr/>
-        </p:nvPicPr>
-        <p:blipFill>
-          <a:blip r:embed="rId8">
-            <a:extLst/>
-          </a:blip>
-          <a:stretch>
-            <a:fillRect/>
-          </a:stretch>
-        </p:blipFill>
-        <p:spPr>
-          <a:xfrm>
-            <a:off x="11261112" y="12423088"/>
-            <a:ext cx="3435493" cy="853966"/>
-          </a:xfrm>
-          <a:prstGeom prst="rect">
-            <a:avLst/>
-          </a:prstGeom>
-          <a:ln w="12700">
-            <a:miter lim="400000"/>
-          </a:ln>
-        </p:spPr>
-      </p:pic>
-      <p:pic>
-        <p:nvPicPr>
-          <p:cNvPr id="167" name="Image" descr="Image"/>
-          <p:cNvPicPr>
-            <a:picLocks noChangeAspect="1"/>
-          </p:cNvPicPr>
-          <p:nvPr/>
-        </p:nvPicPr>
-        <p:blipFill>
-          <a:blip r:embed="rId9">
-            <a:extLst/>
-          </a:blip>
-          <a:stretch>
-            <a:fillRect/>
-          </a:stretch>
-        </p:blipFill>
-        <p:spPr>
-          <a:xfrm>
-            <a:off x="15144193" y="12464850"/>
-            <a:ext cx="5158351" cy="770443"/>
-          </a:xfrm>
-          <a:prstGeom prst="rect">
-            <a:avLst/>
-          </a:prstGeom>
-          <a:ln w="12700">
-            <a:miter lim="400000"/>
-          </a:ln>
-        </p:spPr>
-      </p:pic>
-      <p:pic>
-        <p:nvPicPr>
-          <p:cNvPr id="168" name="Image" descr="Image"/>
-          <p:cNvPicPr>
-            <a:picLocks noChangeAspect="1"/>
-          </p:cNvPicPr>
-          <p:nvPr/>
-        </p:nvPicPr>
-        <p:blipFill>
-          <a:blip r:embed="rId10">
-            <a:extLst/>
-          </a:blip>
-          <a:stretch>
-            <a:fillRect/>
-          </a:stretch>
-        </p:blipFill>
-        <p:spPr>
-          <a:xfrm>
-            <a:off x="20750133" y="12348743"/>
-            <a:ext cx="3533585" cy="1002656"/>
-          </a:xfrm>
-          <a:prstGeom prst="rect">
-            <a:avLst/>
-          </a:prstGeom>
-          <a:ln w="12700">
-            <a:miter lim="400000"/>
-          </a:ln>
-        </p:spPr>
-      </p:pic>
     </p:spTree>
   </p:cSld>
   <p:clrMapOvr>
@@ -3728,7 +3515,7 @@
       </p:grpSpPr>
       <p:sp>
         <p:nvSpPr>
-          <p:cNvPr id="170" name="Docker Desktop"/>
+          <p:cNvPr id="167" name="Container Registry / Repository"/>
           <p:cNvSpPr txBox="1"/>
           <p:nvPr>
             <p:ph type="title"/>
@@ -3745,14 +3532,14 @@
           <a:p>
             <a:pPr/>
             <a:r>
-              <a:t>Docker Desktop</a:t>
+              <a:t>Container Registry / Repository</a:t>
             </a:r>
           </a:p>
         </p:txBody>
       </p:sp>
       <p:sp>
         <p:nvSpPr>
-          <p:cNvPr id="171" name="Windows 或 Mac 在安裝的時候通常都會使用 Docker Desktop…"/>
+          <p:cNvPr id="168" name="Container Registry (Repository) 可以上傳與下載 Container Image…"/>
           <p:cNvSpPr txBox="1"/>
           <p:nvPr>
             <p:ph type="body" idx="1"/>
@@ -3767,49 +3554,261 @@
           <a:bodyPr/>
           <a:lstStyle/>
           <a:p>
-            <a:pPr/>
-            <a:r>
-              <a:t>Windows 或 Mac 在安裝的時候通常都會使用 Docker Desktop</a:t>
-            </a:r>
-          </a:p>
-          <a:p>
-            <a:pPr lvl="1"/>
-            <a:r>
-              <a:t>安裝 Docker Desktop 同時安裝了 Docker Engine, Docker CLI client, Docker Compose 等工具</a:t>
-            </a:r>
-          </a:p>
-          <a:p>
-            <a:pPr/>
-            <a:r>
-              <a:t>部分設定需要透過 Docker Desktop 設定</a:t>
-            </a:r>
-          </a:p>
-          <a:p>
-            <a:pPr lvl="1"/>
-            <a:r>
-              <a:t>Volume 可讀寫目錄權限</a:t>
-            </a:r>
-          </a:p>
-          <a:p>
-            <a:pPr lvl="1"/>
-            <a:r>
-              <a:t>Network </a:t>
-            </a:r>
-          </a:p>
-          <a:p>
-            <a:pPr lvl="1"/>
-            <a:r>
-              <a:t>Resource: CPU, Memory</a:t>
-            </a:r>
-          </a:p>
-          <a:p>
-            <a:pPr/>
-            <a:r>
-              <a:t>Docker Desktop 在 2022 年 1 月開始，只免費授權給中小企業、私人使用或教育使用，或是非營利開源專案使用，企業規模人數超過了250人，或是營收超過1千萬美元的大型企業，得購買付費授</a:t>
+            <a:pPr marL="577850" indent="-577850" defTabSz="751205">
+              <a:spcBef>
+                <a:spcPts val="1200"/>
+              </a:spcBef>
+              <a:defRPr sz="4368"/>
+            </a:pPr>
+            <a:r>
+              <a:t>Container Registry (Repository) 可以上傳與下載 Container Image</a:t>
+            </a:r>
+          </a:p>
+          <a:p>
+            <a:pPr marL="577850" indent="-577850" defTabSz="751205">
+              <a:spcBef>
+                <a:spcPts val="1200"/>
+              </a:spcBef>
+              <a:defRPr sz="4368"/>
+            </a:pPr>
+            <a:r>
+              <a:t>SaaS</a:t>
+            </a:r>
+          </a:p>
+          <a:p>
+            <a:pPr lvl="1" marL="1155700" indent="-577850" defTabSz="751205">
+              <a:spcBef>
+                <a:spcPts val="1200"/>
+              </a:spcBef>
+              <a:defRPr sz="3822"/>
+            </a:pPr>
+            <a:r>
+              <a:rPr u="sng">
+                <a:solidFill>
+                  <a:schemeClr val="accent1"/>
+                </a:solidFill>
+                <a:hlinkClick r:id="rId2" invalidUrl="" action="" tgtFrame="" tooltip="" history="1" highlightClick="0" endSnd="0"/>
+              </a:rPr>
+              <a:t>Docker Hub</a:t>
+            </a:r>
+          </a:p>
+          <a:p>
+            <a:pPr lvl="2" marL="1733550" indent="-577850" defTabSz="751205">
+              <a:spcBef>
+                <a:spcPts val="1200"/>
+              </a:spcBef>
+              <a:defRPr sz="3276"/>
+            </a:pPr>
+            <a:r>
+              <a:t>Docker 預設的 Container Registry，由 Docker, Inc 維運</a:t>
+            </a:r>
+          </a:p>
+          <a:p>
+            <a:pPr lvl="2" marL="1733550" indent="-577850" defTabSz="751205">
+              <a:spcBef>
+                <a:spcPts val="1200"/>
+              </a:spcBef>
+              <a:defRPr sz="3276"/>
+            </a:pPr>
+            <a:r>
+              <a:t>Docker Community、開源組織、軟體公司也會發布各種的 Image 供大家下載，如 </a:t>
+            </a:r>
+            <a:r>
+              <a:rPr u="sng">
+                <a:solidFill>
+                  <a:schemeClr val="accent1"/>
+                </a:solidFill>
+                <a:hlinkClick r:id="rId3" invalidUrl="" action="" tgtFrame="" tooltip="" history="1" highlightClick="0" endSnd="0"/>
+              </a:rPr>
+              <a:t>Python</a:t>
+            </a:r>
+            <a:r>
+              <a:t>、</a:t>
+            </a:r>
+            <a:r>
+              <a:rPr u="sng">
+                <a:solidFill>
+                  <a:schemeClr val="accent1"/>
+                </a:solidFill>
+                <a:hlinkClick r:id="rId4" invalidUrl="" action="" tgtFrame="" tooltip="" history="1" highlightClick="0" endSnd="0"/>
+              </a:rPr>
+              <a:t>PostgreSQL</a:t>
+            </a:r>
+            <a:r>
+              <a:t>、</a:t>
+            </a:r>
+            <a:r>
+              <a:rPr u="sng">
+                <a:solidFill>
+                  <a:schemeClr val="accent1"/>
+                </a:solidFill>
+                <a:hlinkClick r:id="rId5" invalidUrl="" action="" tgtFrame="" tooltip="" history="1" highlightClick="0" endSnd="0"/>
+              </a:rPr>
+              <a:t>SonarQube</a:t>
+            </a:r>
+          </a:p>
+          <a:p>
+            <a:pPr lvl="1" marL="1155700" indent="-577850" defTabSz="751205">
+              <a:spcBef>
+                <a:spcPts val="1200"/>
+              </a:spcBef>
+              <a:defRPr sz="3822"/>
+            </a:pPr>
+            <a:r>
+              <a:t>GitLab Registry - 建立一個 Repository 後可以上傳</a:t>
+            </a:r>
+          </a:p>
+          <a:p>
+            <a:pPr lvl="1" marL="1155700" indent="-577850" defTabSz="751205">
+              <a:spcBef>
+                <a:spcPts val="1200"/>
+              </a:spcBef>
+              <a:defRPr sz="3822"/>
+            </a:pPr>
+            <a:r>
+              <a:t>Github Packages - 建立一個 Repository 後可以上傳</a:t>
+            </a:r>
+          </a:p>
+          <a:p>
+            <a:pPr marL="577850" indent="-577850" defTabSz="751205">
+              <a:spcBef>
+                <a:spcPts val="1200"/>
+              </a:spcBef>
+              <a:defRPr sz="4368"/>
+            </a:pPr>
+            <a:r>
+              <a:t>Self-hosted Container Registry </a:t>
+            </a:r>
+          </a:p>
+          <a:p>
+            <a:pPr lvl="1" marL="1155700" indent="-577850" defTabSz="751205">
+              <a:spcBef>
+                <a:spcPts val="1200"/>
+              </a:spcBef>
+              <a:defRPr sz="3822"/>
+            </a:pPr>
+            <a:r>
+              <a:rPr u="sng">
+                <a:solidFill>
+                  <a:schemeClr val="accent1"/>
+                </a:solidFill>
+                <a:hlinkClick r:id="rId6" invalidUrl="" action="" tgtFrame="" tooltip="" history="1" highlightClick="0" endSnd="0"/>
+              </a:rPr>
+              <a:t>Nexus</a:t>
+            </a:r>
+            <a:r>
+              <a:t> - 除 Container Registry 外，也可管理 Maven, Pypi, npm 等多種 Package Repository</a:t>
+            </a:r>
+          </a:p>
+          <a:p>
+            <a:pPr lvl="1" marL="1155700" indent="-577850" defTabSz="751205">
+              <a:spcBef>
+                <a:spcPts val="1200"/>
+              </a:spcBef>
+              <a:defRPr sz="3822"/>
+            </a:pPr>
+            <a:r>
+              <a:rPr u="sng">
+                <a:solidFill>
+                  <a:schemeClr val="accent1"/>
+                </a:solidFill>
+                <a:hlinkClick r:id="rId7" invalidUrl="" action="" tgtFrame="" tooltip="" history="1" highlightClick="0" endSnd="0"/>
+              </a:rPr>
+              <a:t>Harbor</a:t>
+            </a:r>
+            <a:r>
+              <a:t> - 專業的 Container Registry，支援更多 Image 權限控管</a:t>
             </a:r>
           </a:p>
         </p:txBody>
       </p:sp>
+      <p:pic>
+        <p:nvPicPr>
+          <p:cNvPr id="169" name="Image" descr="Image"/>
+          <p:cNvPicPr>
+            <a:picLocks noChangeAspect="1"/>
+          </p:cNvPicPr>
+          <p:nvPr/>
+        </p:nvPicPr>
+        <p:blipFill>
+          <a:blip r:embed="rId8">
+            <a:extLst/>
+          </a:blip>
+          <a:stretch>
+            <a:fillRect/>
+          </a:stretch>
+        </p:blipFill>
+        <p:spPr>
+          <a:xfrm>
+            <a:off x="11261112" y="12423088"/>
+            <a:ext cx="3435493" cy="853966"/>
+          </a:xfrm>
+          <a:prstGeom prst="rect">
+            <a:avLst/>
+          </a:prstGeom>
+          <a:ln w="12700">
+            <a:miter lim="400000"/>
+          </a:ln>
+        </p:spPr>
+      </p:pic>
+      <p:pic>
+        <p:nvPicPr>
+          <p:cNvPr id="170" name="Image" descr="Image"/>
+          <p:cNvPicPr>
+            <a:picLocks noChangeAspect="1"/>
+          </p:cNvPicPr>
+          <p:nvPr/>
+        </p:nvPicPr>
+        <p:blipFill>
+          <a:blip r:embed="rId9">
+            <a:extLst/>
+          </a:blip>
+          <a:stretch>
+            <a:fillRect/>
+          </a:stretch>
+        </p:blipFill>
+        <p:spPr>
+          <a:xfrm>
+            <a:off x="15144193" y="12464850"/>
+            <a:ext cx="5158351" cy="770443"/>
+          </a:xfrm>
+          <a:prstGeom prst="rect">
+            <a:avLst/>
+          </a:prstGeom>
+          <a:ln w="12700">
+            <a:miter lim="400000"/>
+          </a:ln>
+        </p:spPr>
+      </p:pic>
+      <p:pic>
+        <p:nvPicPr>
+          <p:cNvPr id="171" name="Image" descr="Image"/>
+          <p:cNvPicPr>
+            <a:picLocks noChangeAspect="1"/>
+          </p:cNvPicPr>
+          <p:nvPr/>
+        </p:nvPicPr>
+        <p:blipFill>
+          <a:blip r:embed="rId10">
+            <a:extLst/>
+          </a:blip>
+          <a:stretch>
+            <a:fillRect/>
+          </a:stretch>
+        </p:blipFill>
+        <p:spPr>
+          <a:xfrm>
+            <a:off x="20750133" y="12348743"/>
+            <a:ext cx="3533585" cy="1002656"/>
+          </a:xfrm>
+          <a:prstGeom prst="rect">
+            <a:avLst/>
+          </a:prstGeom>
+          <a:ln w="12700">
+            <a:miter lim="400000"/>
+          </a:ln>
+        </p:spPr>
+      </p:pic>
     </p:spTree>
   </p:cSld>
   <p:clrMapOvr>
@@ -3838,7 +3837,7 @@
       </p:grpSpPr>
       <p:sp>
         <p:nvSpPr>
-          <p:cNvPr id="173" name="Hands-on"/>
+          <p:cNvPr id="173" name="Docker Desktop"/>
           <p:cNvSpPr txBox="1"/>
           <p:nvPr>
             <p:ph type="title"/>
@@ -3855,14 +3854,14 @@
           <a:p>
             <a:pPr/>
             <a:r>
-              <a:t>Hands-on</a:t>
+              <a:t>Docker Desktop</a:t>
             </a:r>
           </a:p>
         </p:txBody>
       </p:sp>
       <p:sp>
         <p:nvSpPr>
-          <p:cNvPr id="174" name="Github Repo docker-tutorial…"/>
+          <p:cNvPr id="174" name="Windows 或 Mac 在安裝的時候通常都會使用 Docker Desktop…"/>
           <p:cNvSpPr txBox="1"/>
           <p:nvPr>
             <p:ph type="body" idx="1"/>
@@ -3877,21 +3876,261 @@
           <a:bodyPr/>
           <a:lstStyle/>
           <a:p>
-            <a:pPr/>
-            <a:r>
-              <a:t>Github Repo </a:t>
+            <a:pPr marL="463550" indent="-463550" defTabSz="602615">
+              <a:spcBef>
+                <a:spcPts val="1000"/>
+              </a:spcBef>
+              <a:defRPr sz="3504"/>
+            </a:pPr>
+            <a:r>
+              <a:t>Windows 或 Mac 在安裝的時候通常都會使用 Docker Desktop</a:t>
+            </a:r>
+          </a:p>
+          <a:p>
+            <a:pPr lvl="1" marL="927100" indent="-463550" defTabSz="602615">
+              <a:spcBef>
+                <a:spcPts val="1000"/>
+              </a:spcBef>
+              <a:defRPr sz="3066"/>
+            </a:pPr>
+            <a:r>
+              <a:t>Docker Desktop 安裝時會設定 Linux 的 VM，實際是將 Docker 安裝在 Linux 上</a:t>
+            </a:r>
+          </a:p>
+          <a:p>
+            <a:pPr lvl="1" marL="927100" indent="-463550" defTabSz="602615">
+              <a:spcBef>
+                <a:spcPts val="1000"/>
+              </a:spcBef>
+              <a:defRPr sz="3066"/>
+            </a:pPr>
+            <a:r>
+              <a:t>Windows</a:t>
+            </a:r>
+          </a:p>
+          <a:p>
+            <a:pPr lvl="2" marL="1390650" indent="-463550" defTabSz="602615">
+              <a:spcBef>
+                <a:spcPts val="1000"/>
+              </a:spcBef>
+              <a:defRPr sz="2628"/>
+            </a:pPr>
+            <a:r>
+              <a:t>with WSL2，可以直接安裝在 Windows 的 WSL 中的 Linux 系統上</a:t>
+            </a:r>
+          </a:p>
+          <a:p>
+            <a:pPr lvl="2" marL="1390650" indent="-463550" defTabSz="602615">
+              <a:spcBef>
+                <a:spcPts val="1000"/>
+              </a:spcBef>
+              <a:defRPr sz="2628"/>
+            </a:pPr>
+            <a:r>
+              <a:t>with WSL，安裝在以 Windows 內建的 hyper-v VM 建立的 LinuxKit VM</a:t>
+            </a:r>
+          </a:p>
+          <a:p>
+            <a:pPr lvl="2" marL="1390650" indent="-463550" defTabSz="602615">
+              <a:spcBef>
+                <a:spcPts val="1000"/>
+              </a:spcBef>
+              <a:defRPr sz="2628"/>
+            </a:pPr>
+            <a:r>
+              <a:t>更多詳細說明可參考</a:t>
             </a:r>
             <a:r>
               <a:rPr u="sng">
-                <a:hlinkClick r:id="rId2" invalidUrl="" action="" tgtFrame="" tooltip="" history="1" highlightClick="0" endSnd="0"/>
+                <a:solidFill>
+                  <a:schemeClr val="accent1"/>
+                </a:solidFill>
+                <a:hlinkClick r:id="" invalidUrl="" action="ppaction://hlinkshowjump?jump=nextslide" tgtFrame="" tooltip="" history="1" highlightClick="0" endSnd="0"/>
               </a:rPr>
-              <a:t>docker-tutorial</a:t>
-            </a:r>
-          </a:p>
-          <a:p>
-            <a:pPr lvl="1"/>
-            <a:r>
-              <a:t>docker-101/1-more-container</a:t>
+              <a:t>在 WSL 2 上開始使用 Docker 遠端容器</a:t>
+            </a:r>
+          </a:p>
+          <a:p>
+            <a:pPr lvl="1" marL="927100" indent="-463550" defTabSz="602615">
+              <a:spcBef>
+                <a:spcPts val="1000"/>
+              </a:spcBef>
+              <a:defRPr sz="3066"/>
+            </a:pPr>
+            <a:r>
+              <a:t>Mac</a:t>
+            </a:r>
+          </a:p>
+          <a:p>
+            <a:pPr lvl="2" marL="1390650" indent="-463550" defTabSz="602615">
+              <a:spcBef>
+                <a:spcPts val="1000"/>
+              </a:spcBef>
+              <a:defRPr sz="2628"/>
+            </a:pPr>
+            <a:r>
+              <a:t>安裝在 LinuxKit VM 上</a:t>
+            </a:r>
+          </a:p>
+          <a:p>
+            <a:pPr marL="333756" indent="-231775" defTabSz="333756">
+              <a:spcBef>
+                <a:spcPts val="0"/>
+              </a:spcBef>
+              <a:buClr>
+                <a:srgbClr val="E6E6E6"/>
+              </a:buClr>
+              <a:buFont typeface="Helvetica Neue"/>
+              <a:defRPr sz="766">
+                <a:solidFill>
+                  <a:srgbClr val="E6E6E6"/>
+                </a:solidFill>
+              </a:defRPr>
+            </a:pPr>
+            <a:r>
+              <a:t>	</a:t>
+            </a:r>
+          </a:p>
+          <a:p>
+            <a:pPr lvl="1" marL="927100" indent="-463550" defTabSz="602615">
+              <a:spcBef>
+                <a:spcPts val="1000"/>
+              </a:spcBef>
+              <a:defRPr sz="3066"/>
+            </a:pPr>
+            <a:r>
+              <a:t>安裝 Docker Desktop 同時安裝了 Docker Engine, Docker CLI client, Docker Compose 等工具</a:t>
+            </a:r>
+          </a:p>
+          <a:p>
+            <a:pPr marL="463550" indent="-463550" defTabSz="602615">
+              <a:spcBef>
+                <a:spcPts val="1000"/>
+              </a:spcBef>
+              <a:defRPr sz="3504"/>
+            </a:pPr>
+            <a:r>
+              <a:t>部分設定需要透過 Docker Desktop 設定</a:t>
+            </a:r>
+          </a:p>
+          <a:p>
+            <a:pPr lvl="1" marL="927100" indent="-463550" defTabSz="602615">
+              <a:spcBef>
+                <a:spcPts val="1000"/>
+              </a:spcBef>
+              <a:defRPr sz="3066"/>
+            </a:pPr>
+            <a:r>
+              <a:t>Volume、Network </a:t>
+            </a:r>
+          </a:p>
+          <a:p>
+            <a:pPr lvl="1" marL="927100" indent="-463550" defTabSz="602615">
+              <a:spcBef>
+                <a:spcPts val="1000"/>
+              </a:spcBef>
+              <a:defRPr sz="3066"/>
+            </a:pPr>
+            <a:r>
+              <a:t>VM Resource: CPU, Memory</a:t>
+            </a:r>
+          </a:p>
+          <a:p>
+            <a:pPr marL="463550" indent="-463550" defTabSz="602615">
+              <a:spcBef>
+                <a:spcPts val="1000"/>
+              </a:spcBef>
+              <a:defRPr sz="3504"/>
+            </a:pPr>
+            <a:r>
+              <a:rPr>
+                <a:solidFill>
+                  <a:schemeClr val="accent4">
+                    <a:hueOff val="-1081314"/>
+                    <a:satOff val="4338"/>
+                    <a:lumOff val="-8931"/>
+                  </a:schemeClr>
+                </a:solidFill>
+              </a:rPr>
+              <a:t>Docker Desktop</a:t>
+            </a:r>
+            <a:r>
+              <a:t> 在 2022 年 1 月開始，只</a:t>
+            </a:r>
+            <a:r>
+              <a:rPr>
+                <a:solidFill>
+                  <a:schemeClr val="accent4">
+                    <a:hueOff val="-1081314"/>
+                    <a:satOff val="4338"/>
+                    <a:lumOff val="-8931"/>
+                  </a:schemeClr>
+                </a:solidFill>
+              </a:rPr>
+              <a:t>免費授權</a:t>
+            </a:r>
+            <a:r>
+              <a:t>給</a:t>
+            </a:r>
+            <a:r>
+              <a:rPr>
+                <a:solidFill>
+                  <a:schemeClr val="accent4">
+                    <a:hueOff val="-1081314"/>
+                    <a:satOff val="4338"/>
+                    <a:lumOff val="-8931"/>
+                  </a:schemeClr>
+                </a:solidFill>
+              </a:rPr>
+              <a:t>中小企業</a:t>
+            </a:r>
+            <a:r>
+              <a:t>、</a:t>
+            </a:r>
+            <a:r>
+              <a:rPr>
+                <a:solidFill>
+                  <a:schemeClr val="accent4">
+                    <a:hueOff val="-1081314"/>
+                    <a:satOff val="4338"/>
+                    <a:lumOff val="-8931"/>
+                  </a:schemeClr>
+                </a:solidFill>
+              </a:rPr>
+              <a:t>私人</a:t>
+            </a:r>
+            <a:r>
+              <a:t>使用或</a:t>
+            </a:r>
+            <a:r>
+              <a:rPr>
+                <a:solidFill>
+                  <a:schemeClr val="accent4">
+                    <a:hueOff val="-1081314"/>
+                    <a:satOff val="4338"/>
+                    <a:lumOff val="-8931"/>
+                  </a:schemeClr>
+                </a:solidFill>
+              </a:rPr>
+              <a:t>教育</a:t>
+            </a:r>
+            <a:r>
+              <a:t>使用，或是</a:t>
+            </a:r>
+            <a:r>
+              <a:rPr>
+                <a:solidFill>
+                  <a:schemeClr val="accent4">
+                    <a:hueOff val="-1081314"/>
+                    <a:satOff val="4338"/>
+                    <a:lumOff val="-8931"/>
+                  </a:schemeClr>
+                </a:solidFill>
+              </a:rPr>
+              <a:t>非營利開源專案</a:t>
+            </a:r>
+            <a:r>
+              <a:t>使用，企業規模人數超過了250人，或是營收超過1千萬美元的大型企業，得購買付費授權</a:t>
             </a:r>
           </a:p>
         </p:txBody>
@@ -3924,7 +4163,7 @@
       </p:grpSpPr>
       <p:sp>
         <p:nvSpPr>
-          <p:cNvPr id="176" name="Docker Fundamentals"/>
+          <p:cNvPr id="176" name="Hands-on"/>
           <p:cNvSpPr txBox="1"/>
           <p:nvPr>
             <p:ph type="title"/>
@@ -3941,24 +4180,20 @@
           <a:p>
             <a:pPr/>
             <a:r>
-              <a:t>Docker Fundamentals</a:t>
+              <a:t>Hands-on</a:t>
             </a:r>
           </a:p>
         </p:txBody>
       </p:sp>
       <p:sp>
         <p:nvSpPr>
-          <p:cNvPr id="177" name="Container 的工作就是把他負責的 Process 執行完畢…"/>
+          <p:cNvPr id="177" name="Github Repo docker-tutorial…"/>
           <p:cNvSpPr txBox="1"/>
           <p:nvPr>
             <p:ph type="body" idx="1"/>
           </p:nvPr>
         </p:nvSpPr>
         <p:spPr>
-          <a:xfrm>
-            <a:off x="1689100" y="3136900"/>
-            <a:ext cx="21005800" cy="9296400"/>
-          </a:xfrm>
           <a:prstGeom prst="rect">
             <a:avLst/>
           </a:prstGeom>
@@ -3967,122 +4202,24 @@
           <a:bodyPr/>
           <a:lstStyle/>
           <a:p>
-            <a:pPr marL="615950" indent="-615950" defTabSz="800735">
-              <a:spcBef>
-                <a:spcPts val="1300"/>
-              </a:spcBef>
-              <a:defRPr sz="4656"/>
-            </a:pPr>
-            <a:r>
-              <a:t>Container 的工作就是把他負責的 Process 執行完畢</a:t>
-            </a:r>
-          </a:p>
-          <a:p>
-            <a:pPr lvl="1" marL="1231900" indent="-615950" defTabSz="800735">
-              <a:spcBef>
-                <a:spcPts val="1300"/>
-              </a:spcBef>
-              <a:defRPr sz="4074"/>
-            </a:pPr>
-            <a:r>
-              <a:t>Process 執行完畢 Container 狀態會變為 Exited</a:t>
-            </a:r>
-          </a:p>
-          <a:p>
-            <a:pPr marL="615950" indent="-615950" defTabSz="800735">
-              <a:spcBef>
-                <a:spcPts val="1300"/>
-              </a:spcBef>
-              <a:defRPr sz="4656"/>
-            </a:pPr>
-            <a:r>
-              <a:t>Volume</a:t>
-            </a:r>
-          </a:p>
-          <a:p>
-            <a:pPr lvl="1" marL="1231900" indent="-615950" defTabSz="800735">
-              <a:spcBef>
-                <a:spcPts val="1300"/>
-              </a:spcBef>
-              <a:defRPr sz="4074"/>
-            </a:pPr>
-            <a:r>
-              <a:t>Container 關掉後東西是會不見的</a:t>
-            </a:r>
-          </a:p>
-          <a:p>
-            <a:pPr marL="615950" indent="-615950" defTabSz="800735">
-              <a:spcBef>
-                <a:spcPts val="1300"/>
-              </a:spcBef>
-              <a:defRPr sz="4656"/>
-            </a:pPr>
-            <a:r>
-              <a:t>docker run 常用 options</a:t>
-            </a:r>
-          </a:p>
-          <a:p>
-            <a:pPr lvl="1" marL="1231900" indent="-615950" defTabSz="800735">
-              <a:spcBef>
-                <a:spcPts val="1300"/>
-              </a:spcBef>
-              <a:defRPr sz="4074"/>
-            </a:pPr>
-            <a:r>
-              <a:t>-- name 給定 Contianer 的名字</a:t>
-            </a:r>
-          </a:p>
-          <a:p>
-            <a:pPr lvl="1" marL="1231900" indent="-615950" defTabSz="800735">
-              <a:spcBef>
-                <a:spcPts val="1300"/>
-              </a:spcBef>
-              <a:defRPr sz="4074"/>
-            </a:pPr>
-            <a:r>
-              <a:t>-v 掛載 Volume</a:t>
-            </a:r>
-          </a:p>
-          <a:p>
-            <a:pPr lvl="1" marL="1231900" indent="-615950" defTabSz="800735">
-              <a:spcBef>
-                <a:spcPts val="1300"/>
-              </a:spcBef>
-              <a:defRPr sz="4074"/>
-            </a:pPr>
-            <a:r>
-              <a:t>-it 以互動模式執行虛擬終端機</a:t>
-            </a:r>
-          </a:p>
-          <a:p>
-            <a:pPr lvl="1" marL="1231900" indent="-615950" defTabSz="800735">
-              <a:spcBef>
-                <a:spcPts val="1300"/>
-              </a:spcBef>
-              <a:defRPr sz="4074"/>
-            </a:pPr>
-            <a:r>
-              <a:t>--rm 執行完畢後刪除 Container</a:t>
-            </a:r>
-          </a:p>
-          <a:p>
-            <a:pPr lvl="1" marL="1231900" indent="-615950" defTabSz="800735">
-              <a:spcBef>
-                <a:spcPts val="1300"/>
-              </a:spcBef>
-              <a:defRPr sz="4074"/>
-            </a:pPr>
-            <a:r>
-              <a:t>-d 以背景執行方式 (</a:t>
+            <a:pPr/>
+            <a:r>
+              <a:t>Github Repo </a:t>
             </a:r>
             <a:r>
               <a:rPr u="sng">
+                <a:solidFill>
+                  <a:schemeClr val="accent1"/>
+                </a:solidFill>
                 <a:hlinkClick r:id="rId2" invalidUrl="" action="" tgtFrame="" tooltip="" history="1" highlightClick="0" endSnd="0"/>
               </a:rPr>
-              <a:t>Daemon</a:t>
-            </a:r>
-            <a:r>
-              <a:t>) 啟動 Container</a:t>
+              <a:t>docker-tutorial</a:t>
+            </a:r>
+          </a:p>
+          <a:p>
+            <a:pPr lvl="1"/>
+            <a:r>
+              <a:t>docker-101/1-more-container</a:t>
             </a:r>
           </a:p>
         </p:txBody>
@@ -4115,7 +4252,7 @@
       </p:grpSpPr>
       <p:sp>
         <p:nvSpPr>
-          <p:cNvPr id="179" name="Dockerfile"/>
+          <p:cNvPr id="179" name="Docker Fundamentals"/>
           <p:cNvSpPr txBox="1"/>
           <p:nvPr>
             <p:ph type="title"/>
@@ -4132,20 +4269,24 @@
           <a:p>
             <a:pPr/>
             <a:r>
-              <a:t>Dockerfile</a:t>
+              <a:t>Docker Fundamentals</a:t>
             </a:r>
           </a:p>
         </p:txBody>
       </p:sp>
       <p:sp>
         <p:nvSpPr>
-          <p:cNvPr id="180" name="Dockerfile 是 Image 的 DNA，決定 Image 長怎樣…"/>
+          <p:cNvPr id="180" name="Container 的工作就是把他負責的 Process 執行完畢…"/>
           <p:cNvSpPr txBox="1"/>
           <p:nvPr>
             <p:ph type="body" idx="1"/>
           </p:nvPr>
         </p:nvSpPr>
         <p:spPr>
+          <a:xfrm>
+            <a:off x="1689100" y="3136900"/>
+            <a:ext cx="21005800" cy="9296400"/>
+          </a:xfrm>
           <a:prstGeom prst="rect">
             <a:avLst/>
           </a:prstGeom>
@@ -4154,60 +4295,122 @@
           <a:bodyPr/>
           <a:lstStyle/>
           <a:p>
-            <a:pPr/>
-            <a:r>
-              <a:t>Dockerfile 是 Image 的 DNA，決定 Image 長怎樣</a:t>
-            </a:r>
-          </a:p>
-          <a:p>
-            <a:pPr/>
-            <a:r>
-              <a:t>Dockerfile 基礎架構，更多請參考 </a:t>
+            <a:pPr marL="615950" indent="-615950" defTabSz="800735">
+              <a:spcBef>
+                <a:spcPts val="1300"/>
+              </a:spcBef>
+              <a:defRPr sz="4656"/>
+            </a:pPr>
+            <a:r>
+              <a:t>Container 的工作就是把他負責的 Process 執行完畢</a:t>
+            </a:r>
+          </a:p>
+          <a:p>
+            <a:pPr lvl="1" marL="1231900" indent="-615950" defTabSz="800735">
+              <a:spcBef>
+                <a:spcPts val="1300"/>
+              </a:spcBef>
+              <a:defRPr sz="4074"/>
+            </a:pPr>
+            <a:r>
+              <a:t>Process 執行完畢 Container 狀態會變為 Exited</a:t>
+            </a:r>
+          </a:p>
+          <a:p>
+            <a:pPr marL="615950" indent="-615950" defTabSz="800735">
+              <a:spcBef>
+                <a:spcPts val="1300"/>
+              </a:spcBef>
+              <a:defRPr sz="4656"/>
+            </a:pPr>
+            <a:r>
+              <a:t>Volume</a:t>
+            </a:r>
+          </a:p>
+          <a:p>
+            <a:pPr lvl="1" marL="1231900" indent="-615950" defTabSz="800735">
+              <a:spcBef>
+                <a:spcPts val="1300"/>
+              </a:spcBef>
+              <a:defRPr sz="4074"/>
+            </a:pPr>
+            <a:r>
+              <a:t>Container 關掉後東西是會不見的</a:t>
+            </a:r>
+          </a:p>
+          <a:p>
+            <a:pPr marL="615950" indent="-615950" defTabSz="800735">
+              <a:spcBef>
+                <a:spcPts val="1300"/>
+              </a:spcBef>
+              <a:defRPr sz="4656"/>
+            </a:pPr>
+            <a:r>
+              <a:t>docker run 常用 options</a:t>
+            </a:r>
+          </a:p>
+          <a:p>
+            <a:pPr lvl="1" marL="1231900" indent="-615950" defTabSz="800735">
+              <a:spcBef>
+                <a:spcPts val="1300"/>
+              </a:spcBef>
+              <a:defRPr sz="4074"/>
+            </a:pPr>
+            <a:r>
+              <a:t>-- name 給定 Contianer 的名字</a:t>
+            </a:r>
+          </a:p>
+          <a:p>
+            <a:pPr lvl="1" marL="1231900" indent="-615950" defTabSz="800735">
+              <a:spcBef>
+                <a:spcPts val="1300"/>
+              </a:spcBef>
+              <a:defRPr sz="4074"/>
+            </a:pPr>
+            <a:r>
+              <a:t>-v 掛載 Volume</a:t>
+            </a:r>
+          </a:p>
+          <a:p>
+            <a:pPr lvl="1" marL="1231900" indent="-615950" defTabSz="800735">
+              <a:spcBef>
+                <a:spcPts val="1300"/>
+              </a:spcBef>
+              <a:defRPr sz="4074"/>
+            </a:pPr>
+            <a:r>
+              <a:t>-it 以互動模式執行虛擬終端機</a:t>
+            </a:r>
+          </a:p>
+          <a:p>
+            <a:pPr lvl="1" marL="1231900" indent="-615950" defTabSz="800735">
+              <a:spcBef>
+                <a:spcPts val="1300"/>
+              </a:spcBef>
+              <a:defRPr sz="4074"/>
+            </a:pPr>
+            <a:r>
+              <a:t>--rm 執行完畢後刪除 Container</a:t>
+            </a:r>
+          </a:p>
+          <a:p>
+            <a:pPr lvl="1" marL="1231900" indent="-615950" defTabSz="800735">
+              <a:spcBef>
+                <a:spcPts val="1300"/>
+              </a:spcBef>
+              <a:defRPr sz="4074"/>
+            </a:pPr>
+            <a:r>
+              <a:t>-d 以背景執行方式 (</a:t>
             </a:r>
             <a:r>
               <a:rPr u="sng">
                 <a:hlinkClick r:id="rId2" invalidUrl="" action="" tgtFrame="" tooltip="" history="1" highlightClick="0" endSnd="0"/>
               </a:rPr>
-              <a:t>Docker Doc</a:t>
-            </a:r>
-          </a:p>
-          <a:p>
-            <a:pPr lvl="1"/>
-            <a:r>
-              <a:t>FROM - 基底</a:t>
-            </a:r>
-          </a:p>
-          <a:p>
-            <a:pPr lvl="1"/>
-            <a:r>
-              <a:t>COPY - 從 docker build 的環境中複製檔案至 Image 中</a:t>
-            </a:r>
-          </a:p>
-          <a:p>
-            <a:pPr lvl="1"/>
-            <a:r>
-              <a:t>RUN - 在基底上再多做一些事情</a:t>
-            </a:r>
-          </a:p>
-          <a:p>
-            <a:pPr lvl="1"/>
-            <a:r>
-              <a:t>CMD - Contianer 啟動時會執行的 Command</a:t>
-            </a:r>
-          </a:p>
-          <a:p>
-            <a:pPr/>
-            <a:r>
-              <a:t>Dockerfile 參考範例</a:t>
-            </a:r>
-          </a:p>
-          <a:p>
-            <a:pPr lvl="1"/>
-            <a:r>
-              <a:rPr u="sng">
-                <a:hlinkClick r:id="rId3" invalidUrl="" action="" tgtFrame="" tooltip="" history="1" highlightClick="0" endSnd="0"/>
-              </a:rPr>
-              <a:t>https://github.com/ufoym/deepo/blob/master/docker/Dockerfile.all-py36-cpu</a:t>
+              <a:t>Daemon</a:t>
+            </a:r>
+            <a:r>
+              <a:t>) 啟動 Container</a:t>
             </a:r>
           </a:p>
         </p:txBody>
@@ -4262,9 +4465,137 @@
           </a:p>
         </p:txBody>
       </p:sp>
+      <p:sp>
+        <p:nvSpPr>
+          <p:cNvPr id="183" name="Dockerfile 是 Image 的 DNA，決定 Image 長怎樣…"/>
+          <p:cNvSpPr txBox="1"/>
+          <p:nvPr>
+            <p:ph type="body" idx="1"/>
+          </p:nvPr>
+        </p:nvSpPr>
+        <p:spPr>
+          <a:prstGeom prst="rect">
+            <a:avLst/>
+          </a:prstGeom>
+        </p:spPr>
+        <p:txBody>
+          <a:bodyPr/>
+          <a:lstStyle/>
+          <a:p>
+            <a:pPr/>
+            <a:r>
+              <a:t>Dockerfile 是 Image 的 DNA，決定 Image 長怎樣</a:t>
+            </a:r>
+          </a:p>
+          <a:p>
+            <a:pPr/>
+            <a:r>
+              <a:t>Dockerfile 基礎架構，更多請參考 </a:t>
+            </a:r>
+            <a:r>
+              <a:rPr u="sng">
+                <a:hlinkClick r:id="rId2" invalidUrl="" action="" tgtFrame="" tooltip="" history="1" highlightClick="0" endSnd="0"/>
+              </a:rPr>
+              <a:t>Docker Doc</a:t>
+            </a:r>
+          </a:p>
+          <a:p>
+            <a:pPr lvl="1"/>
+            <a:r>
+              <a:t>FROM - 基底</a:t>
+            </a:r>
+          </a:p>
+          <a:p>
+            <a:pPr lvl="1"/>
+            <a:r>
+              <a:t>COPY - 從 docker build 的環境中複製檔案至 Image 中</a:t>
+            </a:r>
+          </a:p>
+          <a:p>
+            <a:pPr lvl="1"/>
+            <a:r>
+              <a:t>RUN - 在基底上再多做一些事情</a:t>
+            </a:r>
+          </a:p>
+          <a:p>
+            <a:pPr lvl="1"/>
+            <a:r>
+              <a:t>CMD - Contianer 啟動時會執行的 Command</a:t>
+            </a:r>
+          </a:p>
+          <a:p>
+            <a:pPr/>
+            <a:r>
+              <a:t>Dockerfile 參考範例</a:t>
+            </a:r>
+          </a:p>
+          <a:p>
+            <a:pPr lvl="1"/>
+            <a:r>
+              <a:rPr u="sng">
+                <a:solidFill>
+                  <a:schemeClr val="accent1"/>
+                </a:solidFill>
+                <a:hlinkClick r:id="rId3" invalidUrl="" action="" tgtFrame="" tooltip="" history="1" highlightClick="0" endSnd="0"/>
+              </a:rPr>
+              <a:t>https://github.com/ufoym/deepo/blob/master/docker/Dockerfile.all-py36-cpu</a:t>
+            </a:r>
+          </a:p>
+        </p:txBody>
+      </p:sp>
+    </p:spTree>
+  </p:cSld>
+  <p:clrMapOvr>
+    <a:masterClrMapping/>
+  </p:clrMapOvr>
+  <p:transition xmlns:p14="http://schemas.microsoft.com/office/powerpoint/2010/main" spd="med" advClick="1"/>
+</p:sld>
+</file>
+
+<file path=ppt/slides/slide18.xml><?xml version="1.0" encoding="utf-8"?>
+<p:sld xmlns:a="http://schemas.openxmlformats.org/drawingml/2006/main" xmlns:r="http://schemas.openxmlformats.org/officeDocument/2006/relationships" xmlns:p="http://schemas.openxmlformats.org/presentationml/2006/main" xmlns:m="http://schemas.openxmlformats.org/officeDocument/2006/math" xmlns:a14="http://schemas.microsoft.com/office/drawing/2010/main" showMasterSp="1" showMasterPhAnim="1">
+  <p:cSld>
+    <p:spTree>
+      <p:nvGrpSpPr>
+        <p:cNvPr id="1" name=""/>
+        <p:cNvGrpSpPr/>
+        <p:nvPr/>
+      </p:nvGrpSpPr>
+      <p:grpSpPr>
+        <a:xfrm>
+          <a:off x="0" y="0"/>
+          <a:ext cx="0" cy="0"/>
+          <a:chOff x="0" y="0"/>
+          <a:chExt cx="0" cy="0"/>
+        </a:xfrm>
+      </p:grpSpPr>
+      <p:sp>
+        <p:nvSpPr>
+          <p:cNvPr id="185" name="Dockerfile"/>
+          <p:cNvSpPr txBox="1"/>
+          <p:nvPr>
+            <p:ph type="title"/>
+          </p:nvPr>
+        </p:nvSpPr>
+        <p:spPr>
+          <a:prstGeom prst="rect">
+            <a:avLst/>
+          </a:prstGeom>
+        </p:spPr>
+        <p:txBody>
+          <a:bodyPr/>
+          <a:lstStyle/>
+          <a:p>
+            <a:pPr/>
+            <a:r>
+              <a:t>Dockerfile</a:t>
+            </a:r>
+          </a:p>
+        </p:txBody>
+      </p:sp>
       <p:grpSp>
         <p:nvGrpSpPr>
-          <p:cNvPr id="199" name="Group"/>
+          <p:cNvPr id="202" name="Group"/>
           <p:cNvGrpSpPr/>
           <p:nvPr/>
         </p:nvGrpSpPr>
@@ -4278,7 +4609,7 @@
         </p:grpSpPr>
         <p:sp>
           <p:nvSpPr>
-            <p:cNvPr id="183" name="基底是 ubuntu 18.04"/>
+            <p:cNvPr id="186" name="基底是 ubuntu 18.04"/>
             <p:cNvSpPr txBox="1"/>
             <p:nvPr/>
           </p:nvSpPr>
@@ -4317,7 +4648,7 @@
         </p:sp>
         <p:sp>
           <p:nvSpPr>
-            <p:cNvPr id="184" name="將 Image 的初始目錄設定為 /app，目錄不存在則自動新建一個"/>
+            <p:cNvPr id="187" name="將 Image 的初始目錄設定為 /app，目錄不存在則自動新建一個"/>
             <p:cNvSpPr txBox="1"/>
             <p:nvPr/>
           </p:nvSpPr>
@@ -4356,7 +4687,7 @@
         </p:sp>
         <p:sp>
           <p:nvSpPr>
-            <p:cNvPr id="185" name="Container 啟動時執行 cat /app/hello.txt 指令"/>
+            <p:cNvPr id="188" name="Container 啟動時執行 cat /app/hello.txt 指令"/>
             <p:cNvSpPr txBox="1"/>
             <p:nvPr/>
           </p:nvSpPr>
@@ -4395,7 +4726,7 @@
         </p:sp>
         <p:pic>
           <p:nvPicPr>
-            <p:cNvPr id="186" name="Image" descr="Image"/>
+            <p:cNvPr id="189" name="Image" descr="Image"/>
             <p:cNvPicPr>
               <a:picLocks noChangeAspect="1"/>
             </p:cNvPicPr>
@@ -4426,13 +4757,13 @@
         </p:pic>
         <p:sp>
           <p:nvSpPr>
-            <p:cNvPr id="187" name="在 Image 中執行一些指令…"/>
+            <p:cNvPr id="190" name="在 Image 中執行一些指令…"/>
             <p:cNvSpPr txBox="1"/>
             <p:nvPr/>
           </p:nvSpPr>
           <p:spPr>
             <a:xfrm>
-              <a:off x="11920893" y="4928097"/>
+              <a:off x="11920894" y="4928097"/>
               <a:ext cx="8171308" cy="1179452"/>
             </a:xfrm>
             <a:prstGeom prst="rect">
@@ -4477,7 +4808,7 @@
         </p:sp>
         <p:pic>
           <p:nvPicPr>
-            <p:cNvPr id="188" name="Line Line" descr="Line Line"/>
+            <p:cNvPr id="191" name="Line Line" descr="Line Line"/>
             <p:cNvPicPr>
               <a:picLocks noChangeAspect="0"/>
             </p:cNvPicPr>
@@ -4504,7 +4835,7 @@
         </p:pic>
         <p:pic>
           <p:nvPicPr>
-            <p:cNvPr id="190" name="Line Line" descr="Line Line"/>
+            <p:cNvPr id="193" name="Line Line" descr="Line Line"/>
             <p:cNvPicPr>
               <a:picLocks noChangeAspect="0"/>
             </p:cNvPicPr>
@@ -4531,7 +4862,7 @@
         </p:pic>
         <p:pic>
           <p:nvPicPr>
-            <p:cNvPr id="192" name="Line Line" descr="Line Line"/>
+            <p:cNvPr id="195" name="Line Line" descr="Line Line"/>
             <p:cNvPicPr>
               <a:picLocks noChangeAspect="0"/>
             </p:cNvPicPr>
@@ -4558,7 +4889,7 @@
         </p:pic>
         <p:pic>
           <p:nvPicPr>
-            <p:cNvPr id="194" name="Line Line" descr="Line Line"/>
+            <p:cNvPr id="197" name="Line Line" descr="Line Line"/>
             <p:cNvPicPr>
               <a:picLocks noChangeAspect="0"/>
             </p:cNvPicPr>
@@ -4585,7 +4916,7 @@
         </p:pic>
         <p:pic>
           <p:nvPicPr>
-            <p:cNvPr id="196" name="Line Line" descr="Line Line"/>
+            <p:cNvPr id="199" name="Line Line" descr="Line Line"/>
             <p:cNvPicPr>
               <a:picLocks noChangeAspect="0"/>
             </p:cNvPicPr>
@@ -4612,7 +4943,7 @@
         </p:pic>
         <p:sp>
           <p:nvSpPr>
-            <p:cNvPr id="198" name="複製執行 docker run 當下路徑的 hello.txt 至 /app 目錄中"/>
+            <p:cNvPr id="201" name="複製執行 docker run 當下路徑的 hello.txt 至 /app 目錄中"/>
             <p:cNvSpPr txBox="1"/>
             <p:nvPr/>
           </p:nvSpPr>
@@ -4659,92 +4990,6 @@
 </p:sld>
 </file>
 
-<file path=ppt/slides/slide18.xml><?xml version="1.0" encoding="utf-8"?>
-<p:sld xmlns:a="http://schemas.openxmlformats.org/drawingml/2006/main" xmlns:r="http://schemas.openxmlformats.org/officeDocument/2006/relationships" xmlns:p="http://schemas.openxmlformats.org/presentationml/2006/main" xmlns:m="http://schemas.openxmlformats.org/officeDocument/2006/math" xmlns:a14="http://schemas.microsoft.com/office/drawing/2010/main" showMasterSp="1" showMasterPhAnim="1">
-  <p:cSld>
-    <p:spTree>
-      <p:nvGrpSpPr>
-        <p:cNvPr id="1" name=""/>
-        <p:cNvGrpSpPr/>
-        <p:nvPr/>
-      </p:nvGrpSpPr>
-      <p:grpSpPr>
-        <a:xfrm>
-          <a:off x="0" y="0"/>
-          <a:ext cx="0" cy="0"/>
-          <a:chOff x="0" y="0"/>
-          <a:chExt cx="0" cy="0"/>
-        </a:xfrm>
-      </p:grpSpPr>
-      <p:sp>
-        <p:nvSpPr>
-          <p:cNvPr id="201" name="Hands-on"/>
-          <p:cNvSpPr txBox="1"/>
-          <p:nvPr>
-            <p:ph type="title"/>
-          </p:nvPr>
-        </p:nvSpPr>
-        <p:spPr>
-          <a:prstGeom prst="rect">
-            <a:avLst/>
-          </a:prstGeom>
-        </p:spPr>
-        <p:txBody>
-          <a:bodyPr/>
-          <a:lstStyle/>
-          <a:p>
-            <a:pPr/>
-            <a:r>
-              <a:t>Hands-on</a:t>
-            </a:r>
-          </a:p>
-        </p:txBody>
-      </p:sp>
-      <p:sp>
-        <p:nvSpPr>
-          <p:cNvPr id="202" name="Github Repo docker-tutorial…"/>
-          <p:cNvSpPr txBox="1"/>
-          <p:nvPr>
-            <p:ph type="body" idx="1"/>
-          </p:nvPr>
-        </p:nvSpPr>
-        <p:spPr>
-          <a:prstGeom prst="rect">
-            <a:avLst/>
-          </a:prstGeom>
-        </p:spPr>
-        <p:txBody>
-          <a:bodyPr/>
-          <a:lstStyle/>
-          <a:p>
-            <a:pPr/>
-            <a:r>
-              <a:t>Github Repo </a:t>
-            </a:r>
-            <a:r>
-              <a:rPr u="sng">
-                <a:hlinkClick r:id="rId2" invalidUrl="" action="" tgtFrame="" tooltip="" history="1" highlightClick="0" endSnd="0"/>
-              </a:rPr>
-              <a:t>docker-tutorial</a:t>
-            </a:r>
-          </a:p>
-          <a:p>
-            <a:pPr lvl="1"/>
-            <a:r>
-              <a:t>docker-101/2-build-image</a:t>
-            </a:r>
-          </a:p>
-        </p:txBody>
-      </p:sp>
-    </p:spTree>
-  </p:cSld>
-  <p:clrMapOvr>
-    <a:masterClrMapping/>
-  </p:clrMapOvr>
-  <p:transition xmlns:p14="http://schemas.microsoft.com/office/powerpoint/2010/main" spd="med" advClick="1"/>
-</p:sld>
-</file>
-
 <file path=ppt/slides/slide19.xml><?xml version="1.0" encoding="utf-8"?>
 <p:sld xmlns:a="http://schemas.openxmlformats.org/drawingml/2006/main" xmlns:r="http://schemas.openxmlformats.org/officeDocument/2006/relationships" xmlns:p="http://schemas.openxmlformats.org/presentationml/2006/main" xmlns:m="http://schemas.openxmlformats.org/officeDocument/2006/math" xmlns:a14="http://schemas.microsoft.com/office/drawing/2010/main" showMasterSp="1" showMasterPhAnim="1">
   <p:cSld>
@@ -4764,7 +5009,7 @@
       </p:grpSpPr>
       <p:sp>
         <p:nvSpPr>
-          <p:cNvPr id="204" name="Recap"/>
+          <p:cNvPr id="204" name="Hands-on"/>
           <p:cNvSpPr txBox="1"/>
           <p:nvPr>
             <p:ph type="title"/>
@@ -4781,14 +5026,14 @@
           <a:p>
             <a:pPr/>
             <a:r>
-              <a:t>Recap</a:t>
+              <a:t>Hands-on</a:t>
             </a:r>
           </a:p>
         </p:txBody>
       </p:sp>
       <p:sp>
         <p:nvSpPr>
-          <p:cNvPr id="205" name="Docker 的三個關鍵概念…"/>
+          <p:cNvPr id="205" name="Github Repo docker-tutorial…"/>
           <p:cNvSpPr txBox="1"/>
           <p:nvPr>
             <p:ph type="body" idx="1"/>
@@ -4803,135 +5048,24 @@
           <a:bodyPr/>
           <a:lstStyle/>
           <a:p>
-            <a:pPr marL="514350" indent="-514350" defTabSz="668655">
-              <a:spcBef>
-                <a:spcPts val="1100"/>
-              </a:spcBef>
-              <a:defRPr sz="3888"/>
-            </a:pPr>
-            <a:r>
-              <a:t>Docker 的三個關鍵概念</a:t>
-            </a:r>
-          </a:p>
-          <a:p>
-            <a:pPr lvl="1" marL="1028700" indent="-514350" defTabSz="668655">
-              <a:spcBef>
-                <a:spcPts val="1100"/>
-              </a:spcBef>
-              <a:defRPr sz="3402"/>
-            </a:pPr>
-            <a:r>
-              <a:t>Dockerfile - 定義 Image 長怎樣</a:t>
-            </a:r>
-          </a:p>
-          <a:p>
-            <a:pPr lvl="1" marL="1028700" indent="-514350" defTabSz="668655">
-              <a:spcBef>
-                <a:spcPts val="1100"/>
-              </a:spcBef>
-              <a:defRPr sz="3402"/>
-            </a:pPr>
-            <a:r>
-              <a:t>(Docker/Container) Image - 由 Dockerfile build 成，可發佈至 Container Registry 供其他機器下載</a:t>
-            </a:r>
-          </a:p>
-          <a:p>
-            <a:pPr lvl="1" marL="1028700" indent="-514350" defTabSz="668655">
-              <a:spcBef>
-                <a:spcPts val="1100"/>
-              </a:spcBef>
-              <a:defRPr sz="3402"/>
-            </a:pPr>
-            <a:r>
-              <a:t>Container - 由 Image run 成，實際運行的實體</a:t>
-            </a:r>
-          </a:p>
-          <a:p>
-            <a:pPr marL="514350" indent="-514350" defTabSz="668655">
-              <a:spcBef>
-                <a:spcPts val="1100"/>
-              </a:spcBef>
-              <a:defRPr sz="3888"/>
-            </a:pPr>
-            <a:r>
-              <a:t>Docker command</a:t>
-            </a:r>
-          </a:p>
-          <a:p>
-            <a:pPr lvl="1" marL="1028700" indent="-514350" defTabSz="668655">
-              <a:spcBef>
-                <a:spcPts val="1100"/>
-              </a:spcBef>
-              <a:defRPr sz="3402"/>
-            </a:pPr>
-            <a:r>
-              <a:t>build - 將 Dockerfile 打包成 Image  </a:t>
-            </a:r>
-          </a:p>
-          <a:p>
-            <a:pPr lvl="1" marL="1028700" indent="-514350" defTabSz="668655">
-              <a:spcBef>
-                <a:spcPts val="1100"/>
-              </a:spcBef>
-              <a:defRPr sz="3402"/>
-            </a:pPr>
-            <a:r>
-              <a:t>run - 將 Image 執行成 Container</a:t>
-            </a:r>
-          </a:p>
-          <a:p>
-            <a:pPr lvl="1" marL="1028700" indent="-514350" defTabSz="668655">
-              <a:spcBef>
-                <a:spcPts val="1100"/>
-              </a:spcBef>
-              <a:defRPr sz="3402"/>
-            </a:pPr>
-            <a:r>
-              <a:t>images - 列出本機的 Image</a:t>
-            </a:r>
-          </a:p>
-          <a:p>
-            <a:pPr lvl="1" marL="1028700" indent="-514350" defTabSz="668655">
-              <a:spcBef>
-                <a:spcPts val="1100"/>
-              </a:spcBef>
-              <a:defRPr sz="3402"/>
-            </a:pPr>
-            <a:r>
-              <a:t>ps -a - 列出本機所有的 Container</a:t>
-            </a:r>
-          </a:p>
-          <a:p>
-            <a:pPr lvl="1" marL="1028700" indent="-514350" defTabSz="668655">
-              <a:spcBef>
-                <a:spcPts val="1100"/>
-              </a:spcBef>
-              <a:defRPr sz="3402"/>
-            </a:pPr>
-            <a:r>
-              <a:t>logs - 印出 Container 的 Log</a:t>
-            </a:r>
-          </a:p>
-          <a:p>
-            <a:pPr lvl="1" marL="1028700" indent="-514350" defTabSz="668655">
-              <a:spcBef>
-                <a:spcPts val="1100"/>
-              </a:spcBef>
-              <a:defRPr sz="3402"/>
-            </a:pPr>
-            <a:r>
-              <a:t>cp - Host 與 Container 之間的檔案交換</a:t>
-            </a:r>
-          </a:p>
-          <a:p>
-            <a:pPr lvl="1" marL="1028700" indent="-514350" defTabSz="668655">
-              <a:spcBef>
-                <a:spcPts val="1100"/>
-              </a:spcBef>
-              <a:defRPr sz="3402"/>
-            </a:pPr>
-            <a:r>
-              <a:t>exec - 在執行中的 Container 執行指令</a:t>
+            <a:pPr/>
+            <a:r>
+              <a:t>Github Repo </a:t>
+            </a:r>
+            <a:r>
+              <a:rPr u="sng">
+                <a:solidFill>
+                  <a:schemeClr val="accent1"/>
+                </a:solidFill>
+                <a:hlinkClick r:id="rId2" invalidUrl="" action="" tgtFrame="" tooltip="" history="1" highlightClick="0" endSnd="0"/>
+              </a:rPr>
+              <a:t>docker-tutorial</a:t>
+            </a:r>
+          </a:p>
+          <a:p>
+            <a:pPr lvl="1"/>
+            <a:r>
+              <a:t>docker-101/2-build-image</a:t>
             </a:r>
           </a:p>
         </p:txBody>
@@ -5074,7 +5208,7 @@
       </p:grpSpPr>
       <p:sp>
         <p:nvSpPr>
-          <p:cNvPr id="207" name="好的 Container 只做一件事，並把他做好"/>
+          <p:cNvPr id="207" name="Recap"/>
           <p:cNvSpPr txBox="1"/>
           <p:nvPr>
             <p:ph type="title"/>
@@ -5087,15 +5221,200 @@
         </p:spPr>
         <p:txBody>
           <a:bodyPr/>
-          <a:lstStyle>
-            <a:lvl1pPr>
-              <a:defRPr sz="8000"/>
-            </a:lvl1pPr>
-          </a:lstStyle>
-          <a:p>
-            <a:pPr/>
-            <a:r>
-              <a:t>好的 Container 只做一件事，並把他做好</a:t>
+          <a:lstStyle/>
+          <a:p>
+            <a:pPr/>
+            <a:r>
+              <a:t>Recap</a:t>
+            </a:r>
+          </a:p>
+        </p:txBody>
+      </p:sp>
+      <p:sp>
+        <p:nvSpPr>
+          <p:cNvPr id="208" name="Docker 的三個關鍵概念…"/>
+          <p:cNvSpPr txBox="1"/>
+          <p:nvPr>
+            <p:ph type="body" idx="1"/>
+          </p:nvPr>
+        </p:nvSpPr>
+        <p:spPr>
+          <a:prstGeom prst="rect">
+            <a:avLst/>
+          </a:prstGeom>
+        </p:spPr>
+        <p:txBody>
+          <a:bodyPr/>
+          <a:lstStyle/>
+          <a:p>
+            <a:pPr marL="514350" indent="-514350" defTabSz="668655">
+              <a:spcBef>
+                <a:spcPts val="1100"/>
+              </a:spcBef>
+              <a:defRPr sz="3888"/>
+            </a:pPr>
+            <a:r>
+              <a:t>Docker 的三個關鍵概念</a:t>
+            </a:r>
+          </a:p>
+          <a:p>
+            <a:pPr lvl="1" marL="1028700" indent="-514350" defTabSz="668655">
+              <a:spcBef>
+                <a:spcPts val="1100"/>
+              </a:spcBef>
+              <a:defRPr sz="3402"/>
+            </a:pPr>
+            <a:r>
+              <a:rPr>
+                <a:solidFill>
+                  <a:schemeClr val="accent4">
+                    <a:hueOff val="-1081314"/>
+                    <a:satOff val="4338"/>
+                    <a:lumOff val="-8931"/>
+                  </a:schemeClr>
+                </a:solidFill>
+              </a:rPr>
+              <a:t>Dockerfile</a:t>
+            </a:r>
+            <a:r>
+              <a:t> - 定義 Image 長怎樣</a:t>
+            </a:r>
+          </a:p>
+          <a:p>
+            <a:pPr lvl="1" marL="1028700" indent="-514350" defTabSz="668655">
+              <a:spcBef>
+                <a:spcPts val="1100"/>
+              </a:spcBef>
+              <a:defRPr sz="3402"/>
+            </a:pPr>
+            <a:r>
+              <a:t>(Docker/Container) </a:t>
+            </a:r>
+            <a:r>
+              <a:rPr>
+                <a:solidFill>
+                  <a:schemeClr val="accent4">
+                    <a:hueOff val="-1081314"/>
+                    <a:satOff val="4338"/>
+                    <a:lumOff val="-8931"/>
+                  </a:schemeClr>
+                </a:solidFill>
+              </a:rPr>
+              <a:t>Image</a:t>
+            </a:r>
+            <a:r>
+              <a:t> - 由 Dockerfile build 成，可發佈至 Container Registry 供其他機器下載</a:t>
+            </a:r>
+          </a:p>
+          <a:p>
+            <a:pPr lvl="1" marL="1028700" indent="-514350" defTabSz="668655">
+              <a:spcBef>
+                <a:spcPts val="1100"/>
+              </a:spcBef>
+              <a:defRPr sz="3402"/>
+            </a:pPr>
+            <a:r>
+              <a:rPr>
+                <a:solidFill>
+                  <a:schemeClr val="accent4">
+                    <a:hueOff val="-1081314"/>
+                    <a:satOff val="4338"/>
+                    <a:lumOff val="-8931"/>
+                  </a:schemeClr>
+                </a:solidFill>
+              </a:rPr>
+              <a:t>Container</a:t>
+            </a:r>
+            <a:r>
+              <a:t> - 由 Image run 成，實際運行的實體</a:t>
+            </a:r>
+          </a:p>
+          <a:p>
+            <a:pPr marL="514350" indent="-514350" defTabSz="668655">
+              <a:spcBef>
+                <a:spcPts val="1100"/>
+              </a:spcBef>
+              <a:defRPr sz="3888"/>
+            </a:pPr>
+            <a:r>
+              <a:t>Docker command</a:t>
+            </a:r>
+          </a:p>
+          <a:p>
+            <a:pPr lvl="1" marL="1028700" indent="-514350" defTabSz="668655">
+              <a:spcBef>
+                <a:spcPts val="1100"/>
+              </a:spcBef>
+              <a:defRPr sz="3402"/>
+            </a:pPr>
+            <a:r>
+              <a:t>build - 將 Dockerfile 打包成 Image  </a:t>
+            </a:r>
+          </a:p>
+          <a:p>
+            <a:pPr lvl="1" marL="1028700" indent="-514350" defTabSz="668655">
+              <a:spcBef>
+                <a:spcPts val="1100"/>
+              </a:spcBef>
+              <a:defRPr sz="3402"/>
+            </a:pPr>
+            <a:r>
+              <a:t>run - 將 Image 執行成 Container</a:t>
+            </a:r>
+          </a:p>
+          <a:p>
+            <a:pPr lvl="1" marL="1028700" indent="-514350" defTabSz="668655">
+              <a:spcBef>
+                <a:spcPts val="1100"/>
+              </a:spcBef>
+              <a:defRPr sz="3402"/>
+            </a:pPr>
+            <a:r>
+              <a:t>images - 列出本機的 Image</a:t>
+            </a:r>
+          </a:p>
+          <a:p>
+            <a:pPr lvl="1" marL="1028700" indent="-514350" defTabSz="668655">
+              <a:spcBef>
+                <a:spcPts val="1100"/>
+              </a:spcBef>
+              <a:defRPr sz="3402"/>
+            </a:pPr>
+            <a:r>
+              <a:t>ps -a - 列出本機所有的 Container</a:t>
+            </a:r>
+          </a:p>
+          <a:p>
+            <a:pPr lvl="1" marL="1028700" indent="-514350" defTabSz="668655">
+              <a:spcBef>
+                <a:spcPts val="1100"/>
+              </a:spcBef>
+              <a:defRPr sz="3402"/>
+            </a:pPr>
+            <a:r>
+              <a:t>logs - 印出 Container 的 Log</a:t>
+            </a:r>
+          </a:p>
+          <a:p>
+            <a:pPr lvl="1" marL="1028700" indent="-514350" defTabSz="668655">
+              <a:spcBef>
+                <a:spcPts val="1100"/>
+              </a:spcBef>
+              <a:defRPr sz="3402"/>
+            </a:pPr>
+            <a:r>
+              <a:t>cp - Host 與 Container 之間的檔案交換</a:t>
+            </a:r>
+          </a:p>
+          <a:p>
+            <a:pPr lvl="1" marL="1028700" indent="-514350" defTabSz="668655">
+              <a:spcBef>
+                <a:spcPts val="1100"/>
+              </a:spcBef>
+              <a:defRPr sz="3402"/>
+            </a:pPr>
+            <a:r>
+              <a:t>exec - 在執行中的 Container 執行指令</a:t>
             </a:r>
           </a:p>
         </p:txBody>
@@ -5128,7 +5447,7 @@
       </p:grpSpPr>
       <p:sp>
         <p:nvSpPr>
-          <p:cNvPr id="209" name="Container"/>
+          <p:cNvPr id="210" name="好的 Container 只做一件事，並把他做好"/>
           <p:cNvSpPr txBox="1"/>
           <p:nvPr>
             <p:ph type="title"/>
@@ -5141,11 +5460,15 @@
         </p:spPr>
         <p:txBody>
           <a:bodyPr/>
-          <a:lstStyle/>
-          <a:p>
-            <a:pPr/>
-            <a:r>
-              <a:t>Container</a:t>
+          <a:lstStyle>
+            <a:lvl1pPr>
+              <a:defRPr sz="8000"/>
+            </a:lvl1pPr>
+          </a:lstStyle>
+          <a:p>
+            <a:pPr/>
+            <a:r>
+              <a:t>好的 Container 只做一件事，並把他做好</a:t>
             </a:r>
           </a:p>
         </p:txBody>
@@ -5178,7 +5501,7 @@
       </p:grpSpPr>
       <p:sp>
         <p:nvSpPr>
-          <p:cNvPr id="211" name="Container - Orchestration"/>
+          <p:cNvPr id="212" name="Container"/>
           <p:cNvSpPr txBox="1"/>
           <p:nvPr>
             <p:ph type="title"/>
@@ -5195,111 +5518,11 @@
           <a:p>
             <a:pPr/>
             <a:r>
-              <a:t>Container - Orchestration</a:t>
+              <a:t>Container</a:t>
             </a:r>
           </a:p>
         </p:txBody>
       </p:sp>
-      <p:pic>
-        <p:nvPicPr>
-          <p:cNvPr id="212" name="Image" descr="Image"/>
-          <p:cNvPicPr>
-            <a:picLocks noChangeAspect="1"/>
-          </p:cNvPicPr>
-          <p:nvPr/>
-        </p:nvPicPr>
-        <p:blipFill>
-          <a:blip r:embed="rId2">
-            <a:extLst/>
-          </a:blip>
-          <a:stretch>
-            <a:fillRect/>
-          </a:stretch>
-        </p:blipFill>
-        <p:spPr>
-          <a:xfrm>
-            <a:off x="325343" y="4293521"/>
-            <a:ext cx="13558778" cy="6906958"/>
-          </a:xfrm>
-          <a:prstGeom prst="rect">
-            <a:avLst/>
-          </a:prstGeom>
-          <a:ln w="12700">
-            <a:miter lim="400000"/>
-          </a:ln>
-        </p:spPr>
-      </p:pic>
-      <p:sp>
-        <p:nvSpPr>
-          <p:cNvPr id="213" name="Image Source: Slovenian"/>
-          <p:cNvSpPr txBox="1"/>
-          <p:nvPr/>
-        </p:nvSpPr>
-        <p:spPr>
-          <a:xfrm>
-            <a:off x="16774815" y="10956092"/>
-            <a:ext cx="4608577" cy="560449"/>
-          </a:xfrm>
-          <a:prstGeom prst="rect">
-            <a:avLst/>
-          </a:prstGeom>
-          <a:ln w="12700">
-            <a:miter lim="400000"/>
-          </a:ln>
-          <a:extLst>
-            <a:ext uri="{C572A759-6A51-4108-AA02-DFA0A04FC94B}">
-              <ma14:wrappingTextBoxFlag xmlns:ma14="http://schemas.microsoft.com/office/mac/drawingml/2011/main" val="1"/>
-            </a:ext>
-          </a:extLst>
-        </p:spPr>
-        <p:txBody>
-          <a:bodyPr wrap="none" lIns="50800" tIns="50800" rIns="50800" bIns="50800" anchor="ctr">
-            <a:spAutoFit/>
-          </a:bodyPr>
-          <a:lstStyle/>
-          <a:p>
-            <a:pPr/>
-            <a:r>
-              <a:t>Image Source: </a:t>
-            </a:r>
-            <a:r>
-              <a:rPr u="sng">
-                <a:hlinkClick r:id="rId3" invalidUrl="" action="" tgtFrame="" tooltip="" history="1" highlightClick="0" endSnd="0"/>
-              </a:rPr>
-              <a:t>Slovenian</a:t>
-            </a:r>
-          </a:p>
-        </p:txBody>
-      </p:sp>
-      <p:pic>
-        <p:nvPicPr>
-          <p:cNvPr id="214" name="Image" descr="Image"/>
-          <p:cNvPicPr>
-            <a:picLocks noChangeAspect="1"/>
-          </p:cNvPicPr>
-          <p:nvPr/>
-        </p:nvPicPr>
-        <p:blipFill>
-          <a:blip r:embed="rId4">
-            <a:extLst/>
-          </a:blip>
-          <a:stretch>
-            <a:fillRect/>
-          </a:stretch>
-        </p:blipFill>
-        <p:spPr>
-          <a:xfrm>
-            <a:off x="14008013" y="4897047"/>
-            <a:ext cx="10142182" cy="5699906"/>
-          </a:xfrm>
-          <a:prstGeom prst="rect">
-            <a:avLst/>
-          </a:prstGeom>
-          <a:ln w="12700">
-            <a:miter lim="400000"/>
-          </a:ln>
-        </p:spPr>
-      </p:pic>
     </p:spTree>
   </p:cSld>
   <p:clrMapOvr>
@@ -5328,7 +5551,7 @@
       </p:grpSpPr>
       <p:sp>
         <p:nvSpPr>
-          <p:cNvPr id="216" name="Container - Orchestration"/>
+          <p:cNvPr id="214" name="Container - Orchestration"/>
           <p:cNvSpPr txBox="1"/>
           <p:nvPr>
             <p:ph type="title"/>
@@ -5352,7 +5575,7 @@
       </p:sp>
       <p:pic>
         <p:nvPicPr>
-          <p:cNvPr id="217" name="Image" descr="Image"/>
+          <p:cNvPr id="215" name="Image" descr="Image"/>
           <p:cNvPicPr>
             <a:picLocks noChangeAspect="1"/>
           </p:cNvPicPr>
@@ -5368,8 +5591,8 @@
         </p:blipFill>
         <p:spPr>
           <a:xfrm>
-            <a:off x="2105531" y="3334170"/>
-            <a:ext cx="20172938" cy="8825660"/>
+            <a:off x="325343" y="4293521"/>
+            <a:ext cx="13558778" cy="6906958"/>
           </a:xfrm>
           <a:prstGeom prst="rect">
             <a:avLst/>
@@ -5379,6 +5602,77 @@
           </a:ln>
         </p:spPr>
       </p:pic>
+      <p:pic>
+        <p:nvPicPr>
+          <p:cNvPr id="216" name="Image" descr="Image"/>
+          <p:cNvPicPr>
+            <a:picLocks noChangeAspect="1"/>
+          </p:cNvPicPr>
+          <p:nvPr/>
+        </p:nvPicPr>
+        <p:blipFill>
+          <a:blip r:embed="rId3">
+            <a:extLst/>
+          </a:blip>
+          <a:stretch>
+            <a:fillRect/>
+          </a:stretch>
+        </p:blipFill>
+        <p:spPr>
+          <a:xfrm>
+            <a:off x="14634103" y="5773833"/>
+            <a:ext cx="8890001" cy="4787901"/>
+          </a:xfrm>
+          <a:prstGeom prst="rect">
+            <a:avLst/>
+          </a:prstGeom>
+          <a:ln w="12700">
+            <a:miter lim="400000"/>
+          </a:ln>
+        </p:spPr>
+      </p:pic>
+      <p:sp>
+        <p:nvSpPr>
+          <p:cNvPr id="217" name="Image Source: Power Music School"/>
+          <p:cNvSpPr txBox="1"/>
+          <p:nvPr/>
+        </p:nvSpPr>
+        <p:spPr>
+          <a:xfrm>
+            <a:off x="15794502" y="10809200"/>
+            <a:ext cx="6569203" cy="560449"/>
+          </a:xfrm>
+          <a:prstGeom prst="rect">
+            <a:avLst/>
+          </a:prstGeom>
+          <a:ln w="12700">
+            <a:miter lim="400000"/>
+          </a:ln>
+          <a:extLst>
+            <a:ext uri="{C572A759-6A51-4108-AA02-DFA0A04FC94B}">
+              <ma14:wrappingTextBoxFlag xmlns:ma14="http://schemas.microsoft.com/office/mac/drawingml/2011/main" val="1"/>
+            </a:ext>
+          </a:extLst>
+        </p:spPr>
+        <p:txBody>
+          <a:bodyPr wrap="none" lIns="50800" tIns="50800" rIns="50800" bIns="50800" anchor="ctr">
+            <a:spAutoFit/>
+          </a:bodyPr>
+          <a:lstStyle/>
+          <a:p>
+            <a:pPr/>
+            <a:r>
+              <a:t>Image Source: </a:t>
+            </a:r>
+            <a:r>
+              <a:rPr u="sng">
+                <a:hlinkClick r:id="rId4" invalidUrl="" action="" tgtFrame="" tooltip="" history="1" highlightClick="0" endSnd="0"/>
+              </a:rPr>
+              <a:t>Power Music School</a:t>
+            </a:r>
+          </a:p>
+        </p:txBody>
+      </p:sp>
     </p:spTree>
   </p:cSld>
   <p:clrMapOvr>
@@ -5429,167 +5723,35 @@
           </a:p>
         </p:txBody>
       </p:sp>
-      <p:sp>
-        <p:nvSpPr>
-          <p:cNvPr id="220" name="Container Orchestration…"/>
-          <p:cNvSpPr txBox="1"/>
-          <p:nvPr>
-            <p:ph type="body" idx="1"/>
-          </p:nvPr>
-        </p:nvSpPr>
-        <p:spPr>
-          <a:prstGeom prst="rect">
-            <a:avLst/>
-          </a:prstGeom>
-        </p:spPr>
-        <p:txBody>
-          <a:bodyPr/>
-          <a:lstStyle/>
-          <a:p>
-            <a:pPr marL="615950" indent="-615950" defTabSz="800735">
-              <a:spcBef>
-                <a:spcPts val="1300"/>
-              </a:spcBef>
-              <a:defRPr sz="4656"/>
-            </a:pPr>
-            <a:r>
-              <a:t>Container Orchestration</a:t>
-            </a:r>
-          </a:p>
-          <a:p>
-            <a:pPr lvl="1" marL="1231900" indent="-615950" defTabSz="800735">
-              <a:spcBef>
-                <a:spcPts val="1300"/>
-              </a:spcBef>
-              <a:defRPr sz="4074"/>
-            </a:pPr>
-            <a:r>
-              <a:t>Container 的管理與調度</a:t>
-            </a:r>
-          </a:p>
-          <a:p>
-            <a:pPr lvl="1" marL="1231900" indent="-615950" defTabSz="800735">
-              <a:spcBef>
-                <a:spcPts val="1300"/>
-              </a:spcBef>
-              <a:defRPr sz="4074"/>
-            </a:pPr>
-            <a:r>
-              <a:t>當一個服務需要多個 Process 時就會需要分散至不同 Container 中，例如 application 的 Process 與 DB 的 Process</a:t>
-            </a:r>
-          </a:p>
-          <a:p>
-            <a:pPr lvl="1" marL="1231900" indent="-615950" defTabSz="800735">
-              <a:spcBef>
-                <a:spcPts val="1300"/>
-              </a:spcBef>
-              <a:defRPr sz="4074"/>
-            </a:pPr>
-            <a:r>
-              <a:t>工具</a:t>
-            </a:r>
-          </a:p>
-          <a:p>
-            <a:pPr lvl="2" marL="1847850" indent="-615950" defTabSz="800735">
-              <a:spcBef>
-                <a:spcPts val="1300"/>
-              </a:spcBef>
-              <a:defRPr sz="3492"/>
-            </a:pPr>
-            <a:r>
-              <a:t>Singel Computer</a:t>
-            </a:r>
-          </a:p>
-          <a:p>
-            <a:pPr lvl="3" marL="2463800" indent="-615950" defTabSz="800735">
-              <a:spcBef>
-                <a:spcPts val="1300"/>
-              </a:spcBef>
-              <a:defRPr sz="2910"/>
-            </a:pPr>
-            <a:r>
-              <a:rPr u="sng">
-                <a:hlinkClick r:id="rId2" invalidUrl="" action="" tgtFrame="" tooltip="" history="1" highlightClick="0" endSnd="0"/>
-              </a:rPr>
-              <a:t>docker compose</a:t>
-            </a:r>
-            <a:r>
-              <a:t> - Docker, Inc 開發，安裝 Docker Desktop 時自動安裝</a:t>
-            </a:r>
-          </a:p>
-          <a:p>
-            <a:pPr lvl="2" marL="1847850" indent="-615950" defTabSz="800735">
-              <a:spcBef>
-                <a:spcPts val="1300"/>
-              </a:spcBef>
-              <a:defRPr sz="3492"/>
-            </a:pPr>
-            <a:r>
-              <a:t>Computer Cluster</a:t>
-            </a:r>
-          </a:p>
-          <a:p>
-            <a:pPr lvl="3" marL="2463800" indent="-615950" defTabSz="800735">
-              <a:spcBef>
-                <a:spcPts val="1300"/>
-              </a:spcBef>
-              <a:defRPr sz="2910"/>
-            </a:pPr>
-            <a:r>
-              <a:rPr u="sng">
-                <a:hlinkClick r:id="rId3" invalidUrl="" action="" tgtFrame="" tooltip="" history="1" highlightClick="0" endSnd="0"/>
-              </a:rPr>
-              <a:t>Kubernetes</a:t>
-            </a:r>
-            <a:r>
-              <a:t> - Google 設計與開源，捐贈給 </a:t>
-            </a:r>
-            <a:r>
-              <a:rPr u="sng">
-                <a:hlinkClick r:id="rId4" invalidUrl="" action="" tgtFrame="" tooltip="" history="1" highlightClick="0" endSnd="0"/>
-              </a:rPr>
-              <a:t>CNCF</a:t>
-            </a:r>
-            <a:r>
-              <a:t>，為目前主流容器管理平台</a:t>
-            </a:r>
-          </a:p>
-          <a:p>
-            <a:pPr lvl="3" marL="2463800" indent="-615950" defTabSz="800735">
-              <a:spcBef>
-                <a:spcPts val="1300"/>
-              </a:spcBef>
-              <a:defRPr sz="2910"/>
-            </a:pPr>
-            <a:r>
-              <a:rPr u="sng">
-                <a:hlinkClick r:id="rId5" invalidUrl="" action="" tgtFrame="" tooltip="" history="1" highlightClick="0" endSnd="0"/>
-              </a:rPr>
-              <a:t>Apache Mesos</a:t>
-            </a:r>
-            <a:r>
-              <a:t> - Cluster 管理工具，支援 Container 管理，一度被移入 EOF 專案清單中，雖然經社群投票後救回，但已非主流工具</a:t>
-            </a:r>
-          </a:p>
-          <a:p>
-            <a:pPr lvl="3" marL="2463800" indent="-615950" defTabSz="800735">
-              <a:spcBef>
-                <a:spcPts val="1300"/>
-              </a:spcBef>
-              <a:defRPr sz="2910"/>
-            </a:pPr>
-            <a:r>
-              <a:rPr u="sng">
-                <a:hlinkClick r:id="rId6" invalidUrl="" action="" tgtFrame="" tooltip="" history="1" highlightClick="0" endSnd="0"/>
-              </a:rPr>
-              <a:t>Docker Swarm</a:t>
-            </a:r>
-            <a:r>
-              <a:t> - Docker, Inc 開發，管理與調度 Container，已停止更新，改為 Docker 的附屬功能 Swarm mode</a:t>
-            </a:r>
-          </a:p>
-        </p:txBody>
-      </p:sp>
+      <p:pic>
+        <p:nvPicPr>
+          <p:cNvPr id="220" name="Image" descr="Image"/>
+          <p:cNvPicPr>
+            <a:picLocks noChangeAspect="1"/>
+          </p:cNvPicPr>
+          <p:nvPr/>
+        </p:nvPicPr>
+        <p:blipFill>
+          <a:blip r:embed="rId2">
+            <a:extLst/>
+          </a:blip>
+          <a:stretch>
+            <a:fillRect/>
+          </a:stretch>
+        </p:blipFill>
+        <p:spPr>
+          <a:xfrm>
+            <a:off x="2105531" y="3334170"/>
+            <a:ext cx="20172938" cy="8825660"/>
+          </a:xfrm>
+          <a:prstGeom prst="rect">
+            <a:avLst/>
+          </a:prstGeom>
+          <a:ln w="12700">
+            <a:miter lim="400000"/>
+          </a:ln>
+        </p:spPr>
+      </p:pic>
     </p:spTree>
   </p:cSld>
   <p:clrMapOvr>
@@ -5616,9 +5778,38 @@
           <a:chExt cx="0" cy="0"/>
         </a:xfrm>
       </p:grpSpPr>
+      <p:pic>
+        <p:nvPicPr>
+          <p:cNvPr id="222" name="Image" descr="Image"/>
+          <p:cNvPicPr>
+            <a:picLocks noChangeAspect="1"/>
+          </p:cNvPicPr>
+          <p:nvPr/>
+        </p:nvPicPr>
+        <p:blipFill>
+          <a:blip r:embed="rId2">
+            <a:extLst/>
+          </a:blip>
+          <a:stretch>
+            <a:fillRect/>
+          </a:stretch>
+        </p:blipFill>
+        <p:spPr>
+          <a:xfrm>
+            <a:off x="7747000" y="7075455"/>
+            <a:ext cx="8890001" cy="4787901"/>
+          </a:xfrm>
+          <a:prstGeom prst="rect">
+            <a:avLst/>
+          </a:prstGeom>
+          <a:ln w="12700">
+            <a:miter lim="400000"/>
+          </a:ln>
+        </p:spPr>
+      </p:pic>
       <p:sp>
         <p:nvSpPr>
-          <p:cNvPr id="222" name="Container - Microservice"/>
+          <p:cNvPr id="223" name="Container - Orchestration"/>
           <p:cNvSpPr txBox="1"/>
           <p:nvPr>
             <p:ph type="title"/>
@@ -5635,14 +5826,14 @@
           <a:p>
             <a:pPr/>
             <a:r>
-              <a:t>Container - Microservice</a:t>
+              <a:t>Container - Orchestration</a:t>
             </a:r>
           </a:p>
         </p:txBody>
       </p:sp>
       <p:sp>
         <p:nvSpPr>
-          <p:cNvPr id="223" name="Microservice (微服務)…"/>
+          <p:cNvPr id="224" name="Container Orchestration…"/>
           <p:cNvSpPr txBox="1"/>
           <p:nvPr>
             <p:ph type="body" idx="1"/>
@@ -5659,66 +5850,60 @@
           <a:p>
             <a:pPr/>
             <a:r>
-              <a:t>Microservice (微服務)</a:t>
+              <a:t>Container Orchestration</a:t>
             </a:r>
           </a:p>
           <a:p>
             <a:pPr lvl="1"/>
             <a:r>
-              <a:t>一種軟體架構風格</a:t>
+              <a:t>Container 的</a:t>
+            </a:r>
+            <a:r>
+              <a:rPr>
+                <a:solidFill>
+                  <a:schemeClr val="accent4">
+                    <a:hueOff val="-1081314"/>
+                    <a:satOff val="4338"/>
+                    <a:lumOff val="-8931"/>
+                  </a:schemeClr>
+                </a:solidFill>
+              </a:rPr>
+              <a:t>管理</a:t>
+            </a:r>
+            <a:r>
+              <a:t>與</a:t>
+            </a:r>
+            <a:r>
+              <a:rPr>
+                <a:solidFill>
+                  <a:schemeClr val="accent4">
+                    <a:hueOff val="-1081314"/>
+                    <a:satOff val="4338"/>
+                    <a:lumOff val="-8931"/>
+                  </a:schemeClr>
+                </a:solidFill>
+              </a:rPr>
+              <a:t>調度</a:t>
             </a:r>
           </a:p>
           <a:p>
             <a:pPr lvl="1"/>
             <a:r>
-              <a:t>專注於單一責任與功能的小型功能區塊(Small Building Blocks) 為基礎</a:t>
-            </a:r>
-          </a:p>
-          <a:p>
-            <a:pPr lvl="1"/>
-            <a:r>
-              <a:t>利用模組化的方式組合出複雜的大型應用程式</a:t>
-            </a:r>
-          </a:p>
-          <a:p>
-            <a:pPr lvl="1"/>
-            <a:r>
-              <a:t>功能區塊使用與語言無關的 API 相互通訊</a:t>
-            </a:r>
-          </a:p>
-          <a:p>
-            <a:pPr lvl="1"/>
-            <a:r>
-              <a:t>可用不同技術 Implement</a:t>
-            </a:r>
-          </a:p>
-          <a:p>
-            <a:pPr lvl="2"/>
-            <a:r>
-              <a:t>Container (K8s)</a:t>
-            </a:r>
-          </a:p>
-          <a:p>
-            <a:pPr lvl="2"/>
-            <a:r>
-              <a:rPr u="sng">
-                <a:hlinkClick r:id="rId2" invalidUrl="" action="" tgtFrame="" tooltip="" history="1" highlightClick="0" endSnd="0"/>
-              </a:rPr>
-              <a:t>Spring Cloud</a:t>
+              <a:t>當一個服務需要多個 Process 時，例如 Application 的 Process 與 DB 的 Process，最佳的做法是一個 Container 負責一個 Process</a:t>
             </a:r>
           </a:p>
         </p:txBody>
       </p:sp>
       <p:sp>
         <p:nvSpPr>
-          <p:cNvPr id="224" name="Image Source: divante"/>
+          <p:cNvPr id="225" name="Image Source: Power Music School"/>
           <p:cNvSpPr txBox="1"/>
           <p:nvPr/>
         </p:nvSpPr>
         <p:spPr>
           <a:xfrm>
-            <a:off x="16478946" y="12954000"/>
-            <a:ext cx="4171189" cy="560449"/>
+            <a:off x="8907399" y="12767754"/>
+            <a:ext cx="6569203" cy="560450"/>
           </a:xfrm>
           <a:prstGeom prst="rect">
             <a:avLst/>
@@ -5746,14 +5931,14 @@
               <a:rPr u="sng">
                 <a:hlinkClick r:id="rId3" invalidUrl="" action="" tgtFrame="" tooltip="" history="1" highlightClick="0" endSnd="0"/>
               </a:rPr>
-              <a:t>divante</a:t>
+              <a:t>Power Music School</a:t>
             </a:r>
           </a:p>
         </p:txBody>
       </p:sp>
       <p:pic>
         <p:nvPicPr>
-          <p:cNvPr id="225" name="Image" descr="Image"/>
+          <p:cNvPr id="226" name="container.png" descr="container.png"/>
           <p:cNvPicPr>
             <a:picLocks noChangeAspect="1"/>
           </p:cNvPicPr>
@@ -5763,18 +5948,1011 @@
           <a:blip r:embed="rId4">
             <a:extLst/>
           </a:blip>
+          <a:srcRect l="20298" t="29540" r="19332" b="28085"/>
           <a:stretch>
             <a:fillRect/>
           </a:stretch>
         </p:blipFill>
         <p:spPr>
           <a:xfrm>
-            <a:off x="12849540" y="7411648"/>
-            <a:ext cx="11430001" cy="5715001"/>
+            <a:off x="9572220" y="9629102"/>
+            <a:ext cx="773113" cy="465536"/>
           </a:xfrm>
-          <a:prstGeom prst="rect">
-            <a:avLst/>
-          </a:prstGeom>
+          <a:custGeom>
+            <a:avLst/>
+            <a:gdLst/>
+            <a:ahLst/>
+            <a:cxnLst>
+              <a:cxn ang="0">
+                <a:pos x="wd2" y="hd2"/>
+              </a:cxn>
+              <a:cxn ang="5400000">
+                <a:pos x="wd2" y="hd2"/>
+              </a:cxn>
+              <a:cxn ang="10800000">
+                <a:pos x="wd2" y="hd2"/>
+              </a:cxn>
+              <a:cxn ang="16200000">
+                <a:pos x="wd2" y="hd2"/>
+              </a:cxn>
+            </a:cxnLst>
+            <a:rect l="0" t="0" r="r" b="b"/>
+            <a:pathLst>
+              <a:path w="21600" h="21600" fill="norm" stroke="1" extrusionOk="0">
+                <a:moveTo>
+                  <a:pt x="6464" y="0"/>
+                </a:moveTo>
+                <a:lnTo>
+                  <a:pt x="33" y="1105"/>
+                </a:lnTo>
+                <a:lnTo>
+                  <a:pt x="0" y="16039"/>
+                </a:lnTo>
+                <a:lnTo>
+                  <a:pt x="13894" y="21600"/>
+                </a:lnTo>
+                <a:lnTo>
+                  <a:pt x="20924" y="19372"/>
+                </a:lnTo>
+                <a:lnTo>
+                  <a:pt x="21600" y="1749"/>
+                </a:lnTo>
+                <a:lnTo>
+                  <a:pt x="6464" y="0"/>
+                </a:lnTo>
+                <a:close/>
+              </a:path>
+            </a:pathLst>
+          </a:custGeom>
+          <a:ln w="12700">
+            <a:miter lim="400000"/>
+          </a:ln>
+        </p:spPr>
+      </p:pic>
+      <p:pic>
+        <p:nvPicPr>
+          <p:cNvPr id="227" name="container.png" descr="container.png"/>
+          <p:cNvPicPr>
+            <a:picLocks noChangeAspect="1"/>
+          </p:cNvPicPr>
+          <p:nvPr/>
+        </p:nvPicPr>
+        <p:blipFill>
+          <a:blip r:embed="rId4">
+            <a:extLst/>
+          </a:blip>
+          <a:srcRect l="20298" t="29540" r="19332" b="28085"/>
+          <a:stretch>
+            <a:fillRect/>
+          </a:stretch>
+        </p:blipFill>
+        <p:spPr>
+          <a:xfrm>
+            <a:off x="10237822" y="9119572"/>
+            <a:ext cx="773113" cy="465536"/>
+          </a:xfrm>
+          <a:custGeom>
+            <a:avLst/>
+            <a:gdLst/>
+            <a:ahLst/>
+            <a:cxnLst>
+              <a:cxn ang="0">
+                <a:pos x="wd2" y="hd2"/>
+              </a:cxn>
+              <a:cxn ang="5400000">
+                <a:pos x="wd2" y="hd2"/>
+              </a:cxn>
+              <a:cxn ang="10800000">
+                <a:pos x="wd2" y="hd2"/>
+              </a:cxn>
+              <a:cxn ang="16200000">
+                <a:pos x="wd2" y="hd2"/>
+              </a:cxn>
+            </a:cxnLst>
+            <a:rect l="0" t="0" r="r" b="b"/>
+            <a:pathLst>
+              <a:path w="21600" h="21600" fill="norm" stroke="1" extrusionOk="0">
+                <a:moveTo>
+                  <a:pt x="6464" y="0"/>
+                </a:moveTo>
+                <a:lnTo>
+                  <a:pt x="33" y="1105"/>
+                </a:lnTo>
+                <a:lnTo>
+                  <a:pt x="0" y="16039"/>
+                </a:lnTo>
+                <a:lnTo>
+                  <a:pt x="13894" y="21600"/>
+                </a:lnTo>
+                <a:lnTo>
+                  <a:pt x="20924" y="19372"/>
+                </a:lnTo>
+                <a:lnTo>
+                  <a:pt x="21600" y="1749"/>
+                </a:lnTo>
+                <a:lnTo>
+                  <a:pt x="6464" y="0"/>
+                </a:lnTo>
+                <a:close/>
+              </a:path>
+            </a:pathLst>
+          </a:custGeom>
+          <a:ln w="12700">
+            <a:miter lim="400000"/>
+          </a:ln>
+        </p:spPr>
+      </p:pic>
+      <p:pic>
+        <p:nvPicPr>
+          <p:cNvPr id="228" name="container.png" descr="container.png"/>
+          <p:cNvPicPr>
+            <a:picLocks noChangeAspect="1"/>
+          </p:cNvPicPr>
+          <p:nvPr/>
+        </p:nvPicPr>
+        <p:blipFill>
+          <a:blip r:embed="rId4">
+            <a:extLst/>
+          </a:blip>
+          <a:srcRect l="20298" t="29540" r="19332" b="28085"/>
+          <a:stretch>
+            <a:fillRect/>
+          </a:stretch>
+        </p:blipFill>
+        <p:spPr>
+          <a:xfrm>
+            <a:off x="10740212" y="8332580"/>
+            <a:ext cx="773113" cy="465536"/>
+          </a:xfrm>
+          <a:custGeom>
+            <a:avLst/>
+            <a:gdLst/>
+            <a:ahLst/>
+            <a:cxnLst>
+              <a:cxn ang="0">
+                <a:pos x="wd2" y="hd2"/>
+              </a:cxn>
+              <a:cxn ang="5400000">
+                <a:pos x="wd2" y="hd2"/>
+              </a:cxn>
+              <a:cxn ang="10800000">
+                <a:pos x="wd2" y="hd2"/>
+              </a:cxn>
+              <a:cxn ang="16200000">
+                <a:pos x="wd2" y="hd2"/>
+              </a:cxn>
+            </a:cxnLst>
+            <a:rect l="0" t="0" r="r" b="b"/>
+            <a:pathLst>
+              <a:path w="21600" h="21600" fill="norm" stroke="1" extrusionOk="0">
+                <a:moveTo>
+                  <a:pt x="6464" y="0"/>
+                </a:moveTo>
+                <a:lnTo>
+                  <a:pt x="33" y="1105"/>
+                </a:lnTo>
+                <a:lnTo>
+                  <a:pt x="0" y="16039"/>
+                </a:lnTo>
+                <a:lnTo>
+                  <a:pt x="13894" y="21600"/>
+                </a:lnTo>
+                <a:lnTo>
+                  <a:pt x="20924" y="19372"/>
+                </a:lnTo>
+                <a:lnTo>
+                  <a:pt x="21600" y="1749"/>
+                </a:lnTo>
+                <a:lnTo>
+                  <a:pt x="6464" y="0"/>
+                </a:lnTo>
+                <a:close/>
+              </a:path>
+            </a:pathLst>
+          </a:custGeom>
+          <a:ln w="12700">
+            <a:miter lim="400000"/>
+          </a:ln>
+        </p:spPr>
+      </p:pic>
+      <p:pic>
+        <p:nvPicPr>
+          <p:cNvPr id="229" name="container.png" descr="container.png"/>
+          <p:cNvPicPr>
+            <a:picLocks noChangeAspect="1"/>
+          </p:cNvPicPr>
+          <p:nvPr/>
+        </p:nvPicPr>
+        <p:blipFill>
+          <a:blip r:embed="rId4">
+            <a:extLst/>
+          </a:blip>
+          <a:srcRect l="20298" t="29540" r="19332" b="28085"/>
+          <a:stretch>
+            <a:fillRect/>
+          </a:stretch>
+        </p:blipFill>
+        <p:spPr>
+          <a:xfrm>
+            <a:off x="12580947" y="8035227"/>
+            <a:ext cx="773113" cy="465535"/>
+          </a:xfrm>
+          <a:custGeom>
+            <a:avLst/>
+            <a:gdLst/>
+            <a:ahLst/>
+            <a:cxnLst>
+              <a:cxn ang="0">
+                <a:pos x="wd2" y="hd2"/>
+              </a:cxn>
+              <a:cxn ang="5400000">
+                <a:pos x="wd2" y="hd2"/>
+              </a:cxn>
+              <a:cxn ang="10800000">
+                <a:pos x="wd2" y="hd2"/>
+              </a:cxn>
+              <a:cxn ang="16200000">
+                <a:pos x="wd2" y="hd2"/>
+              </a:cxn>
+            </a:cxnLst>
+            <a:rect l="0" t="0" r="r" b="b"/>
+            <a:pathLst>
+              <a:path w="21600" h="21600" fill="norm" stroke="1" extrusionOk="0">
+                <a:moveTo>
+                  <a:pt x="6464" y="0"/>
+                </a:moveTo>
+                <a:lnTo>
+                  <a:pt x="33" y="1105"/>
+                </a:lnTo>
+                <a:lnTo>
+                  <a:pt x="0" y="16039"/>
+                </a:lnTo>
+                <a:lnTo>
+                  <a:pt x="13894" y="21600"/>
+                </a:lnTo>
+                <a:lnTo>
+                  <a:pt x="20924" y="19372"/>
+                </a:lnTo>
+                <a:lnTo>
+                  <a:pt x="21600" y="1749"/>
+                </a:lnTo>
+                <a:lnTo>
+                  <a:pt x="6464" y="0"/>
+                </a:lnTo>
+                <a:close/>
+              </a:path>
+            </a:pathLst>
+          </a:custGeom>
+          <a:ln w="12700">
+            <a:miter lim="400000"/>
+          </a:ln>
+        </p:spPr>
+      </p:pic>
+      <p:pic>
+        <p:nvPicPr>
+          <p:cNvPr id="230" name="container.png" descr="container.png"/>
+          <p:cNvPicPr>
+            <a:picLocks noChangeAspect="1"/>
+          </p:cNvPicPr>
+          <p:nvPr/>
+        </p:nvPicPr>
+        <p:blipFill>
+          <a:blip r:embed="rId4">
+            <a:extLst/>
+          </a:blip>
+          <a:srcRect l="20298" t="29540" r="19332" b="28085"/>
+          <a:stretch>
+            <a:fillRect/>
+          </a:stretch>
+        </p:blipFill>
+        <p:spPr>
+          <a:xfrm>
+            <a:off x="13409762" y="8332580"/>
+            <a:ext cx="773113" cy="465536"/>
+          </a:xfrm>
+          <a:custGeom>
+            <a:avLst/>
+            <a:gdLst/>
+            <a:ahLst/>
+            <a:cxnLst>
+              <a:cxn ang="0">
+                <a:pos x="wd2" y="hd2"/>
+              </a:cxn>
+              <a:cxn ang="5400000">
+                <a:pos x="wd2" y="hd2"/>
+              </a:cxn>
+              <a:cxn ang="10800000">
+                <a:pos x="wd2" y="hd2"/>
+              </a:cxn>
+              <a:cxn ang="16200000">
+                <a:pos x="wd2" y="hd2"/>
+              </a:cxn>
+            </a:cxnLst>
+            <a:rect l="0" t="0" r="r" b="b"/>
+            <a:pathLst>
+              <a:path w="21600" h="21600" fill="norm" stroke="1" extrusionOk="0">
+                <a:moveTo>
+                  <a:pt x="6464" y="0"/>
+                </a:moveTo>
+                <a:lnTo>
+                  <a:pt x="33" y="1105"/>
+                </a:lnTo>
+                <a:lnTo>
+                  <a:pt x="0" y="16039"/>
+                </a:lnTo>
+                <a:lnTo>
+                  <a:pt x="13894" y="21600"/>
+                </a:lnTo>
+                <a:lnTo>
+                  <a:pt x="20924" y="19372"/>
+                </a:lnTo>
+                <a:lnTo>
+                  <a:pt x="21600" y="1749"/>
+                </a:lnTo>
+                <a:lnTo>
+                  <a:pt x="6464" y="0"/>
+                </a:lnTo>
+                <a:close/>
+              </a:path>
+            </a:pathLst>
+          </a:custGeom>
+          <a:ln w="12700">
+            <a:miter lim="400000"/>
+          </a:ln>
+        </p:spPr>
+      </p:pic>
+      <p:pic>
+        <p:nvPicPr>
+          <p:cNvPr id="231" name="container.png" descr="container.png"/>
+          <p:cNvPicPr>
+            <a:picLocks noChangeAspect="1"/>
+          </p:cNvPicPr>
+          <p:nvPr/>
+        </p:nvPicPr>
+        <p:blipFill>
+          <a:blip r:embed="rId4">
+            <a:extLst/>
+          </a:blip>
+          <a:srcRect l="20298" t="29540" r="19332" b="28085"/>
+          <a:stretch>
+            <a:fillRect/>
+          </a:stretch>
+        </p:blipFill>
+        <p:spPr>
+          <a:xfrm>
+            <a:off x="13409762" y="9119572"/>
+            <a:ext cx="773113" cy="465536"/>
+          </a:xfrm>
+          <a:custGeom>
+            <a:avLst/>
+            <a:gdLst/>
+            <a:ahLst/>
+            <a:cxnLst>
+              <a:cxn ang="0">
+                <a:pos x="wd2" y="hd2"/>
+              </a:cxn>
+              <a:cxn ang="5400000">
+                <a:pos x="wd2" y="hd2"/>
+              </a:cxn>
+              <a:cxn ang="10800000">
+                <a:pos x="wd2" y="hd2"/>
+              </a:cxn>
+              <a:cxn ang="16200000">
+                <a:pos x="wd2" y="hd2"/>
+              </a:cxn>
+            </a:cxnLst>
+            <a:rect l="0" t="0" r="r" b="b"/>
+            <a:pathLst>
+              <a:path w="21600" h="21600" fill="norm" stroke="1" extrusionOk="0">
+                <a:moveTo>
+                  <a:pt x="6464" y="0"/>
+                </a:moveTo>
+                <a:lnTo>
+                  <a:pt x="33" y="1105"/>
+                </a:lnTo>
+                <a:lnTo>
+                  <a:pt x="0" y="16039"/>
+                </a:lnTo>
+                <a:lnTo>
+                  <a:pt x="13894" y="21600"/>
+                </a:lnTo>
+                <a:lnTo>
+                  <a:pt x="20924" y="19372"/>
+                </a:lnTo>
+                <a:lnTo>
+                  <a:pt x="21600" y="1749"/>
+                </a:lnTo>
+                <a:lnTo>
+                  <a:pt x="6464" y="0"/>
+                </a:lnTo>
+                <a:close/>
+              </a:path>
+            </a:pathLst>
+          </a:custGeom>
+          <a:ln w="12700">
+            <a:miter lim="400000"/>
+          </a:ln>
+        </p:spPr>
+      </p:pic>
+      <p:pic>
+        <p:nvPicPr>
+          <p:cNvPr id="232" name="container.png" descr="container.png"/>
+          <p:cNvPicPr>
+            <a:picLocks noChangeAspect="1"/>
+          </p:cNvPicPr>
+          <p:nvPr/>
+        </p:nvPicPr>
+        <p:blipFill>
+          <a:blip r:embed="rId4">
+            <a:extLst/>
+          </a:blip>
+          <a:srcRect l="20298" t="29540" r="19332" b="28085"/>
+          <a:stretch>
+            <a:fillRect/>
+          </a:stretch>
+        </p:blipFill>
+        <p:spPr>
+          <a:xfrm>
+            <a:off x="14254899" y="9629102"/>
+            <a:ext cx="773113" cy="465536"/>
+          </a:xfrm>
+          <a:custGeom>
+            <a:avLst/>
+            <a:gdLst/>
+            <a:ahLst/>
+            <a:cxnLst>
+              <a:cxn ang="0">
+                <a:pos x="wd2" y="hd2"/>
+              </a:cxn>
+              <a:cxn ang="5400000">
+                <a:pos x="wd2" y="hd2"/>
+              </a:cxn>
+              <a:cxn ang="10800000">
+                <a:pos x="wd2" y="hd2"/>
+              </a:cxn>
+              <a:cxn ang="16200000">
+                <a:pos x="wd2" y="hd2"/>
+              </a:cxn>
+            </a:cxnLst>
+            <a:rect l="0" t="0" r="r" b="b"/>
+            <a:pathLst>
+              <a:path w="21600" h="21600" fill="norm" stroke="1" extrusionOk="0">
+                <a:moveTo>
+                  <a:pt x="6464" y="0"/>
+                </a:moveTo>
+                <a:lnTo>
+                  <a:pt x="33" y="1105"/>
+                </a:lnTo>
+                <a:lnTo>
+                  <a:pt x="0" y="16039"/>
+                </a:lnTo>
+                <a:lnTo>
+                  <a:pt x="13894" y="21600"/>
+                </a:lnTo>
+                <a:lnTo>
+                  <a:pt x="20924" y="19372"/>
+                </a:lnTo>
+                <a:lnTo>
+                  <a:pt x="21600" y="1749"/>
+                </a:lnTo>
+                <a:lnTo>
+                  <a:pt x="6464" y="0"/>
+                </a:lnTo>
+                <a:close/>
+              </a:path>
+            </a:pathLst>
+          </a:custGeom>
+          <a:ln w="12700">
+            <a:miter lim="400000"/>
+          </a:ln>
+        </p:spPr>
+      </p:pic>
+      <p:pic>
+        <p:nvPicPr>
+          <p:cNvPr id="233" name="container.png" descr="container.png"/>
+          <p:cNvPicPr>
+            <a:picLocks noChangeAspect="1"/>
+          </p:cNvPicPr>
+          <p:nvPr/>
+        </p:nvPicPr>
+        <p:blipFill>
+          <a:blip r:embed="rId4">
+            <a:extLst/>
+          </a:blip>
+          <a:srcRect l="20298" t="29540" r="19332" b="28085"/>
+          <a:stretch>
+            <a:fillRect/>
+          </a:stretch>
+        </p:blipFill>
+        <p:spPr>
+          <a:xfrm>
+            <a:off x="15801850" y="9498532"/>
+            <a:ext cx="773113" cy="465535"/>
+          </a:xfrm>
+          <a:custGeom>
+            <a:avLst/>
+            <a:gdLst/>
+            <a:ahLst/>
+            <a:cxnLst>
+              <a:cxn ang="0">
+                <a:pos x="wd2" y="hd2"/>
+              </a:cxn>
+              <a:cxn ang="5400000">
+                <a:pos x="wd2" y="hd2"/>
+              </a:cxn>
+              <a:cxn ang="10800000">
+                <a:pos x="wd2" y="hd2"/>
+              </a:cxn>
+              <a:cxn ang="16200000">
+                <a:pos x="wd2" y="hd2"/>
+              </a:cxn>
+            </a:cxnLst>
+            <a:rect l="0" t="0" r="r" b="b"/>
+            <a:pathLst>
+              <a:path w="21600" h="21600" fill="norm" stroke="1" extrusionOk="0">
+                <a:moveTo>
+                  <a:pt x="6464" y="0"/>
+                </a:moveTo>
+                <a:lnTo>
+                  <a:pt x="33" y="1105"/>
+                </a:lnTo>
+                <a:lnTo>
+                  <a:pt x="0" y="16039"/>
+                </a:lnTo>
+                <a:lnTo>
+                  <a:pt x="13894" y="21600"/>
+                </a:lnTo>
+                <a:lnTo>
+                  <a:pt x="20924" y="19372"/>
+                </a:lnTo>
+                <a:lnTo>
+                  <a:pt x="21600" y="1749"/>
+                </a:lnTo>
+                <a:lnTo>
+                  <a:pt x="6464" y="0"/>
+                </a:lnTo>
+                <a:close/>
+              </a:path>
+            </a:pathLst>
+          </a:custGeom>
+          <a:ln w="12700">
+            <a:miter lim="400000"/>
+          </a:ln>
+        </p:spPr>
+      </p:pic>
+      <p:pic>
+        <p:nvPicPr>
+          <p:cNvPr id="234" name="container.png" descr="container.png"/>
+          <p:cNvPicPr>
+            <a:picLocks noChangeAspect="1"/>
+          </p:cNvPicPr>
+          <p:nvPr/>
+        </p:nvPicPr>
+        <p:blipFill>
+          <a:blip r:embed="rId4">
+            <a:extLst/>
+          </a:blip>
+          <a:srcRect l="20298" t="29540" r="19332" b="28085"/>
+          <a:stretch>
+            <a:fillRect/>
+          </a:stretch>
+        </p:blipFill>
+        <p:spPr>
+          <a:xfrm>
+            <a:off x="14508898" y="8809468"/>
+            <a:ext cx="773114" cy="465535"/>
+          </a:xfrm>
+          <a:custGeom>
+            <a:avLst/>
+            <a:gdLst/>
+            <a:ahLst/>
+            <a:cxnLst>
+              <a:cxn ang="0">
+                <a:pos x="wd2" y="hd2"/>
+              </a:cxn>
+              <a:cxn ang="5400000">
+                <a:pos x="wd2" y="hd2"/>
+              </a:cxn>
+              <a:cxn ang="10800000">
+                <a:pos x="wd2" y="hd2"/>
+              </a:cxn>
+              <a:cxn ang="16200000">
+                <a:pos x="wd2" y="hd2"/>
+              </a:cxn>
+            </a:cxnLst>
+            <a:rect l="0" t="0" r="r" b="b"/>
+            <a:pathLst>
+              <a:path w="21600" h="21600" fill="norm" stroke="1" extrusionOk="0">
+                <a:moveTo>
+                  <a:pt x="6464" y="0"/>
+                </a:moveTo>
+                <a:lnTo>
+                  <a:pt x="33" y="1105"/>
+                </a:lnTo>
+                <a:lnTo>
+                  <a:pt x="0" y="16039"/>
+                </a:lnTo>
+                <a:lnTo>
+                  <a:pt x="13894" y="21600"/>
+                </a:lnTo>
+                <a:lnTo>
+                  <a:pt x="20924" y="19372"/>
+                </a:lnTo>
+                <a:lnTo>
+                  <a:pt x="21600" y="1749"/>
+                </a:lnTo>
+                <a:lnTo>
+                  <a:pt x="6464" y="0"/>
+                </a:lnTo>
+                <a:close/>
+              </a:path>
+            </a:pathLst>
+          </a:custGeom>
+          <a:ln w="12700">
+            <a:miter lim="400000"/>
+          </a:ln>
+        </p:spPr>
+      </p:pic>
+      <p:pic>
+        <p:nvPicPr>
+          <p:cNvPr id="235" name="container.png" descr="container.png"/>
+          <p:cNvPicPr>
+            <a:picLocks noChangeAspect="1"/>
+          </p:cNvPicPr>
+          <p:nvPr/>
+        </p:nvPicPr>
+        <p:blipFill>
+          <a:blip r:embed="rId4">
+            <a:extLst/>
+          </a:blip>
+          <a:srcRect l="20298" t="29540" r="19332" b="28085"/>
+          <a:stretch>
+            <a:fillRect/>
+          </a:stretch>
+        </p:blipFill>
+        <p:spPr>
+          <a:xfrm>
+            <a:off x="8809199" y="8952789"/>
+            <a:ext cx="773114" cy="465536"/>
+          </a:xfrm>
+          <a:custGeom>
+            <a:avLst/>
+            <a:gdLst/>
+            <a:ahLst/>
+            <a:cxnLst>
+              <a:cxn ang="0">
+                <a:pos x="wd2" y="hd2"/>
+              </a:cxn>
+              <a:cxn ang="5400000">
+                <a:pos x="wd2" y="hd2"/>
+              </a:cxn>
+              <a:cxn ang="10800000">
+                <a:pos x="wd2" y="hd2"/>
+              </a:cxn>
+              <a:cxn ang="16200000">
+                <a:pos x="wd2" y="hd2"/>
+              </a:cxn>
+            </a:cxnLst>
+            <a:rect l="0" t="0" r="r" b="b"/>
+            <a:pathLst>
+              <a:path w="21600" h="21600" fill="norm" stroke="1" extrusionOk="0">
+                <a:moveTo>
+                  <a:pt x="6464" y="0"/>
+                </a:moveTo>
+                <a:lnTo>
+                  <a:pt x="33" y="1105"/>
+                </a:lnTo>
+                <a:lnTo>
+                  <a:pt x="0" y="16039"/>
+                </a:lnTo>
+                <a:lnTo>
+                  <a:pt x="13894" y="21600"/>
+                </a:lnTo>
+                <a:lnTo>
+                  <a:pt x="20924" y="19372"/>
+                </a:lnTo>
+                <a:lnTo>
+                  <a:pt x="21600" y="1749"/>
+                </a:lnTo>
+                <a:lnTo>
+                  <a:pt x="6464" y="0"/>
+                </a:lnTo>
+                <a:close/>
+              </a:path>
+            </a:pathLst>
+          </a:custGeom>
+          <a:ln w="12700">
+            <a:miter lim="400000"/>
+          </a:ln>
+        </p:spPr>
+      </p:pic>
+      <p:pic>
+        <p:nvPicPr>
+          <p:cNvPr id="236" name="container.png" descr="container.png"/>
+          <p:cNvPicPr>
+            <a:picLocks noChangeAspect="1"/>
+          </p:cNvPicPr>
+          <p:nvPr/>
+        </p:nvPicPr>
+        <p:blipFill>
+          <a:blip r:embed="rId4">
+            <a:extLst/>
+          </a:blip>
+          <a:srcRect l="20298" t="29540" r="19332" b="28085"/>
+          <a:stretch>
+            <a:fillRect/>
+          </a:stretch>
+        </p:blipFill>
+        <p:spPr>
+          <a:xfrm>
+            <a:off x="7875316" y="9498532"/>
+            <a:ext cx="773113" cy="465535"/>
+          </a:xfrm>
+          <a:custGeom>
+            <a:avLst/>
+            <a:gdLst/>
+            <a:ahLst/>
+            <a:cxnLst>
+              <a:cxn ang="0">
+                <a:pos x="wd2" y="hd2"/>
+              </a:cxn>
+              <a:cxn ang="5400000">
+                <a:pos x="wd2" y="hd2"/>
+              </a:cxn>
+              <a:cxn ang="10800000">
+                <a:pos x="wd2" y="hd2"/>
+              </a:cxn>
+              <a:cxn ang="16200000">
+                <a:pos x="wd2" y="hd2"/>
+              </a:cxn>
+            </a:cxnLst>
+            <a:rect l="0" t="0" r="r" b="b"/>
+            <a:pathLst>
+              <a:path w="21600" h="21600" fill="norm" stroke="1" extrusionOk="0">
+                <a:moveTo>
+                  <a:pt x="6464" y="0"/>
+                </a:moveTo>
+                <a:lnTo>
+                  <a:pt x="33" y="1105"/>
+                </a:lnTo>
+                <a:lnTo>
+                  <a:pt x="0" y="16039"/>
+                </a:lnTo>
+                <a:lnTo>
+                  <a:pt x="13894" y="21600"/>
+                </a:lnTo>
+                <a:lnTo>
+                  <a:pt x="20924" y="19372"/>
+                </a:lnTo>
+                <a:lnTo>
+                  <a:pt x="21600" y="1749"/>
+                </a:lnTo>
+                <a:lnTo>
+                  <a:pt x="6464" y="0"/>
+                </a:lnTo>
+                <a:close/>
+              </a:path>
+            </a:pathLst>
+          </a:custGeom>
+          <a:ln w="12700">
+            <a:miter lim="400000"/>
+          </a:ln>
+        </p:spPr>
+      </p:pic>
+      <p:pic>
+        <p:nvPicPr>
+          <p:cNvPr id="237" name="container.png" descr="container.png"/>
+          <p:cNvPicPr>
+            <a:picLocks noChangeAspect="1"/>
+          </p:cNvPicPr>
+          <p:nvPr/>
+        </p:nvPicPr>
+        <p:blipFill>
+          <a:blip r:embed="rId4">
+            <a:extLst/>
+          </a:blip>
+          <a:srcRect l="20298" t="29540" r="19332" b="28085"/>
+          <a:stretch>
+            <a:fillRect/>
+          </a:stretch>
+        </p:blipFill>
+        <p:spPr>
+          <a:xfrm>
+            <a:off x="9699730" y="8479472"/>
+            <a:ext cx="773113" cy="465535"/>
+          </a:xfrm>
+          <a:custGeom>
+            <a:avLst/>
+            <a:gdLst/>
+            <a:ahLst/>
+            <a:cxnLst>
+              <a:cxn ang="0">
+                <a:pos x="wd2" y="hd2"/>
+              </a:cxn>
+              <a:cxn ang="5400000">
+                <a:pos x="wd2" y="hd2"/>
+              </a:cxn>
+              <a:cxn ang="10800000">
+                <a:pos x="wd2" y="hd2"/>
+              </a:cxn>
+              <a:cxn ang="16200000">
+                <a:pos x="wd2" y="hd2"/>
+              </a:cxn>
+            </a:cxnLst>
+            <a:rect l="0" t="0" r="r" b="b"/>
+            <a:pathLst>
+              <a:path w="21600" h="21600" fill="norm" stroke="1" extrusionOk="0">
+                <a:moveTo>
+                  <a:pt x="6464" y="0"/>
+                </a:moveTo>
+                <a:lnTo>
+                  <a:pt x="33" y="1105"/>
+                </a:lnTo>
+                <a:lnTo>
+                  <a:pt x="0" y="16039"/>
+                </a:lnTo>
+                <a:lnTo>
+                  <a:pt x="13894" y="21600"/>
+                </a:lnTo>
+                <a:lnTo>
+                  <a:pt x="20924" y="19372"/>
+                </a:lnTo>
+                <a:lnTo>
+                  <a:pt x="21600" y="1749"/>
+                </a:lnTo>
+                <a:lnTo>
+                  <a:pt x="6464" y="0"/>
+                </a:lnTo>
+                <a:close/>
+              </a:path>
+            </a:pathLst>
+          </a:custGeom>
+          <a:ln w="12700">
+            <a:miter lim="400000"/>
+          </a:ln>
+        </p:spPr>
+      </p:pic>
+      <p:pic>
+        <p:nvPicPr>
+          <p:cNvPr id="238" name="container.png" descr="container.png"/>
+          <p:cNvPicPr>
+            <a:picLocks noChangeAspect="1"/>
+          </p:cNvPicPr>
+          <p:nvPr/>
+        </p:nvPicPr>
+        <p:blipFill>
+          <a:blip r:embed="rId4">
+            <a:extLst/>
+          </a:blip>
+          <a:srcRect l="20298" t="29540" r="19332" b="28085"/>
+          <a:stretch>
+            <a:fillRect/>
+          </a:stretch>
+        </p:blipFill>
+        <p:spPr>
+          <a:xfrm>
+            <a:off x="11554746" y="8035227"/>
+            <a:ext cx="773113" cy="465535"/>
+          </a:xfrm>
+          <a:custGeom>
+            <a:avLst/>
+            <a:gdLst/>
+            <a:ahLst/>
+            <a:cxnLst>
+              <a:cxn ang="0">
+                <a:pos x="wd2" y="hd2"/>
+              </a:cxn>
+              <a:cxn ang="5400000">
+                <a:pos x="wd2" y="hd2"/>
+              </a:cxn>
+              <a:cxn ang="10800000">
+                <a:pos x="wd2" y="hd2"/>
+              </a:cxn>
+              <a:cxn ang="16200000">
+                <a:pos x="wd2" y="hd2"/>
+              </a:cxn>
+            </a:cxnLst>
+            <a:rect l="0" t="0" r="r" b="b"/>
+            <a:pathLst>
+              <a:path w="21600" h="21600" fill="norm" stroke="1" extrusionOk="0">
+                <a:moveTo>
+                  <a:pt x="6464" y="0"/>
+                </a:moveTo>
+                <a:lnTo>
+                  <a:pt x="33" y="1105"/>
+                </a:lnTo>
+                <a:lnTo>
+                  <a:pt x="0" y="16039"/>
+                </a:lnTo>
+                <a:lnTo>
+                  <a:pt x="13894" y="21600"/>
+                </a:lnTo>
+                <a:lnTo>
+                  <a:pt x="20924" y="19372"/>
+                </a:lnTo>
+                <a:lnTo>
+                  <a:pt x="21600" y="1749"/>
+                </a:lnTo>
+                <a:lnTo>
+                  <a:pt x="6464" y="0"/>
+                </a:lnTo>
+                <a:close/>
+              </a:path>
+            </a:pathLst>
+          </a:custGeom>
+          <a:ln w="12700">
+            <a:miter lim="400000"/>
+          </a:ln>
+        </p:spPr>
+      </p:pic>
+      <p:pic>
+        <p:nvPicPr>
+          <p:cNvPr id="239" name="container.png" descr="container.png"/>
+          <p:cNvPicPr>
+            <a:picLocks noChangeAspect="1"/>
+          </p:cNvPicPr>
+          <p:nvPr/>
+        </p:nvPicPr>
+        <p:blipFill>
+          <a:blip r:embed="rId4">
+            <a:extLst/>
+          </a:blip>
+          <a:srcRect l="20298" t="29540" r="19332" b="28085"/>
+          <a:stretch>
+            <a:fillRect/>
+          </a:stretch>
+        </p:blipFill>
+        <p:spPr>
+          <a:xfrm>
+            <a:off x="12449560" y="8952789"/>
+            <a:ext cx="773114" cy="465536"/>
+          </a:xfrm>
+          <a:custGeom>
+            <a:avLst/>
+            <a:gdLst/>
+            <a:ahLst/>
+            <a:cxnLst>
+              <a:cxn ang="0">
+                <a:pos x="wd2" y="hd2"/>
+              </a:cxn>
+              <a:cxn ang="5400000">
+                <a:pos x="wd2" y="hd2"/>
+              </a:cxn>
+              <a:cxn ang="10800000">
+                <a:pos x="wd2" y="hd2"/>
+              </a:cxn>
+              <a:cxn ang="16200000">
+                <a:pos x="wd2" y="hd2"/>
+              </a:cxn>
+            </a:cxnLst>
+            <a:rect l="0" t="0" r="r" b="b"/>
+            <a:pathLst>
+              <a:path w="21600" h="21600" fill="norm" stroke="1" extrusionOk="0">
+                <a:moveTo>
+                  <a:pt x="6464" y="0"/>
+                </a:moveTo>
+                <a:lnTo>
+                  <a:pt x="33" y="1105"/>
+                </a:lnTo>
+                <a:lnTo>
+                  <a:pt x="0" y="16039"/>
+                </a:lnTo>
+                <a:lnTo>
+                  <a:pt x="13894" y="21600"/>
+                </a:lnTo>
+                <a:lnTo>
+                  <a:pt x="20924" y="19372"/>
+                </a:lnTo>
+                <a:lnTo>
+                  <a:pt x="21600" y="1749"/>
+                </a:lnTo>
+                <a:lnTo>
+                  <a:pt x="6464" y="0"/>
+                </a:lnTo>
+                <a:close/>
+              </a:path>
+            </a:pathLst>
+          </a:custGeom>
           <a:ln w="12700">
             <a:miter lim="400000"/>
           </a:ln>
@@ -5808,7 +6986,7 @@
       </p:grpSpPr>
       <p:sp>
         <p:nvSpPr>
-          <p:cNvPr id="227" name="Container - docker-compose"/>
+          <p:cNvPr id="241" name="Container - Orchestration"/>
           <p:cNvSpPr txBox="1"/>
           <p:nvPr>
             <p:ph type="title"/>
@@ -5825,14 +7003,14 @@
           <a:p>
             <a:pPr/>
             <a:r>
-              <a:t>Container - docker-compose</a:t>
+              <a:t>Container - Orchestration</a:t>
             </a:r>
           </a:p>
         </p:txBody>
       </p:sp>
       <p:sp>
         <p:nvSpPr>
-          <p:cNvPr id="228" name="docker-compose…"/>
+          <p:cNvPr id="242" name="Container Orchestration 工具…"/>
           <p:cNvSpPr txBox="1"/>
           <p:nvPr>
             <p:ph type="body" idx="1"/>
@@ -5849,85 +7027,92 @@
           <a:p>
             <a:pPr/>
             <a:r>
+              <a:t>Container Orchestration 工具</a:t>
+            </a:r>
+          </a:p>
+          <a:p>
+            <a:pPr lvl="1"/>
+            <a:r>
+              <a:t>Singel Computer</a:t>
+            </a:r>
+          </a:p>
+          <a:p>
+            <a:pPr lvl="2"/>
+            <a:r>
               <a:rPr u="sng">
+                <a:solidFill>
+                  <a:schemeClr val="accent1"/>
+                </a:solidFill>
                 <a:hlinkClick r:id="rId2" invalidUrl="" action="" tgtFrame="" tooltip="" history="1" highlightClick="0" endSnd="0"/>
               </a:rPr>
-              <a:t>docker-compose</a:t>
+              <a:t>docker compose</a:t>
+            </a:r>
+            <a:r>
+              <a:t> - Docker, Inc 開發，安裝 Docker Desktop 時自動安裝</a:t>
             </a:r>
           </a:p>
           <a:p>
             <a:pPr lvl="1"/>
             <a:r>
-              <a:t>可以透過 compose file (YAML) 定義一個或多個 Container，並透過 docker compose up 啟動</a:t>
-            </a:r>
-          </a:p>
-          <a:p>
-            <a:pPr lvl="1"/>
-            <a:r>
-              <a:t>仍是使用 docker 的指令管理 Container，docker 可以增加的設定都可以在 compose file 中</a:t>
-            </a:r>
-          </a:p>
-          <a:p>
-            <a:pPr lvl="1"/>
-            <a:r>
-              <a:t>使用場景</a:t>
+              <a:t>Computer Cluster</a:t>
             </a:r>
           </a:p>
           <a:p>
             <a:pPr lvl="2"/>
             <a:r>
-              <a:t>docker run 的各種參數長到難以閱讀時</a:t>
+              <a:rPr u="sng">
+                <a:solidFill>
+                  <a:schemeClr val="accent1"/>
+                </a:solidFill>
+                <a:hlinkClick r:id="rId3" invalidUrl="" action="" tgtFrame="" tooltip="" history="1" highlightClick="0" endSnd="0"/>
+              </a:rPr>
+              <a:t>Kubernetes</a:t>
+            </a:r>
+            <a:r>
+              <a:t> - Google 設計與開源，捐贈給 </a:t>
+            </a:r>
+            <a:r>
+              <a:rPr u="sng">
+                <a:hlinkClick r:id="rId4" invalidUrl="" action="" tgtFrame="" tooltip="" history="1" highlightClick="0" endSnd="0"/>
+              </a:rPr>
+              <a:t>CNCF</a:t>
+            </a:r>
+            <a:r>
+              <a:t>，為目前主流容器管理平台</a:t>
             </a:r>
           </a:p>
           <a:p>
             <a:pPr lvl="2"/>
             <a:r>
-              <a:t>Container 需要重複啟用時，但又不想把 docker run 存成 shell 時</a:t>
+              <a:rPr u="sng">
+                <a:solidFill>
+                  <a:schemeClr val="accent1"/>
+                </a:solidFill>
+                <a:hlinkClick r:id="rId5" invalidUrl="" action="" tgtFrame="" tooltip="" history="1" highlightClick="0" endSnd="0"/>
+              </a:rPr>
+              <a:t>Apache Mesos</a:t>
+            </a:r>
+            <a:r>
+              <a:t> - Cluster 管理工具，支援 Container 管理，一度被移入 EOF 專案清單中，雖然經社群投票後救回，但已非主流工具</a:t>
             </a:r>
           </a:p>
           <a:p>
             <a:pPr lvl="2"/>
             <a:r>
-              <a:t>服務需要多個 Container 互相串聯時，如 DB、Application、Proxy</a:t>
-            </a:r>
-          </a:p>
-          <a:p>
-            <a:pPr lvl="2"/>
-            <a:r>
-              <a:t>除了建完就刪的測試用 Container，一律建議都使用 docker-compose 管理</a:t>
+              <a:rPr u="sng">
+                <a:solidFill>
+                  <a:schemeClr val="accent1"/>
+                </a:solidFill>
+                <a:hlinkClick r:id="rId6" invalidUrl="" action="" tgtFrame="" tooltip="" history="1" highlightClick="0" endSnd="0"/>
+              </a:rPr>
+              <a:t>Docker Swarm</a:t>
+            </a:r>
+            <a:r>
+              <a:t> - Docker, Inc 開發，管理與調度 Container，已停止更新，改為 Docker 的附屬功能 Swarm mode</a:t>
             </a:r>
           </a:p>
         </p:txBody>
       </p:sp>
-      <p:pic>
-        <p:nvPicPr>
-          <p:cNvPr id="229" name="Image" descr="Image"/>
-          <p:cNvPicPr>
-            <a:picLocks noChangeAspect="1"/>
-          </p:cNvPicPr>
-          <p:nvPr/>
-        </p:nvPicPr>
-        <p:blipFill>
-          <a:blip r:embed="rId3">
-            <a:extLst/>
-          </a:blip>
-          <a:stretch>
-            <a:fillRect/>
-          </a:stretch>
-        </p:blipFill>
-        <p:spPr>
-          <a:xfrm>
-            <a:off x="20065217" y="9204128"/>
-            <a:ext cx="3613908" cy="3957229"/>
-          </a:xfrm>
-          <a:prstGeom prst="rect">
-            <a:avLst/>
-          </a:prstGeom>
-          <a:ln w="12700">
-            <a:miter lim="400000"/>
-          </a:ln>
-        </p:spPr>
-      </p:pic>
     </p:spTree>
   </p:cSld>
   <p:clrMapOvr>
@@ -5956,7 +7141,7 @@
       </p:grpSpPr>
       <p:sp>
         <p:nvSpPr>
-          <p:cNvPr id="231" name="Container - docker-compose"/>
+          <p:cNvPr id="244" name="Container - Microservice"/>
           <p:cNvSpPr txBox="1"/>
           <p:nvPr>
             <p:ph type="title"/>
@@ -5973,14 +7158,14 @@
           <a:p>
             <a:pPr/>
             <a:r>
-              <a:t>Container - docker-compose</a:t>
+              <a:t>Container - Microservice</a:t>
             </a:r>
           </a:p>
         </p:txBody>
       </p:sp>
       <p:sp>
         <p:nvSpPr>
-          <p:cNvPr id="232" name="Compose file 有版本之分 (Docker Compose Docs)，支援的 Docker Engine 版本不同，部分參數設定方式也有所不同，使用時須多加注意"/>
+          <p:cNvPr id="245" name="Microservice (微服務)…"/>
           <p:cNvSpPr txBox="1"/>
           <p:nvPr>
             <p:ph type="body" idx="1"/>
@@ -5997,10 +7182,373 @@
           <a:p>
             <a:pPr/>
             <a:r>
+              <a:t>Microservice (微服務)</a:t>
+            </a:r>
+          </a:p>
+          <a:p>
+            <a:pPr lvl="1"/>
+            <a:r>
+              <a:t>一種</a:t>
+            </a:r>
+            <a:r>
+              <a:rPr>
+                <a:solidFill>
+                  <a:schemeClr val="accent4">
+                    <a:hueOff val="-1081314"/>
+                    <a:satOff val="4338"/>
+                    <a:lumOff val="-8931"/>
+                  </a:schemeClr>
+                </a:solidFill>
+              </a:rPr>
+              <a:t>軟體架構風格</a:t>
+            </a:r>
+          </a:p>
+          <a:p>
+            <a:pPr lvl="1"/>
+            <a:r>
+              <a:t>專注於單一責任與功能的小型功能區塊(Small Building Blocks) 為基礎</a:t>
+            </a:r>
+          </a:p>
+          <a:p>
+            <a:pPr lvl="1"/>
+            <a:r>
+              <a:t>利用模組化的方式組合出複雜的大型應用程式</a:t>
+            </a:r>
+          </a:p>
+          <a:p>
+            <a:pPr lvl="1"/>
+            <a:r>
+              <a:t>功能區塊使用與語言無關的 API 相互通訊</a:t>
+            </a:r>
+          </a:p>
+          <a:p>
+            <a:pPr lvl="1"/>
+            <a:r>
+              <a:t>可用不同技術 Implement</a:t>
+            </a:r>
+          </a:p>
+          <a:p>
+            <a:pPr lvl="2"/>
+            <a:r>
+              <a:t>Container (K8s)</a:t>
+            </a:r>
+          </a:p>
+          <a:p>
+            <a:pPr lvl="2">
+              <a:defRPr>
+                <a:solidFill>
+                  <a:schemeClr val="accent1"/>
+                </a:solidFill>
+              </a:defRPr>
+            </a:pPr>
+            <a:r>
+              <a:rPr u="sng">
+                <a:hlinkClick r:id="rId2" invalidUrl="" action="" tgtFrame="" tooltip="" history="1" highlightClick="0" endSnd="0"/>
+              </a:rPr>
+              <a:t>Spring Cloud</a:t>
+            </a:r>
+          </a:p>
+        </p:txBody>
+      </p:sp>
+      <p:sp>
+        <p:nvSpPr>
+          <p:cNvPr id="246" name="Image Source: divante"/>
+          <p:cNvSpPr txBox="1"/>
+          <p:nvPr/>
+        </p:nvSpPr>
+        <p:spPr>
+          <a:xfrm>
+            <a:off x="16478947" y="12954000"/>
+            <a:ext cx="4171189" cy="560449"/>
+          </a:xfrm>
+          <a:prstGeom prst="rect">
+            <a:avLst/>
+          </a:prstGeom>
+          <a:ln w="12700">
+            <a:miter lim="400000"/>
+          </a:ln>
+          <a:extLst>
+            <a:ext uri="{C572A759-6A51-4108-AA02-DFA0A04FC94B}">
+              <ma14:wrappingTextBoxFlag xmlns:ma14="http://schemas.microsoft.com/office/mac/drawingml/2011/main" val="1"/>
+            </a:ext>
+          </a:extLst>
+        </p:spPr>
+        <p:txBody>
+          <a:bodyPr wrap="none" lIns="50800" tIns="50800" rIns="50800" bIns="50800" anchor="ctr">
+            <a:spAutoFit/>
+          </a:bodyPr>
+          <a:lstStyle/>
+          <a:p>
+            <a:pPr/>
+            <a:r>
+              <a:t>Image Source: </a:t>
+            </a:r>
+            <a:r>
+              <a:rPr u="sng">
+                <a:hlinkClick r:id="rId3" invalidUrl="" action="" tgtFrame="" tooltip="" history="1" highlightClick="0" endSnd="0"/>
+              </a:rPr>
+              <a:t>divante</a:t>
+            </a:r>
+          </a:p>
+        </p:txBody>
+      </p:sp>
+      <p:pic>
+        <p:nvPicPr>
+          <p:cNvPr id="247" name="Image" descr="Image"/>
+          <p:cNvPicPr>
+            <a:picLocks noChangeAspect="1"/>
+          </p:cNvPicPr>
+          <p:nvPr/>
+        </p:nvPicPr>
+        <p:blipFill>
+          <a:blip r:embed="rId4">
+            <a:extLst/>
+          </a:blip>
+          <a:srcRect l="10209" t="4091" r="8289" b="5081"/>
+          <a:stretch>
+            <a:fillRect/>
+          </a:stretch>
+        </p:blipFill>
+        <p:spPr>
+          <a:xfrm>
+            <a:off x="13305749" y="7171502"/>
+            <a:ext cx="10517648" cy="5860598"/>
+          </a:xfrm>
+          <a:prstGeom prst="rect">
+            <a:avLst/>
+          </a:prstGeom>
+          <a:ln w="12700">
+            <a:miter lim="400000"/>
+          </a:ln>
+        </p:spPr>
+      </p:pic>
+    </p:spTree>
+  </p:cSld>
+  <p:clrMapOvr>
+    <a:masterClrMapping/>
+  </p:clrMapOvr>
+  <p:transition xmlns:p14="http://schemas.microsoft.com/office/powerpoint/2010/main" spd="med" advClick="1"/>
+</p:sld>
+</file>
+
+<file path=ppt/slides/slide28.xml><?xml version="1.0" encoding="utf-8"?>
+<p:sld xmlns:a="http://schemas.openxmlformats.org/drawingml/2006/main" xmlns:r="http://schemas.openxmlformats.org/officeDocument/2006/relationships" xmlns:p="http://schemas.openxmlformats.org/presentationml/2006/main" xmlns:m="http://schemas.openxmlformats.org/officeDocument/2006/math" xmlns:a14="http://schemas.microsoft.com/office/drawing/2010/main" showMasterSp="1" showMasterPhAnim="1">
+  <p:cSld>
+    <p:spTree>
+      <p:nvGrpSpPr>
+        <p:cNvPr id="1" name=""/>
+        <p:cNvGrpSpPr/>
+        <p:nvPr/>
+      </p:nvGrpSpPr>
+      <p:grpSpPr>
+        <a:xfrm>
+          <a:off x="0" y="0"/>
+          <a:ext cx="0" cy="0"/>
+          <a:chOff x="0" y="0"/>
+          <a:chExt cx="0" cy="0"/>
+        </a:xfrm>
+      </p:grpSpPr>
+      <p:sp>
+        <p:nvSpPr>
+          <p:cNvPr id="249" name="Container - docker-compose"/>
+          <p:cNvSpPr txBox="1"/>
+          <p:nvPr>
+            <p:ph type="title"/>
+          </p:nvPr>
+        </p:nvSpPr>
+        <p:spPr>
+          <a:prstGeom prst="rect">
+            <a:avLst/>
+          </a:prstGeom>
+        </p:spPr>
+        <p:txBody>
+          <a:bodyPr/>
+          <a:lstStyle/>
+          <a:p>
+            <a:pPr/>
+            <a:r>
+              <a:t>Container - docker-compose</a:t>
+            </a:r>
+          </a:p>
+        </p:txBody>
+      </p:sp>
+      <p:sp>
+        <p:nvSpPr>
+          <p:cNvPr id="250" name="docker-compose…"/>
+          <p:cNvSpPr txBox="1"/>
+          <p:nvPr>
+            <p:ph type="body" idx="1"/>
+          </p:nvPr>
+        </p:nvSpPr>
+        <p:spPr>
+          <a:prstGeom prst="rect">
+            <a:avLst/>
+          </a:prstGeom>
+        </p:spPr>
+        <p:txBody>
+          <a:bodyPr/>
+          <a:lstStyle/>
+          <a:p>
+            <a:pPr/>
+            <a:r>
+              <a:rPr u="sng">
+                <a:solidFill>
+                  <a:schemeClr val="accent1"/>
+                </a:solidFill>
+                <a:hlinkClick r:id="rId2" invalidUrl="" action="" tgtFrame="" tooltip="" history="1" highlightClick="0" endSnd="0"/>
+              </a:rPr>
+              <a:t>docker-compose</a:t>
+            </a:r>
+          </a:p>
+          <a:p>
+            <a:pPr lvl="1"/>
+            <a:r>
+              <a:t>可以透過 compose file (YAML) 定義一個或多個 Container，並透過 docker-compose up 啟動</a:t>
+            </a:r>
+          </a:p>
+          <a:p>
+            <a:pPr lvl="1"/>
+            <a:r>
+              <a:t>仍是使用 docker 的指令管理 Container，docker 可以增加的設定都可以在 compose file 中</a:t>
+            </a:r>
+          </a:p>
+          <a:p>
+            <a:pPr lvl="1"/>
+            <a:r>
+              <a:t>使用場景</a:t>
+            </a:r>
+          </a:p>
+          <a:p>
+            <a:pPr lvl="2"/>
+            <a:r>
+              <a:t>docker run 的各種參數長到難以閱讀時</a:t>
+            </a:r>
+          </a:p>
+          <a:p>
+            <a:pPr lvl="2"/>
+            <a:r>
+              <a:t>Container 需要重複啟用時，但又不想把 docker run 存成 shell 時</a:t>
+            </a:r>
+          </a:p>
+          <a:p>
+            <a:pPr lvl="2"/>
+            <a:r>
+              <a:t>服務需要多個 Container 互相串聯時，如 DB、Application、Proxy</a:t>
+            </a:r>
+          </a:p>
+          <a:p>
+            <a:pPr lvl="2"/>
+            <a:r>
+              <a:t>除了建完就刪的測試用 Container，一律建議都使用 docker-compose 管理</a:t>
+            </a:r>
+          </a:p>
+        </p:txBody>
+      </p:sp>
+      <p:pic>
+        <p:nvPicPr>
+          <p:cNvPr id="251" name="Image" descr="Image"/>
+          <p:cNvPicPr>
+            <a:picLocks noChangeAspect="1"/>
+          </p:cNvPicPr>
+          <p:nvPr/>
+        </p:nvPicPr>
+        <p:blipFill>
+          <a:blip r:embed="rId3">
+            <a:extLst/>
+          </a:blip>
+          <a:stretch>
+            <a:fillRect/>
+          </a:stretch>
+        </p:blipFill>
+        <p:spPr>
+          <a:xfrm>
+            <a:off x="20065217" y="9204128"/>
+            <a:ext cx="3613908" cy="3957229"/>
+          </a:xfrm>
+          <a:prstGeom prst="rect">
+            <a:avLst/>
+          </a:prstGeom>
+          <a:ln w="12700">
+            <a:miter lim="400000"/>
+          </a:ln>
+        </p:spPr>
+      </p:pic>
+    </p:spTree>
+  </p:cSld>
+  <p:clrMapOvr>
+    <a:masterClrMapping/>
+  </p:clrMapOvr>
+  <p:transition xmlns:p14="http://schemas.microsoft.com/office/powerpoint/2010/main" spd="med" advClick="1"/>
+</p:sld>
+</file>
+
+<file path=ppt/slides/slide29.xml><?xml version="1.0" encoding="utf-8"?>
+<p:sld xmlns:a="http://schemas.openxmlformats.org/drawingml/2006/main" xmlns:r="http://schemas.openxmlformats.org/officeDocument/2006/relationships" xmlns:p="http://schemas.openxmlformats.org/presentationml/2006/main" xmlns:m="http://schemas.openxmlformats.org/officeDocument/2006/math" xmlns:a14="http://schemas.microsoft.com/office/drawing/2010/main" showMasterSp="1" showMasterPhAnim="1">
+  <p:cSld>
+    <p:spTree>
+      <p:nvGrpSpPr>
+        <p:cNvPr id="1" name=""/>
+        <p:cNvGrpSpPr/>
+        <p:nvPr/>
+      </p:nvGrpSpPr>
+      <p:grpSpPr>
+        <a:xfrm>
+          <a:off x="0" y="0"/>
+          <a:ext cx="0" cy="0"/>
+          <a:chOff x="0" y="0"/>
+          <a:chExt cx="0" cy="0"/>
+        </a:xfrm>
+      </p:grpSpPr>
+      <p:sp>
+        <p:nvSpPr>
+          <p:cNvPr id="253" name="Container - docker-compose"/>
+          <p:cNvSpPr txBox="1"/>
+          <p:nvPr>
+            <p:ph type="title"/>
+          </p:nvPr>
+        </p:nvSpPr>
+        <p:spPr>
+          <a:prstGeom prst="rect">
+            <a:avLst/>
+          </a:prstGeom>
+        </p:spPr>
+        <p:txBody>
+          <a:bodyPr/>
+          <a:lstStyle/>
+          <a:p>
+            <a:pPr/>
+            <a:r>
+              <a:t>Container - docker-compose</a:t>
+            </a:r>
+          </a:p>
+        </p:txBody>
+      </p:sp>
+      <p:sp>
+        <p:nvSpPr>
+          <p:cNvPr id="254" name="Compose file 有版本之分 (Docker Compose Docs)，支援的 Docker Engine 版本不同，部分參數設定方式也有所不同，使用時須多加注意"/>
+          <p:cNvSpPr txBox="1"/>
+          <p:nvPr>
+            <p:ph type="body" idx="1"/>
+          </p:nvPr>
+        </p:nvSpPr>
+        <p:spPr>
+          <a:prstGeom prst="rect">
+            <a:avLst/>
+          </a:prstGeom>
+        </p:spPr>
+        <p:txBody>
+          <a:bodyPr anchor="t"/>
+          <a:lstStyle/>
+          <a:p>
+            <a:pPr/>
+            <a:r>
               <a:t>Compose file 有版本之分 (</a:t>
             </a:r>
             <a:r>
               <a:rPr u="sng">
+                <a:solidFill>
+                  <a:schemeClr val="accent1"/>
+                </a:solidFill>
                 <a:hlinkClick r:id="rId2" invalidUrl="" action="" tgtFrame="" tooltip="" history="1" highlightClick="0" endSnd="0"/>
               </a:rPr>
               <a:t>Docker Compose Docs</a:t>
@@ -6013,21 +7561,21 @@
       </p:sp>
       <p:grpSp>
         <p:nvGrpSpPr>
-          <p:cNvPr id="252" name="Group"/>
+          <p:cNvPr id="274" name="Group"/>
           <p:cNvGrpSpPr/>
           <p:nvPr/>
         </p:nvGrpSpPr>
         <p:grpSpPr>
           <a:xfrm>
-            <a:off x="3563873" y="5913528"/>
-            <a:ext cx="17256254" cy="6633950"/>
+            <a:off x="3563874" y="5913528"/>
+            <a:ext cx="17256252" cy="6633950"/>
             <a:chOff x="0" y="0"/>
             <a:chExt cx="17256251" cy="6633949"/>
           </a:xfrm>
         </p:grpSpPr>
         <p:pic>
           <p:nvPicPr>
-            <p:cNvPr id="233" name="Image" descr="Image"/>
+            <p:cNvPr id="255" name="Image" descr="Image"/>
             <p:cNvPicPr>
               <a:picLocks noChangeAspect="1"/>
             </p:cNvPicPr>
@@ -6058,7 +7606,7 @@
         </p:pic>
         <p:pic>
           <p:nvPicPr>
-            <p:cNvPr id="234" name="Line Line" descr="Line Line"/>
+            <p:cNvPr id="256" name="Line Line" descr="Line Line"/>
             <p:cNvPicPr>
               <a:picLocks noChangeAspect="0"/>
             </p:cNvPicPr>
@@ -6085,7 +7633,7 @@
         </p:pic>
         <p:pic>
           <p:nvPicPr>
-            <p:cNvPr id="236" name="Line Line" descr="Line Line"/>
+            <p:cNvPr id="258" name="Line Line" descr="Line Line"/>
             <p:cNvPicPr>
               <a:picLocks noChangeAspect="0"/>
             </p:cNvPicPr>
@@ -6112,7 +7660,7 @@
         </p:pic>
         <p:pic>
           <p:nvPicPr>
-            <p:cNvPr id="238" name="Line Line" descr="Line Line"/>
+            <p:cNvPr id="260" name="Line Line" descr="Line Line"/>
             <p:cNvPicPr>
               <a:picLocks noChangeAspect="0"/>
             </p:cNvPicPr>
@@ -6139,7 +7687,7 @@
         </p:pic>
         <p:pic>
           <p:nvPicPr>
-            <p:cNvPr id="240" name="Line Line" descr="Line Line"/>
+            <p:cNvPr id="262" name="Line Line" descr="Line Line"/>
             <p:cNvPicPr>
               <a:picLocks noChangeAspect="0"/>
             </p:cNvPicPr>
@@ -6166,7 +7714,7 @@
         </p:pic>
         <p:pic>
           <p:nvPicPr>
-            <p:cNvPr id="242" name="Line Line" descr="Line Line"/>
+            <p:cNvPr id="264" name="Line Line" descr="Line Line"/>
             <p:cNvPicPr>
               <a:picLocks noChangeAspect="0"/>
             </p:cNvPicPr>
@@ -6193,7 +7741,7 @@
         </p:pic>
         <p:sp>
           <p:nvSpPr>
-            <p:cNvPr id="244" name="Compose File 版本"/>
+            <p:cNvPr id="266" name="Compose File 版本"/>
             <p:cNvSpPr txBox="1"/>
             <p:nvPr/>
           </p:nvSpPr>
@@ -6232,13 +7780,13 @@
         </p:sp>
         <p:sp>
           <p:nvSpPr>
-            <p:cNvPr id="245" name="Container List"/>
+            <p:cNvPr id="267" name="Container List"/>
             <p:cNvSpPr txBox="1"/>
             <p:nvPr/>
           </p:nvSpPr>
           <p:spPr>
             <a:xfrm>
-              <a:off x="12132944" y="2131301"/>
+              <a:off x="12132943" y="2131301"/>
               <a:ext cx="2668144" cy="560449"/>
             </a:xfrm>
             <a:prstGeom prst="rect">
@@ -6271,7 +7819,7 @@
         </p:sp>
         <p:sp>
           <p:nvSpPr>
-            <p:cNvPr id="246" name="在此 Compose 群組中的名稱"/>
+            <p:cNvPr id="268" name="在此 Compose 群組中的名稱"/>
             <p:cNvSpPr txBox="1"/>
             <p:nvPr/>
           </p:nvSpPr>
@@ -6310,13 +7858,13 @@
         </p:sp>
         <p:sp>
           <p:nvSpPr>
-            <p:cNvPr id="247" name="Container 使用的 Image"/>
+            <p:cNvPr id="269" name="Container 使用的 Image"/>
             <p:cNvSpPr txBox="1"/>
             <p:nvPr/>
           </p:nvSpPr>
           <p:spPr>
             <a:xfrm>
-              <a:off x="12132945" y="3199333"/>
+              <a:off x="12132944" y="3199333"/>
               <a:ext cx="4381882" cy="635001"/>
             </a:xfrm>
             <a:prstGeom prst="rect">
@@ -6349,7 +7897,7 @@
         </p:sp>
         <p:sp>
           <p:nvSpPr>
-            <p:cNvPr id="248" name="Port 對映"/>
+            <p:cNvPr id="270" name="Port 對映"/>
             <p:cNvSpPr txBox="1"/>
             <p:nvPr/>
           </p:nvSpPr>
@@ -6388,13 +7936,13 @@
         </p:sp>
         <p:sp>
           <p:nvSpPr>
-            <p:cNvPr id="249" name="Volume 對映"/>
+            <p:cNvPr id="271" name="Volume 對映"/>
             <p:cNvSpPr txBox="1"/>
             <p:nvPr/>
           </p:nvSpPr>
           <p:spPr>
             <a:xfrm>
-              <a:off x="12132944" y="4840209"/>
+              <a:off x="12132943" y="4840209"/>
               <a:ext cx="2322196" cy="635001"/>
             </a:xfrm>
             <a:prstGeom prst="rect">
@@ -6427,7 +7975,7 @@
         </p:sp>
         <p:pic>
           <p:nvPicPr>
-            <p:cNvPr id="250" name="Line Line" descr="Line Line"/>
+            <p:cNvPr id="272" name="Line Line" descr="Line Line"/>
             <p:cNvPicPr>
               <a:picLocks noChangeAspect="0"/>
             </p:cNvPicPr>
@@ -6462,220 +8010,6 @@
 </p:sld>
 </file>
 
-<file path=ppt/slides/slide28.xml><?xml version="1.0" encoding="utf-8"?>
-<p:sld xmlns:a="http://schemas.openxmlformats.org/drawingml/2006/main" xmlns:r="http://schemas.openxmlformats.org/officeDocument/2006/relationships" xmlns:p="http://schemas.openxmlformats.org/presentationml/2006/main" xmlns:m="http://schemas.openxmlformats.org/officeDocument/2006/math" xmlns:a14="http://schemas.microsoft.com/office/drawing/2010/main" showMasterSp="1" showMasterPhAnim="1">
-  <p:cSld>
-    <p:spTree>
-      <p:nvGrpSpPr>
-        <p:cNvPr id="1" name=""/>
-        <p:cNvGrpSpPr/>
-        <p:nvPr/>
-      </p:nvGrpSpPr>
-      <p:grpSpPr>
-        <a:xfrm>
-          <a:off x="0" y="0"/>
-          <a:ext cx="0" cy="0"/>
-          <a:chOff x="0" y="0"/>
-          <a:chExt cx="0" cy="0"/>
-        </a:xfrm>
-      </p:grpSpPr>
-      <p:sp>
-        <p:nvSpPr>
-          <p:cNvPr id="254" name="Hands-on"/>
-          <p:cNvSpPr txBox="1"/>
-          <p:nvPr>
-            <p:ph type="title"/>
-          </p:nvPr>
-        </p:nvSpPr>
-        <p:spPr>
-          <a:prstGeom prst="rect">
-            <a:avLst/>
-          </a:prstGeom>
-        </p:spPr>
-        <p:txBody>
-          <a:bodyPr/>
-          <a:lstStyle/>
-          <a:p>
-            <a:pPr/>
-            <a:r>
-              <a:t>Hands-on</a:t>
-            </a:r>
-          </a:p>
-        </p:txBody>
-      </p:sp>
-      <p:sp>
-        <p:nvSpPr>
-          <p:cNvPr id="255" name="docker compose up (-d)…"/>
-          <p:cNvSpPr txBox="1"/>
-          <p:nvPr>
-            <p:ph type="body" idx="1"/>
-          </p:nvPr>
-        </p:nvSpPr>
-        <p:spPr>
-          <a:prstGeom prst="rect">
-            <a:avLst/>
-          </a:prstGeom>
-        </p:spPr>
-        <p:txBody>
-          <a:bodyPr/>
-          <a:lstStyle/>
-          <a:p>
-            <a:pPr/>
-            <a:r>
-              <a:t>docker compose up (-d)</a:t>
-            </a:r>
-          </a:p>
-          <a:p>
-            <a:pPr/>
-            <a:r>
-              <a:t>Github Repo </a:t>
-            </a:r>
-            <a:r>
-              <a:rPr u="sng">
-                <a:hlinkClick r:id="rId2" invalidUrl="" action="" tgtFrame="" tooltip="" history="1" highlightClick="0" endSnd="0"/>
-              </a:rPr>
-              <a:t>docker-tutorial</a:t>
-            </a:r>
-          </a:p>
-          <a:p>
-            <a:pPr lvl="1"/>
-            <a:r>
-              <a:t>docker-102/0-db</a:t>
-            </a:r>
-          </a:p>
-          <a:p>
-            <a:pPr lvl="1"/>
-            <a:r>
-              <a:t>docker-102/1-nginx </a:t>
-            </a:r>
-          </a:p>
-          <a:p>
-            <a:pPr lvl="1"/>
-            <a:r>
-              <a:t>docker-102/2-web-app</a:t>
-            </a:r>
-          </a:p>
-          <a:p>
-            <a:pPr lvl="1"/>
-            <a:r>
-              <a:t>docker-102/4-nexus</a:t>
-            </a:r>
-          </a:p>
-        </p:txBody>
-      </p:sp>
-    </p:spTree>
-  </p:cSld>
-  <p:clrMapOvr>
-    <a:masterClrMapping/>
-  </p:clrMapOvr>
-  <p:transition xmlns:p14="http://schemas.microsoft.com/office/powerpoint/2010/main" spd="med" advClick="1"/>
-</p:sld>
-</file>
-
-<file path=ppt/slides/slide29.xml><?xml version="1.0" encoding="utf-8"?>
-<p:sld xmlns:a="http://schemas.openxmlformats.org/drawingml/2006/main" xmlns:r="http://schemas.openxmlformats.org/officeDocument/2006/relationships" xmlns:p="http://schemas.openxmlformats.org/presentationml/2006/main" xmlns:m="http://schemas.openxmlformats.org/officeDocument/2006/math" xmlns:a14="http://schemas.microsoft.com/office/drawing/2010/main" showMasterSp="1" showMasterPhAnim="1">
-  <p:cSld>
-    <p:spTree>
-      <p:nvGrpSpPr>
-        <p:cNvPr id="1" name=""/>
-        <p:cNvGrpSpPr/>
-        <p:nvPr/>
-      </p:nvGrpSpPr>
-      <p:grpSpPr>
-        <a:xfrm>
-          <a:off x="0" y="0"/>
-          <a:ext cx="0" cy="0"/>
-          <a:chOff x="0" y="0"/>
-          <a:chExt cx="0" cy="0"/>
-        </a:xfrm>
-      </p:grpSpPr>
-      <p:sp>
-        <p:nvSpPr>
-          <p:cNvPr id="257" name="Recap"/>
-          <p:cNvSpPr txBox="1"/>
-          <p:nvPr>
-            <p:ph type="title"/>
-          </p:nvPr>
-        </p:nvSpPr>
-        <p:spPr>
-          <a:prstGeom prst="rect">
-            <a:avLst/>
-          </a:prstGeom>
-        </p:spPr>
-        <p:txBody>
-          <a:bodyPr/>
-          <a:lstStyle/>
-          <a:p>
-            <a:pPr/>
-            <a:r>
-              <a:t>Recap</a:t>
-            </a:r>
-          </a:p>
-        </p:txBody>
-      </p:sp>
-      <p:sp>
-        <p:nvSpPr>
-          <p:cNvPr id="258" name="Docker-compose 可以使用 YAML 格式的 Compose File 清楚定義一個或多個 Container…"/>
-          <p:cNvSpPr txBox="1"/>
-          <p:nvPr>
-            <p:ph type="body" idx="1"/>
-          </p:nvPr>
-        </p:nvSpPr>
-        <p:spPr>
-          <a:prstGeom prst="rect">
-            <a:avLst/>
-          </a:prstGeom>
-        </p:spPr>
-        <p:txBody>
-          <a:bodyPr/>
-          <a:lstStyle/>
-          <a:p>
-            <a:pPr/>
-            <a:r>
-              <a:t>Docker-compose 可以使用 YAML 格式的 Compose File 清楚定義一個或多個 Container</a:t>
-            </a:r>
-          </a:p>
-          <a:p>
-            <a:pPr/>
-            <a:r>
-              <a:t>docker-compose</a:t>
-            </a:r>
-          </a:p>
-          <a:p>
-            <a:pPr lvl="1"/>
-            <a:r>
-              <a:t>up - 啟動 Compose 中所有 Container</a:t>
-            </a:r>
-          </a:p>
-          <a:p>
-            <a:pPr lvl="1"/>
-            <a:r>
-              <a:t>down - 停止並移除 Compose 中所有 Container</a:t>
-            </a:r>
-          </a:p>
-          <a:p>
-            <a:pPr lvl="1"/>
-            <a:r>
-              <a:t>restart - 重啟 Compose 中所有 Container，但不會重新讀取 docker-compose.yaml</a:t>
-            </a:r>
-          </a:p>
-          <a:p>
-            <a:pPr lvl="1"/>
-            <a:r>
-              <a:t>logs - 檢視 Compose 中所有 Container 的 Log</a:t>
-            </a:r>
-          </a:p>
-        </p:txBody>
-      </p:sp>
-    </p:spTree>
-  </p:cSld>
-  <p:clrMapOvr>
-    <a:masterClrMapping/>
-  </p:clrMapOvr>
-  <p:transition xmlns:p14="http://schemas.microsoft.com/office/powerpoint/2010/main" spd="med" advClick="1"/>
-</p:sld>
-</file>
-
 <file path=ppt/slides/slide3.xml><?xml version="1.0" encoding="utf-8"?>
 <p:sld xmlns:a="http://schemas.openxmlformats.org/drawingml/2006/main" xmlns:r="http://schemas.openxmlformats.org/officeDocument/2006/relationships" xmlns:p="http://schemas.openxmlformats.org/presentationml/2006/main" xmlns:m="http://schemas.openxmlformats.org/officeDocument/2006/math" xmlns:a14="http://schemas.microsoft.com/office/drawing/2010/main" showMasterSp="1" showMasterPhAnim="1">
   <p:cSld>
@@ -6719,7 +8053,7 @@
       </p:sp>
       <p:sp>
         <p:nvSpPr>
-          <p:cNvPr id="126" name="確認有可執行 Docker 的環境…"/>
+          <p:cNvPr id="126" name="準備可執行 Docker 的環境…"/>
           <p:cNvSpPr txBox="1"/>
           <p:nvPr>
             <p:ph type="body" idx="1"/>
@@ -6739,40 +8073,61 @@
               <a:buAutoNum type="arabicPeriod" startAt="1"/>
             </a:pPr>
             <a:r>
-              <a:t>確認有可執行 Docker 的環境</a:t>
+              <a:t>準備可執行 Docker 的環境</a:t>
             </a:r>
           </a:p>
           <a:p>
             <a:pPr lvl="1"/>
             <a:r>
-              <a:t>本機</a:t>
+              <a:t>GCP Cloud Shell</a:t>
             </a:r>
           </a:p>
           <a:p>
             <a:pPr lvl="2"/>
             <a:r>
-              <a:t>Mac/Windows: Docker Desktop</a:t>
+              <a:t>免費使用，使用 Google 帳號登入</a:t>
             </a:r>
           </a:p>
           <a:p>
             <a:pPr lvl="2"/>
             <a:r>
-              <a:t>Linux: Docker Engins, docker-compose</a:t>
-            </a:r>
-          </a:p>
-          <a:p>
-            <a:pPr lvl="1"/>
-            <a:r>
-              <a:t>GCP Cloud Shell</a:t>
+              <a:t>配有 VS Code 與 Docker</a:t>
             </a:r>
           </a:p>
           <a:p>
             <a:pPr lvl="2"/>
             <a:r>
+              <a:t>每週可用 50 小時，閒置一小時自動關閉，5 GB Disk</a:t>
+            </a:r>
+          </a:p>
+          <a:p>
+            <a:pPr lvl="2"/>
+            <a:r>
               <a:rPr u="sng">
+                <a:solidFill>
+                  <a:schemeClr val="accent1"/>
+                </a:solidFill>
                 <a:hlinkClick r:id="" invalidUrl="" action="ppaction://hlinkshowjump?jump=nextslide" tgtFrame="" tooltip="" history="1" highlightClick="0" endSnd="0"/>
               </a:rPr>
               <a:t>https://shell.cloud.google.com/</a:t>
+            </a:r>
+          </a:p>
+          <a:p>
+            <a:pPr lvl="1"/>
+            <a:r>
+              <a:t>本機</a:t>
+            </a:r>
+          </a:p>
+          <a:p>
+            <a:pPr lvl="2"/>
+            <a:r>
+              <a:t>Mac/Windows: Docker Desktop</a:t>
+            </a:r>
+          </a:p>
+          <a:p>
+            <a:pPr lvl="2"/>
+            <a:r>
+              <a:t>Linux: Docker Engins, docker-compose</a:t>
             </a:r>
           </a:p>
           <a:p>
@@ -6781,13 +8136,7 @@
               <a:buAutoNum type="arabicPeriod" startAt="1"/>
             </a:pPr>
             <a:r>
-              <a:t>git clone </a:t>
-            </a:r>
-            <a:r>
-              <a:rPr u="sng">
-                <a:hlinkClick r:id="rId2" invalidUrl="" action="" tgtFrame="" tooltip="" history="1" highlightClick="0" endSnd="0"/>
-              </a:rPr>
-              <a:t>https://github.com/cathaylife-devops/docker-tutorial.git</a:t>
+              <a:t>git clone https://github.com/cathaylife-devops/docker-tutorial.git</a:t>
             </a:r>
           </a:p>
         </p:txBody>
@@ -6820,7 +8169,7 @@
       </p:grpSpPr>
       <p:sp>
         <p:nvSpPr>
-          <p:cNvPr id="260" name="Tips"/>
+          <p:cNvPr id="276" name="Hands-on"/>
           <p:cNvSpPr txBox="1"/>
           <p:nvPr>
             <p:ph type="title"/>
@@ -6837,7 +8186,70 @@
           <a:p>
             <a:pPr/>
             <a:r>
-              <a:t>Tips</a:t>
+              <a:t>Hands-on</a:t>
+            </a:r>
+          </a:p>
+        </p:txBody>
+      </p:sp>
+      <p:sp>
+        <p:nvSpPr>
+          <p:cNvPr id="277" name="docker compose up (-d)…"/>
+          <p:cNvSpPr txBox="1"/>
+          <p:nvPr>
+            <p:ph type="body" idx="1"/>
+          </p:nvPr>
+        </p:nvSpPr>
+        <p:spPr>
+          <a:prstGeom prst="rect">
+            <a:avLst/>
+          </a:prstGeom>
+        </p:spPr>
+        <p:txBody>
+          <a:bodyPr/>
+          <a:lstStyle/>
+          <a:p>
+            <a:pPr/>
+            <a:r>
+              <a:t>docker compose up (-d)</a:t>
+            </a:r>
+          </a:p>
+          <a:p>
+            <a:pPr/>
+            <a:r>
+              <a:t>Github Repo </a:t>
+            </a:r>
+            <a:r>
+              <a:rPr u="sng">
+                <a:solidFill>
+                  <a:schemeClr val="accent1"/>
+                </a:solidFill>
+                <a:hlinkClick r:id="rId2" invalidUrl="" action="" tgtFrame="" tooltip="" history="1" highlightClick="0" endSnd="0"/>
+              </a:rPr>
+              <a:t>docker-tutorial</a:t>
+            </a:r>
+          </a:p>
+          <a:p>
+            <a:pPr lvl="1"/>
+            <a:r>
+              <a:t>docker-102/0-db</a:t>
+            </a:r>
+          </a:p>
+          <a:p>
+            <a:pPr lvl="1"/>
+            <a:r>
+              <a:t>docker-102/1-nginx </a:t>
+            </a:r>
+          </a:p>
+          <a:p>
+            <a:pPr lvl="1"/>
+            <a:r>
+              <a:t>docker-102/2-web-app</a:t>
+            </a:r>
+          </a:p>
+          <a:p>
+            <a:pPr lvl="1"/>
+            <a:r>
+              <a:t>docker-102/4-nexus</a:t>
             </a:r>
           </a:p>
         </p:txBody>
@@ -6870,7 +8282,7 @@
       </p:grpSpPr>
       <p:sp>
         <p:nvSpPr>
-          <p:cNvPr id="262" name="Tips"/>
+          <p:cNvPr id="279" name="Recap"/>
           <p:cNvSpPr txBox="1"/>
           <p:nvPr>
             <p:ph type="title"/>
@@ -6887,14 +8299,14 @@
           <a:p>
             <a:pPr/>
             <a:r>
-              <a:t>Tips</a:t>
+              <a:t>Recap</a:t>
             </a:r>
           </a:p>
         </p:txBody>
       </p:sp>
       <p:sp>
         <p:nvSpPr>
-          <p:cNvPr id="263" name="讓 Container 持續執行，方便 Debug 或當作虛擬環境使用…"/>
+          <p:cNvPr id="280" name="Docker-compose 可以使用 YAML 格式的 Compose File 清楚定義一個或多個 Container…"/>
           <p:cNvSpPr txBox="1"/>
           <p:nvPr>
             <p:ph type="body" idx="1"/>
@@ -6911,49 +8323,37 @@
           <a:p>
             <a:pPr/>
             <a:r>
-              <a:t>讓 Container 持續執行，方便 Debug 或當作虛擬環境使用</a:t>
+              <a:t>Docker-compose 可以使用 YAML 格式的 Compose File 清楚定義一個或多個 Container</a:t>
+            </a:r>
+          </a:p>
+          <a:p>
+            <a:pPr/>
+            <a:r>
+              <a:t>docker-compose</a:t>
             </a:r>
           </a:p>
           <a:p>
             <a:pPr lvl="1"/>
             <a:r>
-              <a:t>docker run -d [image] tail -f /dev/null</a:t>
-            </a:r>
-          </a:p>
-          <a:p>
-            <a:pPr lvl="2"/>
-            <a:r>
-              <a:t>tail - 列出檔案的最後 10 (default) 行</a:t>
-            </a:r>
-          </a:p>
-          <a:p>
-            <a:pPr lvl="2"/>
-            <a:r>
-              <a:t>-f - 跟隨模式</a:t>
-            </a:r>
-          </a:p>
-          <a:p>
-            <a:pPr lvl="2"/>
-            <a:r>
-              <a:t>/dev/null - 為 Linux 中一個特殊的檔案，檔案內容永遠只有 EOF</a:t>
-            </a:r>
-          </a:p>
-          <a:p>
-            <a:pPr lvl="2"/>
-            <a:r>
-              <a:t>合併後的效果就是跟隨一個永遠為空的檔案，成為一個永久執行但消耗極少資源的程序，確保 Container 永久處於執行狀態</a:t>
-            </a:r>
-          </a:p>
-          <a:p>
-            <a:pPr/>
-            <a:r>
-              <a:t>ENTRYPOINT</a:t>
+              <a:t>up - 啟動 Compose 中所有 Container</a:t>
             </a:r>
           </a:p>
           <a:p>
             <a:pPr lvl="1"/>
             <a:r>
-              <a:t>除 CMD 外 Image 中可以額外定義 ENTRYPOINT，Container 啟動時會先執行 ENTRYPOINT 中的指令，之後再執行 CMD 的指令</a:t>
+              <a:t>down - 停止並移除 Compose 中所有 Container</a:t>
+            </a:r>
+          </a:p>
+          <a:p>
+            <a:pPr lvl="1"/>
+            <a:r>
+              <a:t>restart - 重啟 Compose 中所有 Container，但不會重新讀取 docker-compose.yaml</a:t>
+            </a:r>
+          </a:p>
+          <a:p>
+            <a:pPr lvl="1"/>
+            <a:r>
+              <a:t>logs - 檢視 Compose 中所有 Container 的 Log</a:t>
             </a:r>
           </a:p>
         </p:txBody>
@@ -6986,7 +8386,7 @@
       </p:grpSpPr>
       <p:sp>
         <p:nvSpPr>
-          <p:cNvPr id="265" name="Hands-on"/>
+          <p:cNvPr id="282" name="Tips"/>
           <p:cNvSpPr txBox="1"/>
           <p:nvPr>
             <p:ph type="title"/>
@@ -7003,43 +8403,7 @@
           <a:p>
             <a:pPr/>
             <a:r>
-              <a:t>Hands-on</a:t>
-            </a:r>
-          </a:p>
-        </p:txBody>
-      </p:sp>
-      <p:sp>
-        <p:nvSpPr>
-          <p:cNvPr id="266" name="Github Repo docker-tutorial…"/>
-          <p:cNvSpPr txBox="1"/>
-          <p:nvPr>
-            <p:ph type="body" idx="1"/>
-          </p:nvPr>
-        </p:nvSpPr>
-        <p:spPr>
-          <a:prstGeom prst="rect">
-            <a:avLst/>
-          </a:prstGeom>
-        </p:spPr>
-        <p:txBody>
-          <a:bodyPr/>
-          <a:lstStyle/>
-          <a:p>
-            <a:pPr/>
-            <a:r>
-              <a:t>Github Repo </a:t>
-            </a:r>
-            <a:r>
-              <a:rPr u="sng">
-                <a:hlinkClick r:id="rId2" invalidUrl="" action="" tgtFrame="" tooltip="" history="1" highlightClick="0" endSnd="0"/>
-              </a:rPr>
-              <a:t>docker-tutorial</a:t>
-            </a:r>
-          </a:p>
-          <a:p>
-            <a:pPr lvl="1"/>
-            <a:r>
-              <a:t>docker-102/5-entrypoint</a:t>
+              <a:t>Tips</a:t>
             </a:r>
           </a:p>
         </p:txBody>
@@ -7072,7 +8436,7 @@
       </p:grpSpPr>
       <p:sp>
         <p:nvSpPr>
-          <p:cNvPr id="268" name="Scenarios"/>
+          <p:cNvPr id="284" name="Tips"/>
           <p:cNvSpPr txBox="1"/>
           <p:nvPr>
             <p:ph type="title"/>
@@ -7089,14 +8453,14 @@
           <a:p>
             <a:pPr/>
             <a:r>
-              <a:t>Scenarios</a:t>
+              <a:t>Tips</a:t>
             </a:r>
           </a:p>
         </p:txBody>
       </p:sp>
       <p:sp>
         <p:nvSpPr>
-          <p:cNvPr id="269" name="Container 具有以下特性…"/>
+          <p:cNvPr id="285" name="讓 Container 持續執行，方便 Debug 或當作虛擬環境使用…"/>
           <p:cNvSpPr txBox="1"/>
           <p:nvPr>
             <p:ph type="body" idx="1"/>
@@ -7113,55 +8477,49 @@
           <a:p>
             <a:pPr/>
             <a:r>
-              <a:t>Container 具有以下特性</a:t>
+              <a:t>讓 Container 持續執行，方便 Debug 或當作虛擬環境使用</a:t>
             </a:r>
           </a:p>
           <a:p>
             <a:pPr lvl="1"/>
             <a:r>
-              <a:t>獨立的環境</a:t>
+              <a:t>docker run -d [image] tail -f /dev/null</a:t>
+            </a:r>
+          </a:p>
+          <a:p>
+            <a:pPr lvl="2"/>
+            <a:r>
+              <a:t>tail - 列出檔案的最後 10 (default) 行</a:t>
+            </a:r>
+          </a:p>
+          <a:p>
+            <a:pPr lvl="2"/>
+            <a:r>
+              <a:t>-f - 跟隨模式</a:t>
+            </a:r>
+          </a:p>
+          <a:p>
+            <a:pPr lvl="2"/>
+            <a:r>
+              <a:t>/dev/null - 為 Linux 中一個特殊的檔案，檔案內容永遠只有 EOF</a:t>
+            </a:r>
+          </a:p>
+          <a:p>
+            <a:pPr lvl="2"/>
+            <a:r>
+              <a:t>合併後的效果就是跟隨一個永遠為空的檔案，成為一個永久執行但消耗極少資源的程序，確保 Container 永久處於執行狀態</a:t>
+            </a:r>
+          </a:p>
+          <a:p>
+            <a:pPr/>
+            <a:r>
+              <a:t>ENTRYPOINT</a:t>
             </a:r>
           </a:p>
           <a:p>
             <a:pPr lvl="1"/>
             <a:r>
-              <a:t>Image 可以包含各種預先安裝好的 Package, 程式碼</a:t>
-            </a:r>
-          </a:p>
-          <a:p>
-            <a:pPr lvl="1"/>
-            <a:r>
-              <a:t>在網路設定好的狀況下，Container 之間與 Host 可以互相溝通</a:t>
-            </a:r>
-          </a:p>
-          <a:p>
-            <a:pPr/>
-            <a:r>
-              <a:t>常用情境</a:t>
-            </a:r>
-          </a:p>
-          <a:p>
-            <a:pPr lvl="1"/>
-            <a:r>
-              <a:t>程式碼編譯</a:t>
-            </a:r>
-          </a:p>
-          <a:p>
-            <a:pPr lvl="1"/>
-            <a:r>
-              <a:t>乾淨的開發、執行環境</a:t>
-            </a:r>
-          </a:p>
-          <a:p>
-            <a:pPr lvl="1"/>
-            <a:r>
-              <a:t>Proxy Server</a:t>
-            </a:r>
-          </a:p>
-          <a:p>
-            <a:pPr lvl="1"/>
-            <a:r>
-              <a:t>各種開源網路服務，如：Nexus, SonarQube, Jenskins…</a:t>
+              <a:t>除 CMD 外 Image 中可以額外定義 ENTRYPOINT，Container 啟動時會先執行 ENTRYPOINT 中的指令，之後再執行 CMD 的指令</a:t>
             </a:r>
           </a:p>
         </p:txBody>
@@ -7194,7 +8552,7 @@
       </p:grpSpPr>
       <p:sp>
         <p:nvSpPr>
-          <p:cNvPr id="271" name="Multi-Stage Build"/>
+          <p:cNvPr id="287" name="Hands-on"/>
           <p:cNvSpPr txBox="1"/>
           <p:nvPr>
             <p:ph type="title"/>
@@ -7211,14 +8569,14 @@
           <a:p>
             <a:pPr/>
             <a:r>
-              <a:t>Multi-Stage Build</a:t>
+              <a:t>Hands-on</a:t>
             </a:r>
           </a:p>
         </p:txBody>
       </p:sp>
       <p:sp>
         <p:nvSpPr>
-          <p:cNvPr id="272" name="負責編譯程式碼、打包 Image 時是否有以下痛點…"/>
+          <p:cNvPr id="288" name="Github Repo docker-tutorial…"/>
           <p:cNvSpPr txBox="1"/>
           <p:nvPr>
             <p:ph type="body" idx="1"/>
@@ -7235,31 +8593,22 @@
           <a:p>
             <a:pPr/>
             <a:r>
-              <a:t>負責編譯程式碼、打包 Image 時是否有以下痛點</a:t>
+              <a:t>Github Repo </a:t>
+            </a:r>
+            <a:r>
+              <a:rPr u="sng">
+                <a:solidFill>
+                  <a:schemeClr val="accent1"/>
+                </a:solidFill>
+                <a:hlinkClick r:id="rId2" invalidUrl="" action="" tgtFrame="" tooltip="" history="1" highlightClick="0" endSnd="0"/>
+              </a:rPr>
+              <a:t>docker-tutorial</a:t>
             </a:r>
           </a:p>
           <a:p>
             <a:pPr lvl="1"/>
             <a:r>
-              <a:t>專案的語言種類與版本排列組合呈現爆炸性增長</a:t>
-            </a:r>
-          </a:p>
-          <a:p>
-            <a:pPr lvl="1"/>
-            <a:r>
-              <a:t>打包環境髒亂，Package Manager 共用相同 Cache 目錄、版本切換複雜</a:t>
-            </a:r>
-          </a:p>
-          <a:p>
-            <a:pPr lvl="1"/>
-            <a:r>
-              <a:t>重新下載相依套件進行打包很花時間</a:t>
-            </a:r>
-          </a:p>
-          <a:p>
-            <a:pPr/>
-            <a:r>
-              <a:t>打包環境很難準備，直接用 Container 吧！</a:t>
+              <a:t>docker-102/5-entrypoint</a:t>
             </a:r>
           </a:p>
         </p:txBody>
@@ -7292,7 +8641,7 @@
       </p:grpSpPr>
       <p:sp>
         <p:nvSpPr>
-          <p:cNvPr id="274" name="Hands-on"/>
+          <p:cNvPr id="290" name="Scenarios"/>
           <p:cNvSpPr txBox="1"/>
           <p:nvPr>
             <p:ph type="title"/>
@@ -7309,14 +8658,14 @@
           <a:p>
             <a:pPr/>
             <a:r>
-              <a:t>Hands-on</a:t>
+              <a:t>Scenarios</a:t>
             </a:r>
           </a:p>
         </p:txBody>
       </p:sp>
       <p:sp>
         <p:nvSpPr>
-          <p:cNvPr id="275" name="Github Repo docker-tutorial…"/>
+          <p:cNvPr id="291" name="Container 具有以下特性…"/>
           <p:cNvSpPr txBox="1"/>
           <p:nvPr>
             <p:ph type="body" idx="1"/>
@@ -7333,19 +8682,55 @@
           <a:p>
             <a:pPr/>
             <a:r>
-              <a:t>Github Repo </a:t>
-            </a:r>
-            <a:r>
-              <a:rPr u="sng">
-                <a:hlinkClick r:id="rId2" invalidUrl="" action="" tgtFrame="" tooltip="" history="1" highlightClick="0" endSnd="0"/>
-              </a:rPr>
-              <a:t>docker-tutorial</a:t>
+              <a:t>Container 具有以下特性</a:t>
             </a:r>
           </a:p>
           <a:p>
             <a:pPr lvl="1"/>
             <a:r>
-              <a:t>docker-102/3-multi-stage-build</a:t>
+              <a:t>獨立的環境</a:t>
+            </a:r>
+          </a:p>
+          <a:p>
+            <a:pPr lvl="1"/>
+            <a:r>
+              <a:t>Image 可以包含各種預先安裝好的 Package, 程式碼</a:t>
+            </a:r>
+          </a:p>
+          <a:p>
+            <a:pPr lvl="1"/>
+            <a:r>
+              <a:t>在網路設定好的狀況下，Container 之間與 Host 可以互相溝通</a:t>
+            </a:r>
+          </a:p>
+          <a:p>
+            <a:pPr/>
+            <a:r>
+              <a:t>常用情境</a:t>
+            </a:r>
+          </a:p>
+          <a:p>
+            <a:pPr lvl="1"/>
+            <a:r>
+              <a:t>程式碼編譯</a:t>
+            </a:r>
+          </a:p>
+          <a:p>
+            <a:pPr lvl="1"/>
+            <a:r>
+              <a:t>乾淨的開發、執行環境</a:t>
+            </a:r>
+          </a:p>
+          <a:p>
+            <a:pPr lvl="1"/>
+            <a:r>
+              <a:t>Proxy Server</a:t>
+            </a:r>
+          </a:p>
+          <a:p>
+            <a:pPr lvl="1"/>
+            <a:r>
+              <a:t>各種開源網路服務，如：Nexus, SonarQube, Jenkins…</a:t>
             </a:r>
           </a:p>
         </p:txBody>
@@ -7378,7 +8763,7 @@
       </p:grpSpPr>
       <p:sp>
         <p:nvSpPr>
-          <p:cNvPr id="277" name="More Scenarios"/>
+          <p:cNvPr id="293" name="Compile / Build with Container"/>
           <p:cNvSpPr txBox="1"/>
           <p:nvPr>
             <p:ph type="title"/>
@@ -7395,14 +8780,14 @@
           <a:p>
             <a:pPr/>
             <a:r>
-              <a:t>More Scenarios</a:t>
+              <a:t>Compile / Build with Container</a:t>
             </a:r>
           </a:p>
         </p:txBody>
       </p:sp>
       <p:sp>
         <p:nvSpPr>
-          <p:cNvPr id="278" name="SonarQube Server…"/>
+          <p:cNvPr id="294" name="負責編譯程式碼、打包 Image 時是否有以下痛點…"/>
           <p:cNvSpPr txBox="1"/>
           <p:nvPr>
             <p:ph type="body" idx="1"/>
@@ -7419,88 +8804,31 @@
           <a:p>
             <a:pPr/>
             <a:r>
-              <a:rPr u="sng">
-                <a:hlinkClick r:id="rId2" invalidUrl="" action="" tgtFrame="" tooltip="" history="1" highlightClick="0" endSnd="0"/>
-              </a:rPr>
-              <a:t>SonarQube</a:t>
-            </a:r>
-            <a:r>
-              <a:t> Server</a:t>
+              <a:t>負責編譯程式碼、打包 Image 時是否有以下痛點</a:t>
             </a:r>
           </a:p>
           <a:p>
             <a:pPr lvl="1"/>
             <a:r>
-              <a:rPr u="sng">
-                <a:hlinkClick r:id="rId3" invalidUrl="" action="" tgtFrame="" tooltip="" history="1" highlightClick="0" endSnd="0"/>
-              </a:rPr>
-              <a:t>Docker Compose File</a:t>
-            </a:r>
-          </a:p>
-          <a:p>
-            <a:pPr/>
-            <a:r>
-              <a:t>SonarQube 掃描 - </a:t>
-            </a:r>
-            <a:r>
-              <a:rPr u="sng">
-                <a:hlinkClick r:id="rId4" invalidUrl="" action="" tgtFrame="" tooltip="" history="1" highlightClick="0" endSnd="0"/>
-              </a:rPr>
-              <a:t>sonarsource/sonar-scanner-cli</a:t>
+              <a:t>專案的語言種類與版本排列組合呈現爆炸性增長</a:t>
             </a:r>
           </a:p>
           <a:p>
             <a:pPr lvl="1"/>
             <a:r>
-              <a:t>docker run --rm -e SONAR_HOST_URL=[SONAR HOST]  -v $PWD:/app sonarsource/sonar-scanner-cli -Dsonar.projectBaseDir=/app</a:t>
-            </a:r>
-          </a:p>
-          <a:p>
-            <a:pPr/>
-            <a:r>
-              <a:rPr u="sng">
-                <a:hlinkClick r:id="rId5" invalidUrl="" action="" tgtFrame="" tooltip="" history="1" highlightClick="0" endSnd="0"/>
-              </a:rPr>
-              <a:t>Jenkins</a:t>
+              <a:t>打包環境髒亂，Package Manager 共用相同 Cache 目錄、版本切換複雜</a:t>
             </a:r>
           </a:p>
           <a:p>
             <a:pPr lvl="1"/>
             <a:r>
-              <a:rPr u="sng">
-                <a:hlinkClick r:id="rId6" invalidUrl="" action="" tgtFrame="" tooltip="" history="1" highlightClick="0" endSnd="0"/>
-              </a:rPr>
-              <a:t>Install with Docker</a:t>
-            </a:r>
-          </a:p>
-          <a:p>
-            <a:pPr/>
-            <a:r>
-              <a:t>Python </a:t>
-            </a:r>
-            <a:r>
-              <a:rPr u="sng">
-                <a:hlinkClick r:id="rId7" invalidUrl="" action="" tgtFrame="" tooltip="" history="1" highlightClick="0" endSnd="0"/>
-              </a:rPr>
-              <a:t>Jupyter Notebook</a:t>
-            </a:r>
-            <a:r>
-              <a:t> 開發環境</a:t>
-            </a:r>
-          </a:p>
-          <a:p>
-            <a:pPr lvl="1"/>
-            <a:r>
-              <a:rPr u="sng">
-                <a:hlinkClick r:id="rId8" invalidUrl="" action="" tgtFrame="" tooltip="" history="1" highlightClick="0" endSnd="0"/>
-              </a:rPr>
-              <a:t>Jupyter Docker Hub</a:t>
-            </a:r>
-          </a:p>
-          <a:p>
-            <a:pPr lvl="1" marL="1190625" indent="-555625"/>
-            <a:r>
-              <a:t>docker run -d -p 8888:8888 jupyter/datascience-notebook:python-3.9.7</a:t>
+              <a:t>重新下載相依套件進行打包很花時間</a:t>
+            </a:r>
+          </a:p>
+          <a:p>
+            <a:pPr/>
+            <a:r>
+              <a:t>打包環境很難準備，直接用 Container 吧！</a:t>
             </a:r>
           </a:p>
         </p:txBody>
@@ -7533,7 +8861,7 @@
       </p:grpSpPr>
       <p:sp>
         <p:nvSpPr>
-          <p:cNvPr id="280" name="More Scenarios"/>
+          <p:cNvPr id="296" name="Hands-on"/>
           <p:cNvSpPr txBox="1"/>
           <p:nvPr>
             <p:ph type="title"/>
@@ -7550,14 +8878,14 @@
           <a:p>
             <a:pPr/>
             <a:r>
-              <a:t>More Scenarios</a:t>
+              <a:t>Hands-on</a:t>
             </a:r>
           </a:p>
         </p:txBody>
       </p:sp>
       <p:sp>
         <p:nvSpPr>
-          <p:cNvPr id="281" name="Github Repo docker-tutorial…"/>
+          <p:cNvPr id="297" name="Github Repo docker-tutorial…"/>
           <p:cNvSpPr txBox="1"/>
           <p:nvPr>
             <p:ph type="body" idx="1"/>
@@ -7578,6 +8906,9 @@
             </a:r>
             <a:r>
               <a:rPr u="sng">
+                <a:solidFill>
+                  <a:schemeClr val="accent1"/>
+                </a:solidFill>
                 <a:hlinkClick r:id="rId2" invalidUrl="" action="" tgtFrame="" tooltip="" history="1" highlightClick="0" endSnd="0"/>
               </a:rPr>
               <a:t>docker-tutorial</a:t>
@@ -7586,25 +8917,7 @@
           <a:p>
             <a:pPr lvl="1"/>
             <a:r>
-              <a:t>Proxy Server</a:t>
-            </a:r>
-          </a:p>
-          <a:p>
-            <a:pPr lvl="2"/>
-            <a:r>
-              <a:t>docker-103/0-traefik</a:t>
-            </a:r>
-          </a:p>
-          <a:p>
-            <a:pPr lvl="1"/>
-            <a:r>
-              <a:t>3-Tier Application</a:t>
-            </a:r>
-          </a:p>
-          <a:p>
-            <a:pPr lvl="2"/>
-            <a:r>
-              <a:t>docker-103/1-three-tier-application</a:t>
+              <a:t>docker-102/3-multi-stage-build</a:t>
             </a:r>
           </a:p>
         </p:txBody>
@@ -7637,7 +8950,7 @@
       </p:grpSpPr>
       <p:sp>
         <p:nvSpPr>
-          <p:cNvPr id="283" name="More About Container"/>
+          <p:cNvPr id="299" name="More Scenarios"/>
           <p:cNvSpPr txBox="1"/>
           <p:nvPr>
             <p:ph type="title"/>
@@ -7654,7 +8967,133 @@
           <a:p>
             <a:pPr/>
             <a:r>
-              <a:t>More About Container</a:t>
+              <a:t>More Scenarios</a:t>
+            </a:r>
+          </a:p>
+        </p:txBody>
+      </p:sp>
+      <p:sp>
+        <p:nvSpPr>
+          <p:cNvPr id="300" name="SonarQube Server…"/>
+          <p:cNvSpPr txBox="1"/>
+          <p:nvPr>
+            <p:ph type="body" idx="1"/>
+          </p:nvPr>
+        </p:nvSpPr>
+        <p:spPr>
+          <a:prstGeom prst="rect">
+            <a:avLst/>
+          </a:prstGeom>
+        </p:spPr>
+        <p:txBody>
+          <a:bodyPr/>
+          <a:lstStyle/>
+          <a:p>
+            <a:pPr/>
+            <a:r>
+              <a:rPr u="sng">
+                <a:solidFill>
+                  <a:schemeClr val="accent1"/>
+                </a:solidFill>
+                <a:hlinkClick r:id="rId2" invalidUrl="" action="" tgtFrame="" tooltip="" history="1" highlightClick="0" endSnd="0"/>
+              </a:rPr>
+              <a:t>SonarQube</a:t>
+            </a:r>
+            <a:r>
+              <a:t> Server</a:t>
+            </a:r>
+          </a:p>
+          <a:p>
+            <a:pPr lvl="1"/>
+            <a:r>
+              <a:rPr u="sng">
+                <a:solidFill>
+                  <a:schemeClr val="accent1"/>
+                </a:solidFill>
+                <a:hlinkClick r:id="rId3" invalidUrl="" action="" tgtFrame="" tooltip="" history="1" highlightClick="0" endSnd="0"/>
+              </a:rPr>
+              <a:t>Docker Compose File</a:t>
+            </a:r>
+          </a:p>
+          <a:p>
+            <a:pPr/>
+            <a:r>
+              <a:t>SonarQube 掃描 - </a:t>
+            </a:r>
+            <a:r>
+              <a:rPr u="sng">
+                <a:solidFill>
+                  <a:schemeClr val="accent1"/>
+                </a:solidFill>
+                <a:hlinkClick r:id="rId4" invalidUrl="" action="" tgtFrame="" tooltip="" history="1" highlightClick="0" endSnd="0"/>
+              </a:rPr>
+              <a:t>sonarsource/sonar-scanner-cli</a:t>
+            </a:r>
+          </a:p>
+          <a:p>
+            <a:pPr lvl="1"/>
+            <a:r>
+              <a:t>docker run --rm -e SONAR_HOST_URL=[SONAR HOST]  -v $PWD:/app sonarsource/sonar-scanner-cli -Dsonar.projectBaseDir=/app</a:t>
+            </a:r>
+          </a:p>
+          <a:p>
+            <a:pPr/>
+            <a:r>
+              <a:rPr u="sng">
+                <a:solidFill>
+                  <a:schemeClr val="accent1"/>
+                </a:solidFill>
+                <a:hlinkClick r:id="rId5" invalidUrl="" action="" tgtFrame="" tooltip="" history="1" highlightClick="0" endSnd="0"/>
+              </a:rPr>
+              <a:t>Jenkins</a:t>
+            </a:r>
+          </a:p>
+          <a:p>
+            <a:pPr lvl="1"/>
+            <a:r>
+              <a:rPr u="sng">
+                <a:solidFill>
+                  <a:schemeClr val="accent1"/>
+                </a:solidFill>
+                <a:hlinkClick r:id="rId6" invalidUrl="" action="" tgtFrame="" tooltip="" history="1" highlightClick="0" endSnd="0"/>
+              </a:rPr>
+              <a:t>Install with Docker</a:t>
+            </a:r>
+          </a:p>
+          <a:p>
+            <a:pPr/>
+            <a:r>
+              <a:t>Python </a:t>
+            </a:r>
+            <a:r>
+              <a:rPr u="sng">
+                <a:solidFill>
+                  <a:schemeClr val="accent1"/>
+                </a:solidFill>
+                <a:hlinkClick r:id="rId7" invalidUrl="" action="" tgtFrame="" tooltip="" history="1" highlightClick="0" endSnd="0"/>
+              </a:rPr>
+              <a:t>Jupyter Notebook</a:t>
+            </a:r>
+            <a:r>
+              <a:t> 開發環境</a:t>
+            </a:r>
+          </a:p>
+          <a:p>
+            <a:pPr lvl="1"/>
+            <a:r>
+              <a:rPr u="sng">
+                <a:solidFill>
+                  <a:schemeClr val="accent1"/>
+                </a:solidFill>
+                <a:hlinkClick r:id="rId8" invalidUrl="" action="" tgtFrame="" tooltip="" history="1" highlightClick="0" endSnd="0"/>
+              </a:rPr>
+              <a:t>Jupyter Docker Hub</a:t>
+            </a:r>
+          </a:p>
+          <a:p>
+            <a:pPr lvl="1" marL="1190625" indent="-555625"/>
+            <a:r>
+              <a:t>docker run -d -p 8888:8888 jupyter/datascience-notebook:python-3.9.7</a:t>
             </a:r>
           </a:p>
         </p:txBody>
@@ -7687,7 +9126,7 @@
       </p:grpSpPr>
       <p:sp>
         <p:nvSpPr>
-          <p:cNvPr id="285" name="Cloud Native"/>
+          <p:cNvPr id="302" name="More Scenarios"/>
           <p:cNvSpPr txBox="1"/>
           <p:nvPr>
             <p:ph type="title"/>
@@ -7704,14 +9143,14 @@
           <a:p>
             <a:pPr/>
             <a:r>
-              <a:t>Cloud Native</a:t>
+              <a:t>More Scenarios</a:t>
             </a:r>
           </a:p>
         </p:txBody>
       </p:sp>
       <p:sp>
         <p:nvSpPr>
-          <p:cNvPr id="286" name="Cloud Native 雲原生…"/>
+          <p:cNvPr id="303" name="Github Repo docker-tutorial…"/>
           <p:cNvSpPr txBox="1"/>
           <p:nvPr>
             <p:ph type="body" idx="1"/>
@@ -7726,265 +9165,58 @@
           <a:bodyPr/>
           <a:lstStyle/>
           <a:p>
-            <a:pPr marL="501650" indent="-501650" defTabSz="652145">
-              <a:spcBef>
-                <a:spcPts val="1100"/>
-              </a:spcBef>
-              <a:defRPr sz="3792"/>
-            </a:pPr>
-            <a:r>
-              <a:t>Cloud Native 雲原生</a:t>
-            </a:r>
-          </a:p>
-          <a:p>
-            <a:pPr lvl="1" marL="1003300" indent="-501650" defTabSz="652145">
-              <a:spcBef>
-                <a:spcPts val="1100"/>
-              </a:spcBef>
-              <a:defRPr sz="3318"/>
-            </a:pPr>
-            <a:r>
-              <a:t>最初是針對服務定義</a:t>
-            </a:r>
-          </a:p>
-          <a:p>
-            <a:pPr lvl="2" marL="1504950" indent="-501650" defTabSz="652145">
-              <a:spcBef>
-                <a:spcPts val="1100"/>
-              </a:spcBef>
-              <a:defRPr sz="2844"/>
-            </a:pPr>
-            <a:r>
-              <a:t>服務容器化</a:t>
-            </a:r>
-          </a:p>
-          <a:p>
-            <a:pPr lvl="2" marL="1504950" indent="-501650" defTabSz="652145">
-              <a:spcBef>
-                <a:spcPts val="1100"/>
-              </a:spcBef>
-              <a:defRPr sz="2844"/>
-            </a:pPr>
-            <a:r>
-              <a:t>面向微服務架構</a:t>
-            </a:r>
-          </a:p>
-          <a:p>
-            <a:pPr lvl="2" marL="1504950" indent="-501650" defTabSz="652145">
-              <a:spcBef>
-                <a:spcPts val="1100"/>
-              </a:spcBef>
-              <a:defRPr sz="2844"/>
-            </a:pPr>
-            <a:r>
-              <a:t>服務支援以容器的方式被調度</a:t>
-            </a:r>
-          </a:p>
-          <a:p>
-            <a:pPr lvl="1" marL="1003300" indent="-501650" defTabSz="652145">
-              <a:spcBef>
-                <a:spcPts val="1100"/>
-              </a:spcBef>
-              <a:defRPr sz="3318"/>
-            </a:pPr>
-            <a:r>
-              <a:t>現在多指的是一種文化</a:t>
-            </a:r>
-          </a:p>
-          <a:p>
-            <a:pPr lvl="2" marL="1504950" indent="-501650" defTabSz="652145">
-              <a:spcBef>
-                <a:spcPts val="1100"/>
-              </a:spcBef>
-              <a:defRPr sz="2844"/>
-            </a:pPr>
-            <a:r>
-              <a:t>利用雲讓服務的開發與維運更加快速與敏捷的行為或方法</a:t>
-            </a:r>
-          </a:p>
-          <a:p>
-            <a:pPr marL="501650" indent="-501650" defTabSz="652145">
-              <a:spcBef>
-                <a:spcPts val="1100"/>
-              </a:spcBef>
-              <a:defRPr sz="3792"/>
-            </a:pPr>
+            <a:pPr/>
+            <a:r>
+              <a:t>Github Repo </a:t>
+            </a:r>
             <a:r>
               <a:rPr u="sng">
+                <a:solidFill>
+                  <a:schemeClr val="accent1"/>
+                </a:solidFill>
                 <a:hlinkClick r:id="rId2" invalidUrl="" action="" tgtFrame="" tooltip="" history="1" highlightClick="0" endSnd="0"/>
               </a:rPr>
-              <a:t>Cloud Native Computing Foundation</a:t>
-            </a:r>
-            <a:r>
-              <a:t> (CNCF)</a:t>
-            </a:r>
-          </a:p>
-          <a:p>
-            <a:pPr lvl="1" marL="1003300" indent="-501650" defTabSz="652145">
-              <a:spcBef>
-                <a:spcPts val="1100"/>
-              </a:spcBef>
-              <a:defRPr sz="3318"/>
-            </a:pPr>
-            <a:r>
-              <a:t>CNCF 致力於推廣 Cloud Native</a:t>
-            </a:r>
-          </a:p>
-          <a:p>
-            <a:pPr lvl="1" marL="1003300" indent="-501650" defTabSz="652145">
-              <a:spcBef>
-                <a:spcPts val="1100"/>
-              </a:spcBef>
-              <a:defRPr sz="3318"/>
-            </a:pPr>
-            <a:r>
-              <a:t>組織成員包括 Google, Amazon, Microsoft, Alibaba, Intel, IBM 等</a:t>
-            </a:r>
-          </a:p>
-          <a:p>
-            <a:pPr marL="501650" indent="-501650" defTabSz="652145">
-              <a:spcBef>
-                <a:spcPts val="1100"/>
-              </a:spcBef>
-              <a:defRPr sz="3792"/>
-            </a:pPr>
-            <a:r>
-              <a:rPr u="sng">
-                <a:hlinkClick r:id="rId3" invalidUrl="" action="" tgtFrame="" tooltip="" history="1" highlightClick="0" endSnd="0"/>
-              </a:rPr>
-              <a:t>Cloud Native Landscape</a:t>
-            </a:r>
-          </a:p>
-          <a:p>
-            <a:pPr lvl="1" marL="1003300" indent="-501650" defTabSz="652145">
-              <a:spcBef>
-                <a:spcPts val="1100"/>
-              </a:spcBef>
-              <a:defRPr sz="3318"/>
-            </a:pPr>
-            <a:r>
-              <a:rPr u="sng">
-                <a:hlinkClick r:id="rId4" invalidUrl="" action="" tgtFrame="" tooltip="" history="1" highlightClick="0" endSnd="0"/>
-              </a:rPr>
-              <a:t>路線圖</a:t>
-            </a:r>
-          </a:p>
-          <a:p>
-            <a:pPr lvl="1" marL="1003300" indent="-501650" defTabSz="652145">
-              <a:spcBef>
-                <a:spcPts val="1100"/>
-              </a:spcBef>
-              <a:defRPr sz="3318"/>
-            </a:pPr>
-            <a:r>
-              <a:rPr u="sng">
-                <a:hlinkClick r:id="rId5" invalidUrl="" action="" tgtFrame="" tooltip="" history="1" highlightClick="0" endSnd="0"/>
-              </a:rPr>
-              <a:t>工具清單</a:t>
+              <a:t>docker-tutorial</a:t>
+            </a:r>
+          </a:p>
+          <a:p>
+            <a:pPr lvl="1"/>
+            <a:r>
+              <a:t>Proxy Server</a:t>
+            </a:r>
+          </a:p>
+          <a:p>
+            <a:pPr lvl="2"/>
+            <a:r>
+              <a:t>docker-103/0-traefik</a:t>
+            </a:r>
+          </a:p>
+          <a:p>
+            <a:pPr lvl="1"/>
+            <a:r>
+              <a:t>3-Tier Application</a:t>
+            </a:r>
+          </a:p>
+          <a:p>
+            <a:pPr lvl="2"/>
+            <a:r>
+              <a:t>docker-103/1-three-tier-application</a:t>
+            </a:r>
+          </a:p>
+          <a:p>
+            <a:pPr lvl="1"/>
+            <a:r>
+              <a:t>Selenium end-to-end testing</a:t>
+            </a:r>
+          </a:p>
+          <a:p>
+            <a:pPr lvl="2"/>
+            <a:r>
+              <a:t>docker-103/2-selenium-end-to-end-testing</a:t>
             </a:r>
           </a:p>
         </p:txBody>
       </p:sp>
-      <p:sp>
-        <p:nvSpPr>
-          <p:cNvPr id="287" name="From: Microsoft Docs"/>
-          <p:cNvSpPr txBox="1"/>
-          <p:nvPr/>
-        </p:nvSpPr>
-        <p:spPr>
-          <a:xfrm>
-            <a:off x="15537567" y="6428544"/>
-            <a:ext cx="4050793" cy="560450"/>
-          </a:xfrm>
-          <a:prstGeom prst="rect">
-            <a:avLst/>
-          </a:prstGeom>
-          <a:ln w="12700">
-            <a:miter lim="400000"/>
-          </a:ln>
-          <a:extLst>
-            <a:ext uri="{C572A759-6A51-4108-AA02-DFA0A04FC94B}">
-              <ma14:wrappingTextBoxFlag xmlns:ma14="http://schemas.microsoft.com/office/mac/drawingml/2011/main" val="1"/>
-            </a:ext>
-          </a:extLst>
-        </p:spPr>
-        <p:txBody>
-          <a:bodyPr wrap="none" lIns="50800" tIns="50800" rIns="50800" bIns="50800" anchor="ctr">
-            <a:spAutoFit/>
-          </a:bodyPr>
-          <a:lstStyle/>
-          <a:p>
-            <a:pPr/>
-            <a:r>
-              <a:t>From: </a:t>
-            </a:r>
-            <a:r>
-              <a:rPr u="sng">
-                <a:hlinkClick r:id="rId6" invalidUrl="" action="" tgtFrame="" tooltip="" history="1" highlightClick="0" endSnd="0"/>
-              </a:rPr>
-              <a:t>Microsoft Docs</a:t>
-            </a:r>
-          </a:p>
-        </p:txBody>
-      </p:sp>
-      <p:pic>
-        <p:nvPicPr>
-          <p:cNvPr id="288" name="Image" descr="Image"/>
-          <p:cNvPicPr>
-            <a:picLocks noChangeAspect="1"/>
-          </p:cNvPicPr>
-          <p:nvPr/>
-        </p:nvPicPr>
-        <p:blipFill>
-          <a:blip r:embed="rId7">
-            <a:extLst/>
-          </a:blip>
-          <a:stretch>
-            <a:fillRect/>
-          </a:stretch>
-        </p:blipFill>
-        <p:spPr>
-          <a:xfrm>
-            <a:off x="11212963" y="3981894"/>
-            <a:ext cx="12700001" cy="2311401"/>
-          </a:xfrm>
-          <a:prstGeom prst="rect">
-            <a:avLst/>
-          </a:prstGeom>
-          <a:ln w="12700">
-            <a:miter lim="400000"/>
-          </a:ln>
-        </p:spPr>
-      </p:pic>
-      <p:pic>
-        <p:nvPicPr>
-          <p:cNvPr id="289" name="Image" descr="Image"/>
-          <p:cNvPicPr>
-            <a:picLocks noChangeAspect="1"/>
-          </p:cNvPicPr>
-          <p:nvPr/>
-        </p:nvPicPr>
-        <p:blipFill>
-          <a:blip r:embed="rId8">
-            <a:extLst/>
-          </a:blip>
-          <a:stretch>
-            <a:fillRect/>
-          </a:stretch>
-        </p:blipFill>
-        <p:spPr>
-          <a:xfrm>
-            <a:off x="17369927" y="7633589"/>
-            <a:ext cx="6350001" cy="4597401"/>
-          </a:xfrm>
-          <a:prstGeom prst="rect">
-            <a:avLst/>
-          </a:prstGeom>
-          <a:ln w="12700">
-            <a:miter lim="400000"/>
-          </a:ln>
-        </p:spPr>
-      </p:pic>
     </p:spTree>
   </p:cSld>
   <p:clrMapOvr>
@@ -8063,7 +9295,7 @@
       </p:grpSpPr>
       <p:sp>
         <p:nvSpPr>
-          <p:cNvPr id="291" name="Best Practice"/>
+          <p:cNvPr id="305" name="More About Container"/>
           <p:cNvSpPr txBox="1"/>
           <p:nvPr>
             <p:ph type="title"/>
@@ -8080,52 +9312,7 @@
           <a:p>
             <a:pPr/>
             <a:r>
-              <a:t>Best Practice</a:t>
-            </a:r>
-          </a:p>
-        </p:txBody>
-      </p:sp>
-      <p:sp>
-        <p:nvSpPr>
-          <p:cNvPr id="292" name="RedHat Cloud Native Container Design White Paper…"/>
-          <p:cNvSpPr txBox="1"/>
-          <p:nvPr>
-            <p:ph type="body" idx="1"/>
-          </p:nvPr>
-        </p:nvSpPr>
-        <p:spPr>
-          <a:prstGeom prst="rect">
-            <a:avLst/>
-          </a:prstGeom>
-        </p:spPr>
-        <p:txBody>
-          <a:bodyPr/>
-          <a:lstStyle/>
-          <a:p>
-            <a:pPr/>
-            <a:r>
-              <a:rPr u="sng">
-                <a:hlinkClick r:id="rId2" invalidUrl="" action="" tgtFrame="" tooltip="" history="1" highlightClick="0" endSnd="0"/>
-              </a:rPr>
-              <a:t>RedHat Cloud Native Container Design White Paper</a:t>
-            </a:r>
-          </a:p>
-          <a:p>
-            <a:pPr/>
-            <a:r>
-              <a:rPr u="sng">
-                <a:hlinkClick r:id="rId3" invalidUrl="" action="" tgtFrame="" tooltip="" history="1" highlightClick="0" endSnd="0"/>
-              </a:rPr>
-              <a:t>The best Docker base image for your Python application</a:t>
-            </a:r>
-          </a:p>
-          <a:p>
-            <a:pPr/>
-            <a:r>
-              <a:rPr u="sng">
-                <a:hlinkClick r:id="rId4" invalidUrl="" action="" tgtFrame="" tooltip="" history="1" highlightClick="0" endSnd="0"/>
-              </a:rPr>
-              <a:t>Docker Docs - Image Building Best Practices</a:t>
+              <a:t>More About Container</a:t>
             </a:r>
           </a:p>
         </p:txBody>
@@ -8158,7 +9345,7 @@
       </p:grpSpPr>
       <p:sp>
         <p:nvSpPr>
-          <p:cNvPr id="294" name="Future of Container"/>
+          <p:cNvPr id="307" name="Cloud Native"/>
           <p:cNvSpPr txBox="1"/>
           <p:nvPr>
             <p:ph type="title"/>
@@ -8175,14 +9362,14 @@
           <a:p>
             <a:pPr/>
             <a:r>
-              <a:t>Future of Container</a:t>
+              <a:t>Cloud Native</a:t>
             </a:r>
           </a:p>
         </p:txBody>
       </p:sp>
       <p:sp>
         <p:nvSpPr>
-          <p:cNvPr id="295" name="Docker != Contianer…"/>
+          <p:cNvPr id="308" name="Cloud Native 雲原生…"/>
           <p:cNvSpPr txBox="1"/>
           <p:nvPr>
             <p:ph type="body" idx="1"/>
@@ -8197,74 +9384,277 @@
           <a:bodyPr/>
           <a:lstStyle/>
           <a:p>
-            <a:pPr/>
-            <a:r>
-              <a:t>Docker != Contianer</a:t>
-            </a:r>
-          </a:p>
-          <a:p>
-            <a:pPr/>
+            <a:pPr marL="501650" indent="-501650" defTabSz="652145">
+              <a:spcBef>
+                <a:spcPts val="1100"/>
+              </a:spcBef>
+              <a:defRPr sz="3792"/>
+            </a:pPr>
+            <a:r>
+              <a:t>Cloud Native 雲原生</a:t>
+            </a:r>
+          </a:p>
+          <a:p>
+            <a:pPr lvl="1" marL="1003300" indent="-501650" defTabSz="652145">
+              <a:spcBef>
+                <a:spcPts val="1100"/>
+              </a:spcBef>
+              <a:defRPr sz="3318"/>
+            </a:pPr>
+            <a:r>
+              <a:t>最初是針對服務定義</a:t>
+            </a:r>
+          </a:p>
+          <a:p>
+            <a:pPr lvl="2" marL="1504950" indent="-501650" defTabSz="652145">
+              <a:spcBef>
+                <a:spcPts val="1100"/>
+              </a:spcBef>
+              <a:defRPr sz="2844"/>
+            </a:pPr>
+            <a:r>
+              <a:t>服務容器化</a:t>
+            </a:r>
+          </a:p>
+          <a:p>
+            <a:pPr lvl="2" marL="1504950" indent="-501650" defTabSz="652145">
+              <a:spcBef>
+                <a:spcPts val="1100"/>
+              </a:spcBef>
+              <a:defRPr sz="2844"/>
+            </a:pPr>
+            <a:r>
+              <a:t>面向微服務架構</a:t>
+            </a:r>
+          </a:p>
+          <a:p>
+            <a:pPr lvl="2" marL="1504950" indent="-501650" defTabSz="652145">
+              <a:spcBef>
+                <a:spcPts val="1100"/>
+              </a:spcBef>
+              <a:defRPr sz="2844"/>
+            </a:pPr>
+            <a:r>
+              <a:t>服務支援以容器的方式被調度</a:t>
+            </a:r>
+          </a:p>
+          <a:p>
+            <a:pPr lvl="1" marL="1003300" indent="-501650" defTabSz="652145">
+              <a:spcBef>
+                <a:spcPts val="1100"/>
+              </a:spcBef>
+              <a:defRPr sz="3318"/>
+            </a:pPr>
+            <a:r>
+              <a:t>現在多指的是一種文化</a:t>
+            </a:r>
+          </a:p>
+          <a:p>
+            <a:pPr lvl="2" marL="1504950" indent="-501650" defTabSz="652145">
+              <a:spcBef>
+                <a:spcPts val="1100"/>
+              </a:spcBef>
+              <a:defRPr sz="2844"/>
+            </a:pPr>
+            <a:r>
+              <a:t>利用雲讓服務的開發與維運更加快速與敏捷的行為或方法</a:t>
+            </a:r>
+          </a:p>
+          <a:p>
+            <a:pPr marL="501650" indent="-501650" defTabSz="652145">
+              <a:spcBef>
+                <a:spcPts val="1100"/>
+              </a:spcBef>
+              <a:defRPr sz="3792"/>
+            </a:pPr>
             <a:r>
               <a:rPr u="sng">
+                <a:solidFill>
+                  <a:schemeClr val="accent1"/>
+                </a:solidFill>
                 <a:hlinkClick r:id="rId2" invalidUrl="" action="" tgtFrame="" tooltip="" history="1" highlightClick="0" endSnd="0"/>
               </a:rPr>
-              <a:t>Open Container Initiative (OCI)</a:t>
-            </a:r>
-            <a:r>
-              <a:t> </a:t>
-            </a:r>
-          </a:p>
-          <a:p>
-            <a:pPr lvl="1"/>
-            <a:r>
-              <a:t>定義 Runtime 以及 Image 兩個標準規範 Container</a:t>
-            </a:r>
-          </a:p>
-          <a:p>
-            <a:pPr/>
+              <a:t>Cloud Native Computing Foundation</a:t>
+            </a:r>
+            <a:r>
+              <a:t> (CNCF)</a:t>
+            </a:r>
+          </a:p>
+          <a:p>
+            <a:pPr lvl="1" marL="1003300" indent="-501650" defTabSz="652145">
+              <a:spcBef>
+                <a:spcPts val="1100"/>
+              </a:spcBef>
+              <a:defRPr sz="3318"/>
+            </a:pPr>
+            <a:r>
+              <a:t>CNCF 致力於推廣 Cloud Native</a:t>
+            </a:r>
+          </a:p>
+          <a:p>
+            <a:pPr lvl="1" marL="1003300" indent="-501650" defTabSz="652145">
+              <a:spcBef>
+                <a:spcPts val="1100"/>
+              </a:spcBef>
+              <a:defRPr sz="3318"/>
+            </a:pPr>
+            <a:r>
+              <a:t>組織成員包括 Google, Amazon, Microsoft, Alibaba, Intel, IBM 等</a:t>
+            </a:r>
+          </a:p>
+          <a:p>
+            <a:pPr marL="501650" indent="-501650" defTabSz="652145">
+              <a:spcBef>
+                <a:spcPts val="1100"/>
+              </a:spcBef>
+              <a:defRPr sz="3792"/>
+            </a:pPr>
             <a:r>
               <a:rPr u="sng">
+                <a:solidFill>
+                  <a:schemeClr val="accent1"/>
+                </a:solidFill>
                 <a:hlinkClick r:id="rId3" invalidUrl="" action="" tgtFrame="" tooltip="" history="1" highlightClick="0" endSnd="0"/>
               </a:rPr>
-              <a:t>Container Runtime Interface (ORI)</a:t>
-            </a:r>
-          </a:p>
-          <a:p>
-            <a:pPr lvl="1"/>
-            <a:r>
-              <a:t>由 K8s 提出的介面標準，只要 Container Runtime 有實作 ORI 介面就可以被 K8s 管理</a:t>
-            </a:r>
-          </a:p>
-          <a:p>
-            <a:pPr/>
-            <a:r>
-              <a:t>K8s v1.20 之後開始棄用 Docker ? </a:t>
-            </a:r>
-          </a:p>
-          <a:p>
-            <a:pPr lvl="1"/>
+              <a:t>Cloud Native Landscape</a:t>
+            </a:r>
+          </a:p>
+          <a:p>
+            <a:pPr lvl="1" marL="1003300" indent="-501650" defTabSz="652145">
+              <a:spcBef>
+                <a:spcPts val="1100"/>
+              </a:spcBef>
+              <a:defRPr sz="3318"/>
+            </a:pPr>
             <a:r>
               <a:rPr u="sng">
+                <a:solidFill>
+                  <a:schemeClr val="accent1"/>
+                </a:solidFill>
                 <a:hlinkClick r:id="rId4" invalidUrl="" action="" tgtFrame="" tooltip="" history="1" highlightClick="0" endSnd="0"/>
               </a:rPr>
-              <a:t>Don't Panic: Kubernetes and Docker</a:t>
-            </a:r>
-          </a:p>
-          <a:p>
-            <a:pPr lvl="1"/>
-            <a:r>
-              <a:rPr u="sng"/>
-              <a:t>[FB] </a:t>
-            </a:r>
+              <a:t>路線圖</a:t>
+            </a:r>
+          </a:p>
+          <a:p>
+            <a:pPr lvl="1" marL="1003300" indent="-501650" defTabSz="652145">
+              <a:spcBef>
+                <a:spcPts val="1100"/>
+              </a:spcBef>
+              <a:defRPr sz="3318"/>
+            </a:pPr>
             <a:r>
               <a:rPr u="sng">
+                <a:solidFill>
+                  <a:schemeClr val="accent1"/>
+                </a:solidFill>
                 <a:hlinkClick r:id="rId5" invalidUrl="" action="" tgtFrame="" tooltip="" history="1" highlightClick="0" endSnd="0"/>
               </a:rPr>
-              <a:t>對開發人員與維運人員的影響</a:t>
+              <a:t>工具清單</a:t>
             </a:r>
           </a:p>
         </p:txBody>
       </p:sp>
+      <p:sp>
+        <p:nvSpPr>
+          <p:cNvPr id="309" name="From: Microsoft Docs"/>
+          <p:cNvSpPr txBox="1"/>
+          <p:nvPr/>
+        </p:nvSpPr>
+        <p:spPr>
+          <a:xfrm>
+            <a:off x="15537567" y="6428544"/>
+            <a:ext cx="4050793" cy="560449"/>
+          </a:xfrm>
+          <a:prstGeom prst="rect">
+            <a:avLst/>
+          </a:prstGeom>
+          <a:ln w="12700">
+            <a:miter lim="400000"/>
+          </a:ln>
+          <a:extLst>
+            <a:ext uri="{C572A759-6A51-4108-AA02-DFA0A04FC94B}">
+              <ma14:wrappingTextBoxFlag xmlns:ma14="http://schemas.microsoft.com/office/mac/drawingml/2011/main" val="1"/>
+            </a:ext>
+          </a:extLst>
+        </p:spPr>
+        <p:txBody>
+          <a:bodyPr wrap="none" lIns="50800" tIns="50800" rIns="50800" bIns="50800" anchor="ctr">
+            <a:spAutoFit/>
+          </a:bodyPr>
+          <a:lstStyle/>
+          <a:p>
+            <a:pPr/>
+            <a:r>
+              <a:t>From: </a:t>
+            </a:r>
+            <a:r>
+              <a:rPr u="sng">
+                <a:hlinkClick r:id="rId6" invalidUrl="" action="" tgtFrame="" tooltip="" history="1" highlightClick="0" endSnd="0"/>
+              </a:rPr>
+              <a:t>Microsoft Docs</a:t>
+            </a:r>
+          </a:p>
+        </p:txBody>
+      </p:sp>
+      <p:pic>
+        <p:nvPicPr>
+          <p:cNvPr id="310" name="Image" descr="Image"/>
+          <p:cNvPicPr>
+            <a:picLocks noChangeAspect="1"/>
+          </p:cNvPicPr>
+          <p:nvPr/>
+        </p:nvPicPr>
+        <p:blipFill>
+          <a:blip r:embed="rId7">
+            <a:extLst/>
+          </a:blip>
+          <a:stretch>
+            <a:fillRect/>
+          </a:stretch>
+        </p:blipFill>
+        <p:spPr>
+          <a:xfrm>
+            <a:off x="11212963" y="3981894"/>
+            <a:ext cx="12700001" cy="2311401"/>
+          </a:xfrm>
+          <a:prstGeom prst="rect">
+            <a:avLst/>
+          </a:prstGeom>
+          <a:ln w="12700">
+            <a:miter lim="400000"/>
+          </a:ln>
+        </p:spPr>
+      </p:pic>
+      <p:pic>
+        <p:nvPicPr>
+          <p:cNvPr id="311" name="Image" descr="Image"/>
+          <p:cNvPicPr>
+            <a:picLocks noChangeAspect="1"/>
+          </p:cNvPicPr>
+          <p:nvPr/>
+        </p:nvPicPr>
+        <p:blipFill>
+          <a:blip r:embed="rId8">
+            <a:extLst/>
+          </a:blip>
+          <a:stretch>
+            <a:fillRect/>
+          </a:stretch>
+        </p:blipFill>
+        <p:spPr>
+          <a:xfrm>
+            <a:off x="17369927" y="7633589"/>
+            <a:ext cx="6350001" cy="4597401"/>
+          </a:xfrm>
+          <a:prstGeom prst="rect">
+            <a:avLst/>
+          </a:prstGeom>
+          <a:ln w="12700">
+            <a:miter lim="400000"/>
+          </a:ln>
+        </p:spPr>
+      </p:pic>
     </p:spTree>
   </p:cSld>
   <p:clrMapOvr>
@@ -8293,7 +9683,7 @@
       </p:grpSpPr>
       <p:sp>
         <p:nvSpPr>
-          <p:cNvPr id="297" name="Appendix - YAML"/>
+          <p:cNvPr id="313" name="Best Practice"/>
           <p:cNvSpPr txBox="1"/>
           <p:nvPr>
             <p:ph type="title"/>
@@ -8310,14 +9700,14 @@
           <a:p>
             <a:pPr/>
             <a:r>
-              <a:t>Appendix - YAML</a:t>
+              <a:t>Best Practice</a:t>
             </a:r>
           </a:p>
         </p:txBody>
       </p:sp>
       <p:sp>
         <p:nvSpPr>
-          <p:cNvPr id="298" name="YAML (YAML Ain't a Markup Language)…"/>
+          <p:cNvPr id="314" name="RedHat Cloud Native Container Design White Paper…"/>
           <p:cNvSpPr txBox="1"/>
           <p:nvPr>
             <p:ph type="body" idx="1"/>
@@ -8329,12 +9719,259 @@
           </a:prstGeom>
         </p:spPr>
         <p:txBody>
+          <a:bodyPr/>
+          <a:lstStyle/>
+          <a:p>
+            <a:pPr/>
+            <a:r>
+              <a:rPr u="sng">
+                <a:solidFill>
+                  <a:schemeClr val="accent1"/>
+                </a:solidFill>
+                <a:hlinkClick r:id="rId2" invalidUrl="" action="" tgtFrame="" tooltip="" history="1" highlightClick="0" endSnd="0"/>
+              </a:rPr>
+              <a:t>RedHat Cloud Native Container Design White Paper</a:t>
+            </a:r>
+          </a:p>
+          <a:p>
+            <a:pPr/>
+            <a:r>
+              <a:rPr u="sng">
+                <a:solidFill>
+                  <a:schemeClr val="accent1"/>
+                </a:solidFill>
+                <a:hlinkClick r:id="rId3" invalidUrl="" action="" tgtFrame="" tooltip="" history="1" highlightClick="0" endSnd="0"/>
+              </a:rPr>
+              <a:t>The best Docker base image for your Python application</a:t>
+            </a:r>
+          </a:p>
+          <a:p>
+            <a:pPr/>
+            <a:r>
+              <a:rPr u="sng">
+                <a:solidFill>
+                  <a:schemeClr val="accent1"/>
+                </a:solidFill>
+                <a:hlinkClick r:id="rId4" invalidUrl="" action="" tgtFrame="" tooltip="" history="1" highlightClick="0" endSnd="0"/>
+              </a:rPr>
+              <a:t>Docker Docs - Image Building Best Practices</a:t>
+            </a:r>
+          </a:p>
+        </p:txBody>
+      </p:sp>
+    </p:spTree>
+  </p:cSld>
+  <p:clrMapOvr>
+    <a:masterClrMapping/>
+  </p:clrMapOvr>
+  <p:transition xmlns:p14="http://schemas.microsoft.com/office/powerpoint/2010/main" spd="med" advClick="1"/>
+</p:sld>
+</file>
+
+<file path=ppt/slides/slide43.xml><?xml version="1.0" encoding="utf-8"?>
+<p:sld xmlns:a="http://schemas.openxmlformats.org/drawingml/2006/main" xmlns:r="http://schemas.openxmlformats.org/officeDocument/2006/relationships" xmlns:p="http://schemas.openxmlformats.org/presentationml/2006/main" xmlns:m="http://schemas.openxmlformats.org/officeDocument/2006/math" xmlns:a14="http://schemas.microsoft.com/office/drawing/2010/main" showMasterSp="1" showMasterPhAnim="1">
+  <p:cSld>
+    <p:spTree>
+      <p:nvGrpSpPr>
+        <p:cNvPr id="1" name=""/>
+        <p:cNvGrpSpPr/>
+        <p:nvPr/>
+      </p:nvGrpSpPr>
+      <p:grpSpPr>
+        <a:xfrm>
+          <a:off x="0" y="0"/>
+          <a:ext cx="0" cy="0"/>
+          <a:chOff x="0" y="0"/>
+          <a:chExt cx="0" cy="0"/>
+        </a:xfrm>
+      </p:grpSpPr>
+      <p:sp>
+        <p:nvSpPr>
+          <p:cNvPr id="316" name="Future of Container"/>
+          <p:cNvSpPr txBox="1"/>
+          <p:nvPr>
+            <p:ph type="title"/>
+          </p:nvPr>
+        </p:nvSpPr>
+        <p:spPr>
+          <a:prstGeom prst="rect">
+            <a:avLst/>
+          </a:prstGeom>
+        </p:spPr>
+        <p:txBody>
+          <a:bodyPr/>
+          <a:lstStyle/>
+          <a:p>
+            <a:pPr/>
+            <a:r>
+              <a:t>Future of Container</a:t>
+            </a:r>
+          </a:p>
+        </p:txBody>
+      </p:sp>
+      <p:sp>
+        <p:nvSpPr>
+          <p:cNvPr id="317" name="Docker != Contianer…"/>
+          <p:cNvSpPr txBox="1"/>
+          <p:nvPr>
+            <p:ph type="body" idx="1"/>
+          </p:nvPr>
+        </p:nvSpPr>
+        <p:spPr>
+          <a:prstGeom prst="rect">
+            <a:avLst/>
+          </a:prstGeom>
+        </p:spPr>
+        <p:txBody>
+          <a:bodyPr/>
+          <a:lstStyle/>
+          <a:p>
+            <a:pPr/>
+            <a:r>
+              <a:t>Docker != Contianer</a:t>
+            </a:r>
+          </a:p>
+          <a:p>
+            <a:pPr/>
+            <a:r>
+              <a:rPr u="sng">
+                <a:solidFill>
+                  <a:schemeClr val="accent1"/>
+                </a:solidFill>
+                <a:hlinkClick r:id="rId2" invalidUrl="" action="" tgtFrame="" tooltip="" history="1" highlightClick="0" endSnd="0"/>
+              </a:rPr>
+              <a:t>Open Container Initiative (OCI)</a:t>
+            </a:r>
+          </a:p>
+          <a:p>
+            <a:pPr lvl="1"/>
+            <a:r>
+              <a:t>定義 Runtime 以及 Image 兩個標準規範 Container</a:t>
+            </a:r>
+          </a:p>
+          <a:p>
+            <a:pPr/>
+            <a:r>
+              <a:rPr u="sng">
+                <a:solidFill>
+                  <a:schemeClr val="accent1"/>
+                </a:solidFill>
+                <a:hlinkClick r:id="rId3" invalidUrl="" action="" tgtFrame="" tooltip="" history="1" highlightClick="0" endSnd="0"/>
+              </a:rPr>
+              <a:t>Container Runtime Interface (ORI)</a:t>
+            </a:r>
+          </a:p>
+          <a:p>
+            <a:pPr lvl="1"/>
+            <a:r>
+              <a:t>由 K8s 提出的介面標準，只要 Container Runtime 有實作 ORI 介面就可以被 K8s 管理</a:t>
+            </a:r>
+          </a:p>
+          <a:p>
+            <a:pPr/>
+            <a:r>
+              <a:t>K8s v1.20 之後開始棄用 Docker !? </a:t>
+            </a:r>
+          </a:p>
+          <a:p>
+            <a:pPr lvl="1"/>
+            <a:r>
+              <a:rPr u="sng">
+                <a:solidFill>
+                  <a:schemeClr val="accent1"/>
+                </a:solidFill>
+                <a:hlinkClick r:id="rId4" invalidUrl="" action="" tgtFrame="" tooltip="" history="1" highlightClick="0" endSnd="0"/>
+              </a:rPr>
+              <a:t>Don't Panic: Kubernetes and Docker</a:t>
+            </a:r>
+          </a:p>
+          <a:p>
+            <a:pPr lvl="1"/>
+            <a:r>
+              <a:rPr u="sng">
+                <a:solidFill>
+                  <a:schemeClr val="accent1"/>
+                </a:solidFill>
+                <a:hlinkClick r:id="rId5" invalidUrl="" action="" tgtFrame="" tooltip="" history="1" highlightClick="0" endSnd="0"/>
+              </a:rPr>
+              <a:t>[FB] 對開發人員與維運人員的影響</a:t>
+            </a:r>
+          </a:p>
+        </p:txBody>
+      </p:sp>
+    </p:spTree>
+  </p:cSld>
+  <p:clrMapOvr>
+    <a:masterClrMapping/>
+  </p:clrMapOvr>
+  <p:transition xmlns:p14="http://schemas.microsoft.com/office/powerpoint/2010/main" spd="med" advClick="1"/>
+</p:sld>
+</file>
+
+<file path=ppt/slides/slide44.xml><?xml version="1.0" encoding="utf-8"?>
+<p:sld xmlns:a="http://schemas.openxmlformats.org/drawingml/2006/main" xmlns:r="http://schemas.openxmlformats.org/officeDocument/2006/relationships" xmlns:p="http://schemas.openxmlformats.org/presentationml/2006/main" xmlns:m="http://schemas.openxmlformats.org/officeDocument/2006/math" xmlns:a14="http://schemas.microsoft.com/office/drawing/2010/main" showMasterSp="1" showMasterPhAnim="1">
+  <p:cSld>
+    <p:spTree>
+      <p:nvGrpSpPr>
+        <p:cNvPr id="1" name=""/>
+        <p:cNvGrpSpPr/>
+        <p:nvPr/>
+      </p:nvGrpSpPr>
+      <p:grpSpPr>
+        <a:xfrm>
+          <a:off x="0" y="0"/>
+          <a:ext cx="0" cy="0"/>
+          <a:chOff x="0" y="0"/>
+          <a:chExt cx="0" cy="0"/>
+        </a:xfrm>
+      </p:grpSpPr>
+      <p:sp>
+        <p:nvSpPr>
+          <p:cNvPr id="319" name="Appendix - YAML"/>
+          <p:cNvSpPr txBox="1"/>
+          <p:nvPr>
+            <p:ph type="title"/>
+          </p:nvPr>
+        </p:nvSpPr>
+        <p:spPr>
+          <a:prstGeom prst="rect">
+            <a:avLst/>
+          </a:prstGeom>
+        </p:spPr>
+        <p:txBody>
+          <a:bodyPr/>
+          <a:lstStyle/>
+          <a:p>
+            <a:pPr/>
+            <a:r>
+              <a:t>Appendix - YAML</a:t>
+            </a:r>
+          </a:p>
+        </p:txBody>
+      </p:sp>
+      <p:sp>
+        <p:nvSpPr>
+          <p:cNvPr id="320" name="YAML (YAML Ain't a Markup Language)…"/>
+          <p:cNvSpPr txBox="1"/>
+          <p:nvPr>
+            <p:ph type="body" idx="1"/>
+          </p:nvPr>
+        </p:nvSpPr>
+        <p:spPr>
+          <a:prstGeom prst="rect">
+            <a:avLst/>
+          </a:prstGeom>
+        </p:spPr>
+        <p:txBody>
           <a:bodyPr anchor="t"/>
           <a:lstStyle/>
           <a:p>
             <a:pPr/>
             <a:r>
               <a:rPr u="sng">
+                <a:solidFill>
+                  <a:schemeClr val="accent1"/>
+                </a:solidFill>
                 <a:hlinkClick r:id="rId2" invalidUrl="" action="" tgtFrame="" tooltip="" history="1" highlightClick="0" endSnd="0"/>
               </a:rPr>
               <a:t>YAML</a:t>
@@ -8365,7 +10002,7 @@
       </p:sp>
       <p:grpSp>
         <p:nvGrpSpPr>
-          <p:cNvPr id="303" name="Group"/>
+          <p:cNvPr id="325" name="Group"/>
           <p:cNvGrpSpPr/>
           <p:nvPr/>
         </p:nvGrpSpPr>
@@ -8379,7 +10016,7 @@
         </p:grpSpPr>
         <p:grpSp>
           <p:nvGrpSpPr>
-            <p:cNvPr id="301" name="Group"/>
+            <p:cNvPr id="323" name="Group"/>
             <p:cNvGrpSpPr/>
             <p:nvPr/>
           </p:nvGrpSpPr>
@@ -8393,7 +10030,7 @@
           </p:grpSpPr>
           <p:pic>
             <p:nvPicPr>
-              <p:cNvPr id="299" name="Image" descr="Image"/>
+              <p:cNvPr id="321" name="Image" descr="Image"/>
               <p:cNvPicPr>
                 <a:picLocks noChangeAspect="1"/>
               </p:cNvPicPr>
@@ -8424,7 +10061,7 @@
           </p:pic>
           <p:pic>
             <p:nvPicPr>
-              <p:cNvPr id="300" name="Image" descr="Image"/>
+              <p:cNvPr id="322" name="Image" descr="Image"/>
               <p:cNvPicPr>
                 <a:picLocks noChangeAspect="1"/>
               </p:cNvPicPr>
@@ -8456,7 +10093,7 @@
         </p:grpSp>
         <p:sp>
           <p:nvSpPr>
-            <p:cNvPr id="302" name="=="/>
+            <p:cNvPr id="324" name="=="/>
             <p:cNvSpPr txBox="1"/>
             <p:nvPr/>
           </p:nvSpPr>
@@ -8507,261 +10144,6 @@
 </p:sld>
 </file>
 
-<file path=ppt/slides/slide43.xml><?xml version="1.0" encoding="utf-8"?>
-<p:sld xmlns:a="http://schemas.openxmlformats.org/drawingml/2006/main" xmlns:r="http://schemas.openxmlformats.org/officeDocument/2006/relationships" xmlns:p="http://schemas.openxmlformats.org/presentationml/2006/main" xmlns:m="http://schemas.openxmlformats.org/officeDocument/2006/math" xmlns:a14="http://schemas.microsoft.com/office/drawing/2010/main" showMasterSp="1" showMasterPhAnim="1">
-  <p:cSld>
-    <p:spTree>
-      <p:nvGrpSpPr>
-        <p:cNvPr id="1" name=""/>
-        <p:cNvGrpSpPr/>
-        <p:nvPr/>
-      </p:nvGrpSpPr>
-      <p:grpSpPr>
-        <a:xfrm>
-          <a:off x="0" y="0"/>
-          <a:ext cx="0" cy="0"/>
-          <a:chOff x="0" y="0"/>
-          <a:chExt cx="0" cy="0"/>
-        </a:xfrm>
-      </p:grpSpPr>
-      <p:sp>
-        <p:nvSpPr>
-          <p:cNvPr id="305" name="Appendix - Unix and Linux"/>
-          <p:cNvSpPr txBox="1"/>
-          <p:nvPr>
-            <p:ph type="title"/>
-          </p:nvPr>
-        </p:nvSpPr>
-        <p:spPr>
-          <a:prstGeom prst="rect">
-            <a:avLst/>
-          </a:prstGeom>
-        </p:spPr>
-        <p:txBody>
-          <a:bodyPr/>
-          <a:lstStyle/>
-          <a:p>
-            <a:pPr/>
-            <a:r>
-              <a:t>Appendix - Unix and Linux</a:t>
-            </a:r>
-          </a:p>
-        </p:txBody>
-      </p:sp>
-      <p:sp>
-        <p:nvSpPr>
-          <p:cNvPr id="306" name="Unix Vs Linux: What Is Difference Between UNIX And Linux…"/>
-          <p:cNvSpPr txBox="1"/>
-          <p:nvPr>
-            <p:ph type="body" idx="1"/>
-          </p:nvPr>
-        </p:nvSpPr>
-        <p:spPr>
-          <a:prstGeom prst="rect">
-            <a:avLst/>
-          </a:prstGeom>
-        </p:spPr>
-        <p:txBody>
-          <a:bodyPr/>
-          <a:lstStyle/>
-          <a:p>
-            <a:pPr/>
-            <a:r>
-              <a:rPr u="sng">
-                <a:hlinkClick r:id="rId2" invalidUrl="" action="" tgtFrame="" tooltip="" history="1" highlightClick="0" endSnd="0"/>
-              </a:rPr>
-              <a:t>Unix Vs Linux: What Is Difference Between UNIX And Linux</a:t>
-            </a:r>
-          </a:p>
-          <a:p>
-            <a:pPr/>
-            <a:r>
-              <a:rPr u="sng">
-                <a:hlinkClick r:id="rId3" invalidUrl="" action="" tgtFrame="" tooltip="" history="1" highlightClick="0" endSnd="0"/>
-              </a:rPr>
-              <a:t>Difference between Linux distributions</a:t>
-            </a:r>
-          </a:p>
-        </p:txBody>
-      </p:sp>
-    </p:spTree>
-  </p:cSld>
-  <p:clrMapOvr>
-    <a:masterClrMapping/>
-  </p:clrMapOvr>
-  <p:transition xmlns:p14="http://schemas.microsoft.com/office/powerpoint/2010/main" spd="med" advClick="1"/>
-</p:sld>
-</file>
-
-<file path=ppt/slides/slide44.xml><?xml version="1.0" encoding="utf-8"?>
-<p:sld xmlns:a="http://schemas.openxmlformats.org/drawingml/2006/main" xmlns:r="http://schemas.openxmlformats.org/officeDocument/2006/relationships" xmlns:p="http://schemas.openxmlformats.org/presentationml/2006/main" xmlns:m="http://schemas.openxmlformats.org/officeDocument/2006/math" xmlns:a14="http://schemas.microsoft.com/office/drawing/2010/main" showMasterSp="1" showMasterPhAnim="1">
-  <p:cSld>
-    <p:spTree>
-      <p:nvGrpSpPr>
-        <p:cNvPr id="1" name=""/>
-        <p:cNvGrpSpPr/>
-        <p:nvPr/>
-      </p:nvGrpSpPr>
-      <p:grpSpPr>
-        <a:xfrm>
-          <a:off x="0" y="0"/>
-          <a:ext cx="0" cy="0"/>
-          <a:chOff x="0" y="0"/>
-          <a:chExt cx="0" cy="0"/>
-        </a:xfrm>
-      </p:grpSpPr>
-      <p:sp>
-        <p:nvSpPr>
-          <p:cNvPr id="308" name="Appendix - Container OS/ARCH"/>
-          <p:cNvSpPr txBox="1"/>
-          <p:nvPr>
-            <p:ph type="title"/>
-          </p:nvPr>
-        </p:nvSpPr>
-        <p:spPr>
-          <a:prstGeom prst="rect">
-            <a:avLst/>
-          </a:prstGeom>
-        </p:spPr>
-        <p:txBody>
-          <a:bodyPr/>
-          <a:lstStyle>
-            <a:lvl1pPr defTabSz="817244">
-              <a:defRPr sz="11088"/>
-            </a:lvl1pPr>
-          </a:lstStyle>
-          <a:p>
-            <a:pPr/>
-            <a:r>
-              <a:t>Appendix - Container OS/ARCH</a:t>
-            </a:r>
-          </a:p>
-        </p:txBody>
-      </p:sp>
-      <p:sp>
-        <p:nvSpPr>
-          <p:cNvPr id="309" name="雖然 Container 標榜可以在完全重現環境，只要有 Container Runtime就可以執行 Image，但根本性的 CPU 架構問題 Container 是無法解決的。如果 Container 或其中的程式在 Compile 時與之後執行的 Host CPU 架構不同，可能會造成無法執行出現 Core Dumped 等錯誤。…"/>
-          <p:cNvSpPr txBox="1"/>
-          <p:nvPr>
-            <p:ph type="body" idx="1"/>
-          </p:nvPr>
-        </p:nvSpPr>
-        <p:spPr>
-          <a:prstGeom prst="rect">
-            <a:avLst/>
-          </a:prstGeom>
-        </p:spPr>
-        <p:txBody>
-          <a:bodyPr/>
-          <a:lstStyle/>
-          <a:p>
-            <a:pPr marL="0" indent="0" defTabSz="709930">
-              <a:spcBef>
-                <a:spcPts val="1200"/>
-              </a:spcBef>
-              <a:buSzTx/>
-              <a:buNone/>
-              <a:defRPr sz="4128"/>
-            </a:pPr>
-            <a:r>
-              <a:t>         雖然 Container 標榜可以在完全重現環境，只要有 Container Runtime就可以執行 Image，但根本性的 CPU 架構問題 Container 是無法解決的。如果 Container 或其中的程式在 Compile 時與之後執行的 Host CPU 架構不同，可能會造成無法執行出現 Core Dumped 等錯誤。</a:t>
-            </a:r>
-          </a:p>
-          <a:p>
-            <a:pPr marL="0" indent="0" defTabSz="709930">
-              <a:spcBef>
-                <a:spcPts val="1200"/>
-              </a:spcBef>
-              <a:buSzTx/>
-              <a:buNone/>
-              <a:defRPr sz="4128"/>
-            </a:pPr>
-            <a:r>
-              <a:t>         在 Docker Hub 查詢 Image 時在 Tag 頁籤可以看到各 Tag 有標註 OS/ARCH，OS 指的 Container 的 OS，ARCH 則是 CPU 架構。例如 </a:t>
-            </a:r>
-            <a:r>
-              <a:rPr u="sng">
-                <a:hlinkClick r:id="rId2" invalidUrl="" action="" tgtFrame="" tooltip="" history="1" highlightClick="0" endSnd="0"/>
-              </a:rPr>
-              <a:t>Nginx</a:t>
-            </a:r>
-            <a:r>
-              <a:t> 提供了多種不同 ARCH 的 Image，而 </a:t>
-            </a:r>
-            <a:r>
-              <a:rPr u="sng">
-                <a:hlinkClick r:id="rId3" invalidUrl="" action="" tgtFrame="" tooltip="" history="1" highlightClick="0" endSnd="0"/>
-              </a:rPr>
-              <a:t>Nexus</a:t>
-            </a:r>
-            <a:r>
-              <a:t> 只提供 amd64 架構的 Image。</a:t>
-            </a:r>
-          </a:p>
-          <a:p>
-            <a:pPr marL="546100" indent="-546100" defTabSz="709930">
-              <a:spcBef>
-                <a:spcPts val="1200"/>
-              </a:spcBef>
-              <a:defRPr sz="4128"/>
-            </a:pPr>
-            <a:r>
-              <a:t>M1 常見問題</a:t>
-            </a:r>
-          </a:p>
-          <a:p>
-            <a:pPr lvl="1" marL="1092200" indent="-546100" defTabSz="709930">
-              <a:spcBef>
-                <a:spcPts val="1200"/>
-              </a:spcBef>
-              <a:defRPr sz="3612"/>
-            </a:pPr>
-            <a:r>
-              <a:rPr u="sng">
-                <a:hlinkClick r:id="rId4" invalidUrl="" action="" tgtFrame="" tooltip="" history="1" highlightClick="0" endSnd="0"/>
-              </a:rPr>
-              <a:t>[Docker] Mac M1 – no matching manifest for linux/arm64/v8 in the manifest list entries</a:t>
-            </a:r>
-          </a:p>
-          <a:p>
-            <a:pPr lvl="1" marL="1092200" indent="-546100" defTabSz="709930">
-              <a:spcBef>
-                <a:spcPts val="1200"/>
-              </a:spcBef>
-              <a:defRPr sz="3612"/>
-            </a:pPr>
-            <a:r>
-              <a:rPr u="sng">
-                <a:hlinkClick r:id="rId5" invalidUrl="" action="" tgtFrame="" tooltip="" history="1" highlightClick="0" endSnd="0"/>
-              </a:rPr>
-              <a:t>Mac M1系列-解決docker安裝mysql error:no matching manifest for linux/arm64/v8 in the manifest list entries</a:t>
-            </a:r>
-          </a:p>
-          <a:p>
-            <a:pPr lvl="1" marL="1092200" indent="-546100" defTabSz="709930">
-              <a:spcBef>
-                <a:spcPts val="1200"/>
-              </a:spcBef>
-              <a:defRPr sz="3612"/>
-            </a:pPr>
-            <a:r>
-              <a:rPr u="sng">
-                <a:hlinkClick r:id="rId6" invalidUrl="" action="" tgtFrame="" tooltip="" history="1" highlightClick="0" endSnd="0"/>
-              </a:rPr>
-              <a:t>M1 使用本地 docker push 到 cloud run 出現錯誤</a:t>
-            </a:r>
-          </a:p>
-        </p:txBody>
-      </p:sp>
-    </p:spTree>
-  </p:cSld>
-  <p:clrMapOvr>
-    <a:masterClrMapping/>
-  </p:clrMapOvr>
-  <p:transition xmlns:p14="http://schemas.microsoft.com/office/powerpoint/2010/main" spd="med" advClick="1"/>
-</p:sld>
-</file>
-
 <file path=ppt/slides/slide45.xml><?xml version="1.0" encoding="utf-8"?>
 <p:sld xmlns:a="http://schemas.openxmlformats.org/drawingml/2006/main" xmlns:r="http://schemas.openxmlformats.org/officeDocument/2006/relationships" xmlns:p="http://schemas.openxmlformats.org/presentationml/2006/main" xmlns:m="http://schemas.openxmlformats.org/officeDocument/2006/math" xmlns:a14="http://schemas.microsoft.com/office/drawing/2010/main" showMasterSp="1" showMasterPhAnim="1">
   <p:cSld>
@@ -8781,7 +10163,7 @@
       </p:grpSpPr>
       <p:sp>
         <p:nvSpPr>
-          <p:cNvPr id="311" name="Appendix - ERR_UNSAFE_PORT"/>
+          <p:cNvPr id="327" name="Appendix - Unix and Linux"/>
           <p:cNvSpPr txBox="1"/>
           <p:nvPr>
             <p:ph type="title"/>
@@ -8794,22 +10176,18 @@
         </p:spPr>
         <p:txBody>
           <a:bodyPr/>
-          <a:lstStyle>
-            <a:lvl1pPr defTabSz="800735">
-              <a:defRPr sz="10864"/>
-            </a:lvl1pPr>
-          </a:lstStyle>
-          <a:p>
-            <a:pPr/>
-            <a:r>
-              <a:t>Appendix - ERR_UNSAFE_PORT</a:t>
+          <a:lstStyle/>
+          <a:p>
+            <a:pPr/>
+            <a:r>
+              <a:t>Appendix - Unix and Linux</a:t>
             </a:r>
           </a:p>
         </p:txBody>
       </p:sp>
       <p:sp>
         <p:nvSpPr>
-          <p:cNvPr id="312" name="問題…"/>
+          <p:cNvPr id="328" name="Unix Vs Linux: What Is Difference Between UNIX And Linux…"/>
           <p:cNvSpPr txBox="1"/>
           <p:nvPr>
             <p:ph type="body" idx="1"/>
@@ -8824,111 +10202,21 @@
           <a:bodyPr/>
           <a:lstStyle/>
           <a:p>
-            <a:pPr marL="558800" indent="-558800" defTabSz="726440">
-              <a:spcBef>
-                <a:spcPts val="1200"/>
-              </a:spcBef>
-              <a:defRPr sz="4224"/>
-            </a:pPr>
-            <a:r>
-              <a:t>問題</a:t>
-            </a:r>
-          </a:p>
-          <a:p>
-            <a:pPr lvl="1" marL="1117600" indent="-558800" defTabSz="726440">
-              <a:spcBef>
-                <a:spcPts val="1200"/>
-              </a:spcBef>
-              <a:defRPr sz="3696"/>
-            </a:pPr>
-            <a:r>
-              <a:t>以 6666 port 開啟服務，使用 Chrome 瀏覽時出現 ERR_UNSAFE_PORT 錯誤訊息</a:t>
-            </a:r>
-          </a:p>
-          <a:p>
-            <a:pPr marL="558800" indent="-558800" defTabSz="726440">
-              <a:spcBef>
-                <a:spcPts val="1200"/>
-              </a:spcBef>
-              <a:defRPr sz="4224"/>
-            </a:pPr>
-            <a:r>
-              <a:t>原因</a:t>
-            </a:r>
-          </a:p>
-          <a:p>
-            <a:pPr lvl="1" marL="1117600" indent="-558800" defTabSz="726440">
-              <a:spcBef>
-                <a:spcPts val="1200"/>
-              </a:spcBef>
-              <a:defRPr sz="3696"/>
-            </a:pPr>
-            <a:r>
-              <a:t>基於安全理由 Chrome 或其他瀏覽器會直接阻擋特定 port 的服務。Chromium 的原始碼有列出會被阻擋的清單，在使用時應特別注意。</a:t>
-            </a:r>
-          </a:p>
-          <a:p>
-            <a:pPr lvl="1" marL="1117600" indent="-558800" defTabSz="726440">
-              <a:spcBef>
-                <a:spcPts val="1200"/>
-              </a:spcBef>
-              <a:defRPr sz="3696"/>
-            </a:pPr>
-            <a:r>
-              <a:t>6665~6669 是 IRC protocol 預設使用的 Port。IRC 有許多安全漏洞，為了避免 Chrome 變成跳板去影響其他服務，所以會主動進行阻擋。因此這些阻擋是保護 Service 本身，而不是保護 Chrome 的使用者。</a:t>
-            </a:r>
-          </a:p>
-          <a:p>
-            <a:pPr marL="558800" indent="-558800" defTabSz="726440">
-              <a:spcBef>
-                <a:spcPts val="1200"/>
-              </a:spcBef>
-              <a:defRPr sz="4224"/>
-            </a:pPr>
-            <a:r>
-              <a:t>Reference</a:t>
-            </a:r>
-          </a:p>
-          <a:p>
-            <a:pPr lvl="1" marL="1117600" indent="-558800" defTabSz="726440">
-              <a:spcBef>
-                <a:spcPts val="1200"/>
-              </a:spcBef>
-              <a:defRPr sz="3696"/>
-            </a:pPr>
+            <a:pPr/>
             <a:r>
               <a:rPr u="sng">
                 <a:hlinkClick r:id="rId2" invalidUrl="" action="" tgtFrame="" tooltip="" history="1" highlightClick="0" endSnd="0"/>
               </a:rPr>
-              <a:t>Chrome错误代码:ERR_UNSAFE_PORT</a:t>
-            </a:r>
-          </a:p>
-          <a:p>
-            <a:pPr lvl="1" marL="1117600" indent="-558800" defTabSz="726440">
-              <a:spcBef>
-                <a:spcPts val="1200"/>
-              </a:spcBef>
-              <a:defRPr sz="3696"/>
-            </a:pPr>
+              <a:t>Unix Vs Linux: What Is Difference Between UNIX And Linux</a:t>
+            </a:r>
+          </a:p>
+          <a:p>
+            <a:pPr/>
             <a:r>
               <a:rPr u="sng">
                 <a:hlinkClick r:id="rId3" invalidUrl="" action="" tgtFrame="" tooltip="" history="1" highlightClick="0" endSnd="0"/>
               </a:rPr>
-              <a:t>Which ports are considered unsafe by Chrome?</a:t>
-            </a:r>
-          </a:p>
-          <a:p>
-            <a:pPr lvl="1" marL="1117600" indent="-558800" defTabSz="726440">
-              <a:spcBef>
-                <a:spcPts val="1200"/>
-              </a:spcBef>
-              <a:defRPr sz="3696"/>
-            </a:pPr>
-            <a:r>
-              <a:rPr u="sng">
-                <a:hlinkClick r:id="rId4" invalidUrl="" action="" tgtFrame="" tooltip="" history="1" highlightClick="0" endSnd="0"/>
-              </a:rPr>
-              <a:t>Why does Chrome consider some ports unsafe?</a:t>
+              <a:t>Difference between Linux distributions</a:t>
             </a:r>
           </a:p>
         </p:txBody>
@@ -8961,7 +10249,7 @@
       </p:grpSpPr>
       <p:sp>
         <p:nvSpPr>
-          <p:cNvPr id="314" name="Appendix - 127.0.0.1 vs localhost vs 0.0.0.0"/>
+          <p:cNvPr id="330" name="Appendix - Container OS/ARCH"/>
           <p:cNvSpPr txBox="1"/>
           <p:nvPr>
             <p:ph type="title"/>
@@ -8975,21 +10263,21 @@
         <p:txBody>
           <a:bodyPr/>
           <a:lstStyle>
-            <a:lvl1pPr defTabSz="602615">
-              <a:defRPr sz="8176"/>
+            <a:lvl1pPr defTabSz="817244">
+              <a:defRPr sz="11088"/>
             </a:lvl1pPr>
           </a:lstStyle>
           <a:p>
             <a:pPr/>
             <a:r>
-              <a:t>Appendix - 127.0.0.1 vs localhost vs 0.0.0.0</a:t>
+              <a:t>Appendix - Container OS/ARCH</a:t>
             </a:r>
           </a:p>
         </p:txBody>
       </p:sp>
       <p:sp>
         <p:nvSpPr>
-          <p:cNvPr id="315" name="localhost vs 0.0.0.0 vs 127.0.0.1…"/>
+          <p:cNvPr id="331" name="雖然 Container 標榜可以完全重現環境，只要有 Container Runtime 就可以執行 Image，但根本性的 CPU 架構問題 Container 是無法解決的。如果 Container 或其中的程式在 Compile 時與之後執行的 Host CPU 架構不同，可能會造成無法執行出現 Core Dumped 等錯誤。…"/>
           <p:cNvSpPr txBox="1"/>
           <p:nvPr>
             <p:ph type="body" idx="1"/>
@@ -9004,162 +10292,109 @@
           <a:bodyPr/>
           <a:lstStyle/>
           <a:p>
-            <a:pPr marL="603250" indent="-603250" defTabSz="784225">
+            <a:pPr marL="0" indent="0" defTabSz="709930">
               <a:spcBef>
-                <a:spcPts val="1300"/>
+                <a:spcPts val="1200"/>
               </a:spcBef>
-              <a:defRPr sz="4560"/>
+              <a:buSzTx/>
+              <a:buNone/>
+              <a:defRPr sz="4128"/>
             </a:pPr>
             <a:r>
-              <a:t>localhost vs 0.0.0.0 vs 127.0.0.1</a:t>
-            </a:r>
-          </a:p>
-          <a:p>
-            <a:pPr marL="603250" indent="-603250" defTabSz="784225">
+              <a:t>         雖然 Container 標榜可以完全重現環境，只要有 Container Runtime 就可以執行 Image，但根本性的 CPU 架構問題 Container 是無法解決的。如果 Container 或其中的程式在 Compile 時與之後執行的 Host CPU 架構不同，可能會造成無法執行出現 Core Dumped 等錯誤。</a:t>
+            </a:r>
+          </a:p>
+          <a:p>
+            <a:pPr marL="0" indent="0" defTabSz="709930">
               <a:spcBef>
-                <a:spcPts val="1300"/>
+                <a:spcPts val="1200"/>
               </a:spcBef>
-              <a:defRPr sz="4560"/>
+              <a:buSzTx/>
+              <a:buNone/>
+              <a:defRPr sz="4128"/>
             </a:pPr>
             <a:r>
-              <a:t>127.0.0.1</a:t>
-            </a:r>
-          </a:p>
-          <a:p>
-            <a:pPr lvl="1" marL="1206500" indent="-603250" defTabSz="784225">
-              <a:spcBef>
-                <a:spcPts val="1300"/>
-              </a:spcBef>
-              <a:defRPr sz="3989"/>
-            </a:pPr>
-            <a:r>
-              <a:t>This is a "fake" network adapter that can only communicate within the same host.</a:t>
-            </a:r>
-          </a:p>
-          <a:p>
-            <a:pPr lvl="1" marL="1206500" indent="-603250" defTabSz="784225">
-              <a:spcBef>
-                <a:spcPts val="1300"/>
-              </a:spcBef>
-              <a:defRPr sz="3989"/>
-            </a:pPr>
-            <a:r>
-              <a:t>A process that is listening on 127.0.0.1 for connections will </a:t>
-            </a:r>
-            <a:r>
-              <a:rPr>
-                <a:solidFill>
-                  <a:schemeClr val="accent4">
-                    <a:hueOff val="-1081314"/>
-                    <a:satOff val="4338"/>
-                    <a:lumOff val="-8931"/>
-                  </a:schemeClr>
-                </a:solidFill>
-              </a:rPr>
-              <a:t>only receive local connections</a:t>
-            </a:r>
-            <a:r>
-              <a:t> on that socket.</a:t>
-            </a:r>
-          </a:p>
-          <a:p>
-            <a:pPr marL="603250" indent="-603250" defTabSz="784225">
-              <a:spcBef>
-                <a:spcPts val="1300"/>
-              </a:spcBef>
-              <a:defRPr sz="4560"/>
-            </a:pPr>
-            <a:r>
-              <a:t>localhost</a:t>
-            </a:r>
-          </a:p>
-          <a:p>
-            <a:pPr lvl="1" marL="1206500" indent="-603250" defTabSz="784225">
-              <a:spcBef>
-                <a:spcPts val="1300"/>
-              </a:spcBef>
-              <a:defRPr sz="3989"/>
-            </a:pPr>
-            <a:r>
-              <a:rPr>
-                <a:solidFill>
-                  <a:schemeClr val="accent4">
-                    <a:hueOff val="-1081314"/>
-                    <a:satOff val="4338"/>
-                    <a:lumOff val="-8931"/>
-                  </a:schemeClr>
-                </a:solidFill>
-              </a:rPr>
-              <a:t>Hostname</a:t>
-            </a:r>
-            <a:r>
-              <a:t> for the </a:t>
-            </a:r>
-            <a:r>
-              <a:rPr>
-                <a:solidFill>
-                  <a:schemeClr val="accent4">
-                    <a:hueOff val="-1081314"/>
-                    <a:satOff val="4338"/>
-                    <a:lumOff val="-8931"/>
-                  </a:schemeClr>
-                </a:solidFill>
-              </a:rPr>
-              <a:t>127.0.0.1</a:t>
-            </a:r>
-            <a:r>
-              <a:t> IP address. </a:t>
-            </a:r>
-          </a:p>
-          <a:p>
-            <a:pPr marL="603250" indent="-603250" defTabSz="784225">
-              <a:spcBef>
-                <a:spcPts val="1300"/>
-              </a:spcBef>
-              <a:defRPr sz="4560"/>
-            </a:pPr>
-            <a:r>
-              <a:t>0.0.0.0</a:t>
-            </a:r>
-          </a:p>
-          <a:p>
-            <a:pPr lvl="1" marL="1206500" indent="-603250" defTabSz="784225">
-              <a:spcBef>
-                <a:spcPts val="1300"/>
-              </a:spcBef>
-              <a:defRPr sz="3989"/>
-            </a:pPr>
-            <a:r>
-              <a:t>When a server is told to listen on 0.0.0.0 that means "</a:t>
-            </a:r>
-            <a:r>
-              <a:rPr>
-                <a:solidFill>
-                  <a:schemeClr val="accent4">
-                    <a:hueOff val="-1081314"/>
-                    <a:satOff val="4338"/>
-                    <a:lumOff val="-8931"/>
-                  </a:schemeClr>
-                </a:solidFill>
-              </a:rPr>
-              <a:t>listen on every available network interface</a:t>
-            </a:r>
-            <a:r>
-              <a:t>”.</a:t>
-            </a:r>
-          </a:p>
-          <a:p>
-            <a:pPr marL="603250" indent="-603250" defTabSz="784225">
-              <a:spcBef>
-                <a:spcPts val="1300"/>
-              </a:spcBef>
-              <a:defRPr sz="4560"/>
-            </a:pPr>
+              <a:t>         在 Docker Hub 的 Image Tag 頁籤可以看到各 Tag 有標註 OS/ARCH，OS 指的 Container 的 OS，ARCH 則是 CPU 架構。例如 </a:t>
+            </a:r>
             <a:r>
               <a:rPr u="sng">
                 <a:hlinkClick r:id="rId2" invalidUrl="" action="" tgtFrame="" tooltip="" history="1" highlightClick="0" endSnd="0"/>
               </a:rPr>
-              <a:t>Stack Overflow - What is the difference between 0.0.0.0, 127.0.0.1 and localhost?</a:t>
+              <a:t>Nginx</a:t>
+            </a:r>
+            <a:r>
+              <a:t> 提供了多種不同 ARCH 的 Image，而 </a:t>
+            </a:r>
+            <a:r>
+              <a:rPr u="sng">
+                <a:hlinkClick r:id="rId3" invalidUrl="" action="" tgtFrame="" tooltip="" history="1" highlightClick="0" endSnd="0"/>
+              </a:rPr>
+              <a:t>Nexus</a:t>
+            </a:r>
+            <a:r>
+              <a:t> 只提供 amd64 架構的 Image。</a:t>
+            </a:r>
+          </a:p>
+          <a:p>
+            <a:pPr marL="546100" indent="-546100" defTabSz="709930">
+              <a:spcBef>
+                <a:spcPts val="1200"/>
+              </a:spcBef>
+              <a:defRPr sz="4128"/>
+            </a:pPr>
+            <a:r>
+              <a:t>M1 常見問題</a:t>
+            </a:r>
+          </a:p>
+          <a:p>
+            <a:pPr lvl="1" marL="1092200" indent="-546100" defTabSz="709930">
+              <a:spcBef>
+                <a:spcPts val="1200"/>
+              </a:spcBef>
+              <a:defRPr sz="3612"/>
+            </a:pPr>
+            <a:r>
+              <a:rPr u="sng">
+                <a:solidFill>
+                  <a:schemeClr val="accent1"/>
+                </a:solidFill>
+                <a:hlinkClick r:id="rId4" invalidUrl="" action="" tgtFrame="" tooltip="" history="1" highlightClick="0" endSnd="0"/>
+              </a:rPr>
+              <a:t>[Docker] Mac M1 – no matching manifest for linux/arm64/v8 in the manifest list entries</a:t>
+            </a:r>
+          </a:p>
+          <a:p>
+            <a:pPr lvl="1" marL="1092200" indent="-546100" defTabSz="709930">
+              <a:spcBef>
+                <a:spcPts val="1200"/>
+              </a:spcBef>
+              <a:defRPr sz="3612"/>
+            </a:pPr>
+            <a:r>
+              <a:rPr u="sng">
+                <a:solidFill>
+                  <a:schemeClr val="accent1"/>
+                </a:solidFill>
+                <a:hlinkClick r:id="rId5" invalidUrl="" action="" tgtFrame="" tooltip="" history="1" highlightClick="0" endSnd="0"/>
+              </a:rPr>
+              <a:t>Mac M1系列-解決docker安裝mysql error:no matching manifest for linux/arm64/v8 in the manifest list entries</a:t>
+            </a:r>
+          </a:p>
+          <a:p>
+            <a:pPr lvl="1" marL="1092200" indent="-546100" defTabSz="709930">
+              <a:spcBef>
+                <a:spcPts val="1200"/>
+              </a:spcBef>
+              <a:defRPr sz="3612"/>
+            </a:pPr>
+            <a:r>
+              <a:rPr u="sng">
+                <a:solidFill>
+                  <a:schemeClr val="accent1"/>
+                </a:solidFill>
+                <a:hlinkClick r:id="rId6" invalidUrl="" action="" tgtFrame="" tooltip="" history="1" highlightClick="0" endSnd="0"/>
+              </a:rPr>
+              <a:t>M1 使用本地 docker push 到 cloud run 出現錯誤</a:t>
             </a:r>
           </a:p>
         </p:txBody>
@@ -9192,7 +10427,7 @@
       </p:grpSpPr>
       <p:sp>
         <p:nvSpPr>
-          <p:cNvPr id="317" name="Reference"/>
+          <p:cNvPr id="333" name="Appendix - ERR_UNSAFE_PORT"/>
           <p:cNvSpPr txBox="1"/>
           <p:nvPr>
             <p:ph type="title"/>
@@ -9205,18 +10440,22 @@
         </p:spPr>
         <p:txBody>
           <a:bodyPr/>
-          <a:lstStyle/>
-          <a:p>
-            <a:pPr/>
-            <a:r>
-              <a:t>Reference</a:t>
+          <a:lstStyle>
+            <a:lvl1pPr defTabSz="800735">
+              <a:defRPr sz="10864"/>
+            </a:lvl1pPr>
+          </a:lstStyle>
+          <a:p>
+            <a:pPr/>
+            <a:r>
+              <a:t>Appendix - ERR_UNSAFE_PORT</a:t>
             </a:r>
           </a:p>
         </p:txBody>
       </p:sp>
       <p:sp>
         <p:nvSpPr>
-          <p:cNvPr id="318" name="Container的歷史…"/>
+          <p:cNvPr id="334" name="問題…"/>
           <p:cNvSpPr txBox="1"/>
           <p:nvPr>
             <p:ph type="body" idx="1"/>
@@ -9231,9 +10470,431 @@
           <a:bodyPr/>
           <a:lstStyle/>
           <a:p>
-            <a:pPr/>
+            <a:pPr marL="558800" indent="-558800" defTabSz="726440">
+              <a:spcBef>
+                <a:spcPts val="1200"/>
+              </a:spcBef>
+              <a:defRPr sz="4224"/>
+            </a:pPr>
+            <a:r>
+              <a:t>問題</a:t>
+            </a:r>
+          </a:p>
+          <a:p>
+            <a:pPr lvl="1" marL="1117600" indent="-558800" defTabSz="726440">
+              <a:spcBef>
+                <a:spcPts val="1200"/>
+              </a:spcBef>
+              <a:defRPr sz="3696"/>
+            </a:pPr>
+            <a:r>
+              <a:t>以 6666 port 開啟服務，使用 Chrome 瀏覽時出現 ERR_UNSAFE_PORT 錯誤訊息</a:t>
+            </a:r>
+          </a:p>
+          <a:p>
+            <a:pPr marL="558800" indent="-558800" defTabSz="726440">
+              <a:spcBef>
+                <a:spcPts val="1200"/>
+              </a:spcBef>
+              <a:defRPr sz="4224"/>
+            </a:pPr>
+            <a:r>
+              <a:t>原因</a:t>
+            </a:r>
+          </a:p>
+          <a:p>
+            <a:pPr lvl="1" marL="1117600" indent="-558800" defTabSz="726440">
+              <a:spcBef>
+                <a:spcPts val="1200"/>
+              </a:spcBef>
+              <a:defRPr sz="3696"/>
+            </a:pPr>
+            <a:r>
+              <a:t>基於安全理由 Chrome 或其他瀏覽器會直接阻擋特定 port 的服務。Chromium 的原始碼有列出會被阻擋的清單，在使用時應特別注意。</a:t>
+            </a:r>
+          </a:p>
+          <a:p>
+            <a:pPr lvl="1" marL="1117600" indent="-558800" defTabSz="726440">
+              <a:spcBef>
+                <a:spcPts val="1200"/>
+              </a:spcBef>
+              <a:defRPr sz="3696"/>
+            </a:pPr>
+            <a:r>
+              <a:t>6665~6669 是 IRC protocol 預設使用的 Port。IRC 有許多安全漏洞，為了避免 Chrome 變成跳板去影響其他服務，所以會主動進行阻擋。因此這些阻擋是保護 Service 本身，而不是保護 Chrome 的使用者。</a:t>
+            </a:r>
+          </a:p>
+          <a:p>
+            <a:pPr marL="558800" indent="-558800" defTabSz="726440">
+              <a:spcBef>
+                <a:spcPts val="1200"/>
+              </a:spcBef>
+              <a:defRPr sz="4224"/>
+            </a:pPr>
+            <a:r>
+              <a:t>Reference</a:t>
+            </a:r>
+          </a:p>
+          <a:p>
+            <a:pPr lvl="1" marL="1117600" indent="-558800" defTabSz="726440">
+              <a:spcBef>
+                <a:spcPts val="1200"/>
+              </a:spcBef>
+              <a:defRPr sz="3696"/>
+            </a:pPr>
             <a:r>
               <a:rPr u="sng">
+                <a:solidFill>
+                  <a:schemeClr val="accent1"/>
+                </a:solidFill>
+                <a:hlinkClick r:id="rId2" invalidUrl="" action="" tgtFrame="" tooltip="" history="1" highlightClick="0" endSnd="0"/>
+              </a:rPr>
+              <a:t>Chrome错误代码:ERR_UNSAFE_PORT</a:t>
+            </a:r>
+          </a:p>
+          <a:p>
+            <a:pPr lvl="1" marL="1117600" indent="-558800" defTabSz="726440">
+              <a:spcBef>
+                <a:spcPts val="1200"/>
+              </a:spcBef>
+              <a:defRPr sz="3696"/>
+            </a:pPr>
+            <a:r>
+              <a:rPr u="sng">
+                <a:solidFill>
+                  <a:schemeClr val="accent1"/>
+                </a:solidFill>
+                <a:hlinkClick r:id="rId3" invalidUrl="" action="" tgtFrame="" tooltip="" history="1" highlightClick="0" endSnd="0"/>
+              </a:rPr>
+              <a:t>Which ports are considered unsafe by Chrome?</a:t>
+            </a:r>
+          </a:p>
+          <a:p>
+            <a:pPr lvl="1" marL="1117600" indent="-558800" defTabSz="726440">
+              <a:spcBef>
+                <a:spcPts val="1200"/>
+              </a:spcBef>
+              <a:defRPr sz="3696"/>
+            </a:pPr>
+            <a:r>
+              <a:rPr u="sng">
+                <a:solidFill>
+                  <a:schemeClr val="accent1"/>
+                </a:solidFill>
+                <a:hlinkClick r:id="rId4" invalidUrl="" action="" tgtFrame="" tooltip="" history="1" highlightClick="0" endSnd="0"/>
+              </a:rPr>
+              <a:t>Why does Chrome consider some ports unsafe?</a:t>
+            </a:r>
+          </a:p>
+        </p:txBody>
+      </p:sp>
+    </p:spTree>
+  </p:cSld>
+  <p:clrMapOvr>
+    <a:masterClrMapping/>
+  </p:clrMapOvr>
+  <p:transition xmlns:p14="http://schemas.microsoft.com/office/powerpoint/2010/main" spd="med" advClick="1"/>
+</p:sld>
+</file>
+
+<file path=ppt/slides/slide48.xml><?xml version="1.0" encoding="utf-8"?>
+<p:sld xmlns:a="http://schemas.openxmlformats.org/drawingml/2006/main" xmlns:r="http://schemas.openxmlformats.org/officeDocument/2006/relationships" xmlns:p="http://schemas.openxmlformats.org/presentationml/2006/main" xmlns:m="http://schemas.openxmlformats.org/officeDocument/2006/math" xmlns:a14="http://schemas.microsoft.com/office/drawing/2010/main" showMasterSp="1" showMasterPhAnim="1">
+  <p:cSld>
+    <p:spTree>
+      <p:nvGrpSpPr>
+        <p:cNvPr id="1" name=""/>
+        <p:cNvGrpSpPr/>
+        <p:nvPr/>
+      </p:nvGrpSpPr>
+      <p:grpSpPr>
+        <a:xfrm>
+          <a:off x="0" y="0"/>
+          <a:ext cx="0" cy="0"/>
+          <a:chOff x="0" y="0"/>
+          <a:chExt cx="0" cy="0"/>
+        </a:xfrm>
+      </p:grpSpPr>
+      <p:sp>
+        <p:nvSpPr>
+          <p:cNvPr id="336" name="Appendix - 127.0.0.1 vs localhost vs 0.0.0.0"/>
+          <p:cNvSpPr txBox="1"/>
+          <p:nvPr>
+            <p:ph type="title"/>
+          </p:nvPr>
+        </p:nvSpPr>
+        <p:spPr>
+          <a:prstGeom prst="rect">
+            <a:avLst/>
+          </a:prstGeom>
+        </p:spPr>
+        <p:txBody>
+          <a:bodyPr/>
+          <a:lstStyle>
+            <a:lvl1pPr defTabSz="602615">
+              <a:defRPr sz="8176"/>
+            </a:lvl1pPr>
+          </a:lstStyle>
+          <a:p>
+            <a:pPr/>
+            <a:r>
+              <a:t>Appendix - 127.0.0.1 vs localhost vs 0.0.0.0</a:t>
+            </a:r>
+          </a:p>
+        </p:txBody>
+      </p:sp>
+      <p:sp>
+        <p:nvSpPr>
+          <p:cNvPr id="337" name="localhost vs 0.0.0.0 vs 127.0.0.1…"/>
+          <p:cNvSpPr txBox="1"/>
+          <p:nvPr>
+            <p:ph type="body" idx="1"/>
+          </p:nvPr>
+        </p:nvSpPr>
+        <p:spPr>
+          <a:prstGeom prst="rect">
+            <a:avLst/>
+          </a:prstGeom>
+        </p:spPr>
+        <p:txBody>
+          <a:bodyPr/>
+          <a:lstStyle/>
+          <a:p>
+            <a:pPr marL="603250" indent="-603250" defTabSz="784225">
+              <a:spcBef>
+                <a:spcPts val="1300"/>
+              </a:spcBef>
+              <a:defRPr sz="4560"/>
+            </a:pPr>
+            <a:r>
+              <a:t>localhost vs 0.0.0.0 vs 127.0.0.1</a:t>
+            </a:r>
+          </a:p>
+          <a:p>
+            <a:pPr marL="603250" indent="-603250" defTabSz="784225">
+              <a:spcBef>
+                <a:spcPts val="1300"/>
+              </a:spcBef>
+              <a:defRPr sz="4560"/>
+            </a:pPr>
+            <a:r>
+              <a:t>127.0.0.1</a:t>
+            </a:r>
+          </a:p>
+          <a:p>
+            <a:pPr lvl="1" marL="1206500" indent="-603250" defTabSz="784225">
+              <a:spcBef>
+                <a:spcPts val="1300"/>
+              </a:spcBef>
+              <a:defRPr sz="3989"/>
+            </a:pPr>
+            <a:r>
+              <a:t>This is a "fake" network adapter that can only communicate within the same host.</a:t>
+            </a:r>
+          </a:p>
+          <a:p>
+            <a:pPr lvl="1" marL="1206500" indent="-603250" defTabSz="784225">
+              <a:spcBef>
+                <a:spcPts val="1300"/>
+              </a:spcBef>
+              <a:defRPr sz="3989"/>
+            </a:pPr>
+            <a:r>
+              <a:t>A process that is listening on 127.0.0.1 for connections will </a:t>
+            </a:r>
+            <a:r>
+              <a:rPr>
+                <a:solidFill>
+                  <a:schemeClr val="accent4">
+                    <a:hueOff val="-1081314"/>
+                    <a:satOff val="4338"/>
+                    <a:lumOff val="-8931"/>
+                  </a:schemeClr>
+                </a:solidFill>
+              </a:rPr>
+              <a:t>only receive local connections</a:t>
+            </a:r>
+            <a:r>
+              <a:t> on that socket.</a:t>
+            </a:r>
+          </a:p>
+          <a:p>
+            <a:pPr marL="603250" indent="-603250" defTabSz="784225">
+              <a:spcBef>
+                <a:spcPts val="1300"/>
+              </a:spcBef>
+              <a:defRPr sz="4560"/>
+            </a:pPr>
+            <a:r>
+              <a:t>localhost</a:t>
+            </a:r>
+          </a:p>
+          <a:p>
+            <a:pPr lvl="1" marL="1206500" indent="-603250" defTabSz="784225">
+              <a:spcBef>
+                <a:spcPts val="1300"/>
+              </a:spcBef>
+              <a:defRPr sz="3989"/>
+            </a:pPr>
+            <a:r>
+              <a:rPr>
+                <a:solidFill>
+                  <a:schemeClr val="accent4">
+                    <a:hueOff val="-1081314"/>
+                    <a:satOff val="4338"/>
+                    <a:lumOff val="-8931"/>
+                  </a:schemeClr>
+                </a:solidFill>
+              </a:rPr>
+              <a:t>Hostname</a:t>
+            </a:r>
+            <a:r>
+              <a:t> for the </a:t>
+            </a:r>
+            <a:r>
+              <a:rPr>
+                <a:solidFill>
+                  <a:schemeClr val="accent4">
+                    <a:hueOff val="-1081314"/>
+                    <a:satOff val="4338"/>
+                    <a:lumOff val="-8931"/>
+                  </a:schemeClr>
+                </a:solidFill>
+              </a:rPr>
+              <a:t>127.0.0.1</a:t>
+            </a:r>
+            <a:r>
+              <a:t> IP address. </a:t>
+            </a:r>
+          </a:p>
+          <a:p>
+            <a:pPr marL="603250" indent="-603250" defTabSz="784225">
+              <a:spcBef>
+                <a:spcPts val="1300"/>
+              </a:spcBef>
+              <a:defRPr sz="4560"/>
+            </a:pPr>
+            <a:r>
+              <a:t>0.0.0.0</a:t>
+            </a:r>
+          </a:p>
+          <a:p>
+            <a:pPr lvl="1" marL="1206500" indent="-603250" defTabSz="784225">
+              <a:spcBef>
+                <a:spcPts val="1300"/>
+              </a:spcBef>
+              <a:defRPr sz="3989"/>
+            </a:pPr>
+            <a:r>
+              <a:t>When a server is told to listen on 0.0.0.0 that means "</a:t>
+            </a:r>
+            <a:r>
+              <a:rPr>
+                <a:solidFill>
+                  <a:schemeClr val="accent4">
+                    <a:hueOff val="-1081314"/>
+                    <a:satOff val="4338"/>
+                    <a:lumOff val="-8931"/>
+                  </a:schemeClr>
+                </a:solidFill>
+              </a:rPr>
+              <a:t>listen on every available network interface</a:t>
+            </a:r>
+            <a:r>
+              <a:t>”.</a:t>
+            </a:r>
+          </a:p>
+          <a:p>
+            <a:pPr marL="603250" indent="-603250" defTabSz="784225">
+              <a:spcBef>
+                <a:spcPts val="1300"/>
+              </a:spcBef>
+              <a:defRPr sz="4560"/>
+            </a:pPr>
+            <a:r>
+              <a:rPr u="sng">
+                <a:solidFill>
+                  <a:schemeClr val="accent1"/>
+                </a:solidFill>
+                <a:hlinkClick r:id="rId2" invalidUrl="" action="" tgtFrame="" tooltip="" history="1" highlightClick="0" endSnd="0"/>
+              </a:rPr>
+              <a:t>Stack Overflow - What is the difference between 0.0.0.0, 127.0.0.1 and localhost?</a:t>
+            </a:r>
+          </a:p>
+        </p:txBody>
+      </p:sp>
+    </p:spTree>
+  </p:cSld>
+  <p:clrMapOvr>
+    <a:masterClrMapping/>
+  </p:clrMapOvr>
+  <p:transition xmlns:p14="http://schemas.microsoft.com/office/powerpoint/2010/main" spd="med" advClick="1"/>
+</p:sld>
+</file>
+
+<file path=ppt/slides/slide49.xml><?xml version="1.0" encoding="utf-8"?>
+<p:sld xmlns:a="http://schemas.openxmlformats.org/drawingml/2006/main" xmlns:r="http://schemas.openxmlformats.org/officeDocument/2006/relationships" xmlns:p="http://schemas.openxmlformats.org/presentationml/2006/main" xmlns:m="http://schemas.openxmlformats.org/officeDocument/2006/math" xmlns:a14="http://schemas.microsoft.com/office/drawing/2010/main" showMasterSp="1" showMasterPhAnim="1">
+  <p:cSld>
+    <p:spTree>
+      <p:nvGrpSpPr>
+        <p:cNvPr id="1" name=""/>
+        <p:cNvGrpSpPr/>
+        <p:nvPr/>
+      </p:nvGrpSpPr>
+      <p:grpSpPr>
+        <a:xfrm>
+          <a:off x="0" y="0"/>
+          <a:ext cx="0" cy="0"/>
+          <a:chOff x="0" y="0"/>
+          <a:chExt cx="0" cy="0"/>
+        </a:xfrm>
+      </p:grpSpPr>
+      <p:sp>
+        <p:nvSpPr>
+          <p:cNvPr id="339" name="Reference"/>
+          <p:cNvSpPr txBox="1"/>
+          <p:nvPr>
+            <p:ph type="title"/>
+          </p:nvPr>
+        </p:nvSpPr>
+        <p:spPr>
+          <a:prstGeom prst="rect">
+            <a:avLst/>
+          </a:prstGeom>
+        </p:spPr>
+        <p:txBody>
+          <a:bodyPr/>
+          <a:lstStyle/>
+          <a:p>
+            <a:pPr/>
+            <a:r>
+              <a:t>Reference</a:t>
+            </a:r>
+          </a:p>
+        </p:txBody>
+      </p:sp>
+      <p:sp>
+        <p:nvSpPr>
+          <p:cNvPr id="340" name="Container的歷史…"/>
+          <p:cNvSpPr txBox="1"/>
+          <p:nvPr>
+            <p:ph type="body" idx="1"/>
+          </p:nvPr>
+        </p:nvSpPr>
+        <p:spPr>
+          <a:prstGeom prst="rect">
+            <a:avLst/>
+          </a:prstGeom>
+        </p:spPr>
+        <p:txBody>
+          <a:bodyPr/>
+          <a:lstStyle/>
+          <a:p>
+            <a:pPr/>
+            <a:r>
+              <a:rPr u="sng">
+                <a:solidFill>
+                  <a:schemeClr val="accent1"/>
+                </a:solidFill>
                 <a:hlinkClick r:id="rId2" invalidUrl="" action="" tgtFrame="" tooltip="" history="1" highlightClick="0" endSnd="0"/>
               </a:rPr>
               <a:t>Container的歷史</a:t>
@@ -9243,6 +10904,9 @@
             <a:pPr/>
             <a:r>
               <a:rPr u="sng">
+                <a:solidFill>
+                  <a:schemeClr val="accent1"/>
+                </a:solidFill>
                 <a:hlinkClick r:id="rId3" invalidUrl="" action="" tgtFrame="" tooltip="" history="1" highlightClick="0" endSnd="0"/>
               </a:rPr>
               <a:t>Docker 传奇之 dotCloud</a:t>
@@ -9252,6 +10916,9 @@
             <a:pPr/>
             <a:r>
               <a:rPr u="sng">
+                <a:solidFill>
+                  <a:schemeClr val="accent1"/>
+                </a:solidFill>
                 <a:hlinkClick r:id="rId4" invalidUrl="" action="" tgtFrame="" tooltip="" history="1" highlightClick="0" endSnd="0"/>
               </a:rPr>
               <a:t>初探Docker - Docker 跟 LXC 以及一般Hypervisor有何差別？</a:t>
@@ -9261,6 +10928,9 @@
             <a:pPr/>
             <a:r>
               <a:rPr u="sng">
+                <a:solidFill>
+                  <a:schemeClr val="accent1"/>
+                </a:solidFill>
                 <a:hlinkClick r:id="rId5" invalidUrl="" action="" tgtFrame="" tooltip="" history="1" highlightClick="0" endSnd="0"/>
               </a:rPr>
               <a:t>最完整的Docker聖經 - Docker原理圖解及全環境安裝</a:t>
@@ -9270,26 +10940,47 @@
             <a:pPr/>
             <a:r>
               <a:rPr u="sng">
+                <a:solidFill>
+                  <a:schemeClr val="accent1"/>
+                </a:solidFill>
                 <a:hlinkClick r:id="rId6" invalidUrl="" action="" tgtFrame="" tooltip="" history="1" highlightClick="0" endSnd="0"/>
               </a:rPr>
-              <a:t>Explaining Docker Image IDs</a:t>
+              <a:t>The Magic Behind the Scenes of Docker Desktop</a:t>
             </a:r>
           </a:p>
           <a:p>
             <a:pPr/>
             <a:r>
               <a:rPr u="sng">
+                <a:solidFill>
+                  <a:schemeClr val="accent1"/>
+                </a:solidFill>
                 <a:hlinkClick r:id="rId7" invalidUrl="" action="" tgtFrame="" tooltip="" history="1" highlightClick="0" endSnd="0"/>
               </a:rPr>
-              <a:t>Lifecycle of Docker Container</a:t>
+              <a:t>Explaining Docker Image IDs</a:t>
             </a:r>
           </a:p>
           <a:p>
             <a:pPr/>
             <a:r>
               <a:rPr u="sng">
+                <a:solidFill>
+                  <a:schemeClr val="accent1"/>
+                </a:solidFill>
                 <a:hlinkClick r:id="rId8" invalidUrl="" action="" tgtFrame="" tooltip="" history="1" highlightClick="0" endSnd="0"/>
               </a:rPr>
+              <a:t>Lifecycle of Docker Container</a:t>
+            </a:r>
+          </a:p>
+          <a:p>
+            <a:pPr/>
+            <a:r>
+              <a:rPr u="sng">
+                <a:solidFill>
+                  <a:schemeClr val="accent1"/>
+                </a:solidFill>
+                <a:hlinkClick r:id="rId9" invalidUrl="" action="" tgtFrame="" tooltip="" history="1" highlightClick="0" endSnd="0"/>
+              </a:rPr>
               <a:t>Understanding Docker Container Exit Codes</a:t>
             </a:r>
           </a:p>
@@ -9297,7 +10988,10 @@
             <a:pPr/>
             <a:r>
               <a:rPr u="sng">
-                <a:hlinkClick r:id="rId9" invalidUrl="" action="" tgtFrame="" tooltip="" history="1" highlightClick="0" endSnd="0"/>
+                <a:solidFill>
+                  <a:schemeClr val="accent1"/>
+                </a:solidFill>
+                <a:hlinkClick r:id="rId10" invalidUrl="" action="" tgtFrame="" tooltip="" history="1" highlightClick="0" endSnd="0"/>
               </a:rPr>
               <a:t>邱牛 iThome 鐵人賽 K8s 系列文</a:t>
             </a:r>
@@ -9363,59 +11057,43 @@
           </p:nvPr>
         </p:nvSpPr>
         <p:spPr>
+          <a:xfrm>
+            <a:off x="1689100" y="3162300"/>
+            <a:ext cx="21005800" cy="9296400"/>
+          </a:xfrm>
           <a:prstGeom prst="rect">
             <a:avLst/>
           </a:prstGeom>
         </p:spPr>
         <p:txBody>
-          <a:bodyPr/>
+          <a:bodyPr anchor="t"/>
           <a:lstStyle/>
           <a:p>
-            <a:pPr marL="565150" indent="-565150" defTabSz="734694">
-              <a:spcBef>
-                <a:spcPts val="1200"/>
-              </a:spcBef>
-              <a:defRPr sz="4272"/>
-            </a:pPr>
+            <a:pPr/>
             <a:r>
               <a:rPr u="sng">
+                <a:solidFill>
+                  <a:schemeClr val="accent1"/>
+                </a:solidFill>
                 <a:hlinkClick r:id="rId2" invalidUrl="" action="" tgtFrame="" tooltip="" history="1" highlightClick="0" endSnd="0"/>
               </a:rPr>
               <a:t>Docker</a:t>
             </a:r>
           </a:p>
           <a:p>
-            <a:pPr lvl="1" marL="1130300" indent="-565150" defTabSz="734694">
-              <a:spcBef>
-                <a:spcPts val="1200"/>
-              </a:spcBef>
-              <a:defRPr sz="3738"/>
-            </a:pPr>
+            <a:pPr lvl="1"/>
             <a:r>
               <a:rPr u="sng">
+                <a:solidFill>
+                  <a:schemeClr val="accent1"/>
+                </a:solidFill>
                 <a:hlinkClick r:id="rId3" invalidUrl="" action="" tgtFrame="" tooltip="" history="1" highlightClick="0" endSnd="0"/>
               </a:rPr>
               <a:t>YouTube - Docker in 100 seconds</a:t>
             </a:r>
           </a:p>
           <a:p>
-            <a:pPr lvl="1" marL="1130300" indent="-565150" defTabSz="734694">
-              <a:spcBef>
-                <a:spcPts val="1200"/>
-              </a:spcBef>
-              <a:defRPr sz="3738"/>
-            </a:pPr>
-            <a:r>
-              <a:t>Docker 實作了 Container (容器) 的概念</a:t>
-            </a:r>
-          </a:p>
-          <a:p>
-            <a:pPr lvl="1" marL="1130300" indent="-565150" defTabSz="734694">
-              <a:spcBef>
-                <a:spcPts val="1200"/>
-              </a:spcBef>
-              <a:defRPr sz="3738"/>
-            </a:pPr>
+            <a:pPr lvl="1"/>
             <a:r>
               <a:t>Container 是 </a:t>
             </a:r>
@@ -9433,67 +11111,66 @@
             </a:r>
           </a:p>
           <a:p>
-            <a:pPr lvl="1" marL="1130300" indent="-565150" defTabSz="734694">
-              <a:spcBef>
-                <a:spcPts val="1200"/>
-              </a:spcBef>
-              <a:defRPr sz="3738"/>
-            </a:pPr>
-            <a:r>
-              <a:t>快速但不完全正確的理解方式，Container 就是小小的 VM</a:t>
-            </a:r>
-          </a:p>
-          <a:p>
-            <a:pPr marL="565150" indent="-565150" defTabSz="734694">
-              <a:spcBef>
-                <a:spcPts val="1200"/>
-              </a:spcBef>
-              <a:defRPr sz="4272"/>
-            </a:pPr>
-            <a:r>
-              <a:t>Fun Fact</a:t>
-            </a:r>
-          </a:p>
-          <a:p>
-            <a:pPr lvl="1" marL="1130300" indent="-565150" defTabSz="734694">
-              <a:spcBef>
-                <a:spcPts val="1200"/>
-              </a:spcBef>
-              <a:defRPr sz="3738"/>
-            </a:pPr>
-            <a:r>
-              <a:t>Container 的類似概念在 1979 年就在 Unix 上實作</a:t>
-            </a:r>
-          </a:p>
-          <a:p>
-            <a:pPr lvl="1" marL="1130300" indent="-565150" defTabSz="734694">
-              <a:spcBef>
-                <a:spcPts val="1200"/>
-              </a:spcBef>
-              <a:defRPr sz="3738"/>
-            </a:pPr>
-            <a:r>
-              <a:t>Docker 的開發商 Docker, Inc（原名 dotCloud, Inc）原本是雲端服務供應商，提供使用者建立 Web、Application、DB 等服務。但隨著數量的增加，用 Hypervisor 的 VM 為單位切割服務不利管理與資源分配，因此重新包裝了當時流行的 Container 技術 </a:t>
-            </a:r>
-            <a:r>
-              <a:rPr u="sng">
-                <a:hlinkClick r:id="rId4" invalidUrl="" action="" tgtFrame="" tooltip="" history="1" highlightClick="0" endSnd="0"/>
+            <a:pPr lvl="1"/>
+            <a:r>
+              <a:t>Docker 實作了 Container (容器) 的概念</a:t>
+            </a:r>
+          </a:p>
+          <a:p>
+            <a:pPr lvl="1"/>
+            <a:r>
+              <a:t>Container 跟 VM 相比啟動更快、可攜性更高、硬體使用量更低</a:t>
+            </a:r>
+          </a:p>
+          <a:p>
+            <a:pPr lvl="1"/>
+            <a:r>
+              <a:t>快速但不完全正確的理解方式，Container 就是的</a:t>
+            </a:r>
+            <a:r>
+              <a:rPr>
+                <a:solidFill>
+                  <a:schemeClr val="accent4">
+                    <a:hueOff val="-1081314"/>
+                    <a:satOff val="4338"/>
+                    <a:lumOff val="-8931"/>
+                  </a:schemeClr>
+                </a:solidFill>
               </a:rPr>
-              <a:t>LXC</a:t>
-            </a:r>
-            <a:r>
-              <a:t> 成 Docker 於內部使用</a:t>
-            </a:r>
-          </a:p>
-          <a:p>
-            <a:pPr lvl="1" marL="1130300" indent="-565150" defTabSz="734694">
-              <a:spcBef>
-                <a:spcPts val="1200"/>
-              </a:spcBef>
-              <a:defRPr sz="3738"/>
-            </a:pPr>
-            <a:r>
-              <a:t>Docker 在 2013/3/13 由 dotCloud, Inc 開源發佈初版，同年 10/29 docCloud, Inc 改名為 Docker, Inc</a:t>
+              <a:t>更快</a:t>
+            </a:r>
+            <a:r>
+              <a:t>、</a:t>
+            </a:r>
+            <a:r>
+              <a:rPr>
+                <a:solidFill>
+                  <a:schemeClr val="accent4">
+                    <a:hueOff val="-1081314"/>
+                    <a:satOff val="4338"/>
+                    <a:lumOff val="-8931"/>
+                  </a:schemeClr>
+                </a:solidFill>
+              </a:rPr>
+              <a:t>更小</a:t>
+            </a:r>
+            <a:r>
+              <a:t>、</a:t>
+            </a:r>
+            <a:r>
+              <a:rPr>
+                <a:solidFill>
+                  <a:schemeClr val="accent4">
+                    <a:hueOff val="-1081314"/>
+                    <a:satOff val="4338"/>
+                    <a:lumOff val="-8931"/>
+                  </a:schemeClr>
+                </a:solidFill>
+              </a:rPr>
+              <a:t>更便宜</a:t>
+            </a:r>
+            <a:r>
+              <a:t>的 VM</a:t>
             </a:r>
           </a:p>
         </p:txBody>
@@ -9507,7 +11184,7 @@
           <p:nvPr/>
         </p:nvPicPr>
         <p:blipFill>
-          <a:blip r:embed="rId5">
+          <a:blip r:embed="rId4">
             <a:extLst/>
           </a:blip>
           <a:stretch>
@@ -9516,7 +11193,7 @@
         </p:blipFill>
         <p:spPr>
           <a:xfrm>
-            <a:off x="18549718" y="728636"/>
+            <a:off x="19155950" y="9477025"/>
             <a:ext cx="3810001" cy="3187701"/>
           </a:xfrm>
           <a:prstGeom prst="rect">
@@ -9555,7 +11232,7 @@
       </p:grpSpPr>
       <p:sp>
         <p:nvSpPr>
-          <p:cNvPr id="134" name="Container vs VM"/>
+          <p:cNvPr id="134" name="Docker"/>
           <p:cNvSpPr txBox="1"/>
           <p:nvPr>
             <p:ph type="title"/>
@@ -9572,154 +11249,71 @@
           <a:p>
             <a:pPr/>
             <a:r>
-              <a:t>Container vs VM</a:t>
+              <a:t>Docker</a:t>
             </a:r>
           </a:p>
         </p:txBody>
       </p:sp>
       <p:sp>
         <p:nvSpPr>
-          <p:cNvPr id="135" name="Image Source: Weaveworks"/>
+          <p:cNvPr id="135" name="Fun Fact…"/>
           <p:cNvSpPr txBox="1"/>
-          <p:nvPr/>
+          <p:nvPr>
+            <p:ph type="body" idx="1"/>
+          </p:nvPr>
         </p:nvSpPr>
         <p:spPr>
-          <a:xfrm>
-            <a:off x="9616439" y="12482899"/>
-            <a:ext cx="5151121" cy="560449"/>
-          </a:xfrm>
-          <a:prstGeom prst="rect">
-            <a:avLst/>
-          </a:prstGeom>
-          <a:ln w="12700">
-            <a:miter lim="400000"/>
-          </a:ln>
-          <a:extLst>
-            <a:ext uri="{C572A759-6A51-4108-AA02-DFA0A04FC94B}">
-              <ma14:wrappingTextBoxFlag xmlns:ma14="http://schemas.microsoft.com/office/mac/drawingml/2011/main" val="1"/>
-            </a:ext>
-          </a:extLst>
+          <a:prstGeom prst="rect">
+            <a:avLst/>
+          </a:prstGeom>
         </p:spPr>
         <p:txBody>
-          <a:bodyPr wrap="none" lIns="50800" tIns="50800" rIns="50800" bIns="50800" anchor="ctr">
-            <a:spAutoFit/>
-          </a:bodyPr>
+          <a:bodyPr/>
           <a:lstStyle/>
           <a:p>
             <a:pPr/>
             <a:r>
-              <a:t>Image Source: </a:t>
+              <a:t>Fun Fact</a:t>
+            </a:r>
+          </a:p>
+          <a:p>
+            <a:pPr lvl="1"/>
+            <a:r>
+              <a:t>Container 的概念在 1979 年就在 Unix 上實作 (</a:t>
             </a:r>
             <a:r>
               <a:rPr u="sng">
                 <a:hlinkClick r:id="rId2" invalidUrl="" action="" tgtFrame="" tooltip="" history="1" highlightClick="0" endSnd="0"/>
               </a:rPr>
-              <a:t>Weaveworks</a:t>
+              <a:t>chroot</a:t>
+            </a:r>
+            <a:r>
+              <a:t>)</a:t>
+            </a:r>
+          </a:p>
+          <a:p>
+            <a:pPr lvl="1"/>
+            <a:r>
+              <a:t>Docker 的開發商 Docker, Inc（原名 dotCloud, Inc）原本是雲端服務供應商，代管使用者建立的 Web、DB 等。隨著數量的增加，以 Hypervisor 的 VM 為單位切割服務不利管理與資源分配，因此重新包裝了當時流行的 Container 技術 </a:t>
+            </a:r>
+            <a:r>
+              <a:rPr u="sng">
+                <a:hlinkClick r:id="rId3" invalidUrl="" action="" tgtFrame="" tooltip="" history="1" highlightClick="0" endSnd="0"/>
+              </a:rPr>
+              <a:t>LXC</a:t>
+            </a:r>
+            <a:r>
+              <a:t> 成 Docker 於內部使用</a:t>
+            </a:r>
+          </a:p>
+          <a:p>
+            <a:pPr lvl="1"/>
+            <a:r>
+              <a:t>Docker 在 2013/3/13 由 dotCloud, Inc 開源發佈初版，同年 10/29 docCloud, Inc 改名為 Docker, Inc</a:t>
             </a:r>
           </a:p>
         </p:txBody>
       </p:sp>
-      <p:sp>
-        <p:nvSpPr>
-          <p:cNvPr id="136" name="VM: Hardware-Level Virtualization"/>
-          <p:cNvSpPr txBox="1"/>
-          <p:nvPr/>
-        </p:nvSpPr>
-        <p:spPr>
-          <a:xfrm>
-            <a:off x="5088278" y="11074399"/>
-            <a:ext cx="6259069" cy="560450"/>
-          </a:xfrm>
-          <a:prstGeom prst="rect">
-            <a:avLst/>
-          </a:prstGeom>
-          <a:ln w="12700">
-            <a:miter lim="400000"/>
-          </a:ln>
-          <a:extLst>
-            <a:ext uri="{C572A759-6A51-4108-AA02-DFA0A04FC94B}">
-              <ma14:wrappingTextBoxFlag xmlns:ma14="http://schemas.microsoft.com/office/mac/drawingml/2011/main" val="1"/>
-            </a:ext>
-          </a:extLst>
-        </p:spPr>
-        <p:txBody>
-          <a:bodyPr wrap="none" lIns="50800" tIns="50800" rIns="50800" bIns="50800" anchor="ctr">
-            <a:spAutoFit/>
-          </a:bodyPr>
-          <a:lstStyle/>
-          <a:p>
-            <a:pPr/>
-            <a:r>
-              <a:t>VM: Hardware-Level Virtualization</a:t>
-            </a:r>
-          </a:p>
-        </p:txBody>
-      </p:sp>
-      <p:sp>
-        <p:nvSpPr>
-          <p:cNvPr id="137" name="Container: OS-Level Virtualization"/>
-          <p:cNvSpPr txBox="1"/>
-          <p:nvPr/>
-        </p:nvSpPr>
-        <p:spPr>
-          <a:xfrm>
-            <a:off x="13398662" y="11074399"/>
-            <a:ext cx="6238114" cy="560450"/>
-          </a:xfrm>
-          <a:prstGeom prst="rect">
-            <a:avLst/>
-          </a:prstGeom>
-          <a:ln w="12700">
-            <a:miter lim="400000"/>
-          </a:ln>
-          <a:extLst>
-            <a:ext uri="{C572A759-6A51-4108-AA02-DFA0A04FC94B}">
-              <ma14:wrappingTextBoxFlag xmlns:ma14="http://schemas.microsoft.com/office/mac/drawingml/2011/main" val="1"/>
-            </a:ext>
-          </a:extLst>
-        </p:spPr>
-        <p:txBody>
-          <a:bodyPr wrap="none" lIns="50800" tIns="50800" rIns="50800" bIns="50800" anchor="ctr">
-            <a:spAutoFit/>
-          </a:bodyPr>
-          <a:lstStyle/>
-          <a:p>
-            <a:pPr/>
-            <a:r>
-              <a:t>Container: OS-Level Virtualization</a:t>
-            </a:r>
-          </a:p>
-        </p:txBody>
-      </p:sp>
-      <p:pic>
-        <p:nvPicPr>
-          <p:cNvPr id="138" name="Image" descr="Image"/>
-          <p:cNvPicPr>
-            <a:picLocks noChangeAspect="1"/>
-          </p:cNvPicPr>
-          <p:nvPr/>
-        </p:nvPicPr>
-        <p:blipFill>
-          <a:blip r:embed="rId3">
-            <a:extLst/>
-          </a:blip>
-          <a:stretch>
-            <a:fillRect/>
-          </a:stretch>
-        </p:blipFill>
-        <p:spPr>
-          <a:xfrm>
-            <a:off x="4399850" y="2922964"/>
-            <a:ext cx="15584300" cy="7870072"/>
-          </a:xfrm>
-          <a:prstGeom prst="rect">
-            <a:avLst/>
-          </a:prstGeom>
-          <a:ln w="12700">
-            <a:miter lim="400000"/>
-          </a:ln>
-        </p:spPr>
-      </p:pic>
     </p:spTree>
   </p:cSld>
   <p:clrMapOvr>
@@ -9748,7 +11342,7 @@
       </p:grpSpPr>
       <p:sp>
         <p:nvSpPr>
-          <p:cNvPr id="140" name="Host and Container"/>
+          <p:cNvPr id="137" name="VM vs Container"/>
           <p:cNvSpPr txBox="1"/>
           <p:nvPr>
             <p:ph type="title"/>
@@ -9765,20 +11359,20 @@
           <a:p>
             <a:pPr/>
             <a:r>
-              <a:t>Host and Container</a:t>
+              <a:t>VM vs Container</a:t>
             </a:r>
           </a:p>
         </p:txBody>
       </p:sp>
       <p:sp>
         <p:nvSpPr>
-          <p:cNvPr id="141" name="Image Source: Weaveworks"/>
+          <p:cNvPr id="138" name="Image Source: Weaveworks"/>
           <p:cNvSpPr txBox="1"/>
           <p:nvPr/>
         </p:nvSpPr>
         <p:spPr>
           <a:xfrm>
-            <a:off x="9616439" y="12841967"/>
+            <a:off x="9616439" y="12482899"/>
             <a:ext cx="5151121" cy="560449"/>
           </a:xfrm>
           <a:prstGeom prst="rect">
@@ -9812,9 +11406,81 @@
           </a:p>
         </p:txBody>
       </p:sp>
+      <p:sp>
+        <p:nvSpPr>
+          <p:cNvPr id="139" name="VM: Hardware-Level Virtualization"/>
+          <p:cNvSpPr txBox="1"/>
+          <p:nvPr/>
+        </p:nvSpPr>
+        <p:spPr>
+          <a:xfrm>
+            <a:off x="5088278" y="11074399"/>
+            <a:ext cx="6259069" cy="560450"/>
+          </a:xfrm>
+          <a:prstGeom prst="rect">
+            <a:avLst/>
+          </a:prstGeom>
+          <a:ln w="12700">
+            <a:miter lim="400000"/>
+          </a:ln>
+          <a:extLst>
+            <a:ext uri="{C572A759-6A51-4108-AA02-DFA0A04FC94B}">
+              <ma14:wrappingTextBoxFlag xmlns:ma14="http://schemas.microsoft.com/office/mac/drawingml/2011/main" val="1"/>
+            </a:ext>
+          </a:extLst>
+        </p:spPr>
+        <p:txBody>
+          <a:bodyPr wrap="none" lIns="50800" tIns="50800" rIns="50800" bIns="50800" anchor="ctr">
+            <a:spAutoFit/>
+          </a:bodyPr>
+          <a:lstStyle/>
+          <a:p>
+            <a:pPr/>
+            <a:r>
+              <a:t>VM: Hardware-Level Virtualization</a:t>
+            </a:r>
+          </a:p>
+        </p:txBody>
+      </p:sp>
+      <p:sp>
+        <p:nvSpPr>
+          <p:cNvPr id="140" name="Container: OS-Level Virtualization"/>
+          <p:cNvSpPr txBox="1"/>
+          <p:nvPr/>
+        </p:nvSpPr>
+        <p:spPr>
+          <a:xfrm>
+            <a:off x="13398662" y="11074399"/>
+            <a:ext cx="6238114" cy="560450"/>
+          </a:xfrm>
+          <a:prstGeom prst="rect">
+            <a:avLst/>
+          </a:prstGeom>
+          <a:ln w="12700">
+            <a:miter lim="400000"/>
+          </a:ln>
+          <a:extLst>
+            <a:ext uri="{C572A759-6A51-4108-AA02-DFA0A04FC94B}">
+              <ma14:wrappingTextBoxFlag xmlns:ma14="http://schemas.microsoft.com/office/mac/drawingml/2011/main" val="1"/>
+            </a:ext>
+          </a:extLst>
+        </p:spPr>
+        <p:txBody>
+          <a:bodyPr wrap="none" lIns="50800" tIns="50800" rIns="50800" bIns="50800" anchor="ctr">
+            <a:spAutoFit/>
+          </a:bodyPr>
+          <a:lstStyle/>
+          <a:p>
+            <a:pPr/>
+            <a:r>
+              <a:t>Container: OS-Level Virtualization</a:t>
+            </a:r>
+          </a:p>
+        </p:txBody>
+      </p:sp>
       <p:pic>
         <p:nvPicPr>
-          <p:cNvPr id="142" name="Image" descr="Image"/>
+          <p:cNvPr id="141" name="Image" descr="Image"/>
           <p:cNvPicPr>
             <a:picLocks noChangeAspect="1"/>
           </p:cNvPicPr>
@@ -9824,15 +11490,14 @@
           <a:blip r:embed="rId3">
             <a:extLst/>
           </a:blip>
-          <a:srcRect l="50985" t="0" r="0" b="0"/>
           <a:stretch>
             <a:fillRect/>
           </a:stretch>
         </p:blipFill>
         <p:spPr>
           <a:xfrm>
-            <a:off x="5147888" y="2922984"/>
-            <a:ext cx="7638575" cy="7870072"/>
+            <a:off x="4399850" y="2922964"/>
+            <a:ext cx="15584300" cy="7870072"/>
           </a:xfrm>
           <a:prstGeom prst="rect">
             <a:avLst/>
@@ -9842,214 +11507,6 @@
           </a:ln>
         </p:spPr>
       </p:pic>
-      <p:pic>
-        <p:nvPicPr>
-          <p:cNvPr id="143" name="Line Line" descr="Line Line"/>
-          <p:cNvPicPr>
-            <a:picLocks noChangeAspect="0"/>
-          </p:cNvPicPr>
-          <p:nvPr/>
-        </p:nvPicPr>
-        <p:blipFill>
-          <a:blip r:embed="rId4">
-            <a:extLst/>
-          </a:blip>
-          <a:stretch>
-            <a:fillRect/>
-          </a:stretch>
-        </p:blipFill>
-        <p:spPr>
-          <a:xfrm rot="10800000">
-            <a:off x="12886827" y="6681883"/>
-            <a:ext cx="3535342" cy="352234"/>
-          </a:xfrm>
-          <a:prstGeom prst="rect">
-            <a:avLst/>
-          </a:prstGeom>
-        </p:spPr>
-      </p:pic>
-      <p:sp>
-        <p:nvSpPr>
-          <p:cNvPr id="145" name="Host (本機)"/>
-          <p:cNvSpPr txBox="1"/>
-          <p:nvPr/>
-        </p:nvSpPr>
-        <p:spPr>
-          <a:xfrm>
-            <a:off x="16832823" y="6540499"/>
-            <a:ext cx="2061592" cy="635001"/>
-          </a:xfrm>
-          <a:prstGeom prst="rect">
-            <a:avLst/>
-          </a:prstGeom>
-          <a:ln w="12700">
-            <a:miter lim="400000"/>
-          </a:ln>
-          <a:extLst>
-            <a:ext uri="{C572A759-6A51-4108-AA02-DFA0A04FC94B}">
-              <ma14:wrappingTextBoxFlag xmlns:ma14="http://schemas.microsoft.com/office/mac/drawingml/2011/main" val="1"/>
-            </a:ext>
-          </a:extLst>
-        </p:spPr>
-        <p:txBody>
-          <a:bodyPr wrap="none" lIns="50800" tIns="50800" rIns="50800" bIns="50800" anchor="ctr">
-            <a:spAutoFit/>
-          </a:bodyPr>
-          <a:lstStyle/>
-          <a:p>
-            <a:pPr/>
-            <a:r>
-              <a:t>Host (本機)</a:t>
-            </a:r>
-          </a:p>
-        </p:txBody>
-      </p:sp>
-      <p:pic>
-        <p:nvPicPr>
-          <p:cNvPr id="146" name="Line Line" descr="Line Line"/>
-          <p:cNvPicPr>
-            <a:picLocks noChangeAspect="0"/>
-          </p:cNvPicPr>
-          <p:nvPr/>
-        </p:nvPicPr>
-        <p:blipFill>
-          <a:blip r:embed="rId4">
-            <a:extLst/>
-          </a:blip>
-          <a:stretch>
-            <a:fillRect/>
-          </a:stretch>
-        </p:blipFill>
-        <p:spPr>
-          <a:xfrm rot="10800000">
-            <a:off x="12886827" y="4507581"/>
-            <a:ext cx="3535342" cy="352235"/>
-          </a:xfrm>
-          <a:prstGeom prst="rect">
-            <a:avLst/>
-          </a:prstGeom>
-        </p:spPr>
-      </p:pic>
-      <p:sp>
-        <p:nvSpPr>
-          <p:cNvPr id="148" name="Container A, B, C"/>
-          <p:cNvSpPr txBox="1"/>
-          <p:nvPr/>
-        </p:nvSpPr>
-        <p:spPr>
-          <a:xfrm>
-            <a:off x="16832823" y="4403474"/>
-            <a:ext cx="3240406" cy="560449"/>
-          </a:xfrm>
-          <a:prstGeom prst="rect">
-            <a:avLst/>
-          </a:prstGeom>
-          <a:ln w="12700">
-            <a:miter lim="400000"/>
-          </a:ln>
-          <a:extLst>
-            <a:ext uri="{C572A759-6A51-4108-AA02-DFA0A04FC94B}">
-              <ma14:wrappingTextBoxFlag xmlns:ma14="http://schemas.microsoft.com/office/mac/drawingml/2011/main" val="1"/>
-            </a:ext>
-          </a:extLst>
-        </p:spPr>
-        <p:txBody>
-          <a:bodyPr wrap="none" lIns="50800" tIns="50800" rIns="50800" bIns="50800" anchor="ctr">
-            <a:spAutoFit/>
-          </a:bodyPr>
-          <a:lstStyle/>
-          <a:p>
-            <a:pPr/>
-            <a:r>
-              <a:t>Container A, B, C</a:t>
-            </a:r>
-          </a:p>
-        </p:txBody>
-      </p:sp>
-      <p:sp>
-        <p:nvSpPr>
-          <p:cNvPr id="149" name="在使用 Container 的情境時 Host 指的是安裝 Container(Docker) Engine 的機器…"/>
-          <p:cNvSpPr txBox="1"/>
-          <p:nvPr/>
-        </p:nvSpPr>
-        <p:spPr>
-          <a:xfrm>
-            <a:off x="3981830" y="11227765"/>
-            <a:ext cx="16420339" cy="1179453"/>
-          </a:xfrm>
-          <a:prstGeom prst="rect">
-            <a:avLst/>
-          </a:prstGeom>
-          <a:ln w="12700">
-            <a:miter lim="400000"/>
-          </a:ln>
-          <a:extLst>
-            <a:ext uri="{C572A759-6A51-4108-AA02-DFA0A04FC94B}">
-              <ma14:wrappingTextBoxFlag xmlns:ma14="http://schemas.microsoft.com/office/mac/drawingml/2011/main" val="1"/>
-            </a:ext>
-          </a:extLst>
-        </p:spPr>
-        <p:txBody>
-          <a:bodyPr wrap="none" lIns="50800" tIns="50800" rIns="50800" bIns="50800" anchor="ctr">
-            <a:spAutoFit/>
-          </a:bodyPr>
-          <a:lstStyle/>
-          <a:p>
-            <a:pPr/>
-            <a:r>
-              <a:t>在使用 Container 的情境時 Host 指的是安裝 Container(Docker) Engine 的機器</a:t>
-            </a:r>
-          </a:p>
-          <a:p>
-            <a:pPr/>
-            <a:r>
-              <a:rPr>
-                <a:solidFill>
-                  <a:schemeClr val="accent4">
-                    <a:hueOff val="-1081314"/>
-                    <a:satOff val="4338"/>
-                    <a:lumOff val="-8931"/>
-                  </a:schemeClr>
-                </a:solidFill>
-              </a:rPr>
-              <a:t>Host</a:t>
-            </a:r>
-            <a:r>
-              <a:t> 與 </a:t>
-            </a:r>
-            <a:r>
-              <a:rPr>
-                <a:solidFill>
-                  <a:schemeClr val="accent4">
-                    <a:hueOff val="-1081314"/>
-                    <a:satOff val="4338"/>
-                    <a:lumOff val="-8931"/>
-                  </a:schemeClr>
-                </a:solidFill>
-              </a:rPr>
-              <a:t>Container</a:t>
-            </a:r>
-            <a:r>
-              <a:t> 可以視為是</a:t>
-            </a:r>
-            <a:r>
-              <a:rPr>
-                <a:solidFill>
-                  <a:schemeClr val="accent4">
-                    <a:hueOff val="-1081314"/>
-                    <a:satOff val="4338"/>
-                    <a:lumOff val="-8931"/>
-                  </a:schemeClr>
-                </a:solidFill>
-              </a:rPr>
-              <a:t>完全不同的機器</a:t>
-            </a:r>
-            <a:r>
-              <a:t>，在操作時需注意是要在 Host 還是 Container 中</a:t>
-            </a:r>
-          </a:p>
-        </p:txBody>
-      </p:sp>
     </p:spTree>
   </p:cSld>
   <p:clrMapOvr>
@@ -10078,7 +11535,7 @@
       </p:grpSpPr>
       <p:sp>
         <p:nvSpPr>
-          <p:cNvPr id="151" name="Docker"/>
+          <p:cNvPr id="143" name="Host and Container"/>
           <p:cNvSpPr txBox="1"/>
           <p:nvPr>
             <p:ph type="title"/>
@@ -10095,21 +11552,21 @@
           <a:p>
             <a:pPr/>
             <a:r>
-              <a:t>Docker</a:t>
+              <a:t>Host and Container</a:t>
             </a:r>
           </a:p>
         </p:txBody>
       </p:sp>
       <p:sp>
         <p:nvSpPr>
-          <p:cNvPr id="152" name="Image Source: Build a Docker Image just like how you would configure a VM"/>
+          <p:cNvPr id="144" name="Image Source: Weaveworks"/>
           <p:cNvSpPr txBox="1"/>
           <p:nvPr/>
         </p:nvSpPr>
         <p:spPr>
           <a:xfrm>
-            <a:off x="5210936" y="12482899"/>
-            <a:ext cx="13962127" cy="560449"/>
+            <a:off x="9616439" y="12841967"/>
+            <a:ext cx="5151121" cy="560449"/>
           </a:xfrm>
           <a:prstGeom prst="rect">
             <a:avLst/>
@@ -10137,14 +11594,14 @@
               <a:rPr u="sng">
                 <a:hlinkClick r:id="rId2" invalidUrl="" action="" tgtFrame="" tooltip="" history="1" highlightClick="0" endSnd="0"/>
               </a:rPr>
-              <a:t>Build a Docker Image just like how you would configure a VM</a:t>
+              <a:t>Weaveworks</a:t>
             </a:r>
           </a:p>
         </p:txBody>
       </p:sp>
       <p:pic>
         <p:nvPicPr>
-          <p:cNvPr id="153" name="Image" descr="Image"/>
+          <p:cNvPr id="145" name="Image" descr="Image"/>
           <p:cNvPicPr>
             <a:picLocks noChangeAspect="1"/>
           </p:cNvPicPr>
@@ -10154,14 +11611,15 @@
           <a:blip r:embed="rId3">
             <a:extLst/>
           </a:blip>
+          <a:srcRect l="50985" t="0" r="0" b="0"/>
           <a:stretch>
             <a:fillRect/>
           </a:stretch>
         </p:blipFill>
         <p:spPr>
           <a:xfrm>
-            <a:off x="2771182" y="2185274"/>
-            <a:ext cx="18841636" cy="9345452"/>
+            <a:off x="5147888" y="2922984"/>
+            <a:ext cx="7638575" cy="7870072"/>
           </a:xfrm>
           <a:prstGeom prst="rect">
             <a:avLst/>
@@ -10171,6 +11629,218 @@
           </a:ln>
         </p:spPr>
       </p:pic>
+      <p:pic>
+        <p:nvPicPr>
+          <p:cNvPr id="146" name="Line Line" descr="Line Line"/>
+          <p:cNvPicPr>
+            <a:picLocks noChangeAspect="0"/>
+          </p:cNvPicPr>
+          <p:nvPr/>
+        </p:nvPicPr>
+        <p:blipFill>
+          <a:blip r:embed="rId4">
+            <a:extLst/>
+          </a:blip>
+          <a:stretch>
+            <a:fillRect/>
+          </a:stretch>
+        </p:blipFill>
+        <p:spPr>
+          <a:xfrm rot="10800000">
+            <a:off x="12886827" y="6681883"/>
+            <a:ext cx="3535342" cy="352234"/>
+          </a:xfrm>
+          <a:prstGeom prst="rect">
+            <a:avLst/>
+          </a:prstGeom>
+        </p:spPr>
+      </p:pic>
+      <p:sp>
+        <p:nvSpPr>
+          <p:cNvPr id="148" name="Host (本機)"/>
+          <p:cNvSpPr txBox="1"/>
+          <p:nvPr/>
+        </p:nvSpPr>
+        <p:spPr>
+          <a:xfrm>
+            <a:off x="16832822" y="6540500"/>
+            <a:ext cx="2061592" cy="635000"/>
+          </a:xfrm>
+          <a:prstGeom prst="rect">
+            <a:avLst/>
+          </a:prstGeom>
+          <a:ln w="12700">
+            <a:miter lim="400000"/>
+          </a:ln>
+          <a:extLst>
+            <a:ext uri="{C572A759-6A51-4108-AA02-DFA0A04FC94B}">
+              <ma14:wrappingTextBoxFlag xmlns:ma14="http://schemas.microsoft.com/office/mac/drawingml/2011/main" val="1"/>
+            </a:ext>
+          </a:extLst>
+        </p:spPr>
+        <p:txBody>
+          <a:bodyPr wrap="none" lIns="50800" tIns="50800" rIns="50800" bIns="50800" anchor="ctr">
+            <a:spAutoFit/>
+          </a:bodyPr>
+          <a:lstStyle/>
+          <a:p>
+            <a:pPr/>
+            <a:r>
+              <a:t>Host (本機)</a:t>
+            </a:r>
+          </a:p>
+        </p:txBody>
+      </p:sp>
+      <p:pic>
+        <p:nvPicPr>
+          <p:cNvPr id="149" name="Line Line" descr="Line Line"/>
+          <p:cNvPicPr>
+            <a:picLocks noChangeAspect="0"/>
+          </p:cNvPicPr>
+          <p:nvPr/>
+        </p:nvPicPr>
+        <p:blipFill>
+          <a:blip r:embed="rId4">
+            <a:extLst/>
+          </a:blip>
+          <a:stretch>
+            <a:fillRect/>
+          </a:stretch>
+        </p:blipFill>
+        <p:spPr>
+          <a:xfrm rot="10800000">
+            <a:off x="12886827" y="4507581"/>
+            <a:ext cx="3535342" cy="352235"/>
+          </a:xfrm>
+          <a:prstGeom prst="rect">
+            <a:avLst/>
+          </a:prstGeom>
+        </p:spPr>
+      </p:pic>
+      <p:sp>
+        <p:nvSpPr>
+          <p:cNvPr id="151" name="Container A, B, C"/>
+          <p:cNvSpPr txBox="1"/>
+          <p:nvPr/>
+        </p:nvSpPr>
+        <p:spPr>
+          <a:xfrm>
+            <a:off x="16832823" y="4403474"/>
+            <a:ext cx="3240406" cy="560449"/>
+          </a:xfrm>
+          <a:prstGeom prst="rect">
+            <a:avLst/>
+          </a:prstGeom>
+          <a:ln w="12700">
+            <a:miter lim="400000"/>
+          </a:ln>
+          <a:extLst>
+            <a:ext uri="{C572A759-6A51-4108-AA02-DFA0A04FC94B}">
+              <ma14:wrappingTextBoxFlag xmlns:ma14="http://schemas.microsoft.com/office/mac/drawingml/2011/main" val="1"/>
+            </a:ext>
+          </a:extLst>
+        </p:spPr>
+        <p:txBody>
+          <a:bodyPr wrap="none" lIns="50800" tIns="50800" rIns="50800" bIns="50800" anchor="ctr">
+            <a:spAutoFit/>
+          </a:bodyPr>
+          <a:lstStyle/>
+          <a:p>
+            <a:pPr/>
+            <a:r>
+              <a:t>Container A, B, C</a:t>
+            </a:r>
+          </a:p>
+        </p:txBody>
+      </p:sp>
+      <p:sp>
+        <p:nvSpPr>
+          <p:cNvPr id="152" name="在使用 Container 的情境時 Host 指的是安裝 Container(Docker) Engine 的機器…"/>
+          <p:cNvSpPr txBox="1"/>
+          <p:nvPr/>
+        </p:nvSpPr>
+        <p:spPr>
+          <a:xfrm>
+            <a:off x="2894761" y="11150828"/>
+            <a:ext cx="18594478" cy="1333326"/>
+          </a:xfrm>
+          <a:prstGeom prst="rect">
+            <a:avLst/>
+          </a:prstGeom>
+          <a:ln w="12700">
+            <a:miter lim="400000"/>
+          </a:ln>
+          <a:extLst>
+            <a:ext uri="{C572A759-6A51-4108-AA02-DFA0A04FC94B}">
+              <ma14:wrappingTextBoxFlag xmlns:ma14="http://schemas.microsoft.com/office/mac/drawingml/2011/main" val="1"/>
+            </a:ext>
+          </a:extLst>
+        </p:spPr>
+        <p:txBody>
+          <a:bodyPr wrap="none" lIns="50800" tIns="50800" rIns="50800" bIns="50800" anchor="ctr">
+            <a:spAutoFit/>
+          </a:bodyPr>
+          <a:lstStyle/>
+          <a:p>
+            <a:pPr>
+              <a:defRPr sz="3400"/>
+            </a:pPr>
+            <a:r>
+              <a:t>在使用 Container 的情境時 Host 指的是安裝 Container(Docker) Engine 的機器</a:t>
+            </a:r>
+          </a:p>
+          <a:p>
+            <a:pPr>
+              <a:defRPr sz="3400"/>
+            </a:pPr>
+            <a:r>
+              <a:rPr>
+                <a:solidFill>
+                  <a:schemeClr val="accent4">
+                    <a:hueOff val="-1081314"/>
+                    <a:satOff val="4338"/>
+                    <a:lumOff val="-8931"/>
+                  </a:schemeClr>
+                </a:solidFill>
+              </a:rPr>
+              <a:t>Host</a:t>
+            </a:r>
+            <a:r>
+              <a:t> 與 </a:t>
+            </a:r>
+            <a:r>
+              <a:rPr>
+                <a:solidFill>
+                  <a:schemeClr val="accent4">
+                    <a:hueOff val="-1081314"/>
+                    <a:satOff val="4338"/>
+                    <a:lumOff val="-8931"/>
+                  </a:schemeClr>
+                </a:solidFill>
+              </a:rPr>
+              <a:t>Container</a:t>
+            </a:r>
+            <a:r>
+              <a:t> 可以視為是</a:t>
+            </a:r>
+            <a:r>
+              <a:rPr>
+                <a:solidFill>
+                  <a:schemeClr val="accent4">
+                    <a:hueOff val="-1081314"/>
+                    <a:satOff val="4338"/>
+                    <a:lumOff val="-8931"/>
+                  </a:schemeClr>
+                </a:solidFill>
+              </a:rPr>
+              <a:t>完全不同的機器</a:t>
+            </a:r>
+            <a:r>
+              <a:t>，在操作時需注意是要在 Host 還是 Container 中</a:t>
+            </a:r>
+          </a:p>
+        </p:txBody>
+      </p:sp>
     </p:spTree>
   </p:cSld>
   <p:clrMapOvr>
@@ -10199,7 +11869,7 @@
       </p:grpSpPr>
       <p:sp>
         <p:nvSpPr>
-          <p:cNvPr id="155" name="Hands-on"/>
+          <p:cNvPr id="154" name="Docker"/>
           <p:cNvSpPr txBox="1"/>
           <p:nvPr>
             <p:ph type="title"/>
@@ -10216,47 +11886,82 @@
           <a:p>
             <a:pPr/>
             <a:r>
-              <a:t>Hands-on</a:t>
+              <a:t>Docker</a:t>
             </a:r>
           </a:p>
         </p:txBody>
       </p:sp>
       <p:sp>
         <p:nvSpPr>
-          <p:cNvPr id="156" name="Github Repo docker-tutorial…"/>
+          <p:cNvPr id="155" name="Image Source: Build a Docker Image just like how you would configure a VM"/>
           <p:cNvSpPr txBox="1"/>
-          <p:nvPr>
-            <p:ph type="body" idx="1"/>
-          </p:nvPr>
+          <p:nvPr/>
         </p:nvSpPr>
         <p:spPr>
-          <a:prstGeom prst="rect">
-            <a:avLst/>
-          </a:prstGeom>
+          <a:xfrm>
+            <a:off x="5210936" y="12482899"/>
+            <a:ext cx="13962127" cy="560449"/>
+          </a:xfrm>
+          <a:prstGeom prst="rect">
+            <a:avLst/>
+          </a:prstGeom>
+          <a:ln w="12700">
+            <a:miter lim="400000"/>
+          </a:ln>
+          <a:extLst>
+            <a:ext uri="{C572A759-6A51-4108-AA02-DFA0A04FC94B}">
+              <ma14:wrappingTextBoxFlag xmlns:ma14="http://schemas.microsoft.com/office/mac/drawingml/2011/main" val="1"/>
+            </a:ext>
+          </a:extLst>
         </p:spPr>
         <p:txBody>
-          <a:bodyPr/>
+          <a:bodyPr wrap="none" lIns="50800" tIns="50800" rIns="50800" bIns="50800" anchor="ctr">
+            <a:spAutoFit/>
+          </a:bodyPr>
           <a:lstStyle/>
           <a:p>
             <a:pPr/>
             <a:r>
-              <a:t>Github Repo </a:t>
+              <a:t>Image Source: </a:t>
             </a:r>
             <a:r>
               <a:rPr u="sng">
                 <a:hlinkClick r:id="rId2" invalidUrl="" action="" tgtFrame="" tooltip="" history="1" highlightClick="0" endSnd="0"/>
               </a:rPr>
-              <a:t>docker-tutorial</a:t>
-            </a:r>
-          </a:p>
-          <a:p>
-            <a:pPr lvl="1"/>
-            <a:r>
-              <a:t>docker-101/0-run-container</a:t>
+              <a:t>Build a Docker Image just like how you would configure a VM</a:t>
             </a:r>
           </a:p>
         </p:txBody>
       </p:sp>
+      <p:pic>
+        <p:nvPicPr>
+          <p:cNvPr id="156" name="Image" descr="Image"/>
+          <p:cNvPicPr>
+            <a:picLocks noChangeAspect="1"/>
+          </p:cNvPicPr>
+          <p:nvPr/>
+        </p:nvPicPr>
+        <p:blipFill>
+          <a:blip r:embed="rId3">
+            <a:extLst/>
+          </a:blip>
+          <a:stretch>
+            <a:fillRect/>
+          </a:stretch>
+        </p:blipFill>
+        <p:spPr>
+          <a:xfrm>
+            <a:off x="2771182" y="2185274"/>
+            <a:ext cx="18841636" cy="9345452"/>
+          </a:xfrm>
+          <a:prstGeom prst="rect">
+            <a:avLst/>
+          </a:prstGeom>
+          <a:ln w="12700">
+            <a:miter lim="400000"/>
+          </a:ln>
+        </p:spPr>
+      </p:pic>
     </p:spTree>
   </p:cSld>
   <p:clrMapOvr>

--- a/docker-tutorial.pptx
+++ b/docker-tutorial.pptx
@@ -4569,9 +4569,38 @@
           <a:chExt cx="0" cy="0"/>
         </a:xfrm>
       </p:grpSpPr>
+      <p:pic>
+        <p:nvPicPr>
+          <p:cNvPr id="185" name="Image" descr="Image"/>
+          <p:cNvPicPr>
+            <a:picLocks noChangeAspect="1"/>
+          </p:cNvPicPr>
+          <p:nvPr/>
+        </p:nvPicPr>
+        <p:blipFill>
+          <a:blip r:embed="rId2">
+            <a:extLst/>
+          </a:blip>
+          <a:stretch>
+            <a:fillRect/>
+          </a:stretch>
+        </p:blipFill>
+        <p:spPr>
+          <a:xfrm>
+            <a:off x="799742" y="3831034"/>
+            <a:ext cx="9639301" cy="7831932"/>
+          </a:xfrm>
+          <a:prstGeom prst="rect">
+            <a:avLst/>
+          </a:prstGeom>
+          <a:ln w="12700">
+            <a:miter lim="400000"/>
+          </a:ln>
+        </p:spPr>
+      </p:pic>
       <p:sp>
         <p:nvSpPr>
-          <p:cNvPr id="185" name="Dockerfile"/>
+          <p:cNvPr id="186" name="Dockerfile"/>
           <p:cNvSpPr txBox="1"/>
           <p:nvPr>
             <p:ph type="title"/>
@@ -4601,24 +4630,24 @@
         </p:nvGrpSpPr>
         <p:grpSpPr>
           <a:xfrm>
-            <a:off x="847832" y="3829622"/>
-            <a:ext cx="22688337" cy="7834756"/>
-            <a:chOff x="0" y="0"/>
-            <a:chExt cx="22688335" cy="7834754"/>
+            <a:off x="4472219" y="5488819"/>
+            <a:ext cx="14950229" cy="6488509"/>
+            <a:chOff x="-38100" y="141382"/>
+            <a:chExt cx="14950227" cy="6488508"/>
           </a:xfrm>
         </p:grpSpPr>
         <p:sp>
           <p:nvSpPr>
-            <p:cNvPr id="186" name="基底是 ubuntu 18.04"/>
-            <p:cNvSpPr txBox="1"/>
+            <p:cNvPr id="187" name="基底是 ubuntu 18.04"/>
+            <p:cNvSpPr/>
             <p:nvPr/>
           </p:nvSpPr>
           <p:spPr>
             <a:xfrm>
-              <a:off x="11920894" y="1517813"/>
-              <a:ext cx="3693034" cy="635001"/>
+              <a:off x="10104923" y="317500"/>
+              <a:ext cx="1270001" cy="1270000"/>
             </a:xfrm>
-            <a:prstGeom prst="rect">
+            <a:prstGeom prst="line">
               <a:avLst/>
             </a:prstGeom>
             <a:noFill/>
@@ -4648,16 +4677,16 @@
         </p:sp>
         <p:sp>
           <p:nvSpPr>
-            <p:cNvPr id="187" name="將 Image 的初始目錄設定為 /app，目錄不存在則自動新建一個"/>
-            <p:cNvSpPr txBox="1"/>
+            <p:cNvPr id="188" name="將 Image 的初始目錄設定為 /app，目錄不存在則自動新建一個"/>
+            <p:cNvSpPr/>
             <p:nvPr/>
           </p:nvSpPr>
           <p:spPr>
             <a:xfrm>
-              <a:off x="11920894" y="2672777"/>
-              <a:ext cx="10767442" cy="635001"/>
+              <a:off x="13642127" y="1472463"/>
+              <a:ext cx="1270001" cy="1270001"/>
             </a:xfrm>
-            <a:prstGeom prst="rect">
+            <a:prstGeom prst="line">
               <a:avLst/>
             </a:prstGeom>
             <a:noFill/>
@@ -4687,16 +4716,16 @@
         </p:sp>
         <p:sp>
           <p:nvSpPr>
-            <p:cNvPr id="188" name="Container 啟動時執行 cat /app/hello.txt 指令"/>
-            <p:cNvSpPr txBox="1"/>
+            <p:cNvPr id="189" name="Container 啟動時執行 cat /app/hello.txt 指令"/>
+            <p:cNvSpPr/>
             <p:nvPr/>
           </p:nvSpPr>
           <p:spPr>
             <a:xfrm>
-              <a:off x="11920893" y="6560204"/>
-              <a:ext cx="7981189" cy="635001"/>
+              <a:off x="12249000" y="5359891"/>
+              <a:ext cx="1270001" cy="1270001"/>
             </a:xfrm>
-            <a:prstGeom prst="rect">
+            <a:prstGeom prst="line">
               <a:avLst/>
             </a:prstGeom>
             <a:noFill/>
@@ -4724,49 +4753,18 @@
             </a:p>
           </p:txBody>
         </p:sp>
-        <p:pic>
-          <p:nvPicPr>
-            <p:cNvPr id="189" name="Image" descr="Image"/>
-            <p:cNvPicPr>
-              <a:picLocks noChangeAspect="1"/>
-            </p:cNvPicPr>
-            <p:nvPr/>
-          </p:nvPicPr>
-          <p:blipFill>
-            <a:blip r:embed="rId2">
-              <a:extLst/>
-            </a:blip>
-            <a:stretch>
-              <a:fillRect/>
-            </a:stretch>
-          </p:blipFill>
-          <p:spPr>
-            <a:xfrm>
-              <a:off x="0" y="0"/>
-              <a:ext cx="9642775" cy="7834755"/>
-            </a:xfrm>
-            <a:prstGeom prst="rect">
-              <a:avLst/>
-            </a:prstGeom>
-            <a:ln w="12700" cap="flat">
-              <a:noFill/>
-              <a:miter lim="400000"/>
-            </a:ln>
-            <a:effectLst/>
-          </p:spPr>
-        </p:pic>
         <p:sp>
           <p:nvSpPr>
             <p:cNvPr id="190" name="在 Image 中執行一些指令…"/>
-            <p:cNvSpPr txBox="1"/>
+            <p:cNvSpPr/>
             <p:nvPr/>
           </p:nvSpPr>
           <p:spPr>
             <a:xfrm>
-              <a:off x="11920894" y="4928097"/>
-              <a:ext cx="8171308" cy="1179452"/>
+              <a:off x="8258406" y="4000008"/>
+              <a:ext cx="1270001" cy="1270001"/>
             </a:xfrm>
-            <a:prstGeom prst="rect">
+            <a:prstGeom prst="line">
               <a:avLst/>
             </a:prstGeom>
             <a:noFill/>
@@ -4824,8 +4822,8 @@
           </p:blipFill>
           <p:spPr>
             <a:xfrm rot="10800000">
-              <a:off x="4915998" y="1659197"/>
-              <a:ext cx="6834169" cy="352234"/>
+              <a:off x="1253510" y="141383"/>
+              <a:ext cx="6834170" cy="352234"/>
             </a:xfrm>
             <a:prstGeom prst="rect">
               <a:avLst/>
@@ -4851,8 +4849,8 @@
           </p:blipFill>
           <p:spPr>
             <a:xfrm rot="10800000">
-              <a:off x="3624387" y="2814160"/>
-              <a:ext cx="8125780" cy="352234"/>
+              <a:off x="-38101" y="1296346"/>
+              <a:ext cx="8125781" cy="352234"/>
             </a:xfrm>
             <a:prstGeom prst="rect">
               <a:avLst/>
@@ -4878,8 +4876,8 @@
           </p:blipFill>
           <p:spPr>
             <a:xfrm rot="10800000">
-              <a:off x="5934524" y="3905623"/>
-              <a:ext cx="5815643" cy="352235"/>
+              <a:off x="2272037" y="2387810"/>
+              <a:ext cx="5815643" cy="352234"/>
             </a:xfrm>
             <a:prstGeom prst="rect">
               <a:avLst/>
@@ -4905,8 +4903,8 @@
           </p:blipFill>
           <p:spPr>
             <a:xfrm rot="10800000">
-              <a:off x="6418387" y="5341706"/>
-              <a:ext cx="5331429" cy="352234"/>
+              <a:off x="3167297" y="3823892"/>
+              <a:ext cx="4920032" cy="352234"/>
             </a:xfrm>
             <a:prstGeom prst="rect">
               <a:avLst/>
@@ -4932,7 +4930,7 @@
           </p:blipFill>
           <p:spPr>
             <a:xfrm rot="10800000">
-              <a:off x="6189436" y="6701588"/>
+              <a:off x="2526949" y="5183774"/>
               <a:ext cx="5560731" cy="352235"/>
             </a:xfrm>
             <a:prstGeom prst="rect">
@@ -4944,15 +4942,15 @@
         <p:sp>
           <p:nvSpPr>
             <p:cNvPr id="201" name="複製執行 docker run 當下路徑的 hello.txt 至 /app 目錄中"/>
-            <p:cNvSpPr txBox="1"/>
+            <p:cNvSpPr/>
             <p:nvPr/>
           </p:nvSpPr>
           <p:spPr>
             <a:xfrm>
-              <a:off x="11920894" y="3764240"/>
-              <a:ext cx="9957055" cy="635001"/>
+              <a:off x="13236933" y="2563926"/>
+              <a:ext cx="1270001" cy="1270001"/>
             </a:xfrm>
-            <a:prstGeom prst="rect">
+            <a:prstGeom prst="line">
               <a:avLst/>
             </a:prstGeom>
             <a:noFill/>
@@ -7501,31 +7499,7 @@
       </p:grpSpPr>
       <p:sp>
         <p:nvSpPr>
-          <p:cNvPr id="253" name="Container - docker-compose"/>
-          <p:cNvSpPr txBox="1"/>
-          <p:nvPr>
-            <p:ph type="title"/>
-          </p:nvPr>
-        </p:nvSpPr>
-        <p:spPr>
-          <a:prstGeom prst="rect">
-            <a:avLst/>
-          </a:prstGeom>
-        </p:spPr>
-        <p:txBody>
-          <a:bodyPr/>
-          <a:lstStyle/>
-          <a:p>
-            <a:pPr/>
-            <a:r>
-              <a:t>Container - docker-compose</a:t>
-            </a:r>
-          </a:p>
-        </p:txBody>
-      </p:sp>
-      <p:sp>
-        <p:nvSpPr>
-          <p:cNvPr id="254" name="Compose file 有版本之分 (Docker Compose Docs)，支援的 Docker Engine 版本不同，部分參數設定方式也有所不同，使用時須多加注意"/>
+          <p:cNvPr id="253" name="Compose file 有版本之分 (Docker Compose Docs)，支援的 Docker Engine 版本不同，部分參數設定方式也有所不同，使用時須多加注意"/>
           <p:cNvSpPr txBox="1"/>
           <p:nvPr>
             <p:ph type="body" idx="1"/>
@@ -7555,6 +7529,59 @@
             </a:r>
             <a:r>
               <a:t>)，支援的 Docker Engine 版本不同，部分參數設定方式也有所不同，使用時須多加注意</a:t>
+            </a:r>
+          </a:p>
+        </p:txBody>
+      </p:sp>
+      <p:pic>
+        <p:nvPicPr>
+          <p:cNvPr id="254" name="Image" descr="Image"/>
+          <p:cNvPicPr>
+            <a:picLocks noChangeAspect="1"/>
+          </p:cNvPicPr>
+          <p:nvPr/>
+        </p:nvPicPr>
+        <p:blipFill>
+          <a:blip r:embed="rId3">
+            <a:extLst/>
+          </a:blip>
+          <a:stretch>
+            <a:fillRect/>
+          </a:stretch>
+        </p:blipFill>
+        <p:spPr>
+          <a:xfrm>
+            <a:off x="3623325" y="6020022"/>
+            <a:ext cx="9156701" cy="6381076"/>
+          </a:xfrm>
+          <a:prstGeom prst="rect">
+            <a:avLst/>
+          </a:prstGeom>
+          <a:ln w="12700">
+            <a:miter lim="400000"/>
+          </a:ln>
+        </p:spPr>
+      </p:pic>
+      <p:sp>
+        <p:nvSpPr>
+          <p:cNvPr id="255" name="Container - docker-compose"/>
+          <p:cNvSpPr txBox="1"/>
+          <p:nvPr>
+            <p:ph type="title"/>
+          </p:nvPr>
+        </p:nvSpPr>
+        <p:spPr>
+          <a:prstGeom prst="rect">
+            <a:avLst/>
+          </a:prstGeom>
+        </p:spPr>
+        <p:txBody>
+          <a:bodyPr/>
+          <a:lstStyle/>
+          <a:p>
+            <a:pPr/>
+            <a:r>
+              <a:t>Container - docker-compose</a:t>
             </a:r>
           </a:p>
         </p:txBody>
@@ -7567,43 +7594,12 @@
         </p:nvGrpSpPr>
         <p:grpSpPr>
           <a:xfrm>
-            <a:off x="3563874" y="5913528"/>
-            <a:ext cx="17256252" cy="6633950"/>
-            <a:chOff x="0" y="0"/>
-            <a:chExt cx="17256251" cy="6633949"/>
+            <a:off x="5639931" y="7608982"/>
+            <a:ext cx="13875841" cy="4643356"/>
+            <a:chOff x="-38100" y="141382"/>
+            <a:chExt cx="13875839" cy="4643354"/>
           </a:xfrm>
         </p:grpSpPr>
-        <p:pic>
-          <p:nvPicPr>
-            <p:cNvPr id="255" name="Image" descr="Image"/>
-            <p:cNvPicPr>
-              <a:picLocks noChangeAspect="1"/>
-            </p:cNvPicPr>
-            <p:nvPr/>
-          </p:nvPicPr>
-          <p:blipFill>
-            <a:blip r:embed="rId3">
-              <a:extLst/>
-            </a:blip>
-            <a:stretch>
-              <a:fillRect/>
-            </a:stretch>
-          </p:blipFill>
-          <p:spPr>
-            <a:xfrm>
-              <a:off x="0" y="0"/>
-              <a:ext cx="9162585" cy="6633950"/>
-            </a:xfrm>
-            <a:prstGeom prst="rect">
-              <a:avLst/>
-            </a:prstGeom>
-            <a:ln w="12700" cap="flat">
-              <a:noFill/>
-              <a:miter lim="400000"/>
-            </a:ln>
-            <a:effectLst/>
-          </p:spPr>
-        </p:pic>
         <p:pic>
           <p:nvPicPr>
             <p:cNvPr id="256" name="Line Line" descr="Line Line"/>
@@ -7622,8 +7618,8 @@
           </p:blipFill>
           <p:spPr>
             <a:xfrm rot="10800000">
-              <a:off x="2706938" y="2235408"/>
-              <a:ext cx="9204304" cy="352235"/>
+              <a:off x="683614" y="694037"/>
+              <a:ext cx="9100770" cy="352234"/>
             </a:xfrm>
             <a:prstGeom prst="rect">
               <a:avLst/>
@@ -7649,7 +7645,7 @@
           </p:blipFill>
           <p:spPr>
             <a:xfrm rot="10800000">
-              <a:off x="2088757" y="2788062"/>
+              <a:off x="-38101" y="1233990"/>
               <a:ext cx="9822486" cy="352235"/>
             </a:xfrm>
             <a:prstGeom prst="rect">
@@ -7676,7 +7672,7 @@
           </p:blipFill>
           <p:spPr>
             <a:xfrm rot="10800000">
-              <a:off x="6415559" y="3340716"/>
+              <a:off x="4288701" y="1723144"/>
               <a:ext cx="5495684" cy="352235"/>
             </a:xfrm>
             <a:prstGeom prst="rect">
@@ -7703,7 +7699,7 @@
           </p:blipFill>
           <p:spPr>
             <a:xfrm rot="10800000">
-              <a:off x="3025193" y="3893371"/>
+              <a:off x="898335" y="2263099"/>
               <a:ext cx="8886050" cy="352234"/>
             </a:xfrm>
             <a:prstGeom prst="rect">
@@ -7730,8 +7726,8 @@
           </p:blipFill>
           <p:spPr>
             <a:xfrm rot="10800000">
-              <a:off x="3680221" y="4981592"/>
-              <a:ext cx="8231022" cy="352234"/>
+              <a:off x="1321166" y="3338620"/>
+              <a:ext cx="8446897" cy="352235"/>
             </a:xfrm>
             <a:prstGeom prst="rect">
               <a:avLst/>
@@ -7742,15 +7738,15 @@
         <p:sp>
           <p:nvSpPr>
             <p:cNvPr id="266" name="Compose File 版本"/>
-            <p:cNvSpPr txBox="1"/>
+            <p:cNvSpPr/>
             <p:nvPr/>
           </p:nvSpPr>
           <p:spPr>
             <a:xfrm>
-              <a:off x="12132944" y="1541371"/>
-              <a:ext cx="3478531" cy="635001"/>
+              <a:off x="11745350" y="317500"/>
+              <a:ext cx="1270001" cy="1270000"/>
             </a:xfrm>
-            <a:prstGeom prst="rect">
+            <a:prstGeom prst="line">
               <a:avLst/>
             </a:prstGeom>
             <a:noFill/>
@@ -7781,15 +7777,15 @@
         <p:sp>
           <p:nvSpPr>
             <p:cNvPr id="267" name="Container List"/>
-            <p:cNvSpPr txBox="1"/>
+            <p:cNvSpPr/>
             <p:nvPr/>
           </p:nvSpPr>
           <p:spPr>
             <a:xfrm>
-              <a:off x="12132943" y="2131301"/>
-              <a:ext cx="2668144" cy="560449"/>
+              <a:off x="11340157" y="870153"/>
+              <a:ext cx="1270001" cy="1270001"/>
             </a:xfrm>
-            <a:prstGeom prst="rect">
+            <a:prstGeom prst="line">
               <a:avLst/>
             </a:prstGeom>
             <a:noFill/>
@@ -7820,15 +7816,15 @@
         <p:sp>
           <p:nvSpPr>
             <p:cNvPr id="268" name="在此 Compose 群組中的名稱"/>
-            <p:cNvSpPr txBox="1"/>
+            <p:cNvSpPr/>
             <p:nvPr/>
           </p:nvSpPr>
           <p:spPr>
             <a:xfrm>
-              <a:off x="12132944" y="2646679"/>
-              <a:ext cx="5123308" cy="635001"/>
+              <a:off x="12567739" y="1410107"/>
+              <a:ext cx="1270001" cy="1270001"/>
             </a:xfrm>
-            <a:prstGeom prst="rect">
+            <a:prstGeom prst="line">
               <a:avLst/>
             </a:prstGeom>
             <a:noFill/>
@@ -7859,15 +7855,15 @@
         <p:sp>
           <p:nvSpPr>
             <p:cNvPr id="269" name="Container 使用的 Image"/>
-            <p:cNvSpPr txBox="1"/>
+            <p:cNvSpPr/>
             <p:nvPr/>
           </p:nvSpPr>
           <p:spPr>
             <a:xfrm>
-              <a:off x="12132944" y="3199333"/>
-              <a:ext cx="4381882" cy="635001"/>
+              <a:off x="12197026" y="1899261"/>
+              <a:ext cx="1270001" cy="1270001"/>
             </a:xfrm>
-            <a:prstGeom prst="rect">
+            <a:prstGeom prst="line">
               <a:avLst/>
             </a:prstGeom>
             <a:noFill/>
@@ -7898,15 +7894,15 @@
         <p:sp>
           <p:nvSpPr>
             <p:cNvPr id="270" name="Port 對映"/>
-            <p:cNvSpPr txBox="1"/>
+            <p:cNvSpPr/>
             <p:nvPr/>
           </p:nvSpPr>
           <p:spPr>
             <a:xfrm>
-              <a:off x="12132944" y="3751987"/>
-              <a:ext cx="1751458" cy="635001"/>
+              <a:off x="10881814" y="2439216"/>
+              <a:ext cx="1270001" cy="1270001"/>
             </a:xfrm>
-            <a:prstGeom prst="rect">
+            <a:prstGeom prst="line">
               <a:avLst/>
             </a:prstGeom>
             <a:noFill/>
@@ -7937,15 +7933,15 @@
         <p:sp>
           <p:nvSpPr>
             <p:cNvPr id="271" name="Volume 對映"/>
-            <p:cNvSpPr txBox="1"/>
+            <p:cNvSpPr/>
             <p:nvPr/>
           </p:nvSpPr>
           <p:spPr>
             <a:xfrm>
-              <a:off x="12132943" y="4840209"/>
-              <a:ext cx="2322196" cy="635001"/>
+              <a:off x="11167183" y="3514737"/>
+              <a:ext cx="1270001" cy="1270001"/>
             </a:xfrm>
-            <a:prstGeom prst="rect">
+            <a:prstGeom prst="line">
               <a:avLst/>
             </a:prstGeom>
             <a:noFill/>
@@ -7991,8 +7987,8 @@
           </p:blipFill>
           <p:spPr>
             <a:xfrm rot="10800000">
-              <a:off x="4048832" y="1682754"/>
-              <a:ext cx="7864921" cy="352235"/>
+              <a:off x="1921974" y="141383"/>
+              <a:ext cx="7864921" cy="352234"/>
             </a:xfrm>
             <a:prstGeom prst="rect">
               <a:avLst/>
@@ -9826,13 +9822,23 @@
           <a:bodyPr/>
           <a:lstStyle/>
           <a:p>
-            <a:pPr/>
+            <a:pPr marL="615950" indent="-615950" defTabSz="800735">
+              <a:spcBef>
+                <a:spcPts val="1300"/>
+              </a:spcBef>
+              <a:defRPr sz="4656"/>
+            </a:pPr>
             <a:r>
               <a:t>Docker != Contianer</a:t>
             </a:r>
           </a:p>
           <a:p>
-            <a:pPr/>
+            <a:pPr marL="615950" indent="-615950" defTabSz="800735">
+              <a:spcBef>
+                <a:spcPts val="1300"/>
+              </a:spcBef>
+              <a:defRPr sz="4656"/>
+            </a:pPr>
             <a:r>
               <a:rPr u="sng">
                 <a:solidFill>
@@ -9844,13 +9850,23 @@
             </a:r>
           </a:p>
           <a:p>
-            <a:pPr lvl="1"/>
+            <a:pPr lvl="1" marL="1231900" indent="-615950" defTabSz="800735">
+              <a:spcBef>
+                <a:spcPts val="1300"/>
+              </a:spcBef>
+              <a:defRPr sz="4074"/>
+            </a:pPr>
             <a:r>
               <a:t>定義 Runtime 以及 Image 兩個標準規範 Container</a:t>
             </a:r>
           </a:p>
           <a:p>
-            <a:pPr/>
+            <a:pPr marL="615950" indent="-615950" defTabSz="800735">
+              <a:spcBef>
+                <a:spcPts val="1300"/>
+              </a:spcBef>
+              <a:defRPr sz="4656"/>
+            </a:pPr>
             <a:r>
               <a:rPr u="sng">
                 <a:solidFill>
@@ -9862,19 +9878,34 @@
             </a:r>
           </a:p>
           <a:p>
-            <a:pPr lvl="1"/>
+            <a:pPr lvl="1" marL="1231900" indent="-615950" defTabSz="800735">
+              <a:spcBef>
+                <a:spcPts val="1300"/>
+              </a:spcBef>
+              <a:defRPr sz="4074"/>
+            </a:pPr>
             <a:r>
               <a:t>由 K8s 提出的介面標準，只要 Container Runtime 有實作 ORI 介面就可以被 K8s 管理</a:t>
             </a:r>
           </a:p>
           <a:p>
-            <a:pPr/>
-            <a:r>
-              <a:t>K8s v1.20 之後開始棄用 Docker !? </a:t>
-            </a:r>
-          </a:p>
-          <a:p>
-            <a:pPr lvl="1"/>
+            <a:pPr marL="615950" indent="-615950" defTabSz="800735">
+              <a:spcBef>
+                <a:spcPts val="1300"/>
+              </a:spcBef>
+              <a:defRPr sz="4656"/>
+            </a:pPr>
+            <a:r>
+              <a:t>Docker Alternatives</a:t>
+            </a:r>
+          </a:p>
+          <a:p>
+            <a:pPr lvl="1" marL="1231900" indent="-615950" defTabSz="800735">
+              <a:spcBef>
+                <a:spcPts val="1300"/>
+              </a:spcBef>
+              <a:defRPr sz="4074"/>
+            </a:pPr>
             <a:r>
               <a:rPr u="sng">
                 <a:solidFill>
@@ -9882,17 +9913,74 @@
                 </a:solidFill>
                 <a:hlinkClick r:id="rId4" invalidUrl="" action="" tgtFrame="" tooltip="" history="1" highlightClick="0" endSnd="0"/>
               </a:rPr>
-              <a:t>Don't Panic: Kubernetes and Docker</a:t>
-            </a:r>
-          </a:p>
-          <a:p>
-            <a:pPr lvl="1"/>
+              <a:t>Buildah</a:t>
+            </a:r>
+            <a:r>
+              <a:t>、</a:t>
+            </a:r>
             <a:r>
               <a:rPr u="sng">
                 <a:solidFill>
                   <a:schemeClr val="accent1"/>
                 </a:solidFill>
                 <a:hlinkClick r:id="rId5" invalidUrl="" action="" tgtFrame="" tooltip="" history="1" highlightClick="0" endSnd="0"/>
+              </a:rPr>
+              <a:t>Podman</a:t>
+            </a:r>
+            <a:r>
+              <a:t>、</a:t>
+            </a:r>
+            <a:r>
+              <a:rPr u="sng">
+                <a:solidFill>
+                  <a:schemeClr val="accent1"/>
+                </a:solidFill>
+                <a:hlinkClick r:id="rId6" invalidUrl="" action="" tgtFrame="" tooltip="" history="1" highlightClick="0" endSnd="0"/>
+              </a:rPr>
+              <a:t>Kaniko</a:t>
+            </a:r>
+          </a:p>
+          <a:p>
+            <a:pPr marL="615950" indent="-615950" defTabSz="800735">
+              <a:spcBef>
+                <a:spcPts val="1300"/>
+              </a:spcBef>
+              <a:defRPr sz="4656"/>
+            </a:pPr>
+            <a:r>
+              <a:t>K8s v1.20 之後開始棄用 Docker !? </a:t>
+            </a:r>
+          </a:p>
+          <a:p>
+            <a:pPr lvl="1" marL="1231900" indent="-615950" defTabSz="800735">
+              <a:spcBef>
+                <a:spcPts val="1300"/>
+              </a:spcBef>
+              <a:defRPr sz="4074"/>
+            </a:pPr>
+            <a:r>
+              <a:rPr u="sng">
+                <a:solidFill>
+                  <a:schemeClr val="accent1"/>
+                </a:solidFill>
+                <a:hlinkClick r:id="rId7" invalidUrl="" action="" tgtFrame="" tooltip="" history="1" highlightClick="0" endSnd="0"/>
+              </a:rPr>
+              <a:t>Don't Panic: Kubernetes and Docker</a:t>
+            </a:r>
+          </a:p>
+          <a:p>
+            <a:pPr lvl="1" marL="1231900" indent="-615950" defTabSz="800735">
+              <a:spcBef>
+                <a:spcPts val="1300"/>
+              </a:spcBef>
+              <a:defRPr sz="4074"/>
+            </a:pPr>
+            <a:r>
+              <a:rPr u="sng">
+                <a:solidFill>
+                  <a:schemeClr val="accent1"/>
+                </a:solidFill>
+                <a:hlinkClick r:id="rId8" invalidUrl="" action="" tgtFrame="" tooltip="" history="1" highlightClick="0" endSnd="0"/>
               </a:rPr>
               <a:t>[FB] 對開發人員與維運人員的影響</a:t>
             </a:r>
@@ -10889,7 +10977,12 @@
           <a:bodyPr/>
           <a:lstStyle/>
           <a:p>
-            <a:pPr/>
+            <a:pPr marL="603250" indent="-603250" defTabSz="784225">
+              <a:spcBef>
+                <a:spcPts val="1300"/>
+              </a:spcBef>
+              <a:defRPr sz="4560"/>
+            </a:pPr>
             <a:r>
               <a:rPr u="sng">
                 <a:solidFill>
@@ -10901,7 +10994,12 @@
             </a:r>
           </a:p>
           <a:p>
-            <a:pPr/>
+            <a:pPr marL="603250" indent="-603250" defTabSz="784225">
+              <a:spcBef>
+                <a:spcPts val="1300"/>
+              </a:spcBef>
+              <a:defRPr sz="4560"/>
+            </a:pPr>
             <a:r>
               <a:rPr u="sng">
                 <a:solidFill>
@@ -10913,7 +11011,12 @@
             </a:r>
           </a:p>
           <a:p>
-            <a:pPr/>
+            <a:pPr marL="603250" indent="-603250" defTabSz="784225">
+              <a:spcBef>
+                <a:spcPts val="1300"/>
+              </a:spcBef>
+              <a:defRPr sz="4560"/>
+            </a:pPr>
             <a:r>
               <a:rPr u="sng">
                 <a:solidFill>
@@ -10925,7 +11028,12 @@
             </a:r>
           </a:p>
           <a:p>
-            <a:pPr/>
+            <a:pPr marL="603250" indent="-603250" defTabSz="784225">
+              <a:spcBef>
+                <a:spcPts val="1300"/>
+              </a:spcBef>
+              <a:defRPr sz="4560"/>
+            </a:pPr>
             <a:r>
               <a:rPr u="sng">
                 <a:solidFill>
@@ -10937,7 +11045,12 @@
             </a:r>
           </a:p>
           <a:p>
-            <a:pPr/>
+            <a:pPr marL="603250" indent="-603250" defTabSz="784225">
+              <a:spcBef>
+                <a:spcPts val="1300"/>
+              </a:spcBef>
+              <a:defRPr sz="4560"/>
+            </a:pPr>
             <a:r>
               <a:rPr u="sng">
                 <a:solidFill>
@@ -10949,7 +11062,12 @@
             </a:r>
           </a:p>
           <a:p>
-            <a:pPr/>
+            <a:pPr marL="603250" indent="-603250" defTabSz="784225">
+              <a:spcBef>
+                <a:spcPts val="1300"/>
+              </a:spcBef>
+              <a:defRPr sz="4560"/>
+            </a:pPr>
             <a:r>
               <a:rPr u="sng">
                 <a:solidFill>
@@ -10961,7 +11079,12 @@
             </a:r>
           </a:p>
           <a:p>
-            <a:pPr/>
+            <a:pPr marL="603250" indent="-603250" defTabSz="784225">
+              <a:spcBef>
+                <a:spcPts val="1300"/>
+              </a:spcBef>
+              <a:defRPr sz="4560"/>
+            </a:pPr>
             <a:r>
               <a:rPr u="sng">
                 <a:solidFill>
@@ -10973,7 +11096,12 @@
             </a:r>
           </a:p>
           <a:p>
-            <a:pPr/>
+            <a:pPr marL="603250" indent="-603250" defTabSz="784225">
+              <a:spcBef>
+                <a:spcPts val="1300"/>
+              </a:spcBef>
+              <a:defRPr sz="4560"/>
+            </a:pPr>
             <a:r>
               <a:rPr u="sng">
                 <a:solidFill>
@@ -10985,7 +11113,12 @@
             </a:r>
           </a:p>
           <a:p>
-            <a:pPr/>
+            <a:pPr marL="603250" indent="-603250" defTabSz="784225">
+              <a:spcBef>
+                <a:spcPts val="1300"/>
+              </a:spcBef>
+              <a:defRPr sz="4560"/>
+            </a:pPr>
             <a:r>
               <a:rPr u="sng">
                 <a:solidFill>
@@ -10994,6 +11127,23 @@
                 <a:hlinkClick r:id="rId10" invalidUrl="" action="" tgtFrame="" tooltip="" history="1" highlightClick="0" endSnd="0"/>
               </a:rPr>
               <a:t>邱牛 iThome 鐵人賽 K8s 系列文</a:t>
+            </a:r>
+          </a:p>
+          <a:p>
+            <a:pPr marL="603250" indent="-603250" defTabSz="784225">
+              <a:spcBef>
+                <a:spcPts val="1300"/>
+              </a:spcBef>
+              <a:defRPr sz="4560"/>
+            </a:pPr>
+            <a:r>
+              <a:rPr u="sng">
+                <a:solidFill>
+                  <a:schemeClr val="accent1"/>
+                </a:solidFill>
+                <a:hlinkClick r:id="rId11" invalidUrl="" action="" tgtFrame="" tooltip="" history="1" highlightClick="0" endSnd="0"/>
+              </a:rPr>
+              <a:t>Docker Images Without Docker — A Practical Guide</a:t>
             </a:r>
           </a:p>
         </p:txBody>

--- a/docker-tutorial.pptx
+++ b/docker-tutorial.pptx
@@ -57,6 +57,7 @@
     <p:sldId id="302" r:id="rId54"/>
     <p:sldId id="303" r:id="rId55"/>
     <p:sldId id="304" r:id="rId56"/>
+    <p:sldId id="305" r:id="rId57"/>
   </p:sldIdLst>
   <p:sldSz cx="24384000" cy="13716000"/>
   <p:notesSz cx="6858000" cy="9144000"/>
@@ -4335,7 +4336,7 @@
               <a:defRPr sz="4074"/>
             </a:pPr>
             <a:r>
-              <a:t>Container 關掉後東西是會不見的</a:t>
+              <a:t>Container 關掉後東西是會不見的，如果有資料要保存必須存入於掛載的 Volume 中</a:t>
             </a:r>
           </a:p>
           <a:p>
@@ -4405,6 +4406,9 @@
             </a:r>
             <a:r>
               <a:rPr u="sng">
+                <a:solidFill>
+                  <a:schemeClr val="accent1"/>
+                </a:solidFill>
                 <a:hlinkClick r:id="rId2" invalidUrl="" action="" tgtFrame="" tooltip="" history="1" highlightClick="0" endSnd="0"/>
               </a:rPr>
               <a:t>Daemon</a:t>
@@ -4494,6 +4498,9 @@
             </a:r>
             <a:r>
               <a:rPr u="sng">
+                <a:solidFill>
+                  <a:schemeClr val="accent1"/>
+                </a:solidFill>
                 <a:hlinkClick r:id="rId2" invalidUrl="" action="" tgtFrame="" tooltip="" history="1" highlightClick="0" endSnd="0"/>
               </a:rPr>
               <a:t>Docker Doc</a:t>
@@ -4797,6 +4804,9 @@
               </a:r>
               <a:r>
                 <a:rPr u="sng">
+                  <a:solidFill>
+                    <a:schemeClr val="accent1"/>
+                  </a:solidFill>
                   <a:hlinkClick r:id="rId3" invalidUrl="" action="" tgtFrame="" tooltip="" history="1" highlightClick="0" endSnd="0"/>
                 </a:rPr>
                 <a:t>sl package</a:t>
@@ -7071,6 +7081,9 @@
             </a:r>
             <a:r>
               <a:rPr u="sng">
+                <a:solidFill>
+                  <a:schemeClr val="accent1"/>
+                </a:solidFill>
                 <a:hlinkClick r:id="rId4" invalidUrl="" action="" tgtFrame="" tooltip="" history="1" highlightClick="0" endSnd="0"/>
               </a:rPr>
               <a:t>CNCF</a:t>
@@ -7232,15 +7245,12 @@
             </a:r>
           </a:p>
           <a:p>
-            <a:pPr lvl="2">
-              <a:defRPr>
+            <a:pPr lvl="2"/>
+            <a:r>
+              <a:rPr u="sng">
                 <a:solidFill>
                   <a:schemeClr val="accent1"/>
                 </a:solidFill>
-              </a:defRPr>
-            </a:pPr>
-            <a:r>
-              <a:rPr u="sng">
                 <a:hlinkClick r:id="rId2" invalidUrl="" action="" tgtFrame="" tooltip="" history="1" highlightClick="0" endSnd="0"/>
               </a:rPr>
               <a:t>Spring Cloud</a:t>
@@ -7384,10 +7394,25 @@
           </a:prstGeom>
         </p:spPr>
         <p:txBody>
-          <a:bodyPr/>
-          <a:lstStyle/>
-          <a:p>
-            <a:pPr/>
+          <a:bodyPr anchor="t"/>
+          <a:lstStyle>
+            <a:lvl1pPr>
+              <a:defRPr u="sng">
+                <a:solidFill>
+                  <a:schemeClr val="accent1"/>
+                </a:solidFill>
+                <a:hlinkClick r:id="rId2" invalidUrl="" action="" tgtFrame="" tooltip="" history="1" highlightClick="0" endSnd="0"/>
+              </a:defRPr>
+            </a:lvl1pPr>
+          </a:lstStyle>
+          <a:p>
+            <a:pPr>
+              <a:defRPr u="none">
+                <a:solidFill>
+                  <a:srgbClr val="000000"/>
+                </a:solidFill>
+              </a:defRPr>
+            </a:pPr>
             <a:r>
               <a:rPr u="sng">
                 <a:solidFill>
@@ -7402,42 +7427,6 @@
             <a:pPr lvl="1"/>
             <a:r>
               <a:t>可以透過 compose file (YAML) 定義一個或多個 Container，並透過 docker-compose up 啟動</a:t>
-            </a:r>
-          </a:p>
-          <a:p>
-            <a:pPr lvl="1"/>
-            <a:r>
-              <a:t>仍是使用 docker 的指令管理 Container，docker 可以增加的設定都可以在 compose file 中</a:t>
-            </a:r>
-          </a:p>
-          <a:p>
-            <a:pPr lvl="1"/>
-            <a:r>
-              <a:t>使用場景</a:t>
-            </a:r>
-          </a:p>
-          <a:p>
-            <a:pPr lvl="2"/>
-            <a:r>
-              <a:t>docker run 的各種參數長到難以閱讀時</a:t>
-            </a:r>
-          </a:p>
-          <a:p>
-            <a:pPr lvl="2"/>
-            <a:r>
-              <a:t>Container 需要重複啟用時，但又不想把 docker run 存成 shell 時</a:t>
-            </a:r>
-          </a:p>
-          <a:p>
-            <a:pPr lvl="2"/>
-            <a:r>
-              <a:t>服務需要多個 Container 互相串聯時，如 DB、Application、Proxy</a:t>
-            </a:r>
-          </a:p>
-          <a:p>
-            <a:pPr lvl="2"/>
-            <a:r>
-              <a:t>除了建完就刪的測試用 Container，一律建議都使用 docker-compose 管理</a:t>
             </a:r>
           </a:p>
         </p:txBody>
@@ -7460,8 +7449,8 @@
         </p:blipFill>
         <p:spPr>
           <a:xfrm>
-            <a:off x="20065217" y="9204128"/>
-            <a:ext cx="3613908" cy="3957229"/>
+            <a:off x="20890955" y="9925023"/>
+            <a:ext cx="3343093" cy="3660688"/>
           </a:xfrm>
           <a:prstGeom prst="rect">
             <a:avLst/>
@@ -7471,6 +7460,83 @@
           </a:ln>
         </p:spPr>
       </p:pic>
+      <p:grpSp>
+        <p:nvGrpSpPr>
+          <p:cNvPr id="254" name="Group"/>
+          <p:cNvGrpSpPr/>
+          <p:nvPr/>
+        </p:nvGrpSpPr>
+        <p:grpSpPr>
+          <a:xfrm>
+            <a:off x="4515110" y="6036929"/>
+            <a:ext cx="15353780" cy="5722463"/>
+            <a:chOff x="0" y="0"/>
+            <a:chExt cx="15353779" cy="5722462"/>
+          </a:xfrm>
+        </p:grpSpPr>
+        <p:pic>
+          <p:nvPicPr>
+            <p:cNvPr id="252" name="Group" descr="Group"/>
+            <p:cNvPicPr>
+              <a:picLocks noChangeAspect="1"/>
+            </p:cNvPicPr>
+            <p:nvPr/>
+          </p:nvPicPr>
+          <p:blipFill>
+            <a:blip r:embed="rId4">
+              <a:extLst/>
+            </a:blip>
+            <a:stretch>
+              <a:fillRect/>
+            </a:stretch>
+          </p:blipFill>
+          <p:spPr>
+            <a:xfrm>
+              <a:off x="7142174" y="0"/>
+              <a:ext cx="8211606" cy="5722463"/>
+            </a:xfrm>
+            <a:prstGeom prst="rect">
+              <a:avLst/>
+            </a:prstGeom>
+            <a:ln w="12700" cap="flat">
+              <a:noFill/>
+              <a:miter lim="400000"/>
+            </a:ln>
+            <a:effectLst/>
+          </p:spPr>
+        </p:pic>
+        <p:pic>
+          <p:nvPicPr>
+            <p:cNvPr id="253" name="Image" descr="Image"/>
+            <p:cNvPicPr>
+              <a:picLocks noChangeAspect="1"/>
+            </p:cNvPicPr>
+            <p:nvPr/>
+          </p:nvPicPr>
+          <p:blipFill>
+            <a:blip r:embed="rId5">
+              <a:extLst/>
+            </a:blip>
+            <a:stretch>
+              <a:fillRect/>
+            </a:stretch>
+          </p:blipFill>
+          <p:spPr>
+            <a:xfrm>
+              <a:off x="0" y="2061131"/>
+              <a:ext cx="5232400" cy="1600201"/>
+            </a:xfrm>
+            <a:prstGeom prst="rect">
+              <a:avLst/>
+            </a:prstGeom>
+            <a:ln w="12700" cap="flat">
+              <a:noFill/>
+              <a:miter lim="400000"/>
+            </a:ln>
+            <a:effectLst/>
+          </p:spPr>
+        </p:pic>
+      </p:grpSp>
     </p:spTree>
   </p:cSld>
   <p:clrMapOvr>
@@ -7499,7 +7565,31 @@
       </p:grpSpPr>
       <p:sp>
         <p:nvSpPr>
-          <p:cNvPr id="253" name="Compose file 有版本之分 (Docker Compose Docs)，支援的 Docker Engine 版本不同，部分參數設定方式也有所不同，使用時須多加注意"/>
+          <p:cNvPr id="256" name="Container - docker-compose"/>
+          <p:cNvSpPr txBox="1"/>
+          <p:nvPr>
+            <p:ph type="title"/>
+          </p:nvPr>
+        </p:nvSpPr>
+        <p:spPr>
+          <a:prstGeom prst="rect">
+            <a:avLst/>
+          </a:prstGeom>
+        </p:spPr>
+        <p:txBody>
+          <a:bodyPr/>
+          <a:lstStyle/>
+          <a:p>
+            <a:pPr/>
+            <a:r>
+              <a:t>Container - docker-compose</a:t>
+            </a:r>
+          </a:p>
+        </p:txBody>
+      </p:sp>
+      <p:sp>
+        <p:nvSpPr>
+          <p:cNvPr id="257" name="Compose file 有版本之分 (Docker Compose Docs)，支援的 Docker Engine 版本不同，部分參數設定方式也有所不同，使用時須多加注意"/>
           <p:cNvSpPr txBox="1"/>
           <p:nvPr>
             <p:ph type="body" idx="1"/>
@@ -7533,83 +7623,30 @@
           </a:p>
         </p:txBody>
       </p:sp>
-      <p:pic>
-        <p:nvPicPr>
-          <p:cNvPr id="254" name="Image" descr="Image"/>
-          <p:cNvPicPr>
-            <a:picLocks noChangeAspect="1"/>
-          </p:cNvPicPr>
-          <p:nvPr/>
-        </p:nvPicPr>
-        <p:blipFill>
-          <a:blip r:embed="rId3">
-            <a:extLst/>
-          </a:blip>
-          <a:stretch>
-            <a:fillRect/>
-          </a:stretch>
-        </p:blipFill>
-        <p:spPr>
-          <a:xfrm>
-            <a:off x="3623325" y="6020022"/>
-            <a:ext cx="9156701" cy="6381076"/>
-          </a:xfrm>
-          <a:prstGeom prst="rect">
-            <a:avLst/>
-          </a:prstGeom>
-          <a:ln w="12700">
-            <a:miter lim="400000"/>
-          </a:ln>
-        </p:spPr>
-      </p:pic>
-      <p:sp>
-        <p:nvSpPr>
-          <p:cNvPr id="255" name="Container - docker-compose"/>
-          <p:cNvSpPr txBox="1"/>
-          <p:nvPr>
-            <p:ph type="title"/>
-          </p:nvPr>
-        </p:nvSpPr>
-        <p:spPr>
-          <a:prstGeom prst="rect">
-            <a:avLst/>
-          </a:prstGeom>
-        </p:spPr>
-        <p:txBody>
-          <a:bodyPr/>
-          <a:lstStyle/>
-          <a:p>
-            <a:pPr/>
-            <a:r>
-              <a:t>Container - docker-compose</a:t>
-            </a:r>
-          </a:p>
-        </p:txBody>
-      </p:sp>
       <p:grpSp>
         <p:nvGrpSpPr>
-          <p:cNvPr id="274" name="Group"/>
+          <p:cNvPr id="278" name="Group"/>
           <p:cNvGrpSpPr/>
           <p:nvPr/>
         </p:nvGrpSpPr>
         <p:grpSpPr>
           <a:xfrm>
-            <a:off x="5639931" y="7608982"/>
-            <a:ext cx="13875841" cy="4643356"/>
-            <a:chOff x="-38100" y="141382"/>
-            <a:chExt cx="13875839" cy="4643354"/>
+            <a:off x="3599949" y="7007955"/>
+            <a:ext cx="15892448" cy="6381077"/>
+            <a:chOff x="0" y="0"/>
+            <a:chExt cx="15892446" cy="6381075"/>
           </a:xfrm>
         </p:grpSpPr>
         <p:pic>
           <p:nvPicPr>
-            <p:cNvPr id="256" name="Line Line" descr="Line Line"/>
+            <p:cNvPr id="258" name="Image" descr="Image"/>
             <p:cNvPicPr>
-              <a:picLocks noChangeAspect="0"/>
+              <a:picLocks noChangeAspect="1"/>
             </p:cNvPicPr>
             <p:nvPr/>
           </p:nvPicPr>
           <p:blipFill>
-            <a:blip r:embed="rId4">
+            <a:blip r:embed="rId3">
               <a:extLst/>
             </a:blip>
             <a:stretch>
@@ -7617,386 +7654,487 @@
             </a:stretch>
           </p:blipFill>
           <p:spPr>
-            <a:xfrm rot="10800000">
-              <a:off x="683614" y="694037"/>
-              <a:ext cx="9100770" cy="352234"/>
+            <a:xfrm>
+              <a:off x="0" y="0"/>
+              <a:ext cx="9156700" cy="6381076"/>
             </a:xfrm>
             <a:prstGeom prst="rect">
               <a:avLst/>
             </a:prstGeom>
-            <a:effectLst/>
-          </p:spPr>
-        </p:pic>
-        <p:pic>
-          <p:nvPicPr>
-            <p:cNvPr id="258" name="Line Line" descr="Line Line"/>
-            <p:cNvPicPr>
-              <a:picLocks noChangeAspect="0"/>
-            </p:cNvPicPr>
-            <p:nvPr/>
-          </p:nvPicPr>
-          <p:blipFill>
-            <a:blip r:embed="rId5">
-              <a:extLst/>
-            </a:blip>
-            <a:stretch>
-              <a:fillRect/>
-            </a:stretch>
-          </p:blipFill>
-          <p:spPr>
-            <a:xfrm rot="10800000">
-              <a:off x="-38101" y="1233990"/>
-              <a:ext cx="9822486" cy="352235"/>
-            </a:xfrm>
-            <a:prstGeom prst="rect">
-              <a:avLst/>
-            </a:prstGeom>
-            <a:effectLst/>
-          </p:spPr>
-        </p:pic>
-        <p:pic>
-          <p:nvPicPr>
-            <p:cNvPr id="260" name="Line Line" descr="Line Line"/>
-            <p:cNvPicPr>
-              <a:picLocks noChangeAspect="0"/>
-            </p:cNvPicPr>
-            <p:nvPr/>
-          </p:nvPicPr>
-          <p:blipFill>
-            <a:blip r:embed="rId6">
-              <a:extLst/>
-            </a:blip>
-            <a:stretch>
-              <a:fillRect/>
-            </a:stretch>
-          </p:blipFill>
-          <p:spPr>
-            <a:xfrm rot="10800000">
-              <a:off x="4288701" y="1723144"/>
-              <a:ext cx="5495684" cy="352235"/>
-            </a:xfrm>
-            <a:prstGeom prst="rect">
-              <a:avLst/>
-            </a:prstGeom>
-            <a:effectLst/>
-          </p:spPr>
-        </p:pic>
-        <p:pic>
-          <p:nvPicPr>
-            <p:cNvPr id="262" name="Line Line" descr="Line Line"/>
-            <p:cNvPicPr>
-              <a:picLocks noChangeAspect="0"/>
-            </p:cNvPicPr>
-            <p:nvPr/>
-          </p:nvPicPr>
-          <p:blipFill>
-            <a:blip r:embed="rId7">
-              <a:extLst/>
-            </a:blip>
-            <a:stretch>
-              <a:fillRect/>
-            </a:stretch>
-          </p:blipFill>
-          <p:spPr>
-            <a:xfrm rot="10800000">
-              <a:off x="898335" y="2263099"/>
-              <a:ext cx="8886050" cy="352234"/>
-            </a:xfrm>
-            <a:prstGeom prst="rect">
-              <a:avLst/>
-            </a:prstGeom>
-            <a:effectLst/>
-          </p:spPr>
-        </p:pic>
-        <p:pic>
-          <p:nvPicPr>
-            <p:cNvPr id="264" name="Line Line" descr="Line Line"/>
-            <p:cNvPicPr>
-              <a:picLocks noChangeAspect="0"/>
-            </p:cNvPicPr>
-            <p:nvPr/>
-          </p:nvPicPr>
-          <p:blipFill>
-            <a:blip r:embed="rId8">
-              <a:extLst/>
-            </a:blip>
-            <a:stretch>
-              <a:fillRect/>
-            </a:stretch>
-          </p:blipFill>
-          <p:spPr>
-            <a:xfrm rot="10800000">
-              <a:off x="1321166" y="3338620"/>
-              <a:ext cx="8446897" cy="352235"/>
-            </a:xfrm>
-            <a:prstGeom prst="rect">
-              <a:avLst/>
-            </a:prstGeom>
-            <a:effectLst/>
-          </p:spPr>
-        </p:pic>
-        <p:sp>
-          <p:nvSpPr>
-            <p:cNvPr id="266" name="Compose File 版本"/>
-            <p:cNvSpPr/>
-            <p:nvPr/>
-          </p:nvSpPr>
-          <p:spPr>
-            <a:xfrm>
-              <a:off x="11745350" y="317500"/>
-              <a:ext cx="1270001" cy="1270000"/>
-            </a:xfrm>
-            <a:prstGeom prst="line">
-              <a:avLst/>
-            </a:prstGeom>
-            <a:noFill/>
             <a:ln w="12700" cap="flat">
               <a:noFill/>
               <a:miter lim="400000"/>
             </a:ln>
             <a:effectLst/>
-            <a:extLst>
-              <a:ext uri="{C572A759-6A51-4108-AA02-DFA0A04FC94B}">
-                <ma14:wrappingTextBoxFlag xmlns:ma14="http://schemas.microsoft.com/office/mac/drawingml/2011/main" val="1"/>
-              </a:ext>
-            </a:extLst>
-          </p:spPr>
-          <p:txBody>
-            <a:bodyPr wrap="none" lIns="50800" tIns="50800" rIns="50800" bIns="50800" numCol="1" anchor="ctr">
-              <a:spAutoFit/>
-            </a:bodyPr>
-            <a:lstStyle/>
-            <a:p>
-              <a:pPr/>
-              <a:r>
-                <a:t>Compose File 版本</a:t>
-              </a:r>
-            </a:p>
-          </p:txBody>
-        </p:sp>
-        <p:sp>
-          <p:nvSpPr>
-            <p:cNvPr id="267" name="Container List"/>
-            <p:cNvSpPr/>
-            <p:nvPr/>
-          </p:nvSpPr>
-          <p:spPr>
-            <a:xfrm>
-              <a:off x="11340157" y="870153"/>
-              <a:ext cx="1270001" cy="1270001"/>
-            </a:xfrm>
-            <a:prstGeom prst="line">
-              <a:avLst/>
-            </a:prstGeom>
-            <a:noFill/>
-            <a:ln w="12700" cap="flat">
-              <a:noFill/>
-              <a:miter lim="400000"/>
-            </a:ln>
-            <a:effectLst/>
-            <a:extLst>
-              <a:ext uri="{C572A759-6A51-4108-AA02-DFA0A04FC94B}">
-                <ma14:wrappingTextBoxFlag xmlns:ma14="http://schemas.microsoft.com/office/mac/drawingml/2011/main" val="1"/>
-              </a:ext>
-            </a:extLst>
-          </p:spPr>
-          <p:txBody>
-            <a:bodyPr wrap="none" lIns="50800" tIns="50800" rIns="50800" bIns="50800" numCol="1" anchor="ctr">
-              <a:spAutoFit/>
-            </a:bodyPr>
-            <a:lstStyle/>
-            <a:p>
-              <a:pPr/>
-              <a:r>
-                <a:t>Container List</a:t>
-              </a:r>
-            </a:p>
-          </p:txBody>
-        </p:sp>
-        <p:sp>
-          <p:nvSpPr>
-            <p:cNvPr id="268" name="在此 Compose 群組中的名稱"/>
-            <p:cNvSpPr/>
-            <p:nvPr/>
-          </p:nvSpPr>
-          <p:spPr>
-            <a:xfrm>
-              <a:off x="12567739" y="1410107"/>
-              <a:ext cx="1270001" cy="1270001"/>
-            </a:xfrm>
-            <a:prstGeom prst="line">
-              <a:avLst/>
-            </a:prstGeom>
-            <a:noFill/>
-            <a:ln w="12700" cap="flat">
-              <a:noFill/>
-              <a:miter lim="400000"/>
-            </a:ln>
-            <a:effectLst/>
-            <a:extLst>
-              <a:ext uri="{C572A759-6A51-4108-AA02-DFA0A04FC94B}">
-                <ma14:wrappingTextBoxFlag xmlns:ma14="http://schemas.microsoft.com/office/mac/drawingml/2011/main" val="1"/>
-              </a:ext>
-            </a:extLst>
-          </p:spPr>
-          <p:txBody>
-            <a:bodyPr wrap="none" lIns="50800" tIns="50800" rIns="50800" bIns="50800" numCol="1" anchor="ctr">
-              <a:spAutoFit/>
-            </a:bodyPr>
-            <a:lstStyle/>
-            <a:p>
-              <a:pPr/>
-              <a:r>
-                <a:t>在此 Compose 群組中的名稱</a:t>
-              </a:r>
-            </a:p>
-          </p:txBody>
-        </p:sp>
-        <p:sp>
-          <p:nvSpPr>
-            <p:cNvPr id="269" name="Container 使用的 Image"/>
-            <p:cNvSpPr/>
-            <p:nvPr/>
-          </p:nvSpPr>
-          <p:spPr>
-            <a:xfrm>
-              <a:off x="12197026" y="1899261"/>
-              <a:ext cx="1270001" cy="1270001"/>
-            </a:xfrm>
-            <a:prstGeom prst="line">
-              <a:avLst/>
-            </a:prstGeom>
-            <a:noFill/>
-            <a:ln w="12700" cap="flat">
-              <a:noFill/>
-              <a:miter lim="400000"/>
-            </a:ln>
-            <a:effectLst/>
-            <a:extLst>
-              <a:ext uri="{C572A759-6A51-4108-AA02-DFA0A04FC94B}">
-                <ma14:wrappingTextBoxFlag xmlns:ma14="http://schemas.microsoft.com/office/mac/drawingml/2011/main" val="1"/>
-              </a:ext>
-            </a:extLst>
-          </p:spPr>
-          <p:txBody>
-            <a:bodyPr wrap="none" lIns="50800" tIns="50800" rIns="50800" bIns="50800" numCol="1" anchor="ctr">
-              <a:spAutoFit/>
-            </a:bodyPr>
-            <a:lstStyle/>
-            <a:p>
-              <a:pPr/>
-              <a:r>
-                <a:t>Container 使用的 Image</a:t>
-              </a:r>
-            </a:p>
-          </p:txBody>
-        </p:sp>
-        <p:sp>
-          <p:nvSpPr>
-            <p:cNvPr id="270" name="Port 對映"/>
-            <p:cNvSpPr/>
-            <p:nvPr/>
-          </p:nvSpPr>
-          <p:spPr>
-            <a:xfrm>
-              <a:off x="10881814" y="2439216"/>
-              <a:ext cx="1270001" cy="1270001"/>
-            </a:xfrm>
-            <a:prstGeom prst="line">
-              <a:avLst/>
-            </a:prstGeom>
-            <a:noFill/>
-            <a:ln w="12700" cap="flat">
-              <a:noFill/>
-              <a:miter lim="400000"/>
-            </a:ln>
-            <a:effectLst/>
-            <a:extLst>
-              <a:ext uri="{C572A759-6A51-4108-AA02-DFA0A04FC94B}">
-                <ma14:wrappingTextBoxFlag xmlns:ma14="http://schemas.microsoft.com/office/mac/drawingml/2011/main" val="1"/>
-              </a:ext>
-            </a:extLst>
-          </p:spPr>
-          <p:txBody>
-            <a:bodyPr wrap="none" lIns="50800" tIns="50800" rIns="50800" bIns="50800" numCol="1" anchor="ctr">
-              <a:spAutoFit/>
-            </a:bodyPr>
-            <a:lstStyle/>
-            <a:p>
-              <a:pPr/>
-              <a:r>
-                <a:t>Port 對映</a:t>
-              </a:r>
-            </a:p>
-          </p:txBody>
-        </p:sp>
-        <p:sp>
-          <p:nvSpPr>
-            <p:cNvPr id="271" name="Volume 對映"/>
-            <p:cNvSpPr/>
-            <p:nvPr/>
-          </p:nvSpPr>
-          <p:spPr>
-            <a:xfrm>
-              <a:off x="11167183" y="3514737"/>
-              <a:ext cx="1270001" cy="1270001"/>
-            </a:xfrm>
-            <a:prstGeom prst="line">
-              <a:avLst/>
-            </a:prstGeom>
-            <a:noFill/>
-            <a:ln w="12700" cap="flat">
-              <a:noFill/>
-              <a:miter lim="400000"/>
-            </a:ln>
-            <a:effectLst/>
-            <a:extLst>
-              <a:ext uri="{C572A759-6A51-4108-AA02-DFA0A04FC94B}">
-                <ma14:wrappingTextBoxFlag xmlns:ma14="http://schemas.microsoft.com/office/mac/drawingml/2011/main" val="1"/>
-              </a:ext>
-            </a:extLst>
-          </p:spPr>
-          <p:txBody>
-            <a:bodyPr wrap="none" lIns="50800" tIns="50800" rIns="50800" bIns="50800" numCol="1" anchor="ctr">
-              <a:spAutoFit/>
-            </a:bodyPr>
-            <a:lstStyle/>
-            <a:p>
-              <a:pPr/>
-              <a:r>
-                <a:t>Volume 對映</a:t>
-              </a:r>
-            </a:p>
-          </p:txBody>
-        </p:sp>
-        <p:pic>
-          <p:nvPicPr>
-            <p:cNvPr id="272" name="Line Line" descr="Line Line"/>
-            <p:cNvPicPr>
-              <a:picLocks noChangeAspect="0"/>
-            </p:cNvPicPr>
-            <p:nvPr/>
-          </p:nvPicPr>
-          <p:blipFill>
-            <a:blip r:embed="rId9">
-              <a:extLst/>
-            </a:blip>
-            <a:stretch>
-              <a:fillRect/>
-            </a:stretch>
-          </p:blipFill>
-          <p:spPr>
-            <a:xfrm rot="10800000">
-              <a:off x="1921974" y="141383"/>
-              <a:ext cx="7864921" cy="352234"/>
-            </a:xfrm>
-            <a:prstGeom prst="rect">
-              <a:avLst/>
-            </a:prstGeom>
-            <a:effectLst/>
           </p:spPr>
         </p:pic>
+        <p:grpSp>
+          <p:nvGrpSpPr>
+            <p:cNvPr id="277" name="Group"/>
+            <p:cNvGrpSpPr/>
+            <p:nvPr/>
+          </p:nvGrpSpPr>
+          <p:grpSpPr>
+            <a:xfrm>
+              <a:off x="2016606" y="1588960"/>
+              <a:ext cx="13875841" cy="4643355"/>
+              <a:chOff x="-38100" y="141382"/>
+              <a:chExt cx="13875840" cy="4643354"/>
+            </a:xfrm>
+          </p:grpSpPr>
+          <p:pic>
+            <p:nvPicPr>
+              <p:cNvPr id="259" name="Line Line" descr="Line Line"/>
+              <p:cNvPicPr>
+                <a:picLocks noChangeAspect="0"/>
+              </p:cNvPicPr>
+              <p:nvPr/>
+            </p:nvPicPr>
+            <p:blipFill>
+              <a:blip r:embed="rId4">
+                <a:extLst/>
+              </a:blip>
+              <a:stretch>
+                <a:fillRect/>
+              </a:stretch>
+            </p:blipFill>
+            <p:spPr>
+              <a:xfrm rot="10800000">
+                <a:off x="683614" y="694037"/>
+                <a:ext cx="9100771" cy="352234"/>
+              </a:xfrm>
+              <a:prstGeom prst="rect">
+                <a:avLst/>
+              </a:prstGeom>
+              <a:effectLst/>
+            </p:spPr>
+          </p:pic>
+          <p:pic>
+            <p:nvPicPr>
+              <p:cNvPr id="261" name="Line Line" descr="Line Line"/>
+              <p:cNvPicPr>
+                <a:picLocks noChangeAspect="0"/>
+              </p:cNvPicPr>
+              <p:nvPr/>
+            </p:nvPicPr>
+            <p:blipFill>
+              <a:blip r:embed="rId5">
+                <a:extLst/>
+              </a:blip>
+              <a:stretch>
+                <a:fillRect/>
+              </a:stretch>
+            </p:blipFill>
+            <p:spPr>
+              <a:xfrm rot="10800000">
+                <a:off x="-38101" y="1233990"/>
+                <a:ext cx="9822486" cy="352235"/>
+              </a:xfrm>
+              <a:prstGeom prst="rect">
+                <a:avLst/>
+              </a:prstGeom>
+              <a:effectLst/>
+            </p:spPr>
+          </p:pic>
+          <p:pic>
+            <p:nvPicPr>
+              <p:cNvPr id="263" name="Line Line" descr="Line Line"/>
+              <p:cNvPicPr>
+                <a:picLocks noChangeAspect="0"/>
+              </p:cNvPicPr>
+              <p:nvPr/>
+            </p:nvPicPr>
+            <p:blipFill>
+              <a:blip r:embed="rId6">
+                <a:extLst/>
+              </a:blip>
+              <a:stretch>
+                <a:fillRect/>
+              </a:stretch>
+            </p:blipFill>
+            <p:spPr>
+              <a:xfrm rot="10800000">
+                <a:off x="4288701" y="1723144"/>
+                <a:ext cx="5495684" cy="352235"/>
+              </a:xfrm>
+              <a:prstGeom prst="rect">
+                <a:avLst/>
+              </a:prstGeom>
+              <a:effectLst/>
+            </p:spPr>
+          </p:pic>
+          <p:pic>
+            <p:nvPicPr>
+              <p:cNvPr id="265" name="Line Line" descr="Line Line"/>
+              <p:cNvPicPr>
+                <a:picLocks noChangeAspect="0"/>
+              </p:cNvPicPr>
+              <p:nvPr/>
+            </p:nvPicPr>
+            <p:blipFill>
+              <a:blip r:embed="rId7">
+                <a:extLst/>
+              </a:blip>
+              <a:stretch>
+                <a:fillRect/>
+              </a:stretch>
+            </p:blipFill>
+            <p:spPr>
+              <a:xfrm rot="10800000">
+                <a:off x="898335" y="2263099"/>
+                <a:ext cx="8886050" cy="352234"/>
+              </a:xfrm>
+              <a:prstGeom prst="rect">
+                <a:avLst/>
+              </a:prstGeom>
+              <a:effectLst/>
+            </p:spPr>
+          </p:pic>
+          <p:pic>
+            <p:nvPicPr>
+              <p:cNvPr id="267" name="Line Line" descr="Line Line"/>
+              <p:cNvPicPr>
+                <a:picLocks noChangeAspect="0"/>
+              </p:cNvPicPr>
+              <p:nvPr/>
+            </p:nvPicPr>
+            <p:blipFill>
+              <a:blip r:embed="rId8">
+                <a:extLst/>
+              </a:blip>
+              <a:stretch>
+                <a:fillRect/>
+              </a:stretch>
+            </p:blipFill>
+            <p:spPr>
+              <a:xfrm rot="10800000">
+                <a:off x="1321166" y="3338620"/>
+                <a:ext cx="8446897" cy="352235"/>
+              </a:xfrm>
+              <a:prstGeom prst="rect">
+                <a:avLst/>
+              </a:prstGeom>
+              <a:effectLst/>
+            </p:spPr>
+          </p:pic>
+          <p:sp>
+            <p:nvSpPr>
+              <p:cNvPr id="269" name="Compose File 版本"/>
+              <p:cNvSpPr/>
+              <p:nvPr/>
+            </p:nvSpPr>
+            <p:spPr>
+              <a:xfrm>
+                <a:off x="11745350" y="317500"/>
+                <a:ext cx="1270001" cy="1270000"/>
+              </a:xfrm>
+              <a:prstGeom prst="line">
+                <a:avLst/>
+              </a:prstGeom>
+              <a:noFill/>
+              <a:ln w="12700" cap="flat">
+                <a:noFill/>
+                <a:miter lim="400000"/>
+              </a:ln>
+              <a:effectLst/>
+              <a:extLst>
+                <a:ext uri="{C572A759-6A51-4108-AA02-DFA0A04FC94B}">
+                  <ma14:wrappingTextBoxFlag xmlns:ma14="http://schemas.microsoft.com/office/mac/drawingml/2011/main" val="1"/>
+                </a:ext>
+              </a:extLst>
+            </p:spPr>
+            <p:txBody>
+              <a:bodyPr wrap="none" lIns="50800" tIns="50800" rIns="50800" bIns="50800" numCol="1" anchor="ctr">
+                <a:spAutoFit/>
+              </a:bodyPr>
+              <a:lstStyle/>
+              <a:p>
+                <a:pPr/>
+                <a:r>
+                  <a:t>Compose File 版本</a:t>
+                </a:r>
+              </a:p>
+            </p:txBody>
+          </p:sp>
+          <p:sp>
+            <p:nvSpPr>
+              <p:cNvPr id="270" name="Container List"/>
+              <p:cNvSpPr/>
+              <p:nvPr/>
+            </p:nvSpPr>
+            <p:spPr>
+              <a:xfrm>
+                <a:off x="11340157" y="870153"/>
+                <a:ext cx="1270001" cy="1270001"/>
+              </a:xfrm>
+              <a:prstGeom prst="line">
+                <a:avLst/>
+              </a:prstGeom>
+              <a:noFill/>
+              <a:ln w="12700" cap="flat">
+                <a:noFill/>
+                <a:miter lim="400000"/>
+              </a:ln>
+              <a:effectLst/>
+              <a:extLst>
+                <a:ext uri="{C572A759-6A51-4108-AA02-DFA0A04FC94B}">
+                  <ma14:wrappingTextBoxFlag xmlns:ma14="http://schemas.microsoft.com/office/mac/drawingml/2011/main" val="1"/>
+                </a:ext>
+              </a:extLst>
+            </p:spPr>
+            <p:txBody>
+              <a:bodyPr wrap="none" lIns="50800" tIns="50800" rIns="50800" bIns="50800" numCol="1" anchor="ctr">
+                <a:spAutoFit/>
+              </a:bodyPr>
+              <a:lstStyle/>
+              <a:p>
+                <a:pPr/>
+                <a:r>
+                  <a:t>Container List</a:t>
+                </a:r>
+              </a:p>
+            </p:txBody>
+          </p:sp>
+          <p:sp>
+            <p:nvSpPr>
+              <p:cNvPr id="271" name="在此 Compose 群組中的名稱"/>
+              <p:cNvSpPr/>
+              <p:nvPr/>
+            </p:nvSpPr>
+            <p:spPr>
+              <a:xfrm>
+                <a:off x="12567739" y="1410107"/>
+                <a:ext cx="1270001" cy="1270001"/>
+              </a:xfrm>
+              <a:prstGeom prst="line">
+                <a:avLst/>
+              </a:prstGeom>
+              <a:noFill/>
+              <a:ln w="12700" cap="flat">
+                <a:noFill/>
+                <a:miter lim="400000"/>
+              </a:ln>
+              <a:effectLst/>
+              <a:extLst>
+                <a:ext uri="{C572A759-6A51-4108-AA02-DFA0A04FC94B}">
+                  <ma14:wrappingTextBoxFlag xmlns:ma14="http://schemas.microsoft.com/office/mac/drawingml/2011/main" val="1"/>
+                </a:ext>
+              </a:extLst>
+            </p:spPr>
+            <p:txBody>
+              <a:bodyPr wrap="none" lIns="50800" tIns="50800" rIns="50800" bIns="50800" numCol="1" anchor="ctr">
+                <a:spAutoFit/>
+              </a:bodyPr>
+              <a:lstStyle/>
+              <a:p>
+                <a:pPr/>
+                <a:r>
+                  <a:t>在此 Compose 群組中的名稱</a:t>
+                </a:r>
+              </a:p>
+            </p:txBody>
+          </p:sp>
+          <p:sp>
+            <p:nvSpPr>
+              <p:cNvPr id="272" name="Container 使用的 Image"/>
+              <p:cNvSpPr/>
+              <p:nvPr/>
+            </p:nvSpPr>
+            <p:spPr>
+              <a:xfrm>
+                <a:off x="12197025" y="1899261"/>
+                <a:ext cx="1270001" cy="1270001"/>
+              </a:xfrm>
+              <a:prstGeom prst="line">
+                <a:avLst/>
+              </a:prstGeom>
+              <a:noFill/>
+              <a:ln w="12700" cap="flat">
+                <a:noFill/>
+                <a:miter lim="400000"/>
+              </a:ln>
+              <a:effectLst/>
+              <a:extLst>
+                <a:ext uri="{C572A759-6A51-4108-AA02-DFA0A04FC94B}">
+                  <ma14:wrappingTextBoxFlag xmlns:ma14="http://schemas.microsoft.com/office/mac/drawingml/2011/main" val="1"/>
+                </a:ext>
+              </a:extLst>
+            </p:spPr>
+            <p:txBody>
+              <a:bodyPr wrap="none" lIns="50800" tIns="50800" rIns="50800" bIns="50800" numCol="1" anchor="ctr">
+                <a:spAutoFit/>
+              </a:bodyPr>
+              <a:lstStyle/>
+              <a:p>
+                <a:pPr/>
+                <a:r>
+                  <a:t>Container 使用的 Image</a:t>
+                </a:r>
+              </a:p>
+            </p:txBody>
+          </p:sp>
+          <p:sp>
+            <p:nvSpPr>
+              <p:cNvPr id="273" name="Port 對映"/>
+              <p:cNvSpPr/>
+              <p:nvPr/>
+            </p:nvSpPr>
+            <p:spPr>
+              <a:xfrm>
+                <a:off x="10881814" y="2439216"/>
+                <a:ext cx="1270001" cy="1270001"/>
+              </a:xfrm>
+              <a:prstGeom prst="line">
+                <a:avLst/>
+              </a:prstGeom>
+              <a:noFill/>
+              <a:ln w="12700" cap="flat">
+                <a:noFill/>
+                <a:miter lim="400000"/>
+              </a:ln>
+              <a:effectLst/>
+              <a:extLst>
+                <a:ext uri="{C572A759-6A51-4108-AA02-DFA0A04FC94B}">
+                  <ma14:wrappingTextBoxFlag xmlns:ma14="http://schemas.microsoft.com/office/mac/drawingml/2011/main" val="1"/>
+                </a:ext>
+              </a:extLst>
+            </p:spPr>
+            <p:txBody>
+              <a:bodyPr wrap="none" lIns="50800" tIns="50800" rIns="50800" bIns="50800" numCol="1" anchor="ctr">
+                <a:spAutoFit/>
+              </a:bodyPr>
+              <a:lstStyle/>
+              <a:p>
+                <a:pPr/>
+                <a:r>
+                  <a:t>Port 對映</a:t>
+                </a:r>
+              </a:p>
+            </p:txBody>
+          </p:sp>
+          <p:sp>
+            <p:nvSpPr>
+              <p:cNvPr id="274" name="Volume 對映"/>
+              <p:cNvSpPr/>
+              <p:nvPr/>
+            </p:nvSpPr>
+            <p:spPr>
+              <a:xfrm>
+                <a:off x="11167183" y="3514737"/>
+                <a:ext cx="1270001" cy="1270001"/>
+              </a:xfrm>
+              <a:prstGeom prst="line">
+                <a:avLst/>
+              </a:prstGeom>
+              <a:noFill/>
+              <a:ln w="12700" cap="flat">
+                <a:noFill/>
+                <a:miter lim="400000"/>
+              </a:ln>
+              <a:effectLst/>
+              <a:extLst>
+                <a:ext uri="{C572A759-6A51-4108-AA02-DFA0A04FC94B}">
+                  <ma14:wrappingTextBoxFlag xmlns:ma14="http://schemas.microsoft.com/office/mac/drawingml/2011/main" val="1"/>
+                </a:ext>
+              </a:extLst>
+            </p:spPr>
+            <p:txBody>
+              <a:bodyPr wrap="none" lIns="50800" tIns="50800" rIns="50800" bIns="50800" numCol="1" anchor="ctr">
+                <a:spAutoFit/>
+              </a:bodyPr>
+              <a:lstStyle/>
+              <a:p>
+                <a:pPr/>
+                <a:r>
+                  <a:t>Volume 對映</a:t>
+                </a:r>
+              </a:p>
+            </p:txBody>
+          </p:sp>
+          <p:pic>
+            <p:nvPicPr>
+              <p:cNvPr id="275" name="Line Line" descr="Line Line"/>
+              <p:cNvPicPr>
+                <a:picLocks noChangeAspect="0"/>
+              </p:cNvPicPr>
+              <p:nvPr/>
+            </p:nvPicPr>
+            <p:blipFill>
+              <a:blip r:embed="rId9">
+                <a:extLst/>
+              </a:blip>
+              <a:stretch>
+                <a:fillRect/>
+              </a:stretch>
+            </p:blipFill>
+            <p:spPr>
+              <a:xfrm rot="10800000">
+                <a:off x="1921974" y="141383"/>
+                <a:ext cx="7864921" cy="352234"/>
+              </a:xfrm>
+              <a:prstGeom prst="rect">
+                <a:avLst/>
+              </a:prstGeom>
+              <a:effectLst/>
+            </p:spPr>
+          </p:pic>
+        </p:grpSp>
       </p:grpSp>
+      <p:pic>
+        <p:nvPicPr>
+          <p:cNvPr id="279" name="Image" descr="Image"/>
+          <p:cNvPicPr>
+            <a:picLocks noChangeAspect="1"/>
+          </p:cNvPicPr>
+          <p:nvPr/>
+        </p:nvPicPr>
+        <p:blipFill>
+          <a:blip r:embed="rId10">
+            <a:extLst/>
+          </a:blip>
+          <a:stretch>
+            <a:fillRect/>
+          </a:stretch>
+        </p:blipFill>
+        <p:spPr>
+          <a:xfrm>
+            <a:off x="4851400" y="5137325"/>
+            <a:ext cx="14681200" cy="1600201"/>
+          </a:xfrm>
+          <a:prstGeom prst="rect">
+            <a:avLst/>
+          </a:prstGeom>
+          <a:ln w="12700">
+            <a:miter lim="400000"/>
+          </a:ln>
+        </p:spPr>
+      </p:pic>
+      <p:pic>
+        <p:nvPicPr>
+          <p:cNvPr id="281" name="Connection Line" descr="Connection Line"/>
+          <p:cNvPicPr>
+            <a:picLocks noChangeAspect="0"/>
+          </p:cNvPicPr>
+          <p:nvPr/>
+        </p:nvPicPr>
+        <p:blipFill>
+          <a:blip r:embed="rId11">
+            <a:extLst/>
+          </a:blip>
+          <a:stretch>
+            <a:fillRect/>
+          </a:stretch>
+        </p:blipFill>
+        <p:spPr>
+          <a:xfrm>
+            <a:off x="13031948" y="6869717"/>
+            <a:ext cx="1429602" cy="1426597"/>
+          </a:xfrm>
+          <a:prstGeom prst="rect">
+            <a:avLst/>
+          </a:prstGeom>
+        </p:spPr>
+      </p:pic>
     </p:spTree>
   </p:cSld>
   <p:clrMapOvr>
@@ -8165,7 +8303,7 @@
       </p:grpSpPr>
       <p:sp>
         <p:nvSpPr>
-          <p:cNvPr id="276" name="Hands-on"/>
+          <p:cNvPr id="284" name="Container - docker-compose"/>
           <p:cNvSpPr txBox="1"/>
           <p:nvPr>
             <p:ph type="title"/>
@@ -8182,14 +8320,14 @@
           <a:p>
             <a:pPr/>
             <a:r>
-              <a:t>Hands-on</a:t>
+              <a:t>Container - docker-compose</a:t>
             </a:r>
           </a:p>
         </p:txBody>
       </p:sp>
       <p:sp>
         <p:nvSpPr>
-          <p:cNvPr id="277" name="docker compose up (-d)…"/>
+          <p:cNvPr id="285" name="仍是使用 docker 的指令管理 Container，docker 可以增加的設定都可以在 compose file 中…"/>
           <p:cNvSpPr txBox="1"/>
           <p:nvPr>
             <p:ph type="body" idx="1"/>
@@ -8206,46 +8344,37 @@
           <a:p>
             <a:pPr/>
             <a:r>
-              <a:t>docker compose up (-d)</a:t>
-            </a:r>
-          </a:p>
-          <a:p>
-            <a:pPr/>
-            <a:r>
-              <a:t>Github Repo </a:t>
-            </a:r>
-            <a:r>
-              <a:rPr u="sng">
-                <a:solidFill>
-                  <a:schemeClr val="accent1"/>
-                </a:solidFill>
-                <a:hlinkClick r:id="rId2" invalidUrl="" action="" tgtFrame="" tooltip="" history="1" highlightClick="0" endSnd="0"/>
-              </a:rPr>
-              <a:t>docker-tutorial</a:t>
+              <a:t>仍是使用 docker 的指令管理 Container，docker 可以增加的設定都可以在 compose file 中</a:t>
+            </a:r>
+          </a:p>
+          <a:p>
+            <a:pPr/>
+            <a:r>
+              <a:t>使用場景</a:t>
             </a:r>
           </a:p>
           <a:p>
             <a:pPr lvl="1"/>
             <a:r>
-              <a:t>docker-102/0-db</a:t>
+              <a:t>docker run 的各種參數長到難以閱讀時</a:t>
             </a:r>
           </a:p>
           <a:p>
             <a:pPr lvl="1"/>
             <a:r>
-              <a:t>docker-102/1-nginx </a:t>
+              <a:t>Container 需要重複啟用時，但又不想把 docker run 存成 shell 時</a:t>
             </a:r>
           </a:p>
           <a:p>
             <a:pPr lvl="1"/>
             <a:r>
-              <a:t>docker-102/2-web-app</a:t>
+              <a:t>服務需要多個 Container 互相串聯時，如 DB、Application、Proxy</a:t>
             </a:r>
           </a:p>
           <a:p>
             <a:pPr lvl="1"/>
             <a:r>
-              <a:t>docker-102/4-nexus</a:t>
+              <a:t>除了建完就刪的測試用 Container，一律建議都使用 docker-compose 管理</a:t>
             </a:r>
           </a:p>
         </p:txBody>
@@ -8278,7 +8407,7 @@
       </p:grpSpPr>
       <p:sp>
         <p:nvSpPr>
-          <p:cNvPr id="279" name="Recap"/>
+          <p:cNvPr id="287" name="Hands-on"/>
           <p:cNvSpPr txBox="1"/>
           <p:nvPr>
             <p:ph type="title"/>
@@ -8295,14 +8424,14 @@
           <a:p>
             <a:pPr/>
             <a:r>
-              <a:t>Recap</a:t>
+              <a:t>Hands-on</a:t>
             </a:r>
           </a:p>
         </p:txBody>
       </p:sp>
       <p:sp>
         <p:nvSpPr>
-          <p:cNvPr id="280" name="Docker-compose 可以使用 YAML 格式的 Compose File 清楚定義一個或多個 Container…"/>
+          <p:cNvPr id="288" name="docker compose up (-d)…"/>
           <p:cNvSpPr txBox="1"/>
           <p:nvPr>
             <p:ph type="body" idx="1"/>
@@ -8319,37 +8448,46 @@
           <a:p>
             <a:pPr/>
             <a:r>
-              <a:t>Docker-compose 可以使用 YAML 格式的 Compose File 清楚定義一個或多個 Container</a:t>
-            </a:r>
-          </a:p>
-          <a:p>
-            <a:pPr/>
-            <a:r>
-              <a:t>docker-compose</a:t>
+              <a:t>docker compose up (-d)</a:t>
+            </a:r>
+          </a:p>
+          <a:p>
+            <a:pPr/>
+            <a:r>
+              <a:t>Github Repo </a:t>
+            </a:r>
+            <a:r>
+              <a:rPr u="sng">
+                <a:solidFill>
+                  <a:schemeClr val="accent1"/>
+                </a:solidFill>
+                <a:hlinkClick r:id="rId2" invalidUrl="" action="" tgtFrame="" tooltip="" history="1" highlightClick="0" endSnd="0"/>
+              </a:rPr>
+              <a:t>docker-tutorial</a:t>
             </a:r>
           </a:p>
           <a:p>
             <a:pPr lvl="1"/>
             <a:r>
-              <a:t>up - 啟動 Compose 中所有 Container</a:t>
+              <a:t>docker-102/0-db</a:t>
             </a:r>
           </a:p>
           <a:p>
             <a:pPr lvl="1"/>
             <a:r>
-              <a:t>down - 停止並移除 Compose 中所有 Container</a:t>
+              <a:t>docker-102/1-nginx </a:t>
             </a:r>
           </a:p>
           <a:p>
             <a:pPr lvl="1"/>
             <a:r>
-              <a:t>restart - 重啟 Compose 中所有 Container，但不會重新讀取 docker-compose.yaml</a:t>
+              <a:t>docker-102/2-web-app</a:t>
             </a:r>
           </a:p>
           <a:p>
             <a:pPr lvl="1"/>
             <a:r>
-              <a:t>logs - 檢視 Compose 中所有 Container 的 Log</a:t>
+              <a:t>docker-102/4-nexus</a:t>
             </a:r>
           </a:p>
         </p:txBody>
@@ -8382,7 +8520,7 @@
       </p:grpSpPr>
       <p:sp>
         <p:nvSpPr>
-          <p:cNvPr id="282" name="Tips"/>
+          <p:cNvPr id="290" name="Recap"/>
           <p:cNvSpPr txBox="1"/>
           <p:nvPr>
             <p:ph type="title"/>
@@ -8399,7 +8537,61 @@
           <a:p>
             <a:pPr/>
             <a:r>
-              <a:t>Tips</a:t>
+              <a:t>Recap</a:t>
+            </a:r>
+          </a:p>
+        </p:txBody>
+      </p:sp>
+      <p:sp>
+        <p:nvSpPr>
+          <p:cNvPr id="291" name="Docker-compose 可以使用 YAML 格式的 Compose File 清楚定義一個或多個 Container…"/>
+          <p:cNvSpPr txBox="1"/>
+          <p:nvPr>
+            <p:ph type="body" idx="1"/>
+          </p:nvPr>
+        </p:nvSpPr>
+        <p:spPr>
+          <a:prstGeom prst="rect">
+            <a:avLst/>
+          </a:prstGeom>
+        </p:spPr>
+        <p:txBody>
+          <a:bodyPr/>
+          <a:lstStyle/>
+          <a:p>
+            <a:pPr/>
+            <a:r>
+              <a:t>Docker-compose 可以使用 YAML 格式的 Compose File 清楚定義一個或多個 Container</a:t>
+            </a:r>
+          </a:p>
+          <a:p>
+            <a:pPr/>
+            <a:r>
+              <a:t>docker-compose</a:t>
+            </a:r>
+          </a:p>
+          <a:p>
+            <a:pPr lvl="1"/>
+            <a:r>
+              <a:t>up - 啟動 Compose 中所有 Container</a:t>
+            </a:r>
+          </a:p>
+          <a:p>
+            <a:pPr lvl="1"/>
+            <a:r>
+              <a:t>down - 停止並移除 Compose 中所有 Container</a:t>
+            </a:r>
+          </a:p>
+          <a:p>
+            <a:pPr lvl="1"/>
+            <a:r>
+              <a:t>restart - 重啟 Compose 中所有 Container，但不會重新讀取 docker-compose.yaml</a:t>
+            </a:r>
+          </a:p>
+          <a:p>
+            <a:pPr lvl="1"/>
+            <a:r>
+              <a:t>logs - 檢視 Compose 中所有 Container 的 Log</a:t>
             </a:r>
           </a:p>
         </p:txBody>
@@ -8432,7 +8624,7 @@
       </p:grpSpPr>
       <p:sp>
         <p:nvSpPr>
-          <p:cNvPr id="284" name="Tips"/>
+          <p:cNvPr id="293" name="Tips"/>
           <p:cNvSpPr txBox="1"/>
           <p:nvPr>
             <p:ph type="title"/>
@@ -8450,72 +8642,6 @@
             <a:pPr/>
             <a:r>
               <a:t>Tips</a:t>
-            </a:r>
-          </a:p>
-        </p:txBody>
-      </p:sp>
-      <p:sp>
-        <p:nvSpPr>
-          <p:cNvPr id="285" name="讓 Container 持續執行，方便 Debug 或當作虛擬環境使用…"/>
-          <p:cNvSpPr txBox="1"/>
-          <p:nvPr>
-            <p:ph type="body" idx="1"/>
-          </p:nvPr>
-        </p:nvSpPr>
-        <p:spPr>
-          <a:prstGeom prst="rect">
-            <a:avLst/>
-          </a:prstGeom>
-        </p:spPr>
-        <p:txBody>
-          <a:bodyPr/>
-          <a:lstStyle/>
-          <a:p>
-            <a:pPr/>
-            <a:r>
-              <a:t>讓 Container 持續執行，方便 Debug 或當作虛擬環境使用</a:t>
-            </a:r>
-          </a:p>
-          <a:p>
-            <a:pPr lvl="1"/>
-            <a:r>
-              <a:t>docker run -d [image] tail -f /dev/null</a:t>
-            </a:r>
-          </a:p>
-          <a:p>
-            <a:pPr lvl="2"/>
-            <a:r>
-              <a:t>tail - 列出檔案的最後 10 (default) 行</a:t>
-            </a:r>
-          </a:p>
-          <a:p>
-            <a:pPr lvl="2"/>
-            <a:r>
-              <a:t>-f - 跟隨模式</a:t>
-            </a:r>
-          </a:p>
-          <a:p>
-            <a:pPr lvl="2"/>
-            <a:r>
-              <a:t>/dev/null - 為 Linux 中一個特殊的檔案，檔案內容永遠只有 EOF</a:t>
-            </a:r>
-          </a:p>
-          <a:p>
-            <a:pPr lvl="2"/>
-            <a:r>
-              <a:t>合併後的效果就是跟隨一個永遠為空的檔案，成為一個永久執行但消耗極少資源的程序，確保 Container 永久處於執行狀態</a:t>
-            </a:r>
-          </a:p>
-          <a:p>
-            <a:pPr/>
-            <a:r>
-              <a:t>ENTRYPOINT</a:t>
-            </a:r>
-          </a:p>
-          <a:p>
-            <a:pPr lvl="1"/>
-            <a:r>
-              <a:t>除 CMD 外 Image 中可以額外定義 ENTRYPOINT，Container 啟動時會先執行 ENTRYPOINT 中的指令，之後再執行 CMD 的指令</a:t>
             </a:r>
           </a:p>
         </p:txBody>
@@ -8548,7 +8674,7 @@
       </p:grpSpPr>
       <p:sp>
         <p:nvSpPr>
-          <p:cNvPr id="287" name="Hands-on"/>
+          <p:cNvPr id="295" name="Tips"/>
           <p:cNvSpPr txBox="1"/>
           <p:nvPr>
             <p:ph type="title"/>
@@ -8565,14 +8691,14 @@
           <a:p>
             <a:pPr/>
             <a:r>
-              <a:t>Hands-on</a:t>
+              <a:t>Tips</a:t>
             </a:r>
           </a:p>
         </p:txBody>
       </p:sp>
       <p:sp>
         <p:nvSpPr>
-          <p:cNvPr id="288" name="Github Repo docker-tutorial…"/>
+          <p:cNvPr id="296" name="讓 Container 持續執行，方便 Debug 或當作虛擬環境使用…"/>
           <p:cNvSpPr txBox="1"/>
           <p:nvPr>
             <p:ph type="body" idx="1"/>
@@ -8589,22 +8715,49 @@
           <a:p>
             <a:pPr/>
             <a:r>
-              <a:t>Github Repo </a:t>
-            </a:r>
-            <a:r>
-              <a:rPr u="sng">
-                <a:solidFill>
-                  <a:schemeClr val="accent1"/>
-                </a:solidFill>
-                <a:hlinkClick r:id="rId2" invalidUrl="" action="" tgtFrame="" tooltip="" history="1" highlightClick="0" endSnd="0"/>
-              </a:rPr>
-              <a:t>docker-tutorial</a:t>
+              <a:t>讓 Container 持續執行，方便 Debug 或當作虛擬環境使用</a:t>
             </a:r>
           </a:p>
           <a:p>
             <a:pPr lvl="1"/>
             <a:r>
-              <a:t>docker-102/5-entrypoint</a:t>
+              <a:t>docker run -d [image] tail -f /dev/null</a:t>
+            </a:r>
+          </a:p>
+          <a:p>
+            <a:pPr lvl="2"/>
+            <a:r>
+              <a:t>tail - 列出檔案的最後 10 (default) 行</a:t>
+            </a:r>
+          </a:p>
+          <a:p>
+            <a:pPr lvl="2"/>
+            <a:r>
+              <a:t>-f - 跟隨模式</a:t>
+            </a:r>
+          </a:p>
+          <a:p>
+            <a:pPr lvl="2"/>
+            <a:r>
+              <a:t>/dev/null - 為 Linux 中一個特殊的檔案，檔案內容永遠只有 EOF</a:t>
+            </a:r>
+          </a:p>
+          <a:p>
+            <a:pPr lvl="2"/>
+            <a:r>
+              <a:t>合併後的效果就是跟隨一個永遠為空的檔案，成為一個永久執行但消耗極少資源的程序，確保 Container 永久處於執行狀態</a:t>
+            </a:r>
+          </a:p>
+          <a:p>
+            <a:pPr/>
+            <a:r>
+              <a:t>ENTRYPOINT</a:t>
+            </a:r>
+          </a:p>
+          <a:p>
+            <a:pPr lvl="1"/>
+            <a:r>
+              <a:t>除 CMD 外 Image 中可以額外定義 ENTRYPOINT，Container 啟動時會先執行 ENTRYPOINT 中的指令，之後再執行 CMD 的指令</a:t>
             </a:r>
           </a:p>
         </p:txBody>
@@ -8637,7 +8790,7 @@
       </p:grpSpPr>
       <p:sp>
         <p:nvSpPr>
-          <p:cNvPr id="290" name="Scenarios"/>
+          <p:cNvPr id="298" name="Hands-on"/>
           <p:cNvSpPr txBox="1"/>
           <p:nvPr>
             <p:ph type="title"/>
@@ -8654,14 +8807,14 @@
           <a:p>
             <a:pPr/>
             <a:r>
-              <a:t>Scenarios</a:t>
+              <a:t>Hands-on</a:t>
             </a:r>
           </a:p>
         </p:txBody>
       </p:sp>
       <p:sp>
         <p:nvSpPr>
-          <p:cNvPr id="291" name="Container 具有以下特性…"/>
+          <p:cNvPr id="299" name="Github Repo docker-tutorial…"/>
           <p:cNvSpPr txBox="1"/>
           <p:nvPr>
             <p:ph type="body" idx="1"/>
@@ -8678,55 +8831,22 @@
           <a:p>
             <a:pPr/>
             <a:r>
-              <a:t>Container 具有以下特性</a:t>
+              <a:t>Github Repo </a:t>
+            </a:r>
+            <a:r>
+              <a:rPr u="sng">
+                <a:solidFill>
+                  <a:schemeClr val="accent1"/>
+                </a:solidFill>
+                <a:hlinkClick r:id="rId2" invalidUrl="" action="" tgtFrame="" tooltip="" history="1" highlightClick="0" endSnd="0"/>
+              </a:rPr>
+              <a:t>docker-tutorial</a:t>
             </a:r>
           </a:p>
           <a:p>
             <a:pPr lvl="1"/>
             <a:r>
-              <a:t>獨立的環境</a:t>
-            </a:r>
-          </a:p>
-          <a:p>
-            <a:pPr lvl="1"/>
-            <a:r>
-              <a:t>Image 可以包含各種預先安裝好的 Package, 程式碼</a:t>
-            </a:r>
-          </a:p>
-          <a:p>
-            <a:pPr lvl="1"/>
-            <a:r>
-              <a:t>在網路設定好的狀況下，Container 之間與 Host 可以互相溝通</a:t>
-            </a:r>
-          </a:p>
-          <a:p>
-            <a:pPr/>
-            <a:r>
-              <a:t>常用情境</a:t>
-            </a:r>
-          </a:p>
-          <a:p>
-            <a:pPr lvl="1"/>
-            <a:r>
-              <a:t>程式碼編譯</a:t>
-            </a:r>
-          </a:p>
-          <a:p>
-            <a:pPr lvl="1"/>
-            <a:r>
-              <a:t>乾淨的開發、執行環境</a:t>
-            </a:r>
-          </a:p>
-          <a:p>
-            <a:pPr lvl="1"/>
-            <a:r>
-              <a:t>Proxy Server</a:t>
-            </a:r>
-          </a:p>
-          <a:p>
-            <a:pPr lvl="1"/>
-            <a:r>
-              <a:t>各種開源網路服務，如：Nexus, SonarQube, Jenkins…</a:t>
+              <a:t>docker-102/5-entrypoint</a:t>
             </a:r>
           </a:p>
         </p:txBody>
@@ -8759,7 +8879,7 @@
       </p:grpSpPr>
       <p:sp>
         <p:nvSpPr>
-          <p:cNvPr id="293" name="Compile / Build with Container"/>
+          <p:cNvPr id="301" name="Scenarios"/>
           <p:cNvSpPr txBox="1"/>
           <p:nvPr>
             <p:ph type="title"/>
@@ -8776,14 +8896,14 @@
           <a:p>
             <a:pPr/>
             <a:r>
-              <a:t>Compile / Build with Container</a:t>
+              <a:t>Scenarios</a:t>
             </a:r>
           </a:p>
         </p:txBody>
       </p:sp>
       <p:sp>
         <p:nvSpPr>
-          <p:cNvPr id="294" name="負責編譯程式碼、打包 Image 時是否有以下痛點…"/>
+          <p:cNvPr id="302" name="Container 具有以下特性…"/>
           <p:cNvSpPr txBox="1"/>
           <p:nvPr>
             <p:ph type="body" idx="1"/>
@@ -8800,31 +8920,55 @@
           <a:p>
             <a:pPr/>
             <a:r>
-              <a:t>負責編譯程式碼、打包 Image 時是否有以下痛點</a:t>
+              <a:t>Container 具有以下特性</a:t>
             </a:r>
           </a:p>
           <a:p>
             <a:pPr lvl="1"/>
             <a:r>
-              <a:t>專案的語言種類與版本排列組合呈現爆炸性增長</a:t>
+              <a:t>獨立的環境</a:t>
             </a:r>
           </a:p>
           <a:p>
             <a:pPr lvl="1"/>
             <a:r>
-              <a:t>打包環境髒亂，Package Manager 共用相同 Cache 目錄、版本切換複雜</a:t>
+              <a:t>Image 可以包含各種預先安裝好的 Package, 程式碼</a:t>
             </a:r>
           </a:p>
           <a:p>
             <a:pPr lvl="1"/>
             <a:r>
-              <a:t>重新下載相依套件進行打包很花時間</a:t>
-            </a:r>
-          </a:p>
-          <a:p>
-            <a:pPr/>
-            <a:r>
-              <a:t>打包環境很難準備，直接用 Container 吧！</a:t>
+              <a:t>在網路設定好的狀況下，Container 之間與 Host 可以互相溝通</a:t>
+            </a:r>
+          </a:p>
+          <a:p>
+            <a:pPr/>
+            <a:r>
+              <a:t>常用情境</a:t>
+            </a:r>
+          </a:p>
+          <a:p>
+            <a:pPr lvl="1"/>
+            <a:r>
+              <a:t>程式碼編譯</a:t>
+            </a:r>
+          </a:p>
+          <a:p>
+            <a:pPr lvl="1"/>
+            <a:r>
+              <a:t>乾淨的開發、執行環境</a:t>
+            </a:r>
+          </a:p>
+          <a:p>
+            <a:pPr lvl="1"/>
+            <a:r>
+              <a:t>Proxy Server</a:t>
+            </a:r>
+          </a:p>
+          <a:p>
+            <a:pPr lvl="1"/>
+            <a:r>
+              <a:t>各種開源網路服務，如：Nexus, SonarQube, Jenkins…</a:t>
             </a:r>
           </a:p>
         </p:txBody>
@@ -8857,7 +9001,7 @@
       </p:grpSpPr>
       <p:sp>
         <p:nvSpPr>
-          <p:cNvPr id="296" name="Hands-on"/>
+          <p:cNvPr id="304" name="Compile / Build with Container"/>
           <p:cNvSpPr txBox="1"/>
           <p:nvPr>
             <p:ph type="title"/>
@@ -8874,14 +9018,14 @@
           <a:p>
             <a:pPr/>
             <a:r>
-              <a:t>Hands-on</a:t>
+              <a:t>Compile / Build with Container</a:t>
             </a:r>
           </a:p>
         </p:txBody>
       </p:sp>
       <p:sp>
         <p:nvSpPr>
-          <p:cNvPr id="297" name="Github Repo docker-tutorial…"/>
+          <p:cNvPr id="305" name="負責編譯程式碼、打包 Image 時是否有以下痛點…"/>
           <p:cNvSpPr txBox="1"/>
           <p:nvPr>
             <p:ph type="body" idx="1"/>
@@ -8898,22 +9042,31 @@
           <a:p>
             <a:pPr/>
             <a:r>
-              <a:t>Github Repo </a:t>
-            </a:r>
-            <a:r>
-              <a:rPr u="sng">
-                <a:solidFill>
-                  <a:schemeClr val="accent1"/>
-                </a:solidFill>
-                <a:hlinkClick r:id="rId2" invalidUrl="" action="" tgtFrame="" tooltip="" history="1" highlightClick="0" endSnd="0"/>
-              </a:rPr>
-              <a:t>docker-tutorial</a:t>
+              <a:t>負責編譯程式碼、打包 Image 時是否有以下痛點</a:t>
             </a:r>
           </a:p>
           <a:p>
             <a:pPr lvl="1"/>
             <a:r>
-              <a:t>docker-102/3-multi-stage-build</a:t>
+              <a:t>專案的語言種類與版本排列組合呈現爆炸性增長</a:t>
+            </a:r>
+          </a:p>
+          <a:p>
+            <a:pPr lvl="1"/>
+            <a:r>
+              <a:t>打包環境髒亂，Package Manager 共用相同 Cache 目錄、版本切換複雜</a:t>
+            </a:r>
+          </a:p>
+          <a:p>
+            <a:pPr lvl="1"/>
+            <a:r>
+              <a:t>重新下載相依套件進行打包很花時間</a:t>
+            </a:r>
+          </a:p>
+          <a:p>
+            <a:pPr/>
+            <a:r>
+              <a:t>打包環境很難準備，直接用 Container 吧！</a:t>
             </a:r>
           </a:p>
         </p:txBody>
@@ -8946,7 +9099,7 @@
       </p:grpSpPr>
       <p:sp>
         <p:nvSpPr>
-          <p:cNvPr id="299" name="More Scenarios"/>
+          <p:cNvPr id="307" name="Hands-on"/>
           <p:cNvSpPr txBox="1"/>
           <p:nvPr>
             <p:ph type="title"/>
@@ -8963,14 +9116,14 @@
           <a:p>
             <a:pPr/>
             <a:r>
-              <a:t>More Scenarios</a:t>
+              <a:t>Hands-on</a:t>
             </a:r>
           </a:p>
         </p:txBody>
       </p:sp>
       <p:sp>
         <p:nvSpPr>
-          <p:cNvPr id="300" name="SonarQube Server…"/>
+          <p:cNvPr id="308" name="Github Repo docker-tutorial…"/>
           <p:cNvSpPr txBox="1"/>
           <p:nvPr>
             <p:ph type="body" idx="1"/>
@@ -8986,6 +9139,9 @@
           <a:lstStyle/>
           <a:p>
             <a:pPr/>
+            <a:r>
+              <a:t>Github Repo </a:t>
+            </a:r>
             <a:r>
               <a:rPr u="sng">
                 <a:solidFill>
@@ -8993,103 +9149,13 @@
                 </a:solidFill>
                 <a:hlinkClick r:id="rId2" invalidUrl="" action="" tgtFrame="" tooltip="" history="1" highlightClick="0" endSnd="0"/>
               </a:rPr>
-              <a:t>SonarQube</a:t>
-            </a:r>
-            <a:r>
-              <a:t> Server</a:t>
+              <a:t>docker-tutorial</a:t>
             </a:r>
           </a:p>
           <a:p>
             <a:pPr lvl="1"/>
             <a:r>
-              <a:rPr u="sng">
-                <a:solidFill>
-                  <a:schemeClr val="accent1"/>
-                </a:solidFill>
-                <a:hlinkClick r:id="rId3" invalidUrl="" action="" tgtFrame="" tooltip="" history="1" highlightClick="0" endSnd="0"/>
-              </a:rPr>
-              <a:t>Docker Compose File</a:t>
-            </a:r>
-          </a:p>
-          <a:p>
-            <a:pPr/>
-            <a:r>
-              <a:t>SonarQube 掃描 - </a:t>
-            </a:r>
-            <a:r>
-              <a:rPr u="sng">
-                <a:solidFill>
-                  <a:schemeClr val="accent1"/>
-                </a:solidFill>
-                <a:hlinkClick r:id="rId4" invalidUrl="" action="" tgtFrame="" tooltip="" history="1" highlightClick="0" endSnd="0"/>
-              </a:rPr>
-              <a:t>sonarsource/sonar-scanner-cli</a:t>
-            </a:r>
-          </a:p>
-          <a:p>
-            <a:pPr lvl="1"/>
-            <a:r>
-              <a:t>docker run --rm -e SONAR_HOST_URL=[SONAR HOST]  -v $PWD:/app sonarsource/sonar-scanner-cli -Dsonar.projectBaseDir=/app</a:t>
-            </a:r>
-          </a:p>
-          <a:p>
-            <a:pPr/>
-            <a:r>
-              <a:rPr u="sng">
-                <a:solidFill>
-                  <a:schemeClr val="accent1"/>
-                </a:solidFill>
-                <a:hlinkClick r:id="rId5" invalidUrl="" action="" tgtFrame="" tooltip="" history="1" highlightClick="0" endSnd="0"/>
-              </a:rPr>
-              <a:t>Jenkins</a:t>
-            </a:r>
-          </a:p>
-          <a:p>
-            <a:pPr lvl="1"/>
-            <a:r>
-              <a:rPr u="sng">
-                <a:solidFill>
-                  <a:schemeClr val="accent1"/>
-                </a:solidFill>
-                <a:hlinkClick r:id="rId6" invalidUrl="" action="" tgtFrame="" tooltip="" history="1" highlightClick="0" endSnd="0"/>
-              </a:rPr>
-              <a:t>Install with Docker</a:t>
-            </a:r>
-          </a:p>
-          <a:p>
-            <a:pPr/>
-            <a:r>
-              <a:t>Python </a:t>
-            </a:r>
-            <a:r>
-              <a:rPr u="sng">
-                <a:solidFill>
-                  <a:schemeClr val="accent1"/>
-                </a:solidFill>
-                <a:hlinkClick r:id="rId7" invalidUrl="" action="" tgtFrame="" tooltip="" history="1" highlightClick="0" endSnd="0"/>
-              </a:rPr>
-              <a:t>Jupyter Notebook</a:t>
-            </a:r>
-            <a:r>
-              <a:t> 開發環境</a:t>
-            </a:r>
-          </a:p>
-          <a:p>
-            <a:pPr lvl="1"/>
-            <a:r>
-              <a:rPr u="sng">
-                <a:solidFill>
-                  <a:schemeClr val="accent1"/>
-                </a:solidFill>
-                <a:hlinkClick r:id="rId8" invalidUrl="" action="" tgtFrame="" tooltip="" history="1" highlightClick="0" endSnd="0"/>
-              </a:rPr>
-              <a:t>Jupyter Docker Hub</a:t>
-            </a:r>
-          </a:p>
-          <a:p>
-            <a:pPr lvl="1" marL="1190625" indent="-555625"/>
-            <a:r>
-              <a:t>docker run -d -p 8888:8888 jupyter/datascience-notebook:python-3.9.7</a:t>
+              <a:t>docker-102/3-multi-stage-build</a:t>
             </a:r>
           </a:p>
         </p:txBody>
@@ -9122,7 +9188,7 @@
       </p:grpSpPr>
       <p:sp>
         <p:nvSpPr>
-          <p:cNvPr id="302" name="More Scenarios"/>
+          <p:cNvPr id="310" name="More Scenarios"/>
           <p:cNvSpPr txBox="1"/>
           <p:nvPr>
             <p:ph type="title"/>
@@ -9146,7 +9212,7 @@
       </p:sp>
       <p:sp>
         <p:nvSpPr>
-          <p:cNvPr id="303" name="Github Repo docker-tutorial…"/>
+          <p:cNvPr id="311" name="SonarQube Server…"/>
           <p:cNvSpPr txBox="1"/>
           <p:nvPr>
             <p:ph type="body" idx="1"/>
@@ -9162,9 +9228,6 @@
           <a:lstStyle/>
           <a:p>
             <a:pPr/>
-            <a:r>
-              <a:t>Github Repo </a:t>
-            </a:r>
             <a:r>
               <a:rPr u="sng">
                 <a:solidFill>
@@ -9172,43 +9235,103 @@
                 </a:solidFill>
                 <a:hlinkClick r:id="rId2" invalidUrl="" action="" tgtFrame="" tooltip="" history="1" highlightClick="0" endSnd="0"/>
               </a:rPr>
-              <a:t>docker-tutorial</a:t>
+              <a:t>SonarQube</a:t>
+            </a:r>
+            <a:r>
+              <a:t> Server</a:t>
             </a:r>
           </a:p>
           <a:p>
             <a:pPr lvl="1"/>
             <a:r>
-              <a:t>Proxy Server</a:t>
-            </a:r>
-          </a:p>
-          <a:p>
-            <a:pPr lvl="2"/>
-            <a:r>
-              <a:t>docker-103/0-traefik</a:t>
+              <a:rPr u="sng">
+                <a:solidFill>
+                  <a:schemeClr val="accent1"/>
+                </a:solidFill>
+                <a:hlinkClick r:id="rId3" invalidUrl="" action="" tgtFrame="" tooltip="" history="1" highlightClick="0" endSnd="0"/>
+              </a:rPr>
+              <a:t>Docker Compose File</a:t>
+            </a:r>
+          </a:p>
+          <a:p>
+            <a:pPr/>
+            <a:r>
+              <a:t>SonarQube 掃描 - </a:t>
+            </a:r>
+            <a:r>
+              <a:rPr u="sng">
+                <a:solidFill>
+                  <a:schemeClr val="accent1"/>
+                </a:solidFill>
+                <a:hlinkClick r:id="rId4" invalidUrl="" action="" tgtFrame="" tooltip="" history="1" highlightClick="0" endSnd="0"/>
+              </a:rPr>
+              <a:t>sonarsource/sonar-scanner-cli</a:t>
             </a:r>
           </a:p>
           <a:p>
             <a:pPr lvl="1"/>
             <a:r>
-              <a:t>3-Tier Application</a:t>
-            </a:r>
-          </a:p>
-          <a:p>
-            <a:pPr lvl="2"/>
-            <a:r>
-              <a:t>docker-103/1-three-tier-application</a:t>
+              <a:t>docker run --rm -e SONAR_HOST_URL=[SONAR HOST]  -v $PWD:/app sonarsource/sonar-scanner-cli -Dsonar.projectBaseDir=/app</a:t>
+            </a:r>
+          </a:p>
+          <a:p>
+            <a:pPr/>
+            <a:r>
+              <a:rPr u="sng">
+                <a:solidFill>
+                  <a:schemeClr val="accent1"/>
+                </a:solidFill>
+                <a:hlinkClick r:id="rId5" invalidUrl="" action="" tgtFrame="" tooltip="" history="1" highlightClick="0" endSnd="0"/>
+              </a:rPr>
+              <a:t>Jenkins</a:t>
             </a:r>
           </a:p>
           <a:p>
             <a:pPr lvl="1"/>
             <a:r>
-              <a:t>Selenium end-to-end testing</a:t>
-            </a:r>
-          </a:p>
-          <a:p>
-            <a:pPr lvl="2"/>
-            <a:r>
-              <a:t>docker-103/2-selenium-end-to-end-testing</a:t>
+              <a:rPr u="sng">
+                <a:solidFill>
+                  <a:schemeClr val="accent1"/>
+                </a:solidFill>
+                <a:hlinkClick r:id="rId6" invalidUrl="" action="" tgtFrame="" tooltip="" history="1" highlightClick="0" endSnd="0"/>
+              </a:rPr>
+              <a:t>Install with Docker</a:t>
+            </a:r>
+          </a:p>
+          <a:p>
+            <a:pPr/>
+            <a:r>
+              <a:t>Python </a:t>
+            </a:r>
+            <a:r>
+              <a:rPr u="sng">
+                <a:solidFill>
+                  <a:schemeClr val="accent1"/>
+                </a:solidFill>
+                <a:hlinkClick r:id="rId7" invalidUrl="" action="" tgtFrame="" tooltip="" history="1" highlightClick="0" endSnd="0"/>
+              </a:rPr>
+              <a:t>Jupyter Notebook</a:t>
+            </a:r>
+            <a:r>
+              <a:t> 開發環境</a:t>
+            </a:r>
+          </a:p>
+          <a:p>
+            <a:pPr lvl="1"/>
+            <a:r>
+              <a:rPr u="sng">
+                <a:solidFill>
+                  <a:schemeClr val="accent1"/>
+                </a:solidFill>
+                <a:hlinkClick r:id="rId8" invalidUrl="" action="" tgtFrame="" tooltip="" history="1" highlightClick="0" endSnd="0"/>
+              </a:rPr>
+              <a:t>Jupyter Docker Hub</a:t>
+            </a:r>
+          </a:p>
+          <a:p>
+            <a:pPr lvl="1" marL="1190625" indent="-555625"/>
+            <a:r>
+              <a:t>docker run -d -p 8888:8888 jupyter/datascience-notebook:python-3.9.7</a:t>
             </a:r>
           </a:p>
         </p:txBody>
@@ -9291,7 +9414,7 @@
       </p:grpSpPr>
       <p:sp>
         <p:nvSpPr>
-          <p:cNvPr id="305" name="More About Container"/>
+          <p:cNvPr id="313" name="More Scenarios"/>
           <p:cNvSpPr txBox="1"/>
           <p:nvPr>
             <p:ph type="title"/>
@@ -9308,7 +9431,76 @@
           <a:p>
             <a:pPr/>
             <a:r>
-              <a:t>More About Container</a:t>
+              <a:t>More Scenarios</a:t>
+            </a:r>
+          </a:p>
+        </p:txBody>
+      </p:sp>
+      <p:sp>
+        <p:nvSpPr>
+          <p:cNvPr id="314" name="Github Repo docker-tutorial…"/>
+          <p:cNvSpPr txBox="1"/>
+          <p:nvPr>
+            <p:ph type="body" idx="1"/>
+          </p:nvPr>
+        </p:nvSpPr>
+        <p:spPr>
+          <a:prstGeom prst="rect">
+            <a:avLst/>
+          </a:prstGeom>
+        </p:spPr>
+        <p:txBody>
+          <a:bodyPr/>
+          <a:lstStyle/>
+          <a:p>
+            <a:pPr/>
+            <a:r>
+              <a:t>Github Repo </a:t>
+            </a:r>
+            <a:r>
+              <a:rPr u="sng">
+                <a:solidFill>
+                  <a:schemeClr val="accent1"/>
+                </a:solidFill>
+                <a:hlinkClick r:id="rId2" invalidUrl="" action="" tgtFrame="" tooltip="" history="1" highlightClick="0" endSnd="0"/>
+              </a:rPr>
+              <a:t>docker-tutorial</a:t>
+            </a:r>
+          </a:p>
+          <a:p>
+            <a:pPr lvl="1"/>
+            <a:r>
+              <a:t>Proxy Server</a:t>
+            </a:r>
+          </a:p>
+          <a:p>
+            <a:pPr lvl="2"/>
+            <a:r>
+              <a:t>docker-103/0-traefik</a:t>
+            </a:r>
+          </a:p>
+          <a:p>
+            <a:pPr lvl="1"/>
+            <a:r>
+              <a:t>3-Tier Application</a:t>
+            </a:r>
+          </a:p>
+          <a:p>
+            <a:pPr lvl="2"/>
+            <a:r>
+              <a:t>docker-103/1-three-tier-application</a:t>
+            </a:r>
+          </a:p>
+          <a:p>
+            <a:pPr lvl="1"/>
+            <a:r>
+              <a:t>Selenium end-to-end testing</a:t>
+            </a:r>
+          </a:p>
+          <a:p>
+            <a:pPr lvl="2"/>
+            <a:r>
+              <a:t>docker-103/2-selenium-end-to-end-testing</a:t>
             </a:r>
           </a:p>
         </p:txBody>
@@ -9341,7 +9533,7 @@
       </p:grpSpPr>
       <p:sp>
         <p:nvSpPr>
-          <p:cNvPr id="307" name="Cloud Native"/>
+          <p:cNvPr id="316" name="More About Container"/>
           <p:cNvSpPr txBox="1"/>
           <p:nvPr>
             <p:ph type="title"/>
@@ -9358,299 +9550,11 @@
           <a:p>
             <a:pPr/>
             <a:r>
-              <a:t>Cloud Native</a:t>
+              <a:t>More About Container</a:t>
             </a:r>
           </a:p>
         </p:txBody>
       </p:sp>
-      <p:sp>
-        <p:nvSpPr>
-          <p:cNvPr id="308" name="Cloud Native 雲原生…"/>
-          <p:cNvSpPr txBox="1"/>
-          <p:nvPr>
-            <p:ph type="body" idx="1"/>
-          </p:nvPr>
-        </p:nvSpPr>
-        <p:spPr>
-          <a:prstGeom prst="rect">
-            <a:avLst/>
-          </a:prstGeom>
-        </p:spPr>
-        <p:txBody>
-          <a:bodyPr/>
-          <a:lstStyle/>
-          <a:p>
-            <a:pPr marL="501650" indent="-501650" defTabSz="652145">
-              <a:spcBef>
-                <a:spcPts val="1100"/>
-              </a:spcBef>
-              <a:defRPr sz="3792"/>
-            </a:pPr>
-            <a:r>
-              <a:t>Cloud Native 雲原生</a:t>
-            </a:r>
-          </a:p>
-          <a:p>
-            <a:pPr lvl="1" marL="1003300" indent="-501650" defTabSz="652145">
-              <a:spcBef>
-                <a:spcPts val="1100"/>
-              </a:spcBef>
-              <a:defRPr sz="3318"/>
-            </a:pPr>
-            <a:r>
-              <a:t>最初是針對服務定義</a:t>
-            </a:r>
-          </a:p>
-          <a:p>
-            <a:pPr lvl="2" marL="1504950" indent="-501650" defTabSz="652145">
-              <a:spcBef>
-                <a:spcPts val="1100"/>
-              </a:spcBef>
-              <a:defRPr sz="2844"/>
-            </a:pPr>
-            <a:r>
-              <a:t>服務容器化</a:t>
-            </a:r>
-          </a:p>
-          <a:p>
-            <a:pPr lvl="2" marL="1504950" indent="-501650" defTabSz="652145">
-              <a:spcBef>
-                <a:spcPts val="1100"/>
-              </a:spcBef>
-              <a:defRPr sz="2844"/>
-            </a:pPr>
-            <a:r>
-              <a:t>面向微服務架構</a:t>
-            </a:r>
-          </a:p>
-          <a:p>
-            <a:pPr lvl="2" marL="1504950" indent="-501650" defTabSz="652145">
-              <a:spcBef>
-                <a:spcPts val="1100"/>
-              </a:spcBef>
-              <a:defRPr sz="2844"/>
-            </a:pPr>
-            <a:r>
-              <a:t>服務支援以容器的方式被調度</a:t>
-            </a:r>
-          </a:p>
-          <a:p>
-            <a:pPr lvl="1" marL="1003300" indent="-501650" defTabSz="652145">
-              <a:spcBef>
-                <a:spcPts val="1100"/>
-              </a:spcBef>
-              <a:defRPr sz="3318"/>
-            </a:pPr>
-            <a:r>
-              <a:t>現在多指的是一種文化</a:t>
-            </a:r>
-          </a:p>
-          <a:p>
-            <a:pPr lvl="2" marL="1504950" indent="-501650" defTabSz="652145">
-              <a:spcBef>
-                <a:spcPts val="1100"/>
-              </a:spcBef>
-              <a:defRPr sz="2844"/>
-            </a:pPr>
-            <a:r>
-              <a:t>利用雲讓服務的開發與維運更加快速與敏捷的行為或方法</a:t>
-            </a:r>
-          </a:p>
-          <a:p>
-            <a:pPr marL="501650" indent="-501650" defTabSz="652145">
-              <a:spcBef>
-                <a:spcPts val="1100"/>
-              </a:spcBef>
-              <a:defRPr sz="3792"/>
-            </a:pPr>
-            <a:r>
-              <a:rPr u="sng">
-                <a:solidFill>
-                  <a:schemeClr val="accent1"/>
-                </a:solidFill>
-                <a:hlinkClick r:id="rId2" invalidUrl="" action="" tgtFrame="" tooltip="" history="1" highlightClick="0" endSnd="0"/>
-              </a:rPr>
-              <a:t>Cloud Native Computing Foundation</a:t>
-            </a:r>
-            <a:r>
-              <a:t> (CNCF)</a:t>
-            </a:r>
-          </a:p>
-          <a:p>
-            <a:pPr lvl="1" marL="1003300" indent="-501650" defTabSz="652145">
-              <a:spcBef>
-                <a:spcPts val="1100"/>
-              </a:spcBef>
-              <a:defRPr sz="3318"/>
-            </a:pPr>
-            <a:r>
-              <a:t>CNCF 致力於推廣 Cloud Native</a:t>
-            </a:r>
-          </a:p>
-          <a:p>
-            <a:pPr lvl="1" marL="1003300" indent="-501650" defTabSz="652145">
-              <a:spcBef>
-                <a:spcPts val="1100"/>
-              </a:spcBef>
-              <a:defRPr sz="3318"/>
-            </a:pPr>
-            <a:r>
-              <a:t>組織成員包括 Google, Amazon, Microsoft, Alibaba, Intel, IBM 等</a:t>
-            </a:r>
-          </a:p>
-          <a:p>
-            <a:pPr marL="501650" indent="-501650" defTabSz="652145">
-              <a:spcBef>
-                <a:spcPts val="1100"/>
-              </a:spcBef>
-              <a:defRPr sz="3792"/>
-            </a:pPr>
-            <a:r>
-              <a:rPr u="sng">
-                <a:solidFill>
-                  <a:schemeClr val="accent1"/>
-                </a:solidFill>
-                <a:hlinkClick r:id="rId3" invalidUrl="" action="" tgtFrame="" tooltip="" history="1" highlightClick="0" endSnd="0"/>
-              </a:rPr>
-              <a:t>Cloud Native Landscape</a:t>
-            </a:r>
-          </a:p>
-          <a:p>
-            <a:pPr lvl="1" marL="1003300" indent="-501650" defTabSz="652145">
-              <a:spcBef>
-                <a:spcPts val="1100"/>
-              </a:spcBef>
-              <a:defRPr sz="3318"/>
-            </a:pPr>
-            <a:r>
-              <a:rPr u="sng">
-                <a:solidFill>
-                  <a:schemeClr val="accent1"/>
-                </a:solidFill>
-                <a:hlinkClick r:id="rId4" invalidUrl="" action="" tgtFrame="" tooltip="" history="1" highlightClick="0" endSnd="0"/>
-              </a:rPr>
-              <a:t>路線圖</a:t>
-            </a:r>
-          </a:p>
-          <a:p>
-            <a:pPr lvl="1" marL="1003300" indent="-501650" defTabSz="652145">
-              <a:spcBef>
-                <a:spcPts val="1100"/>
-              </a:spcBef>
-              <a:defRPr sz="3318"/>
-            </a:pPr>
-            <a:r>
-              <a:rPr u="sng">
-                <a:solidFill>
-                  <a:schemeClr val="accent1"/>
-                </a:solidFill>
-                <a:hlinkClick r:id="rId5" invalidUrl="" action="" tgtFrame="" tooltip="" history="1" highlightClick="0" endSnd="0"/>
-              </a:rPr>
-              <a:t>工具清單</a:t>
-            </a:r>
-          </a:p>
-        </p:txBody>
-      </p:sp>
-      <p:sp>
-        <p:nvSpPr>
-          <p:cNvPr id="309" name="From: Microsoft Docs"/>
-          <p:cNvSpPr txBox="1"/>
-          <p:nvPr/>
-        </p:nvSpPr>
-        <p:spPr>
-          <a:xfrm>
-            <a:off x="15537567" y="6428544"/>
-            <a:ext cx="4050793" cy="560449"/>
-          </a:xfrm>
-          <a:prstGeom prst="rect">
-            <a:avLst/>
-          </a:prstGeom>
-          <a:ln w="12700">
-            <a:miter lim="400000"/>
-          </a:ln>
-          <a:extLst>
-            <a:ext uri="{C572A759-6A51-4108-AA02-DFA0A04FC94B}">
-              <ma14:wrappingTextBoxFlag xmlns:ma14="http://schemas.microsoft.com/office/mac/drawingml/2011/main" val="1"/>
-            </a:ext>
-          </a:extLst>
-        </p:spPr>
-        <p:txBody>
-          <a:bodyPr wrap="none" lIns="50800" tIns="50800" rIns="50800" bIns="50800" anchor="ctr">
-            <a:spAutoFit/>
-          </a:bodyPr>
-          <a:lstStyle/>
-          <a:p>
-            <a:pPr/>
-            <a:r>
-              <a:t>From: </a:t>
-            </a:r>
-            <a:r>
-              <a:rPr u="sng">
-                <a:hlinkClick r:id="rId6" invalidUrl="" action="" tgtFrame="" tooltip="" history="1" highlightClick="0" endSnd="0"/>
-              </a:rPr>
-              <a:t>Microsoft Docs</a:t>
-            </a:r>
-          </a:p>
-        </p:txBody>
-      </p:sp>
-      <p:pic>
-        <p:nvPicPr>
-          <p:cNvPr id="310" name="Image" descr="Image"/>
-          <p:cNvPicPr>
-            <a:picLocks noChangeAspect="1"/>
-          </p:cNvPicPr>
-          <p:nvPr/>
-        </p:nvPicPr>
-        <p:blipFill>
-          <a:blip r:embed="rId7">
-            <a:extLst/>
-          </a:blip>
-          <a:stretch>
-            <a:fillRect/>
-          </a:stretch>
-        </p:blipFill>
-        <p:spPr>
-          <a:xfrm>
-            <a:off x="11212963" y="3981894"/>
-            <a:ext cx="12700001" cy="2311401"/>
-          </a:xfrm>
-          <a:prstGeom prst="rect">
-            <a:avLst/>
-          </a:prstGeom>
-          <a:ln w="12700">
-            <a:miter lim="400000"/>
-          </a:ln>
-        </p:spPr>
-      </p:pic>
-      <p:pic>
-        <p:nvPicPr>
-          <p:cNvPr id="311" name="Image" descr="Image"/>
-          <p:cNvPicPr>
-            <a:picLocks noChangeAspect="1"/>
-          </p:cNvPicPr>
-          <p:nvPr/>
-        </p:nvPicPr>
-        <p:blipFill>
-          <a:blip r:embed="rId8">
-            <a:extLst/>
-          </a:blip>
-          <a:stretch>
-            <a:fillRect/>
-          </a:stretch>
-        </p:blipFill>
-        <p:spPr>
-          <a:xfrm>
-            <a:off x="17369927" y="7633589"/>
-            <a:ext cx="6350001" cy="4597401"/>
-          </a:xfrm>
-          <a:prstGeom prst="rect">
-            <a:avLst/>
-          </a:prstGeom>
-          <a:ln w="12700">
-            <a:miter lim="400000"/>
-          </a:ln>
-        </p:spPr>
-      </p:pic>
     </p:spTree>
   </p:cSld>
   <p:clrMapOvr>
@@ -9679,7 +9583,7 @@
       </p:grpSpPr>
       <p:sp>
         <p:nvSpPr>
-          <p:cNvPr id="313" name="Best Practice"/>
+          <p:cNvPr id="318" name="Cloud Native"/>
           <p:cNvSpPr txBox="1"/>
           <p:nvPr>
             <p:ph type="title"/>
@@ -9696,14 +9600,14 @@
           <a:p>
             <a:pPr/>
             <a:r>
-              <a:t>Best Practice</a:t>
+              <a:t>Cloud Native</a:t>
             </a:r>
           </a:p>
         </p:txBody>
       </p:sp>
       <p:sp>
         <p:nvSpPr>
-          <p:cNvPr id="314" name="RedHat Cloud Native Container Design White Paper…"/>
+          <p:cNvPr id="319" name="Cloud Native 雲原生…"/>
           <p:cNvSpPr txBox="1"/>
           <p:nvPr>
             <p:ph type="body" idx="1"/>
@@ -9718,7 +9622,89 @@
           <a:bodyPr/>
           <a:lstStyle/>
           <a:p>
-            <a:pPr/>
+            <a:pPr marL="501650" indent="-501650" defTabSz="652145">
+              <a:spcBef>
+                <a:spcPts val="1100"/>
+              </a:spcBef>
+              <a:defRPr sz="3792"/>
+            </a:pPr>
+            <a:r>
+              <a:t>Cloud Native 雲原生</a:t>
+            </a:r>
+          </a:p>
+          <a:p>
+            <a:pPr lvl="1" marL="1003300" indent="-501650" defTabSz="652145">
+              <a:spcBef>
+                <a:spcPts val="1100"/>
+              </a:spcBef>
+              <a:defRPr sz="3318"/>
+            </a:pPr>
+            <a:r>
+              <a:t>最初是針對服務定義</a:t>
+            </a:r>
+          </a:p>
+          <a:p>
+            <a:pPr lvl="2" marL="1504950" indent="-501650" defTabSz="652145">
+              <a:spcBef>
+                <a:spcPts val="1100"/>
+              </a:spcBef>
+              <a:defRPr sz="2844"/>
+            </a:pPr>
+            <a:r>
+              <a:t>服務容器化</a:t>
+            </a:r>
+          </a:p>
+          <a:p>
+            <a:pPr lvl="2" marL="1504950" indent="-501650" defTabSz="652145">
+              <a:spcBef>
+                <a:spcPts val="1100"/>
+              </a:spcBef>
+              <a:defRPr sz="2844"/>
+            </a:pPr>
+            <a:r>
+              <a:t>面向微服務架構</a:t>
+            </a:r>
+          </a:p>
+          <a:p>
+            <a:pPr lvl="2" marL="1504950" indent="-501650" defTabSz="652145">
+              <a:spcBef>
+                <a:spcPts val="1100"/>
+              </a:spcBef>
+              <a:defRPr sz="2844"/>
+            </a:pPr>
+            <a:r>
+              <a:t>服務支援以容器的方式被調度</a:t>
+            </a:r>
+          </a:p>
+          <a:p>
+            <a:pPr lvl="1" marL="1003300" indent="-501650" defTabSz="652145">
+              <a:spcBef>
+                <a:spcPts val="1100"/>
+              </a:spcBef>
+              <a:defRPr sz="3318"/>
+            </a:pPr>
+            <a:r>
+              <a:t>現在多指的是一種文化</a:t>
+            </a:r>
+          </a:p>
+          <a:p>
+            <a:pPr lvl="2" marL="1504950" indent="-501650" defTabSz="652145">
+              <a:spcBef>
+                <a:spcPts val="1100"/>
+              </a:spcBef>
+              <a:defRPr sz="2844"/>
+            </a:pPr>
+            <a:r>
+              <a:t>利用雲讓服務的開發與維運更加快速與敏捷的行為或方法</a:t>
+            </a:r>
+          </a:p>
+          <a:p>
+            <a:pPr marL="501650" indent="-501650" defTabSz="652145">
+              <a:spcBef>
+                <a:spcPts val="1100"/>
+              </a:spcBef>
+              <a:defRPr sz="3792"/>
+            </a:pPr>
             <a:r>
               <a:rPr u="sng">
                 <a:solidFill>
@@ -9726,11 +9712,41 @@
                 </a:solidFill>
                 <a:hlinkClick r:id="rId2" invalidUrl="" action="" tgtFrame="" tooltip="" history="1" highlightClick="0" endSnd="0"/>
               </a:rPr>
-              <a:t>RedHat Cloud Native Container Design White Paper</a:t>
-            </a:r>
-          </a:p>
-          <a:p>
-            <a:pPr/>
+              <a:t>Cloud Native Computing Foundation</a:t>
+            </a:r>
+            <a:r>
+              <a:t> (CNCF)</a:t>
+            </a:r>
+          </a:p>
+          <a:p>
+            <a:pPr lvl="1" marL="1003300" indent="-501650" defTabSz="652145">
+              <a:spcBef>
+                <a:spcPts val="1100"/>
+              </a:spcBef>
+              <a:defRPr sz="3318"/>
+            </a:pPr>
+            <a:r>
+              <a:t>CNCF 致力於推廣 Cloud Native</a:t>
+            </a:r>
+          </a:p>
+          <a:p>
+            <a:pPr lvl="1" marL="1003300" indent="-501650" defTabSz="652145">
+              <a:spcBef>
+                <a:spcPts val="1100"/>
+              </a:spcBef>
+              <a:defRPr sz="3318"/>
+            </a:pPr>
+            <a:r>
+              <a:t>組織成員包括 Google, Amazon, Microsoft, Alibaba, Intel, IBM 等</a:t>
+            </a:r>
+          </a:p>
+          <a:p>
+            <a:pPr marL="501650" indent="-501650" defTabSz="652145">
+              <a:spcBef>
+                <a:spcPts val="1100"/>
+              </a:spcBef>
+              <a:defRPr sz="3792"/>
+            </a:pPr>
             <a:r>
               <a:rPr u="sng">
                 <a:solidFill>
@@ -9738,11 +9754,16 @@
                 </a:solidFill>
                 <a:hlinkClick r:id="rId3" invalidUrl="" action="" tgtFrame="" tooltip="" history="1" highlightClick="0" endSnd="0"/>
               </a:rPr>
-              <a:t>The best Docker base image for your Python application</a:t>
-            </a:r>
-          </a:p>
-          <a:p>
-            <a:pPr/>
+              <a:t>Cloud Native Landscape</a:t>
+            </a:r>
+          </a:p>
+          <a:p>
+            <a:pPr lvl="1" marL="1003300" indent="-501650" defTabSz="652145">
+              <a:spcBef>
+                <a:spcPts val="1100"/>
+              </a:spcBef>
+              <a:defRPr sz="3318"/>
+            </a:pPr>
             <a:r>
               <a:rPr u="sng">
                 <a:solidFill>
@@ -9750,11 +9771,128 @@
                 </a:solidFill>
                 <a:hlinkClick r:id="rId4" invalidUrl="" action="" tgtFrame="" tooltip="" history="1" highlightClick="0" endSnd="0"/>
               </a:rPr>
-              <a:t>Docker Docs - Image Building Best Practices</a:t>
+              <a:t>路線圖</a:t>
+            </a:r>
+          </a:p>
+          <a:p>
+            <a:pPr lvl="1" marL="1003300" indent="-501650" defTabSz="652145">
+              <a:spcBef>
+                <a:spcPts val="1100"/>
+              </a:spcBef>
+              <a:defRPr sz="3318"/>
+            </a:pPr>
+            <a:r>
+              <a:rPr u="sng">
+                <a:solidFill>
+                  <a:schemeClr val="accent1"/>
+                </a:solidFill>
+                <a:hlinkClick r:id="rId5" invalidUrl="" action="" tgtFrame="" tooltip="" history="1" highlightClick="0" endSnd="0"/>
+              </a:rPr>
+              <a:t>工具清單</a:t>
             </a:r>
           </a:p>
         </p:txBody>
       </p:sp>
+      <p:sp>
+        <p:nvSpPr>
+          <p:cNvPr id="320" name="From: Microsoft Docs"/>
+          <p:cNvSpPr txBox="1"/>
+          <p:nvPr/>
+        </p:nvSpPr>
+        <p:spPr>
+          <a:xfrm>
+            <a:off x="15537567" y="6428544"/>
+            <a:ext cx="4050793" cy="560449"/>
+          </a:xfrm>
+          <a:prstGeom prst="rect">
+            <a:avLst/>
+          </a:prstGeom>
+          <a:ln w="12700">
+            <a:miter lim="400000"/>
+          </a:ln>
+          <a:extLst>
+            <a:ext uri="{C572A759-6A51-4108-AA02-DFA0A04FC94B}">
+              <ma14:wrappingTextBoxFlag xmlns:ma14="http://schemas.microsoft.com/office/mac/drawingml/2011/main" val="1"/>
+            </a:ext>
+          </a:extLst>
+        </p:spPr>
+        <p:txBody>
+          <a:bodyPr wrap="none" lIns="50800" tIns="50800" rIns="50800" bIns="50800" anchor="ctr">
+            <a:spAutoFit/>
+          </a:bodyPr>
+          <a:lstStyle/>
+          <a:p>
+            <a:pPr/>
+            <a:r>
+              <a:t>From: </a:t>
+            </a:r>
+            <a:r>
+              <a:rPr u="sng">
+                <a:hlinkClick r:id="rId6" invalidUrl="" action="" tgtFrame="" tooltip="" history="1" highlightClick="0" endSnd="0"/>
+              </a:rPr>
+              <a:t>Microsoft Docs</a:t>
+            </a:r>
+          </a:p>
+        </p:txBody>
+      </p:sp>
+      <p:pic>
+        <p:nvPicPr>
+          <p:cNvPr id="321" name="Image" descr="Image"/>
+          <p:cNvPicPr>
+            <a:picLocks noChangeAspect="1"/>
+          </p:cNvPicPr>
+          <p:nvPr/>
+        </p:nvPicPr>
+        <p:blipFill>
+          <a:blip r:embed="rId7">
+            <a:extLst/>
+          </a:blip>
+          <a:stretch>
+            <a:fillRect/>
+          </a:stretch>
+        </p:blipFill>
+        <p:spPr>
+          <a:xfrm>
+            <a:off x="11212963" y="3981894"/>
+            <a:ext cx="12700001" cy="2311401"/>
+          </a:xfrm>
+          <a:prstGeom prst="rect">
+            <a:avLst/>
+          </a:prstGeom>
+          <a:ln w="12700">
+            <a:miter lim="400000"/>
+          </a:ln>
+        </p:spPr>
+      </p:pic>
+      <p:pic>
+        <p:nvPicPr>
+          <p:cNvPr id="322" name="Image" descr="Image"/>
+          <p:cNvPicPr>
+            <a:picLocks noChangeAspect="1"/>
+          </p:cNvPicPr>
+          <p:nvPr/>
+        </p:nvPicPr>
+        <p:blipFill>
+          <a:blip r:embed="rId8">
+            <a:extLst/>
+          </a:blip>
+          <a:stretch>
+            <a:fillRect/>
+          </a:stretch>
+        </p:blipFill>
+        <p:spPr>
+          <a:xfrm>
+            <a:off x="17369927" y="7633589"/>
+            <a:ext cx="6350001" cy="4597401"/>
+          </a:xfrm>
+          <a:prstGeom prst="rect">
+            <a:avLst/>
+          </a:prstGeom>
+          <a:ln w="12700">
+            <a:miter lim="400000"/>
+          </a:ln>
+        </p:spPr>
+      </p:pic>
     </p:spTree>
   </p:cSld>
   <p:clrMapOvr>
@@ -9783,7 +9921,7 @@
       </p:grpSpPr>
       <p:sp>
         <p:nvSpPr>
-          <p:cNvPr id="316" name="Future of Container"/>
+          <p:cNvPr id="324" name="Best Practice"/>
           <p:cNvSpPr txBox="1"/>
           <p:nvPr>
             <p:ph type="title"/>
@@ -9800,14 +9938,14 @@
           <a:p>
             <a:pPr/>
             <a:r>
-              <a:t>Future of Container</a:t>
+              <a:t>Best Practice</a:t>
             </a:r>
           </a:p>
         </p:txBody>
       </p:sp>
       <p:sp>
         <p:nvSpPr>
-          <p:cNvPr id="317" name="Docker != Contianer…"/>
+          <p:cNvPr id="325" name="RedHat Cloud Native Container Design White Paper…"/>
           <p:cNvSpPr txBox="1"/>
           <p:nvPr>
             <p:ph type="body" idx="1"/>
@@ -9822,23 +9960,7 @@
           <a:bodyPr/>
           <a:lstStyle/>
           <a:p>
-            <a:pPr marL="615950" indent="-615950" defTabSz="800735">
-              <a:spcBef>
-                <a:spcPts val="1300"/>
-              </a:spcBef>
-              <a:defRPr sz="4656"/>
-            </a:pPr>
-            <a:r>
-              <a:t>Docker != Contianer</a:t>
-            </a:r>
-          </a:p>
-          <a:p>
-            <a:pPr marL="615950" indent="-615950" defTabSz="800735">
-              <a:spcBef>
-                <a:spcPts val="1300"/>
-              </a:spcBef>
-              <a:defRPr sz="4656"/>
-            </a:pPr>
+            <a:pPr/>
             <a:r>
               <a:rPr u="sng">
                 <a:solidFill>
@@ -9846,27 +9968,11 @@
                 </a:solidFill>
                 <a:hlinkClick r:id="rId2" invalidUrl="" action="" tgtFrame="" tooltip="" history="1" highlightClick="0" endSnd="0"/>
               </a:rPr>
-              <a:t>Open Container Initiative (OCI)</a:t>
-            </a:r>
-          </a:p>
-          <a:p>
-            <a:pPr lvl="1" marL="1231900" indent="-615950" defTabSz="800735">
-              <a:spcBef>
-                <a:spcPts val="1300"/>
-              </a:spcBef>
-              <a:defRPr sz="4074"/>
-            </a:pPr>
-            <a:r>
-              <a:t>定義 Runtime 以及 Image 兩個標準規範 Container</a:t>
-            </a:r>
-          </a:p>
-          <a:p>
-            <a:pPr marL="615950" indent="-615950" defTabSz="800735">
-              <a:spcBef>
-                <a:spcPts val="1300"/>
-              </a:spcBef>
-              <a:defRPr sz="4656"/>
-            </a:pPr>
+              <a:t>RedHat Cloud Native Container Design White Paper</a:t>
+            </a:r>
+          </a:p>
+          <a:p>
+            <a:pPr/>
             <a:r>
               <a:rPr u="sng">
                 <a:solidFill>
@@ -9874,38 +9980,11 @@
                 </a:solidFill>
                 <a:hlinkClick r:id="rId3" invalidUrl="" action="" tgtFrame="" tooltip="" history="1" highlightClick="0" endSnd="0"/>
               </a:rPr>
-              <a:t>Container Runtime Interface (ORI)</a:t>
-            </a:r>
-          </a:p>
-          <a:p>
-            <a:pPr lvl="1" marL="1231900" indent="-615950" defTabSz="800735">
-              <a:spcBef>
-                <a:spcPts val="1300"/>
-              </a:spcBef>
-              <a:defRPr sz="4074"/>
-            </a:pPr>
-            <a:r>
-              <a:t>由 K8s 提出的介面標準，只要 Container Runtime 有實作 ORI 介面就可以被 K8s 管理</a:t>
-            </a:r>
-          </a:p>
-          <a:p>
-            <a:pPr marL="615950" indent="-615950" defTabSz="800735">
-              <a:spcBef>
-                <a:spcPts val="1300"/>
-              </a:spcBef>
-              <a:defRPr sz="4656"/>
-            </a:pPr>
-            <a:r>
-              <a:t>Docker Alternatives</a:t>
-            </a:r>
-          </a:p>
-          <a:p>
-            <a:pPr lvl="1" marL="1231900" indent="-615950" defTabSz="800735">
-              <a:spcBef>
-                <a:spcPts val="1300"/>
-              </a:spcBef>
-              <a:defRPr sz="4074"/>
-            </a:pPr>
+              <a:t>The best Docker base image for your Python application</a:t>
+            </a:r>
+          </a:p>
+          <a:p>
+            <a:pPr/>
             <a:r>
               <a:rPr u="sng">
                 <a:solidFill>
@@ -9913,76 +9992,7 @@
                 </a:solidFill>
                 <a:hlinkClick r:id="rId4" invalidUrl="" action="" tgtFrame="" tooltip="" history="1" highlightClick="0" endSnd="0"/>
               </a:rPr>
-              <a:t>Buildah</a:t>
-            </a:r>
-            <a:r>
-              <a:t>、</a:t>
-            </a:r>
-            <a:r>
-              <a:rPr u="sng">
-                <a:solidFill>
-                  <a:schemeClr val="accent1"/>
-                </a:solidFill>
-                <a:hlinkClick r:id="rId5" invalidUrl="" action="" tgtFrame="" tooltip="" history="1" highlightClick="0" endSnd="0"/>
-              </a:rPr>
-              <a:t>Podman</a:t>
-            </a:r>
-            <a:r>
-              <a:t>、</a:t>
-            </a:r>
-            <a:r>
-              <a:rPr u="sng">
-                <a:solidFill>
-                  <a:schemeClr val="accent1"/>
-                </a:solidFill>
-                <a:hlinkClick r:id="rId6" invalidUrl="" action="" tgtFrame="" tooltip="" history="1" highlightClick="0" endSnd="0"/>
-              </a:rPr>
-              <a:t>Kaniko</a:t>
-            </a:r>
-          </a:p>
-          <a:p>
-            <a:pPr marL="615950" indent="-615950" defTabSz="800735">
-              <a:spcBef>
-                <a:spcPts val="1300"/>
-              </a:spcBef>
-              <a:defRPr sz="4656"/>
-            </a:pPr>
-            <a:r>
-              <a:t>K8s v1.20 之後開始棄用 Docker !? </a:t>
-            </a:r>
-          </a:p>
-          <a:p>
-            <a:pPr lvl="1" marL="1231900" indent="-615950" defTabSz="800735">
-              <a:spcBef>
-                <a:spcPts val="1300"/>
-              </a:spcBef>
-              <a:defRPr sz="4074"/>
-            </a:pPr>
-            <a:r>
-              <a:rPr u="sng">
-                <a:solidFill>
-                  <a:schemeClr val="accent1"/>
-                </a:solidFill>
-                <a:hlinkClick r:id="rId7" invalidUrl="" action="" tgtFrame="" tooltip="" history="1" highlightClick="0" endSnd="0"/>
-              </a:rPr>
-              <a:t>Don't Panic: Kubernetes and Docker</a:t>
-            </a:r>
-          </a:p>
-          <a:p>
-            <a:pPr lvl="1" marL="1231900" indent="-615950" defTabSz="800735">
-              <a:spcBef>
-                <a:spcPts val="1300"/>
-              </a:spcBef>
-              <a:defRPr sz="4074"/>
-            </a:pPr>
-            <a:r>
-              <a:rPr u="sng">
-                <a:solidFill>
-                  <a:schemeClr val="accent1"/>
-                </a:solidFill>
-                <a:hlinkClick r:id="rId8" invalidUrl="" action="" tgtFrame="" tooltip="" history="1" highlightClick="0" endSnd="0"/>
-              </a:rPr>
-              <a:t>[FB] 對開發人員與維運人員的影響</a:t>
+              <a:t>Docker Docs - Image Building Best Practices</a:t>
             </a:r>
           </a:p>
         </p:txBody>
@@ -10015,7 +10025,7 @@
       </p:grpSpPr>
       <p:sp>
         <p:nvSpPr>
-          <p:cNvPr id="319" name="Appendix - YAML"/>
+          <p:cNvPr id="327" name="Future of Container"/>
           <p:cNvSpPr txBox="1"/>
           <p:nvPr>
             <p:ph type="title"/>
@@ -10032,14 +10042,246 @@
           <a:p>
             <a:pPr/>
             <a:r>
-              <a:t>Appendix - YAML</a:t>
+              <a:t>Future of Container</a:t>
             </a:r>
           </a:p>
         </p:txBody>
       </p:sp>
       <p:sp>
         <p:nvSpPr>
-          <p:cNvPr id="320" name="YAML (YAML Ain't a Markup Language)…"/>
+          <p:cNvPr id="328" name="Docker != Contianer…"/>
+          <p:cNvSpPr txBox="1"/>
+          <p:nvPr>
+            <p:ph type="body" idx="1"/>
+          </p:nvPr>
+        </p:nvSpPr>
+        <p:spPr>
+          <a:prstGeom prst="rect">
+            <a:avLst/>
+          </a:prstGeom>
+        </p:spPr>
+        <p:txBody>
+          <a:bodyPr/>
+          <a:lstStyle/>
+          <a:p>
+            <a:pPr marL="615950" indent="-615950" defTabSz="800735">
+              <a:spcBef>
+                <a:spcPts val="1300"/>
+              </a:spcBef>
+              <a:defRPr sz="4656"/>
+            </a:pPr>
+            <a:r>
+              <a:t>Docker != Contianer</a:t>
+            </a:r>
+          </a:p>
+          <a:p>
+            <a:pPr marL="615950" indent="-615950" defTabSz="800735">
+              <a:spcBef>
+                <a:spcPts val="1300"/>
+              </a:spcBef>
+              <a:defRPr sz="4656"/>
+            </a:pPr>
+            <a:r>
+              <a:rPr u="sng">
+                <a:solidFill>
+                  <a:schemeClr val="accent1"/>
+                </a:solidFill>
+                <a:hlinkClick r:id="rId2" invalidUrl="" action="" tgtFrame="" tooltip="" history="1" highlightClick="0" endSnd="0"/>
+              </a:rPr>
+              <a:t>Open Container Initiative (OCI)</a:t>
+            </a:r>
+          </a:p>
+          <a:p>
+            <a:pPr lvl="1" marL="1231900" indent="-615950" defTabSz="800735">
+              <a:spcBef>
+                <a:spcPts val="1300"/>
+              </a:spcBef>
+              <a:defRPr sz="4074"/>
+            </a:pPr>
+            <a:r>
+              <a:t>定義 Runtime 以及 Image 兩個標準規範 Container</a:t>
+            </a:r>
+          </a:p>
+          <a:p>
+            <a:pPr marL="615950" indent="-615950" defTabSz="800735">
+              <a:spcBef>
+                <a:spcPts val="1300"/>
+              </a:spcBef>
+              <a:defRPr sz="4656"/>
+            </a:pPr>
+            <a:r>
+              <a:rPr u="sng">
+                <a:solidFill>
+                  <a:schemeClr val="accent1"/>
+                </a:solidFill>
+                <a:hlinkClick r:id="rId3" invalidUrl="" action="" tgtFrame="" tooltip="" history="1" highlightClick="0" endSnd="0"/>
+              </a:rPr>
+              <a:t>Container Runtime Interface (ORI)</a:t>
+            </a:r>
+          </a:p>
+          <a:p>
+            <a:pPr lvl="1" marL="1231900" indent="-615950" defTabSz="800735">
+              <a:spcBef>
+                <a:spcPts val="1300"/>
+              </a:spcBef>
+              <a:defRPr sz="4074"/>
+            </a:pPr>
+            <a:r>
+              <a:t>由 K8s 提出的介面標準，只要 Container Runtime 有實作 ORI 介面就可以被 K8s 管理</a:t>
+            </a:r>
+          </a:p>
+          <a:p>
+            <a:pPr marL="615950" indent="-615950" defTabSz="800735">
+              <a:spcBef>
+                <a:spcPts val="1300"/>
+              </a:spcBef>
+              <a:defRPr sz="4656"/>
+            </a:pPr>
+            <a:r>
+              <a:t>Docker Alternatives</a:t>
+            </a:r>
+          </a:p>
+          <a:p>
+            <a:pPr lvl="1" marL="1231900" indent="-615950" defTabSz="800735">
+              <a:spcBef>
+                <a:spcPts val="1300"/>
+              </a:spcBef>
+              <a:defRPr sz="4074"/>
+            </a:pPr>
+            <a:r>
+              <a:rPr u="sng">
+                <a:solidFill>
+                  <a:schemeClr val="accent1"/>
+                </a:solidFill>
+                <a:hlinkClick r:id="rId4" invalidUrl="" action="" tgtFrame="" tooltip="" history="1" highlightClick="0" endSnd="0"/>
+              </a:rPr>
+              <a:t>Buildah</a:t>
+            </a:r>
+            <a:r>
+              <a:t>、</a:t>
+            </a:r>
+            <a:r>
+              <a:rPr u="sng">
+                <a:solidFill>
+                  <a:schemeClr val="accent1"/>
+                </a:solidFill>
+                <a:hlinkClick r:id="rId5" invalidUrl="" action="" tgtFrame="" tooltip="" history="1" highlightClick="0" endSnd="0"/>
+              </a:rPr>
+              <a:t>Podman</a:t>
+            </a:r>
+            <a:r>
+              <a:t>、</a:t>
+            </a:r>
+            <a:r>
+              <a:rPr u="sng">
+                <a:solidFill>
+                  <a:schemeClr val="accent1"/>
+                </a:solidFill>
+                <a:hlinkClick r:id="rId6" invalidUrl="" action="" tgtFrame="" tooltip="" history="1" highlightClick="0" endSnd="0"/>
+              </a:rPr>
+              <a:t>Kaniko</a:t>
+            </a:r>
+          </a:p>
+          <a:p>
+            <a:pPr marL="615950" indent="-615950" defTabSz="800735">
+              <a:spcBef>
+                <a:spcPts val="1300"/>
+              </a:spcBef>
+              <a:defRPr sz="4656"/>
+            </a:pPr>
+            <a:r>
+              <a:t>K8s v1.20 之後開始棄用 Docker !? </a:t>
+            </a:r>
+          </a:p>
+          <a:p>
+            <a:pPr lvl="1" marL="1231900" indent="-615950" defTabSz="800735">
+              <a:spcBef>
+                <a:spcPts val="1300"/>
+              </a:spcBef>
+              <a:defRPr sz="4074"/>
+            </a:pPr>
+            <a:r>
+              <a:rPr u="sng">
+                <a:solidFill>
+                  <a:schemeClr val="accent1"/>
+                </a:solidFill>
+                <a:hlinkClick r:id="rId7" invalidUrl="" action="" tgtFrame="" tooltip="" history="1" highlightClick="0" endSnd="0"/>
+              </a:rPr>
+              <a:t>Don't Panic: Kubernetes and Docker</a:t>
+            </a:r>
+          </a:p>
+          <a:p>
+            <a:pPr lvl="1" marL="1231900" indent="-615950" defTabSz="800735">
+              <a:spcBef>
+                <a:spcPts val="1300"/>
+              </a:spcBef>
+              <a:defRPr sz="4074"/>
+            </a:pPr>
+            <a:r>
+              <a:rPr u="sng">
+                <a:solidFill>
+                  <a:schemeClr val="accent1"/>
+                </a:solidFill>
+                <a:hlinkClick r:id="rId8" invalidUrl="" action="" tgtFrame="" tooltip="" history="1" highlightClick="0" endSnd="0"/>
+              </a:rPr>
+              <a:t>[FB] 對開發人員與維運人員的影響</a:t>
+            </a:r>
+          </a:p>
+        </p:txBody>
+      </p:sp>
+    </p:spTree>
+  </p:cSld>
+  <p:clrMapOvr>
+    <a:masterClrMapping/>
+  </p:clrMapOvr>
+  <p:transition xmlns:p14="http://schemas.microsoft.com/office/powerpoint/2010/main" spd="med" advClick="1"/>
+</p:sld>
+</file>
+
+<file path=ppt/slides/slide45.xml><?xml version="1.0" encoding="utf-8"?>
+<p:sld xmlns:a="http://schemas.openxmlformats.org/drawingml/2006/main" xmlns:r="http://schemas.openxmlformats.org/officeDocument/2006/relationships" xmlns:p="http://schemas.openxmlformats.org/presentationml/2006/main" xmlns:m="http://schemas.openxmlformats.org/officeDocument/2006/math" xmlns:a14="http://schemas.microsoft.com/office/drawing/2010/main" showMasterSp="1" showMasterPhAnim="1">
+  <p:cSld>
+    <p:spTree>
+      <p:nvGrpSpPr>
+        <p:cNvPr id="1" name=""/>
+        <p:cNvGrpSpPr/>
+        <p:nvPr/>
+      </p:nvGrpSpPr>
+      <p:grpSpPr>
+        <a:xfrm>
+          <a:off x="0" y="0"/>
+          <a:ext cx="0" cy="0"/>
+          <a:chOff x="0" y="0"/>
+          <a:chExt cx="0" cy="0"/>
+        </a:xfrm>
+      </p:grpSpPr>
+      <p:sp>
+        <p:nvSpPr>
+          <p:cNvPr id="330" name="Appendix - YAML"/>
+          <p:cNvSpPr txBox="1"/>
+          <p:nvPr>
+            <p:ph type="title"/>
+          </p:nvPr>
+        </p:nvSpPr>
+        <p:spPr>
+          <a:prstGeom prst="rect">
+            <a:avLst/>
+          </a:prstGeom>
+        </p:spPr>
+        <p:txBody>
+          <a:bodyPr/>
+          <a:lstStyle/>
+          <a:p>
+            <a:pPr/>
+            <a:r>
+              <a:t>Appendix - YAML</a:t>
+            </a:r>
+          </a:p>
+        </p:txBody>
+      </p:sp>
+      <p:sp>
+        <p:nvSpPr>
+          <p:cNvPr id="331" name="YAML (YAML Ain't a Markup Language)…"/>
           <p:cNvSpPr txBox="1"/>
           <p:nvPr>
             <p:ph type="body" idx="1"/>
@@ -10090,7 +10332,7 @@
       </p:sp>
       <p:grpSp>
         <p:nvGrpSpPr>
-          <p:cNvPr id="325" name="Group"/>
+          <p:cNvPr id="336" name="Group"/>
           <p:cNvGrpSpPr/>
           <p:nvPr/>
         </p:nvGrpSpPr>
@@ -10104,7 +10346,7 @@
         </p:grpSpPr>
         <p:grpSp>
           <p:nvGrpSpPr>
-            <p:cNvPr id="323" name="Group"/>
+            <p:cNvPr id="334" name="Group"/>
             <p:cNvGrpSpPr/>
             <p:nvPr/>
           </p:nvGrpSpPr>
@@ -10118,7 +10360,7 @@
           </p:grpSpPr>
           <p:pic>
             <p:nvPicPr>
-              <p:cNvPr id="321" name="Image" descr="Image"/>
+              <p:cNvPr id="332" name="Image" descr="Image"/>
               <p:cNvPicPr>
                 <a:picLocks noChangeAspect="1"/>
               </p:cNvPicPr>
@@ -10149,7 +10391,7 @@
           </p:pic>
           <p:pic>
             <p:nvPicPr>
-              <p:cNvPr id="322" name="Image" descr="Image"/>
+              <p:cNvPr id="333" name="Image" descr="Image"/>
               <p:cNvPicPr>
                 <a:picLocks noChangeAspect="1"/>
               </p:cNvPicPr>
@@ -10181,7 +10423,7 @@
         </p:grpSp>
         <p:sp>
           <p:nvSpPr>
-            <p:cNvPr id="324" name="=="/>
+            <p:cNvPr id="335" name="=="/>
             <p:cNvSpPr txBox="1"/>
             <p:nvPr/>
           </p:nvSpPr>
@@ -10232,92 +10474,6 @@
 </p:sld>
 </file>
 
-<file path=ppt/slides/slide45.xml><?xml version="1.0" encoding="utf-8"?>
-<p:sld xmlns:a="http://schemas.openxmlformats.org/drawingml/2006/main" xmlns:r="http://schemas.openxmlformats.org/officeDocument/2006/relationships" xmlns:p="http://schemas.openxmlformats.org/presentationml/2006/main" xmlns:m="http://schemas.openxmlformats.org/officeDocument/2006/math" xmlns:a14="http://schemas.microsoft.com/office/drawing/2010/main" showMasterSp="1" showMasterPhAnim="1">
-  <p:cSld>
-    <p:spTree>
-      <p:nvGrpSpPr>
-        <p:cNvPr id="1" name=""/>
-        <p:cNvGrpSpPr/>
-        <p:nvPr/>
-      </p:nvGrpSpPr>
-      <p:grpSpPr>
-        <a:xfrm>
-          <a:off x="0" y="0"/>
-          <a:ext cx="0" cy="0"/>
-          <a:chOff x="0" y="0"/>
-          <a:chExt cx="0" cy="0"/>
-        </a:xfrm>
-      </p:grpSpPr>
-      <p:sp>
-        <p:nvSpPr>
-          <p:cNvPr id="327" name="Appendix - Unix and Linux"/>
-          <p:cNvSpPr txBox="1"/>
-          <p:nvPr>
-            <p:ph type="title"/>
-          </p:nvPr>
-        </p:nvSpPr>
-        <p:spPr>
-          <a:prstGeom prst="rect">
-            <a:avLst/>
-          </a:prstGeom>
-        </p:spPr>
-        <p:txBody>
-          <a:bodyPr/>
-          <a:lstStyle/>
-          <a:p>
-            <a:pPr/>
-            <a:r>
-              <a:t>Appendix - Unix and Linux</a:t>
-            </a:r>
-          </a:p>
-        </p:txBody>
-      </p:sp>
-      <p:sp>
-        <p:nvSpPr>
-          <p:cNvPr id="328" name="Unix Vs Linux: What Is Difference Between UNIX And Linux…"/>
-          <p:cNvSpPr txBox="1"/>
-          <p:nvPr>
-            <p:ph type="body" idx="1"/>
-          </p:nvPr>
-        </p:nvSpPr>
-        <p:spPr>
-          <a:prstGeom prst="rect">
-            <a:avLst/>
-          </a:prstGeom>
-        </p:spPr>
-        <p:txBody>
-          <a:bodyPr/>
-          <a:lstStyle/>
-          <a:p>
-            <a:pPr/>
-            <a:r>
-              <a:rPr u="sng">
-                <a:hlinkClick r:id="rId2" invalidUrl="" action="" tgtFrame="" tooltip="" history="1" highlightClick="0" endSnd="0"/>
-              </a:rPr>
-              <a:t>Unix Vs Linux: What Is Difference Between UNIX And Linux</a:t>
-            </a:r>
-          </a:p>
-          <a:p>
-            <a:pPr/>
-            <a:r>
-              <a:rPr u="sng">
-                <a:hlinkClick r:id="rId3" invalidUrl="" action="" tgtFrame="" tooltip="" history="1" highlightClick="0" endSnd="0"/>
-              </a:rPr>
-              <a:t>Difference between Linux distributions</a:t>
-            </a:r>
-          </a:p>
-        </p:txBody>
-      </p:sp>
-    </p:spTree>
-  </p:cSld>
-  <p:clrMapOvr>
-    <a:masterClrMapping/>
-  </p:clrMapOvr>
-  <p:transition xmlns:p14="http://schemas.microsoft.com/office/powerpoint/2010/main" spd="med" advClick="1"/>
-</p:sld>
-</file>
-
 <file path=ppt/slides/slide46.xml><?xml version="1.0" encoding="utf-8"?>
 <p:sld xmlns:a="http://schemas.openxmlformats.org/drawingml/2006/main" xmlns:r="http://schemas.openxmlformats.org/officeDocument/2006/relationships" xmlns:p="http://schemas.openxmlformats.org/presentationml/2006/main" xmlns:m="http://schemas.openxmlformats.org/officeDocument/2006/math" xmlns:a14="http://schemas.microsoft.com/office/drawing/2010/main" showMasterSp="1" showMasterPhAnim="1">
   <p:cSld>
@@ -10337,7 +10493,7 @@
       </p:grpSpPr>
       <p:sp>
         <p:nvSpPr>
-          <p:cNvPr id="330" name="Appendix - Container OS/ARCH"/>
+          <p:cNvPr id="338" name="Appendix - Unix and Linux"/>
           <p:cNvSpPr txBox="1"/>
           <p:nvPr>
             <p:ph type="title"/>
@@ -10350,22 +10506,18 @@
         </p:spPr>
         <p:txBody>
           <a:bodyPr/>
-          <a:lstStyle>
-            <a:lvl1pPr defTabSz="817244">
-              <a:defRPr sz="11088"/>
-            </a:lvl1pPr>
-          </a:lstStyle>
-          <a:p>
-            <a:pPr/>
-            <a:r>
-              <a:t>Appendix - Container OS/ARCH</a:t>
+          <a:lstStyle/>
+          <a:p>
+            <a:pPr/>
+            <a:r>
+              <a:t>Appendix - Unix and Linux</a:t>
             </a:r>
           </a:p>
         </p:txBody>
       </p:sp>
       <p:sp>
         <p:nvSpPr>
-          <p:cNvPr id="331" name="雖然 Container 標榜可以完全重現環境，只要有 Container Runtime 就可以執行 Image，但根本性的 CPU 架構問題 Container 是無法解決的。如果 Container 或其中的程式在 Compile 時與之後執行的 Host CPU 架構不同，可能會造成無法執行出現 Core Dumped 等錯誤。…"/>
+          <p:cNvPr id="339" name="Unix Vs Linux: What Is Difference Between UNIX And Linux…"/>
           <p:cNvSpPr txBox="1"/>
           <p:nvPr>
             <p:ph type="body" idx="1"/>
@@ -10380,109 +10532,27 @@
           <a:bodyPr/>
           <a:lstStyle/>
           <a:p>
-            <a:pPr marL="0" indent="0" defTabSz="709930">
-              <a:spcBef>
-                <a:spcPts val="1200"/>
-              </a:spcBef>
-              <a:buSzTx/>
-              <a:buNone/>
-              <a:defRPr sz="4128"/>
-            </a:pPr>
-            <a:r>
-              <a:t>         雖然 Container 標榜可以完全重現環境，只要有 Container Runtime 就可以執行 Image，但根本性的 CPU 架構問題 Container 是無法解決的。如果 Container 或其中的程式在 Compile 時與之後執行的 Host CPU 架構不同，可能會造成無法執行出現 Core Dumped 等錯誤。</a:t>
-            </a:r>
-          </a:p>
-          <a:p>
-            <a:pPr marL="0" indent="0" defTabSz="709930">
-              <a:spcBef>
-                <a:spcPts val="1200"/>
-              </a:spcBef>
-              <a:buSzTx/>
-              <a:buNone/>
-              <a:defRPr sz="4128"/>
-            </a:pPr>
-            <a:r>
-              <a:t>         在 Docker Hub 的 Image Tag 頁籤可以看到各 Tag 有標註 OS/ARCH，OS 指的 Container 的 OS，ARCH 則是 CPU 架構。例如 </a:t>
-            </a:r>
-            <a:r>
-              <a:rPr u="sng">
-                <a:hlinkClick r:id="rId2" invalidUrl="" action="" tgtFrame="" tooltip="" history="1" highlightClick="0" endSnd="0"/>
-              </a:rPr>
-              <a:t>Nginx</a:t>
-            </a:r>
-            <a:r>
-              <a:t> 提供了多種不同 ARCH 的 Image，而 </a:t>
-            </a:r>
-            <a:r>
-              <a:rPr u="sng">
-                <a:hlinkClick r:id="rId3" invalidUrl="" action="" tgtFrame="" tooltip="" history="1" highlightClick="0" endSnd="0"/>
-              </a:rPr>
-              <a:t>Nexus</a:t>
-            </a:r>
-            <a:r>
-              <a:t> 只提供 amd64 架構的 Image。</a:t>
-            </a:r>
-          </a:p>
-          <a:p>
-            <a:pPr marL="546100" indent="-546100" defTabSz="709930">
-              <a:spcBef>
-                <a:spcPts val="1200"/>
-              </a:spcBef>
-              <a:defRPr sz="4128"/>
-            </a:pPr>
-            <a:r>
-              <a:t>M1 常見問題</a:t>
-            </a:r>
-          </a:p>
-          <a:p>
-            <a:pPr lvl="1" marL="1092200" indent="-546100" defTabSz="709930">
-              <a:spcBef>
-                <a:spcPts val="1200"/>
-              </a:spcBef>
-              <a:defRPr sz="3612"/>
-            </a:pPr>
+            <a:pPr/>
             <a:r>
               <a:rPr u="sng">
                 <a:solidFill>
                   <a:schemeClr val="accent1"/>
                 </a:solidFill>
-                <a:hlinkClick r:id="rId4" invalidUrl="" action="" tgtFrame="" tooltip="" history="1" highlightClick="0" endSnd="0"/>
+                <a:hlinkClick r:id="rId2" invalidUrl="" action="" tgtFrame="" tooltip="" history="1" highlightClick="0" endSnd="0"/>
               </a:rPr>
-              <a:t>[Docker] Mac M1 – no matching manifest for linux/arm64/v8 in the manifest list entries</a:t>
-            </a:r>
-          </a:p>
-          <a:p>
-            <a:pPr lvl="1" marL="1092200" indent="-546100" defTabSz="709930">
-              <a:spcBef>
-                <a:spcPts val="1200"/>
-              </a:spcBef>
-              <a:defRPr sz="3612"/>
-            </a:pPr>
+              <a:t>Unix Vs Linux: What Is Difference Between UNIX And Linux</a:t>
+            </a:r>
+          </a:p>
+          <a:p>
+            <a:pPr/>
             <a:r>
               <a:rPr u="sng">
                 <a:solidFill>
                   <a:schemeClr val="accent1"/>
                 </a:solidFill>
-                <a:hlinkClick r:id="rId5" invalidUrl="" action="" tgtFrame="" tooltip="" history="1" highlightClick="0" endSnd="0"/>
+                <a:hlinkClick r:id="rId3" invalidUrl="" action="" tgtFrame="" tooltip="" history="1" highlightClick="0" endSnd="0"/>
               </a:rPr>
-              <a:t>Mac M1系列-解決docker安裝mysql error:no matching manifest for linux/arm64/v8 in the manifest list entries</a:t>
-            </a:r>
-          </a:p>
-          <a:p>
-            <a:pPr lvl="1" marL="1092200" indent="-546100" defTabSz="709930">
-              <a:spcBef>
-                <a:spcPts val="1200"/>
-              </a:spcBef>
-              <a:defRPr sz="3612"/>
-            </a:pPr>
-            <a:r>
-              <a:rPr u="sng">
-                <a:solidFill>
-                  <a:schemeClr val="accent1"/>
-                </a:solidFill>
-                <a:hlinkClick r:id="rId6" invalidUrl="" action="" tgtFrame="" tooltip="" history="1" highlightClick="0" endSnd="0"/>
-              </a:rPr>
-              <a:t>M1 使用本地 docker push 到 cloud run 出現錯誤</a:t>
+              <a:t>Difference between Linux distributions</a:t>
             </a:r>
           </a:p>
         </p:txBody>
@@ -10515,7 +10585,7 @@
       </p:grpSpPr>
       <p:sp>
         <p:nvSpPr>
-          <p:cNvPr id="333" name="Appendix - ERR_UNSAFE_PORT"/>
+          <p:cNvPr id="341" name="Appendix - Container OS/ARCH"/>
           <p:cNvSpPr txBox="1"/>
           <p:nvPr>
             <p:ph type="title"/>
@@ -10529,21 +10599,21 @@
         <p:txBody>
           <a:bodyPr/>
           <a:lstStyle>
-            <a:lvl1pPr defTabSz="800735">
-              <a:defRPr sz="10864"/>
+            <a:lvl1pPr defTabSz="817244">
+              <a:defRPr sz="11088"/>
             </a:lvl1pPr>
           </a:lstStyle>
           <a:p>
             <a:pPr/>
             <a:r>
-              <a:t>Appendix - ERR_UNSAFE_PORT</a:t>
+              <a:t>Appendix - Container OS/ARCH</a:t>
             </a:r>
           </a:p>
         </p:txBody>
       </p:sp>
       <p:sp>
         <p:nvSpPr>
-          <p:cNvPr id="334" name="問題…"/>
+          <p:cNvPr id="342" name="雖然 Container 標榜可以完全重現環境，只要有 Container Runtime 就可以執行 Image，但根本性的 CPU 架構問題 Container 是無法解決的。如果 Container 或其中的程式在 Compile 時與之後執行的 Host CPU 架構不同，可能會造成無法執行出現 Core Dumped 等錯誤。…"/>
           <p:cNvSpPr txBox="1"/>
           <p:nvPr>
             <p:ph type="body" idx="1"/>
@@ -10558,111 +10628,66 @@
           <a:bodyPr/>
           <a:lstStyle/>
           <a:p>
-            <a:pPr marL="558800" indent="-558800" defTabSz="726440">
+            <a:pPr marL="0" indent="0" defTabSz="709930">
               <a:spcBef>
                 <a:spcPts val="1200"/>
               </a:spcBef>
-              <a:defRPr sz="4224"/>
+              <a:buSzTx/>
+              <a:buNone/>
+              <a:defRPr sz="4128"/>
             </a:pPr>
             <a:r>
-              <a:t>問題</a:t>
-            </a:r>
-          </a:p>
-          <a:p>
-            <a:pPr lvl="1" marL="1117600" indent="-558800" defTabSz="726440">
+              <a:t>         雖然 Container 標榜可以完全重現環境，只要有 Container Runtime 就可以執行 Image，但根本性的 CPU 架構問題 Container 是無法解決的。如果 Container 或其中的程式在 Compile 時與之後執行的 Host CPU 架構不同，可能會造成無法執行出現 Core Dumped 等錯誤。</a:t>
+            </a:r>
+          </a:p>
+          <a:p>
+            <a:pPr marL="0" indent="0" defTabSz="709930">
               <a:spcBef>
                 <a:spcPts val="1200"/>
               </a:spcBef>
-              <a:defRPr sz="3696"/>
+              <a:buSzTx/>
+              <a:buNone/>
+              <a:defRPr sz="4128"/>
             </a:pPr>
             <a:r>
-              <a:t>以 6666 port 開啟服務，使用 Chrome 瀏覽時出現 ERR_UNSAFE_PORT 錯誤訊息</a:t>
-            </a:r>
-          </a:p>
-          <a:p>
-            <a:pPr marL="558800" indent="-558800" defTabSz="726440">
-              <a:spcBef>
-                <a:spcPts val="1200"/>
-              </a:spcBef>
-              <a:defRPr sz="4224"/>
-            </a:pPr>
-            <a:r>
-              <a:t>原因</a:t>
-            </a:r>
-          </a:p>
-          <a:p>
-            <a:pPr lvl="1" marL="1117600" indent="-558800" defTabSz="726440">
-              <a:spcBef>
-                <a:spcPts val="1200"/>
-              </a:spcBef>
-              <a:defRPr sz="3696"/>
-            </a:pPr>
-            <a:r>
-              <a:t>基於安全理由 Chrome 或其他瀏覽器會直接阻擋特定 port 的服務。Chromium 的原始碼有列出會被阻擋的清單，在使用時應特別注意。</a:t>
-            </a:r>
-          </a:p>
-          <a:p>
-            <a:pPr lvl="1" marL="1117600" indent="-558800" defTabSz="726440">
-              <a:spcBef>
-                <a:spcPts val="1200"/>
-              </a:spcBef>
-              <a:defRPr sz="3696"/>
-            </a:pPr>
-            <a:r>
-              <a:t>6665~6669 是 IRC protocol 預設使用的 Port。IRC 有許多安全漏洞，為了避免 Chrome 變成跳板去影響其他服務，所以會主動進行阻擋。因此這些阻擋是保護 Service 本身，而不是保護 Chrome 的使用者。</a:t>
-            </a:r>
-          </a:p>
-          <a:p>
-            <a:pPr marL="558800" indent="-558800" defTabSz="726440">
-              <a:spcBef>
-                <a:spcPts val="1200"/>
-              </a:spcBef>
-              <a:defRPr sz="4224"/>
-            </a:pPr>
-            <a:r>
-              <a:t>Reference</a:t>
-            </a:r>
-          </a:p>
-          <a:p>
-            <a:pPr lvl="1" marL="1117600" indent="-558800" defTabSz="726440">
-              <a:spcBef>
-                <a:spcPts val="1200"/>
-              </a:spcBef>
-              <a:defRPr sz="3696"/>
-            </a:pPr>
+              <a:t>         在 Docker Hub 的 Image Tag 頁籤可以看到各 Tag 有標註 OS/ARCH，OS 指的 Container 的 OS，ARCH 則是 CPU 架構。例如 </a:t>
+            </a:r>
             <a:r>
               <a:rPr u="sng">
-                <a:solidFill>
-                  <a:schemeClr val="accent1"/>
-                </a:solidFill>
                 <a:hlinkClick r:id="rId2" invalidUrl="" action="" tgtFrame="" tooltip="" history="1" highlightClick="0" endSnd="0"/>
               </a:rPr>
-              <a:t>Chrome错误代码:ERR_UNSAFE_PORT</a:t>
-            </a:r>
-          </a:p>
-          <a:p>
-            <a:pPr lvl="1" marL="1117600" indent="-558800" defTabSz="726440">
-              <a:spcBef>
-                <a:spcPts val="1200"/>
-              </a:spcBef>
-              <a:defRPr sz="3696"/>
-            </a:pPr>
+              <a:t>Nginx</a:t>
+            </a:r>
+            <a:r>
+              <a:t> 提供了多種不同 ARCH 的 Image，而 </a:t>
+            </a:r>
             <a:r>
               <a:rPr u="sng">
-                <a:solidFill>
-                  <a:schemeClr val="accent1"/>
-                </a:solidFill>
                 <a:hlinkClick r:id="rId3" invalidUrl="" action="" tgtFrame="" tooltip="" history="1" highlightClick="0" endSnd="0"/>
               </a:rPr>
-              <a:t>Which ports are considered unsafe by Chrome?</a:t>
-            </a:r>
-          </a:p>
-          <a:p>
-            <a:pPr lvl="1" marL="1117600" indent="-558800" defTabSz="726440">
+              <a:t>Nexus</a:t>
+            </a:r>
+            <a:r>
+              <a:t> 只提供 amd64 架構的 Image。</a:t>
+            </a:r>
+          </a:p>
+          <a:p>
+            <a:pPr marL="546100" indent="-546100" defTabSz="709930">
               <a:spcBef>
                 <a:spcPts val="1200"/>
               </a:spcBef>
-              <a:defRPr sz="3696"/>
+              <a:defRPr sz="4128"/>
+            </a:pPr>
+            <a:r>
+              <a:t>M1 常見問題</a:t>
+            </a:r>
+          </a:p>
+          <a:p>
+            <a:pPr lvl="1" marL="1092200" indent="-546100" defTabSz="709930">
+              <a:spcBef>
+                <a:spcPts val="1200"/>
+              </a:spcBef>
+              <a:defRPr sz="3612"/>
             </a:pPr>
             <a:r>
               <a:rPr u="sng">
@@ -10671,7 +10696,41 @@
                 </a:solidFill>
                 <a:hlinkClick r:id="rId4" invalidUrl="" action="" tgtFrame="" tooltip="" history="1" highlightClick="0" endSnd="0"/>
               </a:rPr>
-              <a:t>Why does Chrome consider some ports unsafe?</a:t>
+              <a:t>[Docker] Mac M1 – no matching manifest for linux/arm64/v8 in the manifest list entries</a:t>
+            </a:r>
+          </a:p>
+          <a:p>
+            <a:pPr lvl="1" marL="1092200" indent="-546100" defTabSz="709930">
+              <a:spcBef>
+                <a:spcPts val="1200"/>
+              </a:spcBef>
+              <a:defRPr sz="3612"/>
+            </a:pPr>
+            <a:r>
+              <a:rPr u="sng">
+                <a:solidFill>
+                  <a:schemeClr val="accent1"/>
+                </a:solidFill>
+                <a:hlinkClick r:id="rId5" invalidUrl="" action="" tgtFrame="" tooltip="" history="1" highlightClick="0" endSnd="0"/>
+              </a:rPr>
+              <a:t>Mac M1系列-解決docker安裝mysql error:no matching manifest for linux/arm64/v8 in the manifest list entries</a:t>
+            </a:r>
+          </a:p>
+          <a:p>
+            <a:pPr lvl="1" marL="1092200" indent="-546100" defTabSz="709930">
+              <a:spcBef>
+                <a:spcPts val="1200"/>
+              </a:spcBef>
+              <a:defRPr sz="3612"/>
+            </a:pPr>
+            <a:r>
+              <a:rPr u="sng">
+                <a:solidFill>
+                  <a:schemeClr val="accent1"/>
+                </a:solidFill>
+                <a:hlinkClick r:id="rId6" invalidUrl="" action="" tgtFrame="" tooltip="" history="1" highlightClick="0" endSnd="0"/>
+              </a:rPr>
+              <a:t>M1 使用本地 docker push 到 cloud run 出現錯誤</a:t>
             </a:r>
           </a:p>
         </p:txBody>
@@ -10704,7 +10763,7 @@
       </p:grpSpPr>
       <p:sp>
         <p:nvSpPr>
-          <p:cNvPr id="336" name="Appendix - 127.0.0.1 vs localhost vs 0.0.0.0"/>
+          <p:cNvPr id="344" name="Appendix - ERR_UNSAFE_PORT"/>
           <p:cNvSpPr txBox="1"/>
           <p:nvPr>
             <p:ph type="title"/>
@@ -10718,21 +10777,21 @@
         <p:txBody>
           <a:bodyPr/>
           <a:lstStyle>
-            <a:lvl1pPr defTabSz="602615">
-              <a:defRPr sz="8176"/>
+            <a:lvl1pPr defTabSz="800735">
+              <a:defRPr sz="10864"/>
             </a:lvl1pPr>
           </a:lstStyle>
           <a:p>
             <a:pPr/>
             <a:r>
-              <a:t>Appendix - 127.0.0.1 vs localhost vs 0.0.0.0</a:t>
+              <a:t>Appendix - ERR_UNSAFE_PORT</a:t>
             </a:r>
           </a:p>
         </p:txBody>
       </p:sp>
       <p:sp>
         <p:nvSpPr>
-          <p:cNvPr id="337" name="localhost vs 0.0.0.0 vs 127.0.0.1…"/>
+          <p:cNvPr id="345" name="問題…"/>
           <p:cNvSpPr txBox="1"/>
           <p:nvPr>
             <p:ph type="body" idx="1"/>
@@ -10747,156 +10806,77 @@
           <a:bodyPr/>
           <a:lstStyle/>
           <a:p>
-            <a:pPr marL="603250" indent="-603250" defTabSz="784225">
-              <a:spcBef>
-                <a:spcPts val="1300"/>
-              </a:spcBef>
-              <a:defRPr sz="4560"/>
+            <a:pPr marL="558800" indent="-558800" defTabSz="726440">
+              <a:spcBef>
+                <a:spcPts val="1200"/>
+              </a:spcBef>
+              <a:defRPr sz="4224"/>
             </a:pPr>
             <a:r>
-              <a:t>localhost vs 0.0.0.0 vs 127.0.0.1</a:t>
-            </a:r>
-          </a:p>
-          <a:p>
-            <a:pPr marL="603250" indent="-603250" defTabSz="784225">
-              <a:spcBef>
-                <a:spcPts val="1300"/>
-              </a:spcBef>
-              <a:defRPr sz="4560"/>
+              <a:t>問題</a:t>
+            </a:r>
+          </a:p>
+          <a:p>
+            <a:pPr lvl="1" marL="1117600" indent="-558800" defTabSz="726440">
+              <a:spcBef>
+                <a:spcPts val="1200"/>
+              </a:spcBef>
+              <a:defRPr sz="3696"/>
             </a:pPr>
             <a:r>
-              <a:t>127.0.0.1</a:t>
-            </a:r>
-          </a:p>
-          <a:p>
-            <a:pPr lvl="1" marL="1206500" indent="-603250" defTabSz="784225">
-              <a:spcBef>
-                <a:spcPts val="1300"/>
-              </a:spcBef>
-              <a:defRPr sz="3989"/>
+              <a:t>以 6666 port 開啟服務，使用 Chrome 瀏覽時出現 ERR_UNSAFE_PORT 錯誤訊息</a:t>
+            </a:r>
+          </a:p>
+          <a:p>
+            <a:pPr marL="558800" indent="-558800" defTabSz="726440">
+              <a:spcBef>
+                <a:spcPts val="1200"/>
+              </a:spcBef>
+              <a:defRPr sz="4224"/>
             </a:pPr>
             <a:r>
-              <a:t>This is a "fake" network adapter that can only communicate within the same host.</a:t>
-            </a:r>
-          </a:p>
-          <a:p>
-            <a:pPr lvl="1" marL="1206500" indent="-603250" defTabSz="784225">
-              <a:spcBef>
-                <a:spcPts val="1300"/>
-              </a:spcBef>
-              <a:defRPr sz="3989"/>
+              <a:t>原因</a:t>
+            </a:r>
+          </a:p>
+          <a:p>
+            <a:pPr lvl="1" marL="1117600" indent="-558800" defTabSz="726440">
+              <a:spcBef>
+                <a:spcPts val="1200"/>
+              </a:spcBef>
+              <a:defRPr sz="3696"/>
             </a:pPr>
             <a:r>
-              <a:t>A process that is listening on 127.0.0.1 for connections will </a:t>
-            </a:r>
-            <a:r>
-              <a:rPr>
-                <a:solidFill>
-                  <a:schemeClr val="accent4">
-                    <a:hueOff val="-1081314"/>
-                    <a:satOff val="4338"/>
-                    <a:lumOff val="-8931"/>
-                  </a:schemeClr>
-                </a:solidFill>
-              </a:rPr>
-              <a:t>only receive local connections</a:t>
-            </a:r>
-            <a:r>
-              <a:t> on that socket.</a:t>
-            </a:r>
-          </a:p>
-          <a:p>
-            <a:pPr marL="603250" indent="-603250" defTabSz="784225">
-              <a:spcBef>
-                <a:spcPts val="1300"/>
-              </a:spcBef>
-              <a:defRPr sz="4560"/>
+              <a:t>基於安全理由 Chrome 或其他瀏覽器會直接阻擋特定 port 的服務。Chromium 的原始碼有列出會被阻擋的清單，在使用時應特別注意。</a:t>
+            </a:r>
+          </a:p>
+          <a:p>
+            <a:pPr lvl="1" marL="1117600" indent="-558800" defTabSz="726440">
+              <a:spcBef>
+                <a:spcPts val="1200"/>
+              </a:spcBef>
+              <a:defRPr sz="3696"/>
             </a:pPr>
             <a:r>
-              <a:t>localhost</a:t>
-            </a:r>
-          </a:p>
-          <a:p>
-            <a:pPr lvl="1" marL="1206500" indent="-603250" defTabSz="784225">
-              <a:spcBef>
-                <a:spcPts val="1300"/>
-              </a:spcBef>
-              <a:defRPr sz="3989"/>
+              <a:t>6665~6669 是 IRC protocol 預設使用的 Port。IRC 有許多安全漏洞，為了避免 Chrome 變成跳板去影響其他服務，所以會主動進行阻擋。因此這些阻擋是保護 Service 本身，而不是保護 Chrome 的使用者。</a:t>
+            </a:r>
+          </a:p>
+          <a:p>
+            <a:pPr marL="558800" indent="-558800" defTabSz="726440">
+              <a:spcBef>
+                <a:spcPts val="1200"/>
+              </a:spcBef>
+              <a:defRPr sz="4224"/>
             </a:pPr>
             <a:r>
-              <a:rPr>
-                <a:solidFill>
-                  <a:schemeClr val="accent4">
-                    <a:hueOff val="-1081314"/>
-                    <a:satOff val="4338"/>
-                    <a:lumOff val="-8931"/>
-                  </a:schemeClr>
-                </a:solidFill>
-              </a:rPr>
-              <a:t>Hostname</a:t>
-            </a:r>
-            <a:r>
-              <a:t> for the </a:t>
-            </a:r>
-            <a:r>
-              <a:rPr>
-                <a:solidFill>
-                  <a:schemeClr val="accent4">
-                    <a:hueOff val="-1081314"/>
-                    <a:satOff val="4338"/>
-                    <a:lumOff val="-8931"/>
-                  </a:schemeClr>
-                </a:solidFill>
-              </a:rPr>
-              <a:t>127.0.0.1</a:t>
-            </a:r>
-            <a:r>
-              <a:t> IP address. </a:t>
-            </a:r>
-          </a:p>
-          <a:p>
-            <a:pPr marL="603250" indent="-603250" defTabSz="784225">
-              <a:spcBef>
-                <a:spcPts val="1300"/>
-              </a:spcBef>
-              <a:defRPr sz="4560"/>
-            </a:pPr>
-            <a:r>
-              <a:t>0.0.0.0</a:t>
-            </a:r>
-          </a:p>
-          <a:p>
-            <a:pPr lvl="1" marL="1206500" indent="-603250" defTabSz="784225">
-              <a:spcBef>
-                <a:spcPts val="1300"/>
-              </a:spcBef>
-              <a:defRPr sz="3989"/>
-            </a:pPr>
-            <a:r>
-              <a:t>When a server is told to listen on 0.0.0.0 that means "</a:t>
-            </a:r>
-            <a:r>
-              <a:rPr>
-                <a:solidFill>
-                  <a:schemeClr val="accent4">
-                    <a:hueOff val="-1081314"/>
-                    <a:satOff val="4338"/>
-                    <a:lumOff val="-8931"/>
-                  </a:schemeClr>
-                </a:solidFill>
-              </a:rPr>
-              <a:t>listen on every available network interface</a:t>
-            </a:r>
-            <a:r>
-              <a:t>”.</a:t>
-            </a:r>
-          </a:p>
-          <a:p>
-            <a:pPr marL="603250" indent="-603250" defTabSz="784225">
-              <a:spcBef>
-                <a:spcPts val="1300"/>
-              </a:spcBef>
-              <a:defRPr sz="4560"/>
+              <a:t>Reference</a:t>
+            </a:r>
+          </a:p>
+          <a:p>
+            <a:pPr lvl="1" marL="1117600" indent="-558800" defTabSz="726440">
+              <a:spcBef>
+                <a:spcPts val="1200"/>
+              </a:spcBef>
+              <a:defRPr sz="3696"/>
             </a:pPr>
             <a:r>
               <a:rPr u="sng">
@@ -10905,7 +10885,41 @@
                 </a:solidFill>
                 <a:hlinkClick r:id="rId2" invalidUrl="" action="" tgtFrame="" tooltip="" history="1" highlightClick="0" endSnd="0"/>
               </a:rPr>
-              <a:t>Stack Overflow - What is the difference between 0.0.0.0, 127.0.0.1 and localhost?</a:t>
+              <a:t>Chrome错误代码:ERR_UNSAFE_PORT</a:t>
+            </a:r>
+          </a:p>
+          <a:p>
+            <a:pPr lvl="1" marL="1117600" indent="-558800" defTabSz="726440">
+              <a:spcBef>
+                <a:spcPts val="1200"/>
+              </a:spcBef>
+              <a:defRPr sz="3696"/>
+            </a:pPr>
+            <a:r>
+              <a:rPr u="sng">
+                <a:solidFill>
+                  <a:schemeClr val="accent1"/>
+                </a:solidFill>
+                <a:hlinkClick r:id="rId3" invalidUrl="" action="" tgtFrame="" tooltip="" history="1" highlightClick="0" endSnd="0"/>
+              </a:rPr>
+              <a:t>Which ports are considered unsafe by Chrome?</a:t>
+            </a:r>
+          </a:p>
+          <a:p>
+            <a:pPr lvl="1" marL="1117600" indent="-558800" defTabSz="726440">
+              <a:spcBef>
+                <a:spcPts val="1200"/>
+              </a:spcBef>
+              <a:defRPr sz="3696"/>
+            </a:pPr>
+            <a:r>
+              <a:rPr u="sng">
+                <a:solidFill>
+                  <a:schemeClr val="accent1"/>
+                </a:solidFill>
+                <a:hlinkClick r:id="rId4" invalidUrl="" action="" tgtFrame="" tooltip="" history="1" highlightClick="0" endSnd="0"/>
+              </a:rPr>
+              <a:t>Why does Chrome consider some ports unsafe?</a:t>
             </a:r>
           </a:p>
         </p:txBody>
@@ -10938,7 +10952,7 @@
       </p:grpSpPr>
       <p:sp>
         <p:nvSpPr>
-          <p:cNvPr id="339" name="Reference"/>
+          <p:cNvPr id="347" name="Appendix - 127.0.0.1 vs localhost vs 0.0.0.0"/>
           <p:cNvSpPr txBox="1"/>
           <p:nvPr>
             <p:ph type="title"/>
@@ -10951,18 +10965,22 @@
         </p:spPr>
         <p:txBody>
           <a:bodyPr/>
-          <a:lstStyle/>
-          <a:p>
-            <a:pPr/>
-            <a:r>
-              <a:t>Reference</a:t>
+          <a:lstStyle>
+            <a:lvl1pPr defTabSz="602615">
+              <a:defRPr sz="8176"/>
+            </a:lvl1pPr>
+          </a:lstStyle>
+          <a:p>
+            <a:pPr/>
+            <a:r>
+              <a:t>Appendix - 127.0.0.1 vs localhost vs 0.0.0.0</a:t>
             </a:r>
           </a:p>
         </p:txBody>
       </p:sp>
       <p:sp>
         <p:nvSpPr>
-          <p:cNvPr id="340" name="Container的歷史…"/>
+          <p:cNvPr id="348" name="localhost vs 0.0.0.0 vs 127.0.0.1…"/>
           <p:cNvSpPr txBox="1"/>
           <p:nvPr>
             <p:ph type="body" idx="1"/>
@@ -10976,6 +10994,151 @@
         <p:txBody>
           <a:bodyPr/>
           <a:lstStyle/>
+          <a:p>
+            <a:pPr marL="603250" indent="-603250" defTabSz="784225">
+              <a:spcBef>
+                <a:spcPts val="1300"/>
+              </a:spcBef>
+              <a:defRPr sz="4560"/>
+            </a:pPr>
+            <a:r>
+              <a:t>localhost vs 0.0.0.0 vs 127.0.0.1</a:t>
+            </a:r>
+          </a:p>
+          <a:p>
+            <a:pPr marL="603250" indent="-603250" defTabSz="784225">
+              <a:spcBef>
+                <a:spcPts val="1300"/>
+              </a:spcBef>
+              <a:defRPr sz="4560"/>
+            </a:pPr>
+            <a:r>
+              <a:t>127.0.0.1</a:t>
+            </a:r>
+          </a:p>
+          <a:p>
+            <a:pPr lvl="1" marL="1206500" indent="-603250" defTabSz="784225">
+              <a:spcBef>
+                <a:spcPts val="1300"/>
+              </a:spcBef>
+              <a:defRPr sz="3989"/>
+            </a:pPr>
+            <a:r>
+              <a:t>This is a "fake" network adapter that can only communicate within the same host.</a:t>
+            </a:r>
+          </a:p>
+          <a:p>
+            <a:pPr lvl="1" marL="1206500" indent="-603250" defTabSz="784225">
+              <a:spcBef>
+                <a:spcPts val="1300"/>
+              </a:spcBef>
+              <a:defRPr sz="3989"/>
+            </a:pPr>
+            <a:r>
+              <a:t>A process that is listening on 127.0.0.1 for connections will </a:t>
+            </a:r>
+            <a:r>
+              <a:rPr>
+                <a:solidFill>
+                  <a:schemeClr val="accent4">
+                    <a:hueOff val="-1081314"/>
+                    <a:satOff val="4338"/>
+                    <a:lumOff val="-8931"/>
+                  </a:schemeClr>
+                </a:solidFill>
+              </a:rPr>
+              <a:t>only receive local connections</a:t>
+            </a:r>
+            <a:r>
+              <a:t> on that socket.</a:t>
+            </a:r>
+          </a:p>
+          <a:p>
+            <a:pPr marL="603250" indent="-603250" defTabSz="784225">
+              <a:spcBef>
+                <a:spcPts val="1300"/>
+              </a:spcBef>
+              <a:defRPr sz="4560"/>
+            </a:pPr>
+            <a:r>
+              <a:t>localhost</a:t>
+            </a:r>
+          </a:p>
+          <a:p>
+            <a:pPr lvl="1" marL="1206500" indent="-603250" defTabSz="784225">
+              <a:spcBef>
+                <a:spcPts val="1300"/>
+              </a:spcBef>
+              <a:defRPr sz="3989"/>
+            </a:pPr>
+            <a:r>
+              <a:rPr>
+                <a:solidFill>
+                  <a:schemeClr val="accent4">
+                    <a:hueOff val="-1081314"/>
+                    <a:satOff val="4338"/>
+                    <a:lumOff val="-8931"/>
+                  </a:schemeClr>
+                </a:solidFill>
+              </a:rPr>
+              <a:t>Hostname</a:t>
+            </a:r>
+            <a:r>
+              <a:t> for the </a:t>
+            </a:r>
+            <a:r>
+              <a:rPr>
+                <a:solidFill>
+                  <a:schemeClr val="accent4">
+                    <a:hueOff val="-1081314"/>
+                    <a:satOff val="4338"/>
+                    <a:lumOff val="-8931"/>
+                  </a:schemeClr>
+                </a:solidFill>
+              </a:rPr>
+              <a:t>127.0.0.1</a:t>
+            </a:r>
+            <a:r>
+              <a:t> IP address. </a:t>
+            </a:r>
+          </a:p>
+          <a:p>
+            <a:pPr marL="603250" indent="-603250" defTabSz="784225">
+              <a:spcBef>
+                <a:spcPts val="1300"/>
+              </a:spcBef>
+              <a:defRPr sz="4560"/>
+            </a:pPr>
+            <a:r>
+              <a:t>0.0.0.0</a:t>
+            </a:r>
+          </a:p>
+          <a:p>
+            <a:pPr lvl="1" marL="1206500" indent="-603250" defTabSz="784225">
+              <a:spcBef>
+                <a:spcPts val="1300"/>
+              </a:spcBef>
+              <a:defRPr sz="3989"/>
+            </a:pPr>
+            <a:r>
+              <a:t>When a server is told to listen on 0.0.0.0 that means "</a:t>
+            </a:r>
+            <a:r>
+              <a:rPr>
+                <a:solidFill>
+                  <a:schemeClr val="accent4">
+                    <a:hueOff val="-1081314"/>
+                    <a:satOff val="4338"/>
+                    <a:lumOff val="-8931"/>
+                  </a:schemeClr>
+                </a:solidFill>
+              </a:rPr>
+              <a:t>listen on every available network interface</a:t>
+            </a:r>
+            <a:r>
+              <a:t>”.</a:t>
+            </a:r>
+          </a:p>
           <a:p>
             <a:pPr marL="603250" indent="-603250" defTabSz="784225">
               <a:spcBef>
@@ -10990,160 +11153,7 @@
                 </a:solidFill>
                 <a:hlinkClick r:id="rId2" invalidUrl="" action="" tgtFrame="" tooltip="" history="1" highlightClick="0" endSnd="0"/>
               </a:rPr>
-              <a:t>Container的歷史</a:t>
-            </a:r>
-          </a:p>
-          <a:p>
-            <a:pPr marL="603250" indent="-603250" defTabSz="784225">
-              <a:spcBef>
-                <a:spcPts val="1300"/>
-              </a:spcBef>
-              <a:defRPr sz="4560"/>
-            </a:pPr>
-            <a:r>
-              <a:rPr u="sng">
-                <a:solidFill>
-                  <a:schemeClr val="accent1"/>
-                </a:solidFill>
-                <a:hlinkClick r:id="rId3" invalidUrl="" action="" tgtFrame="" tooltip="" history="1" highlightClick="0" endSnd="0"/>
-              </a:rPr>
-              <a:t>Docker 传奇之 dotCloud</a:t>
-            </a:r>
-          </a:p>
-          <a:p>
-            <a:pPr marL="603250" indent="-603250" defTabSz="784225">
-              <a:spcBef>
-                <a:spcPts val="1300"/>
-              </a:spcBef>
-              <a:defRPr sz="4560"/>
-            </a:pPr>
-            <a:r>
-              <a:rPr u="sng">
-                <a:solidFill>
-                  <a:schemeClr val="accent1"/>
-                </a:solidFill>
-                <a:hlinkClick r:id="rId4" invalidUrl="" action="" tgtFrame="" tooltip="" history="1" highlightClick="0" endSnd="0"/>
-              </a:rPr>
-              <a:t>初探Docker - Docker 跟 LXC 以及一般Hypervisor有何差別？</a:t>
-            </a:r>
-          </a:p>
-          <a:p>
-            <a:pPr marL="603250" indent="-603250" defTabSz="784225">
-              <a:spcBef>
-                <a:spcPts val="1300"/>
-              </a:spcBef>
-              <a:defRPr sz="4560"/>
-            </a:pPr>
-            <a:r>
-              <a:rPr u="sng">
-                <a:solidFill>
-                  <a:schemeClr val="accent1"/>
-                </a:solidFill>
-                <a:hlinkClick r:id="rId5" invalidUrl="" action="" tgtFrame="" tooltip="" history="1" highlightClick="0" endSnd="0"/>
-              </a:rPr>
-              <a:t>最完整的Docker聖經 - Docker原理圖解及全環境安裝</a:t>
-            </a:r>
-          </a:p>
-          <a:p>
-            <a:pPr marL="603250" indent="-603250" defTabSz="784225">
-              <a:spcBef>
-                <a:spcPts val="1300"/>
-              </a:spcBef>
-              <a:defRPr sz="4560"/>
-            </a:pPr>
-            <a:r>
-              <a:rPr u="sng">
-                <a:solidFill>
-                  <a:schemeClr val="accent1"/>
-                </a:solidFill>
-                <a:hlinkClick r:id="rId6" invalidUrl="" action="" tgtFrame="" tooltip="" history="1" highlightClick="0" endSnd="0"/>
-              </a:rPr>
-              <a:t>The Magic Behind the Scenes of Docker Desktop</a:t>
-            </a:r>
-          </a:p>
-          <a:p>
-            <a:pPr marL="603250" indent="-603250" defTabSz="784225">
-              <a:spcBef>
-                <a:spcPts val="1300"/>
-              </a:spcBef>
-              <a:defRPr sz="4560"/>
-            </a:pPr>
-            <a:r>
-              <a:rPr u="sng">
-                <a:solidFill>
-                  <a:schemeClr val="accent1"/>
-                </a:solidFill>
-                <a:hlinkClick r:id="rId7" invalidUrl="" action="" tgtFrame="" tooltip="" history="1" highlightClick="0" endSnd="0"/>
-              </a:rPr>
-              <a:t>Explaining Docker Image IDs</a:t>
-            </a:r>
-          </a:p>
-          <a:p>
-            <a:pPr marL="603250" indent="-603250" defTabSz="784225">
-              <a:spcBef>
-                <a:spcPts val="1300"/>
-              </a:spcBef>
-              <a:defRPr sz="4560"/>
-            </a:pPr>
-            <a:r>
-              <a:rPr u="sng">
-                <a:solidFill>
-                  <a:schemeClr val="accent1"/>
-                </a:solidFill>
-                <a:hlinkClick r:id="rId8" invalidUrl="" action="" tgtFrame="" tooltip="" history="1" highlightClick="0" endSnd="0"/>
-              </a:rPr>
-              <a:t>Lifecycle of Docker Container</a:t>
-            </a:r>
-          </a:p>
-          <a:p>
-            <a:pPr marL="603250" indent="-603250" defTabSz="784225">
-              <a:spcBef>
-                <a:spcPts val="1300"/>
-              </a:spcBef>
-              <a:defRPr sz="4560"/>
-            </a:pPr>
-            <a:r>
-              <a:rPr u="sng">
-                <a:solidFill>
-                  <a:schemeClr val="accent1"/>
-                </a:solidFill>
-                <a:hlinkClick r:id="rId9" invalidUrl="" action="" tgtFrame="" tooltip="" history="1" highlightClick="0" endSnd="0"/>
-              </a:rPr>
-              <a:t>Understanding Docker Container Exit Codes</a:t>
-            </a:r>
-          </a:p>
-          <a:p>
-            <a:pPr marL="603250" indent="-603250" defTabSz="784225">
-              <a:spcBef>
-                <a:spcPts val="1300"/>
-              </a:spcBef>
-              <a:defRPr sz="4560"/>
-            </a:pPr>
-            <a:r>
-              <a:rPr u="sng">
-                <a:solidFill>
-                  <a:schemeClr val="accent1"/>
-                </a:solidFill>
-                <a:hlinkClick r:id="rId10" invalidUrl="" action="" tgtFrame="" tooltip="" history="1" highlightClick="0" endSnd="0"/>
-              </a:rPr>
-              <a:t>邱牛 iThome 鐵人賽 K8s 系列文</a:t>
-            </a:r>
-          </a:p>
-          <a:p>
-            <a:pPr marL="603250" indent="-603250" defTabSz="784225">
-              <a:spcBef>
-                <a:spcPts val="1300"/>
-              </a:spcBef>
-              <a:defRPr sz="4560"/>
-            </a:pPr>
-            <a:r>
-              <a:rPr u="sng">
-                <a:solidFill>
-                  <a:schemeClr val="accent1"/>
-                </a:solidFill>
-                <a:hlinkClick r:id="rId11" invalidUrl="" action="" tgtFrame="" tooltip="" history="1" highlightClick="0" endSnd="0"/>
-              </a:rPr>
-              <a:t>Docker Images Without Docker — A Practical Guide</a:t>
+              <a:t>Stack Overflow - What is the difference between 0.0.0.0, 127.0.0.1 and localhost?</a:t>
             </a:r>
           </a:p>
         </p:txBody>
@@ -11354,6 +11364,244 @@
           </a:ln>
         </p:spPr>
       </p:pic>
+    </p:spTree>
+  </p:cSld>
+  <p:clrMapOvr>
+    <a:masterClrMapping/>
+  </p:clrMapOvr>
+  <p:transition xmlns:p14="http://schemas.microsoft.com/office/powerpoint/2010/main" spd="med" advClick="1"/>
+</p:sld>
+</file>
+
+<file path=ppt/slides/slide50.xml><?xml version="1.0" encoding="utf-8"?>
+<p:sld xmlns:a="http://schemas.openxmlformats.org/drawingml/2006/main" xmlns:r="http://schemas.openxmlformats.org/officeDocument/2006/relationships" xmlns:p="http://schemas.openxmlformats.org/presentationml/2006/main" xmlns:m="http://schemas.openxmlformats.org/officeDocument/2006/math" xmlns:a14="http://schemas.microsoft.com/office/drawing/2010/main" showMasterSp="1" showMasterPhAnim="1">
+  <p:cSld>
+    <p:spTree>
+      <p:nvGrpSpPr>
+        <p:cNvPr id="1" name=""/>
+        <p:cNvGrpSpPr/>
+        <p:nvPr/>
+      </p:nvGrpSpPr>
+      <p:grpSpPr>
+        <a:xfrm>
+          <a:off x="0" y="0"/>
+          <a:ext cx="0" cy="0"/>
+          <a:chOff x="0" y="0"/>
+          <a:chExt cx="0" cy="0"/>
+        </a:xfrm>
+      </p:grpSpPr>
+      <p:sp>
+        <p:nvSpPr>
+          <p:cNvPr id="350" name="Reference"/>
+          <p:cNvSpPr txBox="1"/>
+          <p:nvPr>
+            <p:ph type="title"/>
+          </p:nvPr>
+        </p:nvSpPr>
+        <p:spPr>
+          <a:prstGeom prst="rect">
+            <a:avLst/>
+          </a:prstGeom>
+        </p:spPr>
+        <p:txBody>
+          <a:bodyPr/>
+          <a:lstStyle/>
+          <a:p>
+            <a:pPr/>
+            <a:r>
+              <a:t>Reference</a:t>
+            </a:r>
+          </a:p>
+        </p:txBody>
+      </p:sp>
+      <p:sp>
+        <p:nvSpPr>
+          <p:cNvPr id="351" name="Container的歷史…"/>
+          <p:cNvSpPr txBox="1"/>
+          <p:nvPr>
+            <p:ph type="body" idx="1"/>
+          </p:nvPr>
+        </p:nvSpPr>
+        <p:spPr>
+          <a:prstGeom prst="rect">
+            <a:avLst/>
+          </a:prstGeom>
+        </p:spPr>
+        <p:txBody>
+          <a:bodyPr/>
+          <a:lstStyle/>
+          <a:p>
+            <a:pPr marL="603250" indent="-603250" defTabSz="784225">
+              <a:spcBef>
+                <a:spcPts val="1300"/>
+              </a:spcBef>
+              <a:defRPr sz="4560"/>
+            </a:pPr>
+            <a:r>
+              <a:rPr u="sng">
+                <a:solidFill>
+                  <a:schemeClr val="accent1"/>
+                </a:solidFill>
+                <a:hlinkClick r:id="rId2" invalidUrl="" action="" tgtFrame="" tooltip="" history="1" highlightClick="0" endSnd="0"/>
+              </a:rPr>
+              <a:t>Container的歷史</a:t>
+            </a:r>
+          </a:p>
+          <a:p>
+            <a:pPr marL="603250" indent="-603250" defTabSz="784225">
+              <a:spcBef>
+                <a:spcPts val="1300"/>
+              </a:spcBef>
+              <a:defRPr sz="4560"/>
+            </a:pPr>
+            <a:r>
+              <a:rPr u="sng">
+                <a:solidFill>
+                  <a:schemeClr val="accent1"/>
+                </a:solidFill>
+                <a:hlinkClick r:id="rId3" invalidUrl="" action="" tgtFrame="" tooltip="" history="1" highlightClick="0" endSnd="0"/>
+              </a:rPr>
+              <a:t>Docker 传奇之 dotCloud</a:t>
+            </a:r>
+          </a:p>
+          <a:p>
+            <a:pPr marL="603250" indent="-603250" defTabSz="784225">
+              <a:spcBef>
+                <a:spcPts val="1300"/>
+              </a:spcBef>
+              <a:defRPr sz="4560"/>
+            </a:pPr>
+            <a:r>
+              <a:rPr u="sng">
+                <a:solidFill>
+                  <a:schemeClr val="accent1"/>
+                </a:solidFill>
+                <a:hlinkClick r:id="rId4" invalidUrl="" action="" tgtFrame="" tooltip="" history="1" highlightClick="0" endSnd="0"/>
+              </a:rPr>
+              <a:t>初探Docker - Docker 跟 LXC 以及一般Hypervisor有何差別？</a:t>
+            </a:r>
+          </a:p>
+          <a:p>
+            <a:pPr marL="603250" indent="-603250" defTabSz="784225">
+              <a:spcBef>
+                <a:spcPts val="1300"/>
+              </a:spcBef>
+              <a:defRPr sz="4560"/>
+            </a:pPr>
+            <a:r>
+              <a:rPr u="sng">
+                <a:solidFill>
+                  <a:schemeClr val="accent1"/>
+                </a:solidFill>
+                <a:hlinkClick r:id="rId5" invalidUrl="" action="" tgtFrame="" tooltip="" history="1" highlightClick="0" endSnd="0"/>
+              </a:rPr>
+              <a:t>最完整的Docker聖經 - Docker原理圖解及全環境安裝</a:t>
+            </a:r>
+          </a:p>
+          <a:p>
+            <a:pPr marL="603250" indent="-603250" defTabSz="784225">
+              <a:spcBef>
+                <a:spcPts val="1300"/>
+              </a:spcBef>
+              <a:defRPr sz="4560"/>
+            </a:pPr>
+            <a:r>
+              <a:rPr u="sng">
+                <a:solidFill>
+                  <a:schemeClr val="accent1"/>
+                </a:solidFill>
+                <a:hlinkClick r:id="rId6" invalidUrl="" action="" tgtFrame="" tooltip="" history="1" highlightClick="0" endSnd="0"/>
+              </a:rPr>
+              <a:t>The Magic Behind the Scenes of Docker Desktop</a:t>
+            </a:r>
+          </a:p>
+          <a:p>
+            <a:pPr marL="603250" indent="-603250" defTabSz="784225">
+              <a:spcBef>
+                <a:spcPts val="1300"/>
+              </a:spcBef>
+              <a:defRPr sz="4560"/>
+            </a:pPr>
+            <a:r>
+              <a:rPr u="sng">
+                <a:solidFill>
+                  <a:schemeClr val="accent1"/>
+                </a:solidFill>
+                <a:hlinkClick r:id="rId7" invalidUrl="" action="" tgtFrame="" tooltip="" history="1" highlightClick="0" endSnd="0"/>
+              </a:rPr>
+              <a:t>Explaining Docker Image IDs</a:t>
+            </a:r>
+          </a:p>
+          <a:p>
+            <a:pPr marL="603250" indent="-603250" defTabSz="784225">
+              <a:spcBef>
+                <a:spcPts val="1300"/>
+              </a:spcBef>
+              <a:defRPr sz="4560"/>
+            </a:pPr>
+            <a:r>
+              <a:rPr u="sng">
+                <a:solidFill>
+                  <a:schemeClr val="accent1"/>
+                </a:solidFill>
+                <a:hlinkClick r:id="rId8" invalidUrl="" action="" tgtFrame="" tooltip="" history="1" highlightClick="0" endSnd="0"/>
+              </a:rPr>
+              <a:t>Lifecycle of Docker Container</a:t>
+            </a:r>
+          </a:p>
+          <a:p>
+            <a:pPr marL="603250" indent="-603250" defTabSz="784225">
+              <a:spcBef>
+                <a:spcPts val="1300"/>
+              </a:spcBef>
+              <a:defRPr sz="4560"/>
+            </a:pPr>
+            <a:r>
+              <a:rPr u="sng">
+                <a:solidFill>
+                  <a:schemeClr val="accent1"/>
+                </a:solidFill>
+                <a:hlinkClick r:id="rId9" invalidUrl="" action="" tgtFrame="" tooltip="" history="1" highlightClick="0" endSnd="0"/>
+              </a:rPr>
+              <a:t>Understanding Docker Container Exit Codes</a:t>
+            </a:r>
+          </a:p>
+          <a:p>
+            <a:pPr marL="603250" indent="-603250" defTabSz="784225">
+              <a:spcBef>
+                <a:spcPts val="1300"/>
+              </a:spcBef>
+              <a:defRPr sz="4560"/>
+            </a:pPr>
+            <a:r>
+              <a:rPr u="sng">
+                <a:solidFill>
+                  <a:schemeClr val="accent1"/>
+                </a:solidFill>
+                <a:hlinkClick r:id="rId10" invalidUrl="" action="" tgtFrame="" tooltip="" history="1" highlightClick="0" endSnd="0"/>
+              </a:rPr>
+              <a:t>邱牛 iThome 鐵人賽 K8s 系列文</a:t>
+            </a:r>
+          </a:p>
+          <a:p>
+            <a:pPr marL="603250" indent="-603250" defTabSz="784225">
+              <a:spcBef>
+                <a:spcPts val="1300"/>
+              </a:spcBef>
+              <a:defRPr sz="4560"/>
+            </a:pPr>
+            <a:r>
+              <a:rPr u="sng">
+                <a:solidFill>
+                  <a:schemeClr val="accent1"/>
+                </a:solidFill>
+                <a:hlinkClick r:id="rId11" invalidUrl="" action="" tgtFrame="" tooltip="" history="1" highlightClick="0" endSnd="0"/>
+              </a:rPr>
+              <a:t>Docker Images Without Docker — A Practical Guide</a:t>
+            </a:r>
+          </a:p>
+        </p:txBody>
+      </p:sp>
     </p:spTree>
   </p:cSld>
   <p:clrMapOvr>
